--- a/Assets/Slice/《资源管理——从理论到实践》.pptx
+++ b/Assets/Slice/《资源管理——从理论到实践》.pptx
@@ -209,6 +209,9 @@
         </p14:section>
       </p14:sectionLst>
     </p:ext>
+    <p:ext uri="{EFAFB233-063F-42B5-8137-9DF3F51BA10A}">
+      <p15:sldGuideLst xmlns:p15="http://schemas.microsoft.com/office/powerpoint/2012/main"/>
+    </p:ext>
   </p:extLst>
 </p:presentation>
 </file>
@@ -307,7 +310,7 @@
           <a:p>
             <a:fld id="{7B0657A4-61F4-49FE-9C30-08E1F108921E}" type="datetimeFigureOut">
               <a:rPr lang="zh-CN" altLang="en-US" smtClean="0"/>
-              <a:t>2020/7/13</a:t>
+              <a:t>2020/7/14</a:t>
             </a:fld>
             <a:endParaRPr lang="zh-CN" altLang="en-US"/>
           </a:p>
@@ -371,38 +374,37 @@
           <a:p>
             <a:pPr lvl="0"/>
             <a:r>
-              <a:rPr lang="zh-CN" altLang="en-US" smtClean="0"/>
+              <a:rPr lang="zh-CN" altLang="en-US"/>
               <a:t>编辑母版文本样式</a:t>
             </a:r>
           </a:p>
           <a:p>
             <a:pPr lvl="1"/>
             <a:r>
-              <a:rPr lang="zh-CN" altLang="en-US" smtClean="0"/>
+              <a:rPr lang="zh-CN" altLang="en-US"/>
               <a:t>第二级</a:t>
             </a:r>
           </a:p>
           <a:p>
             <a:pPr lvl="2"/>
             <a:r>
-              <a:rPr lang="zh-CN" altLang="en-US" smtClean="0"/>
+              <a:rPr lang="zh-CN" altLang="en-US"/>
               <a:t>第三级</a:t>
             </a:r>
           </a:p>
           <a:p>
             <a:pPr lvl="3"/>
             <a:r>
-              <a:rPr lang="zh-CN" altLang="en-US" smtClean="0"/>
+              <a:rPr lang="zh-CN" altLang="en-US"/>
               <a:t>第四级</a:t>
             </a:r>
           </a:p>
           <a:p>
             <a:pPr lvl="4"/>
             <a:r>
-              <a:rPr lang="zh-CN" altLang="en-US" smtClean="0"/>
+              <a:rPr lang="zh-CN" altLang="en-US"/>
               <a:t>第五级</a:t>
             </a:r>
-            <a:endParaRPr lang="zh-CN" altLang="en-US"/>
           </a:p>
         </p:txBody>
       </p:sp>
@@ -708,73 +710,73 @@
               <a:buChar char="•"/>
             </a:pPr>
             <a:r>
-              <a:rPr lang="zh-CN" altLang="en-US" sz="1200" dirty="0" smtClean="0">
+              <a:rPr lang="zh-CN" altLang="en-US" sz="1200" dirty="0">
                 <a:effectLst/>
               </a:rPr>
               <a:t>来源：外部导入（</a:t>
             </a:r>
             <a:r>
-              <a:rPr lang="en-US" altLang="zh-CN" sz="1200" dirty="0" smtClean="0">
+              <a:rPr lang="en-US" altLang="zh-CN" sz="1200" dirty="0">
                 <a:effectLst/>
               </a:rPr>
               <a:t>mesh, </a:t>
             </a:r>
             <a:r>
-              <a:rPr lang="en-US" altLang="zh-CN" sz="1200" dirty="0" err="1" smtClean="0">
+              <a:rPr lang="en-US" altLang="zh-CN" sz="1200" dirty="0" err="1">
                 <a:effectLst/>
               </a:rPr>
               <a:t>tex</a:t>
             </a:r>
             <a:r>
-              <a:rPr lang="en-US" altLang="zh-CN" sz="1200" dirty="0" smtClean="0">
+              <a:rPr lang="en-US" altLang="zh-CN" sz="1200" dirty="0">
                 <a:effectLst/>
               </a:rPr>
               <a:t>, audio, </a:t>
             </a:r>
             <a:r>
-              <a:rPr lang="en-US" altLang="zh-CN" sz="1200" dirty="0" err="1" smtClean="0">
+              <a:rPr lang="en-US" altLang="zh-CN" sz="1200" dirty="0" err="1">
                 <a:effectLst/>
               </a:rPr>
               <a:t>anim</a:t>
             </a:r>
             <a:r>
-              <a:rPr lang="zh-CN" altLang="en-US" sz="1200" dirty="0" smtClean="0">
+              <a:rPr lang="zh-CN" altLang="en-US" sz="1200" dirty="0">
                 <a:effectLst/>
               </a:rPr>
               <a:t>）和内部创建</a:t>
             </a:r>
             <a:r>
-              <a:rPr lang="en-US" altLang="zh-CN" sz="1200" dirty="0" smtClean="0">
+              <a:rPr lang="en-US" altLang="zh-CN" sz="1200" dirty="0">
                 <a:effectLst/>
               </a:rPr>
               <a:t>(</a:t>
             </a:r>
             <a:r>
-              <a:rPr lang="en-US" altLang="zh-CN" sz="1200" dirty="0" err="1" smtClean="0">
+              <a:rPr lang="en-US" altLang="zh-CN" sz="1200" dirty="0" err="1">
                 <a:effectLst/>
               </a:rPr>
               <a:t>shader</a:t>
             </a:r>
             <a:r>
-              <a:rPr lang="zh-CN" altLang="en-US" sz="1200" dirty="0" smtClean="0">
+              <a:rPr lang="zh-CN" altLang="en-US" sz="1200" dirty="0">
                 <a:effectLst/>
               </a:rPr>
               <a:t>，</a:t>
             </a:r>
             <a:r>
-              <a:rPr lang="en-US" altLang="zh-CN" sz="1200" dirty="0" smtClean="0">
+              <a:rPr lang="en-US" altLang="zh-CN" sz="1200" dirty="0">
                 <a:effectLst/>
               </a:rPr>
               <a:t>sprite, material, scriptable, prefab</a:t>
             </a:r>
             <a:r>
-              <a:rPr lang="zh-CN" altLang="en-US" sz="1200" dirty="0" smtClean="0">
+              <a:rPr lang="zh-CN" altLang="en-US" sz="1200" dirty="0">
                 <a:effectLst/>
               </a:rPr>
               <a:t>，</a:t>
             </a:r>
             <a:r>
-              <a:rPr lang="en-US" altLang="zh-CN" sz="1200" dirty="0" smtClean="0">
+              <a:rPr lang="en-US" altLang="zh-CN" sz="1200" dirty="0">
                 <a:effectLst/>
               </a:rPr>
               <a:t>unity)</a:t>
@@ -786,48 +788,48 @@
               <a:buChar char="•"/>
             </a:pPr>
             <a:r>
-              <a:rPr lang="zh-CN" altLang="en-US" sz="1200" dirty="0" smtClean="0">
+              <a:rPr lang="zh-CN" altLang="en-US" sz="1200" dirty="0">
                 <a:effectLst/>
               </a:rPr>
               <a:t>来源：除了外部数据（</a:t>
             </a:r>
             <a:r>
-              <a:rPr lang="en-US" altLang="zh-CN" sz="1200" dirty="0" err="1" smtClean="0">
+              <a:rPr lang="en-US" altLang="zh-CN" sz="1200" dirty="0" err="1">
                 <a:effectLst/>
               </a:rPr>
               <a:t>fbx</a:t>
             </a:r>
             <a:r>
-              <a:rPr lang="zh-CN" altLang="en-US" sz="1200" dirty="0" smtClean="0">
+              <a:rPr lang="zh-CN" altLang="en-US" sz="1200" dirty="0">
                 <a:effectLst/>
               </a:rPr>
               <a:t>，</a:t>
             </a:r>
             <a:r>
-              <a:rPr lang="en-US" altLang="zh-CN" sz="1200" dirty="0" err="1" smtClean="0">
+              <a:rPr lang="en-US" altLang="zh-CN" sz="1200" dirty="0" err="1">
                 <a:effectLst/>
               </a:rPr>
               <a:t>tex</a:t>
             </a:r>
             <a:r>
-              <a:rPr lang="zh-CN" altLang="en-US" sz="1200" dirty="0" smtClean="0">
+              <a:rPr lang="zh-CN" altLang="en-US" sz="1200" dirty="0">
                 <a:effectLst/>
               </a:rPr>
               <a:t>，</a:t>
             </a:r>
             <a:r>
-              <a:rPr lang="en-US" altLang="zh-CN" sz="1200" dirty="0" smtClean="0">
+              <a:rPr lang="en-US" altLang="zh-CN" sz="1200" dirty="0">
                 <a:effectLst/>
               </a:rPr>
               <a:t>audio clip</a:t>
             </a:r>
             <a:r>
-              <a:rPr lang="zh-CN" altLang="en-US" sz="1200" dirty="0" smtClean="0">
+              <a:rPr lang="zh-CN" altLang="en-US" sz="1200" dirty="0">
                 <a:effectLst/>
               </a:rPr>
               <a:t>）都是纯文本的</a:t>
             </a:r>
-            <a:endParaRPr lang="en-US" altLang="zh-CN" sz="1200" dirty="0" smtClean="0">
+            <a:endParaRPr lang="en-US" altLang="zh-CN" sz="1200" dirty="0">
               <a:effectLst/>
             </a:endParaRPr>
           </a:p>
@@ -837,18 +839,18 @@
               <a:buChar char="•"/>
             </a:pPr>
             <a:r>
-              <a:rPr lang="en-US" altLang="zh-CN" sz="1200" dirty="0" smtClean="0">
+              <a:rPr lang="en-US" altLang="zh-CN" sz="1200" dirty="0">
                 <a:effectLst/>
               </a:rPr>
               <a:t>Library</a:t>
             </a:r>
             <a:r>
-              <a:rPr lang="zh-CN" altLang="en-US" sz="1200" dirty="0" smtClean="0">
+              <a:rPr lang="zh-CN" altLang="en-US" sz="1200" dirty="0">
                 <a:effectLst/>
               </a:rPr>
               <a:t>，导入结果与平台相关</a:t>
             </a:r>
-            <a:endParaRPr lang="en-US" altLang="zh-CN" sz="1200" dirty="0" smtClean="0">
+            <a:endParaRPr lang="en-US" altLang="zh-CN" sz="1200" dirty="0">
               <a:effectLst/>
             </a:endParaRPr>
           </a:p>
@@ -858,78 +860,78 @@
               <a:buChar char="•"/>
             </a:pPr>
             <a:r>
-              <a:rPr lang="en-US" altLang="zh-CN" sz="1200" dirty="0" smtClean="0">
+              <a:rPr lang="en-US" altLang="zh-CN" sz="1200" dirty="0">
                 <a:effectLst/>
               </a:rPr>
               <a:t>Import</a:t>
             </a:r>
             <a:r>
-              <a:rPr lang="zh-CN" altLang="en-US" sz="1200" dirty="0" smtClean="0">
+              <a:rPr lang="zh-CN" altLang="en-US" sz="1200" dirty="0">
                 <a:effectLst/>
               </a:rPr>
               <a:t>：资源是如何从初始数据生成</a:t>
             </a:r>
             <a:r>
-              <a:rPr lang="en-US" altLang="zh-CN" sz="1200" dirty="0" smtClean="0">
+              <a:rPr lang="en-US" altLang="zh-CN" sz="1200" dirty="0">
                 <a:effectLst/>
               </a:rPr>
               <a:t>Library</a:t>
             </a:r>
             <a:r>
-              <a:rPr lang="zh-CN" altLang="en-US" sz="1200" dirty="0" smtClean="0">
+              <a:rPr lang="zh-CN" altLang="en-US" sz="1200" dirty="0">
                 <a:effectLst/>
               </a:rPr>
               <a:t>的呢？不会改变</a:t>
             </a:r>
             <a:r>
-              <a:rPr lang="en-US" altLang="zh-CN" sz="1200" dirty="0" smtClean="0">
+              <a:rPr lang="en-US" altLang="zh-CN" sz="1200" dirty="0">
                 <a:effectLst/>
               </a:rPr>
               <a:t>CCD</a:t>
             </a:r>
             <a:r>
-              <a:rPr lang="zh-CN" altLang="en-US" sz="1200" dirty="0" smtClean="0">
+              <a:rPr lang="zh-CN" altLang="en-US" sz="1200" dirty="0">
                 <a:effectLst/>
               </a:rPr>
               <a:t>输出的原始资源文件，改变体现在</a:t>
             </a:r>
             <a:r>
-              <a:rPr lang="en-US" altLang="zh-CN" sz="1200" dirty="0" smtClean="0">
+              <a:rPr lang="en-US" altLang="zh-CN" sz="1200" dirty="0">
                 <a:effectLst/>
               </a:rPr>
               <a:t>Library</a:t>
             </a:r>
             <a:r>
-              <a:rPr lang="zh-CN" altLang="en-US" sz="1200" dirty="0" smtClean="0">
+              <a:rPr lang="zh-CN" altLang="en-US" sz="1200" dirty="0">
                 <a:effectLst/>
               </a:rPr>
               <a:t>中，举例剔除</a:t>
             </a:r>
             <a:r>
-              <a:rPr lang="en-US" altLang="zh-CN" sz="1200" dirty="0" smtClean="0">
+              <a:rPr lang="en-US" altLang="zh-CN" sz="1200" dirty="0">
                 <a:effectLst/>
               </a:rPr>
               <a:t>mesh </a:t>
             </a:r>
             <a:r>
-              <a:rPr lang="zh-CN" altLang="en-US" sz="1200" dirty="0" smtClean="0">
+              <a:rPr lang="zh-CN" altLang="en-US" sz="1200" dirty="0">
                 <a:effectLst/>
               </a:rPr>
               <a:t>的</a:t>
             </a:r>
             <a:r>
-              <a:rPr lang="en-US" altLang="zh-CN" sz="1200" dirty="0" smtClean="0">
+              <a:rPr lang="en-US" altLang="zh-CN" sz="1200" dirty="0">
                 <a:effectLst/>
               </a:rPr>
               <a:t>color</a:t>
             </a:r>
             <a:r>
-              <a:rPr lang="zh-CN" altLang="en-US" sz="1200" dirty="0" smtClean="0">
+              <a:rPr lang="zh-CN" altLang="en-US" sz="1200" dirty="0">
                 <a:effectLst/>
               </a:rPr>
               <a:t>属性</a:t>
             </a:r>
-            <a:endParaRPr lang="en-US" altLang="zh-CN" sz="1200" dirty="0" smtClean="0">
+            <a:endParaRPr lang="en-US" altLang="zh-CN" sz="1200" dirty="0">
               <a:effectLst/>
             </a:endParaRPr>
           </a:p>
@@ -938,7 +940,7 @@
               <a:buFont typeface="Arial" panose="020B0604020202020204" pitchFamily="34" charset="0"/>
               <a:buChar char="•"/>
             </a:pPr>
-            <a:endParaRPr lang="zh-CN" altLang="en-US" dirty="0" smtClean="0">
+            <a:endParaRPr lang="zh-CN" altLang="en-US" dirty="0">
               <a:effectLst/>
             </a:endParaRPr>
           </a:p>
@@ -1032,18 +1034,18 @@
               <a:buChar char="•"/>
             </a:pPr>
             <a:r>
-              <a:rPr lang="en-US" altLang="zh-CN" sz="1200" dirty="0" smtClean="0">
+              <a:rPr lang="en-US" altLang="zh-CN" sz="1200" dirty="0">
                 <a:effectLst/>
               </a:rPr>
               <a:t>GUID: </a:t>
             </a:r>
             <a:r>
-              <a:rPr lang="zh-CN" altLang="en-US" sz="1200" dirty="0" smtClean="0">
+              <a:rPr lang="zh-CN" altLang="en-US" sz="1200" dirty="0">
                 <a:effectLst/>
               </a:rPr>
               <a:t>文件的身份标识</a:t>
             </a:r>
-            <a:endParaRPr lang="zh-CN" altLang="en-US" dirty="0" smtClean="0">
+            <a:endParaRPr lang="zh-CN" altLang="en-US" dirty="0">
               <a:effectLst/>
             </a:endParaRPr>
           </a:p>
@@ -1053,18 +1055,18 @@
               <a:buChar char="•"/>
             </a:pPr>
             <a:r>
-              <a:rPr lang="en-US" altLang="zh-CN" sz="1200" dirty="0" err="1" smtClean="0">
+              <a:rPr lang="en-US" altLang="zh-CN" sz="1200" dirty="0" err="1">
                 <a:effectLst/>
               </a:rPr>
               <a:t>LocalID</a:t>
             </a:r>
             <a:r>
-              <a:rPr lang="zh-CN" altLang="en-US" sz="1200" dirty="0" smtClean="0">
+              <a:rPr lang="zh-CN" altLang="en-US" sz="1200" dirty="0">
                 <a:effectLst/>
               </a:rPr>
               <a:t>：文件内部对象的身份标识</a:t>
             </a:r>
-            <a:endParaRPr lang="zh-CN" altLang="en-US" dirty="0" smtClean="0">
+            <a:endParaRPr lang="zh-CN" altLang="en-US" dirty="0">
               <a:effectLst/>
             </a:endParaRPr>
           </a:p>
@@ -1073,7 +1075,7 @@
               <a:buFont typeface="Arial" panose="020B0604020202020204" pitchFamily="34" charset="0"/>
               <a:buChar char="•"/>
             </a:pPr>
-            <a:endParaRPr lang="zh-CN" altLang="en-US" dirty="0" smtClean="0">
+            <a:endParaRPr lang="zh-CN" altLang="en-US" dirty="0">
               <a:effectLst/>
             </a:endParaRPr>
           </a:p>
@@ -1163,22 +1165,21 @@
           <a:lstStyle/>
           <a:p>
             <a:r>
-              <a:rPr lang="en-US" altLang="zh-CN" dirty="0" smtClean="0"/>
+              <a:rPr lang="en-US" altLang="zh-CN" dirty="0"/>
               <a:t>GUID</a:t>
             </a:r>
             <a:r>
-              <a:rPr lang="zh-CN" altLang="en-US" dirty="0" smtClean="0"/>
+              <a:rPr lang="zh-CN" altLang="en-US" dirty="0"/>
               <a:t>和</a:t>
             </a:r>
             <a:r>
-              <a:rPr lang="en-US" altLang="zh-CN" dirty="0" err="1" smtClean="0"/>
+              <a:rPr lang="en-US" altLang="zh-CN" dirty="0" err="1"/>
               <a:t>LocalID</a:t>
             </a:r>
             <a:r>
-              <a:rPr lang="zh-CN" altLang="en-US" dirty="0" smtClean="0"/>
+              <a:rPr lang="zh-CN" altLang="en-US" dirty="0"/>
               <a:t>的示例</a:t>
             </a:r>
-            <a:endParaRPr lang="zh-CN" altLang="en-US" dirty="0"/>
           </a:p>
         </p:txBody>
       </p:sp>
@@ -1263,10 +1264,9 @@
           <a:lstStyle/>
           <a:p>
             <a:r>
-              <a:rPr lang="zh-CN" altLang="en-US" dirty="0" smtClean="0"/>
+              <a:rPr lang="zh-CN" altLang="en-US" dirty="0"/>
               <a:t>引用外部资源示例</a:t>
             </a:r>
-            <a:endParaRPr lang="zh-CN" altLang="en-US" dirty="0"/>
           </a:p>
         </p:txBody>
       </p:sp>
@@ -1355,18 +1355,18 @@
               <a:buChar char="•"/>
             </a:pPr>
             <a:r>
-              <a:rPr lang="en-US" altLang="zh-CN" sz="1200" dirty="0" smtClean="0">
+              <a:rPr lang="en-US" altLang="zh-CN" sz="1200" dirty="0">
                 <a:effectLst/>
               </a:rPr>
               <a:t>GUID: </a:t>
             </a:r>
             <a:r>
-              <a:rPr lang="zh-CN" altLang="en-US" sz="1200" dirty="0" smtClean="0">
+              <a:rPr lang="zh-CN" altLang="en-US" sz="1200" dirty="0">
                 <a:effectLst/>
               </a:rPr>
               <a:t>文件的身份标识</a:t>
             </a:r>
-            <a:endParaRPr lang="zh-CN" altLang="en-US" dirty="0" smtClean="0">
+            <a:endParaRPr lang="zh-CN" altLang="en-US" dirty="0">
               <a:effectLst/>
             </a:endParaRPr>
           </a:p>
@@ -1376,18 +1376,18 @@
               <a:buChar char="•"/>
             </a:pPr>
             <a:r>
-              <a:rPr lang="en-US" altLang="zh-CN" sz="1200" dirty="0" err="1" smtClean="0">
+              <a:rPr lang="en-US" altLang="zh-CN" sz="1200" dirty="0" err="1">
                 <a:effectLst/>
               </a:rPr>
               <a:t>LocalID</a:t>
             </a:r>
             <a:r>
-              <a:rPr lang="zh-CN" altLang="en-US" sz="1200" dirty="0" smtClean="0">
+              <a:rPr lang="zh-CN" altLang="en-US" sz="1200" dirty="0">
                 <a:effectLst/>
               </a:rPr>
               <a:t>：文件内部对象的身份标识</a:t>
             </a:r>
-            <a:endParaRPr lang="en-US" altLang="zh-CN" sz="1200" dirty="0" smtClean="0">
+            <a:endParaRPr lang="en-US" altLang="zh-CN" sz="1200" dirty="0">
               <a:effectLst/>
             </a:endParaRPr>
           </a:p>
@@ -1410,84 +1410,84 @@
               <a:defRPr/>
             </a:pPr>
             <a:r>
-              <a:rPr lang="en-US" altLang="zh-CN" sz="1200" dirty="0" err="1" smtClean="0">
+              <a:rPr lang="en-US" altLang="zh-CN" sz="1200" dirty="0" err="1">
                 <a:effectLst/>
               </a:rPr>
               <a:t>InstanceID</a:t>
             </a:r>
             <a:r>
-              <a:rPr lang="zh-CN" altLang="en-US" sz="1200" dirty="0" smtClean="0">
+              <a:rPr lang="zh-CN" altLang="en-US" sz="1200" dirty="0">
                 <a:effectLst/>
               </a:rPr>
               <a:t>：缓存系统，提升性能，</a:t>
             </a:r>
             <a:r>
-              <a:rPr lang="en-US" altLang="zh-CN" sz="1200" dirty="0" err="1" smtClean="0">
+              <a:rPr lang="en-US" altLang="zh-CN" sz="1200" dirty="0" err="1">
                 <a:effectLst/>
               </a:rPr>
               <a:t>PersistentManager</a:t>
             </a:r>
             <a:r>
-              <a:rPr lang="en-US" altLang="zh-CN" sz="1200" dirty="0" smtClean="0">
+              <a:rPr lang="en-US" altLang="zh-CN" sz="1200" dirty="0">
                 <a:effectLst/>
               </a:rPr>
               <a:t>(</a:t>
             </a:r>
             <a:r>
-              <a:rPr lang="zh-CN" altLang="en-US" sz="1200" dirty="0" smtClean="0">
+              <a:rPr lang="zh-CN" altLang="en-US" sz="1200" dirty="0">
                 <a:effectLst/>
               </a:rPr>
               <a:t>把资源从磁盘加载到内存，并分配</a:t>
             </a:r>
             <a:r>
-              <a:rPr lang="en-US" altLang="zh-CN" sz="1200" dirty="0" smtClean="0">
+              <a:rPr lang="en-US" altLang="zh-CN" sz="1200" dirty="0">
                 <a:effectLst/>
               </a:rPr>
               <a:t>ID)</a:t>
             </a:r>
             <a:r>
-              <a:rPr lang="zh-CN" altLang="en-US" sz="1200" dirty="0" smtClean="0">
+              <a:rPr lang="zh-CN" altLang="en-US" sz="1200" dirty="0">
                 <a:effectLst/>
               </a:rPr>
               <a:t>维护</a:t>
             </a:r>
             <a:r>
-              <a:rPr lang="en-US" altLang="zh-CN" sz="1200" dirty="0" err="1" smtClean="0">
+              <a:rPr lang="en-US" altLang="zh-CN" sz="1200" dirty="0" err="1">
                 <a:effectLst/>
               </a:rPr>
               <a:t>InstanceID</a:t>
             </a:r>
             <a:r>
-              <a:rPr lang="zh-CN" altLang="en-US" sz="1200" dirty="0" smtClean="0">
+              <a:rPr lang="zh-CN" altLang="en-US" sz="1200" dirty="0">
                 <a:effectLst/>
               </a:rPr>
               <a:t>和</a:t>
             </a:r>
             <a:r>
-              <a:rPr lang="en-US" altLang="zh-CN" sz="1200" dirty="0" smtClean="0">
+              <a:rPr lang="en-US" altLang="zh-CN" sz="1200" dirty="0">
                 <a:effectLst/>
               </a:rPr>
               <a:t>GUID</a:t>
             </a:r>
             <a:r>
-              <a:rPr lang="zh-CN" altLang="en-US" sz="1200" dirty="0" smtClean="0">
+              <a:rPr lang="zh-CN" altLang="en-US" sz="1200" dirty="0">
                 <a:effectLst/>
               </a:rPr>
               <a:t>，</a:t>
             </a:r>
             <a:r>
-              <a:rPr lang="en-US" altLang="zh-CN" sz="1200" dirty="0" err="1" smtClean="0">
+              <a:rPr lang="en-US" altLang="zh-CN" sz="1200" dirty="0" err="1">
                 <a:effectLst/>
               </a:rPr>
               <a:t>LocalID</a:t>
             </a:r>
             <a:r>
-              <a:rPr lang="zh-CN" altLang="en-US" sz="1200" dirty="0" smtClean="0">
+              <a:rPr lang="zh-CN" altLang="en-US" sz="1200" dirty="0">
                 <a:effectLst/>
               </a:rPr>
               <a:t>之间的映射关系</a:t>
             </a:r>
-            <a:endParaRPr lang="en-US" altLang="zh-CN" sz="1200" dirty="0" smtClean="0">
+            <a:endParaRPr lang="en-US" altLang="zh-CN" sz="1200" dirty="0">
               <a:effectLst/>
             </a:endParaRPr>
           </a:p>
@@ -1496,7 +1496,7 @@
               <a:buFont typeface="Arial" panose="020B0604020202020204" pitchFamily="34" charset="0"/>
               <a:buChar char="•"/>
             </a:pPr>
-            <a:endParaRPr lang="zh-CN" altLang="en-US" dirty="0" smtClean="0">
+            <a:endParaRPr lang="zh-CN" altLang="en-US" dirty="0">
               <a:effectLst/>
             </a:endParaRPr>
           </a:p>
@@ -1505,7 +1505,7 @@
               <a:buFont typeface="Arial" panose="020B0604020202020204" pitchFamily="34" charset="0"/>
               <a:buChar char="•"/>
             </a:pPr>
-            <a:endParaRPr lang="zh-CN" altLang="en-US" dirty="0" smtClean="0">
+            <a:endParaRPr lang="zh-CN" altLang="en-US" dirty="0">
               <a:effectLst/>
             </a:endParaRPr>
           </a:p>
@@ -1595,34 +1595,33 @@
           <a:lstStyle/>
           <a:p>
             <a:r>
-              <a:rPr lang="zh-CN" altLang="en-US" dirty="0" smtClean="0"/>
+              <a:rPr lang="zh-CN" altLang="en-US" dirty="0"/>
               <a:t>理解</a:t>
             </a:r>
             <a:r>
-              <a:rPr lang="en-US" altLang="zh-CN" dirty="0" err="1" smtClean="0"/>
+              <a:rPr lang="en-US" altLang="zh-CN" dirty="0" err="1"/>
               <a:t>monobhavior</a:t>
             </a:r>
             <a:r>
-              <a:rPr lang="zh-CN" altLang="en-US" dirty="0" smtClean="0"/>
+              <a:rPr lang="zh-CN" altLang="en-US" dirty="0"/>
               <a:t>有一个对</a:t>
             </a:r>
             <a:r>
-              <a:rPr lang="en-US" altLang="zh-CN" dirty="0" err="1" smtClean="0"/>
+              <a:rPr lang="en-US" altLang="zh-CN" dirty="0" err="1"/>
               <a:t>MonoScript</a:t>
             </a:r>
             <a:r>
-              <a:rPr lang="zh-CN" altLang="en-US" dirty="0" smtClean="0"/>
+              <a:rPr lang="zh-CN" altLang="en-US" dirty="0"/>
               <a:t>的引用是很重要的，</a:t>
             </a:r>
             <a:r>
-              <a:rPr lang="en-US" altLang="zh-CN" dirty="0" err="1" smtClean="0"/>
+              <a:rPr lang="en-US" altLang="zh-CN" dirty="0" err="1"/>
               <a:t>MonoScript</a:t>
             </a:r>
             <a:r>
-              <a:rPr lang="zh-CN" altLang="en-US" dirty="0" smtClean="0"/>
+              <a:rPr lang="zh-CN" altLang="en-US" dirty="0"/>
               <a:t>只包含定位特定脚本类所需的信息。两种类型的对象都不包含脚本类的可执行代码。</a:t>
             </a:r>
-            <a:endParaRPr lang="zh-CN" altLang="en-US" dirty="0"/>
           </a:p>
         </p:txBody>
       </p:sp>
@@ -1707,26 +1706,25 @@
           <a:lstStyle/>
           <a:p>
             <a:r>
-              <a:rPr lang="zh-CN" altLang="en-US" dirty="0" smtClean="0"/>
+              <a:rPr lang="zh-CN" altLang="en-US" dirty="0"/>
               <a:t>加载：</a:t>
             </a:r>
             <a:r>
-              <a:rPr lang="en-US" altLang="zh-CN" dirty="0" smtClean="0"/>
+              <a:rPr lang="en-US" altLang="zh-CN" dirty="0"/>
               <a:t>IO</a:t>
             </a:r>
             <a:r>
-              <a:rPr lang="zh-CN" altLang="en-US" dirty="0" smtClean="0"/>
+              <a:rPr lang="zh-CN" altLang="en-US" dirty="0"/>
               <a:t>、</a:t>
             </a:r>
             <a:r>
-              <a:rPr lang="en-US" altLang="zh-CN" dirty="0" smtClean="0"/>
+              <a:rPr lang="en-US" altLang="zh-CN" dirty="0"/>
               <a:t>serialization</a:t>
             </a:r>
             <a:r>
-              <a:rPr lang="zh-CN" altLang="en-US" dirty="0" smtClean="0"/>
+              <a:rPr lang="zh-CN" altLang="en-US" dirty="0"/>
               <a:t>、实例化</a:t>
             </a:r>
-            <a:endParaRPr lang="zh-CN" altLang="en-US" dirty="0"/>
           </a:p>
         </p:txBody>
       </p:sp>
@@ -1811,26 +1809,25 @@
           <a:lstStyle/>
           <a:p>
             <a:r>
-              <a:rPr lang="zh-CN" altLang="en-US" dirty="0" smtClean="0"/>
+              <a:rPr lang="zh-CN" altLang="en-US" dirty="0"/>
               <a:t>加载：</a:t>
             </a:r>
             <a:r>
-              <a:rPr lang="en-US" altLang="zh-CN" dirty="0" smtClean="0"/>
+              <a:rPr lang="en-US" altLang="zh-CN" dirty="0"/>
               <a:t>IO</a:t>
             </a:r>
             <a:r>
-              <a:rPr lang="zh-CN" altLang="en-US" dirty="0" smtClean="0"/>
+              <a:rPr lang="zh-CN" altLang="en-US" dirty="0"/>
               <a:t>、</a:t>
             </a:r>
             <a:r>
-              <a:rPr lang="en-US" altLang="zh-CN" dirty="0" smtClean="0"/>
+              <a:rPr lang="en-US" altLang="zh-CN" dirty="0"/>
               <a:t>serialization</a:t>
             </a:r>
             <a:r>
-              <a:rPr lang="zh-CN" altLang="en-US" dirty="0" smtClean="0"/>
+              <a:rPr lang="zh-CN" altLang="en-US" dirty="0"/>
               <a:t>、实例化</a:t>
             </a:r>
-            <a:endParaRPr lang="zh-CN" altLang="en-US" dirty="0"/>
           </a:p>
         </p:txBody>
       </p:sp>
@@ -1915,26 +1912,25 @@
           <a:lstStyle/>
           <a:p>
             <a:r>
-              <a:rPr lang="zh-CN" altLang="en-US" dirty="0" smtClean="0"/>
+              <a:rPr lang="zh-CN" altLang="en-US" dirty="0"/>
               <a:t>加载：</a:t>
             </a:r>
             <a:r>
-              <a:rPr lang="en-US" altLang="zh-CN" dirty="0" smtClean="0"/>
+              <a:rPr lang="en-US" altLang="zh-CN" dirty="0"/>
               <a:t>IO</a:t>
             </a:r>
             <a:r>
-              <a:rPr lang="zh-CN" altLang="en-US" dirty="0" smtClean="0"/>
+              <a:rPr lang="zh-CN" altLang="en-US" dirty="0"/>
               <a:t>、</a:t>
             </a:r>
             <a:r>
-              <a:rPr lang="en-US" altLang="zh-CN" dirty="0" smtClean="0"/>
+              <a:rPr lang="en-US" altLang="zh-CN" dirty="0"/>
               <a:t>serialization</a:t>
             </a:r>
             <a:r>
-              <a:rPr lang="zh-CN" altLang="en-US" dirty="0" smtClean="0"/>
+              <a:rPr lang="zh-CN" altLang="en-US" dirty="0"/>
               <a:t>、实例化</a:t>
             </a:r>
-            <a:endParaRPr lang="zh-CN" altLang="en-US" dirty="0"/>
           </a:p>
         </p:txBody>
       </p:sp>
@@ -2019,26 +2015,25 @@
           <a:lstStyle/>
           <a:p>
             <a:r>
-              <a:rPr lang="zh-CN" altLang="en-US" dirty="0" smtClean="0"/>
+              <a:rPr lang="zh-CN" altLang="en-US" dirty="0"/>
               <a:t>加载：</a:t>
             </a:r>
             <a:r>
-              <a:rPr lang="en-US" altLang="zh-CN" dirty="0" smtClean="0"/>
+              <a:rPr lang="en-US" altLang="zh-CN" dirty="0"/>
               <a:t>IO</a:t>
             </a:r>
             <a:r>
-              <a:rPr lang="zh-CN" altLang="en-US" dirty="0" smtClean="0"/>
+              <a:rPr lang="zh-CN" altLang="en-US" dirty="0"/>
               <a:t>、</a:t>
             </a:r>
             <a:r>
-              <a:rPr lang="en-US" altLang="zh-CN" dirty="0" smtClean="0"/>
+              <a:rPr lang="en-US" altLang="zh-CN" dirty="0"/>
               <a:t>serialization</a:t>
             </a:r>
             <a:r>
-              <a:rPr lang="zh-CN" altLang="en-US" dirty="0" smtClean="0"/>
+              <a:rPr lang="zh-CN" altLang="en-US" dirty="0"/>
               <a:t>、实例化</a:t>
             </a:r>
-            <a:endParaRPr lang="zh-CN" altLang="en-US" dirty="0"/>
           </a:p>
         </p:txBody>
       </p:sp>
@@ -2127,10 +2122,10 @@
               <a:buChar char="•"/>
             </a:pPr>
             <a:r>
-              <a:rPr lang="zh-CN" altLang="en-US" dirty="0" smtClean="0"/>
+              <a:rPr lang="zh-CN" altLang="en-US" dirty="0"/>
               <a:t>任何引擎研究的起点建议是资源</a:t>
             </a:r>
-            <a:endParaRPr lang="en-US" altLang="zh-CN" dirty="0" smtClean="0"/>
+            <a:endParaRPr lang="en-US" altLang="zh-CN" dirty="0"/>
           </a:p>
           <a:p>
             <a:pPr marL="171450" indent="-171450">
@@ -2138,10 +2133,10 @@
               <a:buChar char="•"/>
             </a:pPr>
             <a:r>
-              <a:rPr lang="zh-CN" altLang="en-US" dirty="0" smtClean="0"/>
+              <a:rPr lang="zh-CN" altLang="en-US" dirty="0"/>
               <a:t>资源的组织方式，加载方式影响加载时长、用户体验</a:t>
             </a:r>
-            <a:endParaRPr lang="en-US" altLang="zh-CN" dirty="0" smtClean="0"/>
+            <a:endParaRPr lang="en-US" altLang="zh-CN" dirty="0"/>
           </a:p>
           <a:p>
             <a:pPr marL="171450" indent="-171450">
@@ -2149,26 +2144,26 @@
               <a:buChar char="•"/>
             </a:pPr>
             <a:r>
-              <a:rPr lang="zh-CN" altLang="en-US" dirty="0" smtClean="0"/>
+              <a:rPr lang="zh-CN" altLang="en-US" dirty="0"/>
               <a:t>内存控制：资源会占用</a:t>
             </a:r>
             <a:r>
-              <a:rPr lang="en-US" altLang="zh-CN" dirty="0" smtClean="0"/>
+              <a:rPr lang="en-US" altLang="zh-CN" dirty="0"/>
               <a:t>native memory</a:t>
             </a:r>
             <a:r>
-              <a:rPr lang="zh-CN" altLang="en-US" dirty="0" smtClean="0"/>
+              <a:rPr lang="zh-CN" altLang="en-US" dirty="0"/>
               <a:t>，</a:t>
             </a:r>
             <a:r>
-              <a:rPr lang="en-US" altLang="zh-CN" dirty="0" smtClean="0"/>
+              <a:rPr lang="en-US" altLang="zh-CN" dirty="0"/>
               <a:t>managed memory</a:t>
             </a:r>
             <a:r>
-              <a:rPr lang="zh-CN" altLang="en-US" dirty="0" smtClean="0"/>
+              <a:rPr lang="zh-CN" altLang="en-US" dirty="0"/>
               <a:t>，释放控制的不好将造成高内存占用</a:t>
             </a:r>
-            <a:endParaRPr lang="en-US" altLang="zh-CN" dirty="0" smtClean="0"/>
+            <a:endParaRPr lang="en-US" altLang="zh-CN" dirty="0"/>
           </a:p>
           <a:p>
             <a:pPr marL="171450" indent="-171450">
@@ -2176,18 +2171,18 @@
               <a:buChar char="•"/>
             </a:pPr>
             <a:r>
-              <a:rPr lang="zh-CN" altLang="en-US" dirty="0" smtClean="0"/>
+              <a:rPr lang="zh-CN" altLang="en-US" dirty="0"/>
               <a:t>内存控制：</a:t>
             </a:r>
             <a:r>
-              <a:rPr lang="en-US" altLang="zh-CN" dirty="0" smtClean="0"/>
+              <a:rPr lang="en-US" altLang="zh-CN" dirty="0"/>
               <a:t>API</a:t>
             </a:r>
             <a:r>
-              <a:rPr lang="zh-CN" altLang="en-US" dirty="0" smtClean="0"/>
+              <a:rPr lang="zh-CN" altLang="en-US" dirty="0"/>
               <a:t>使用的不好会导致资源出现多份</a:t>
             </a:r>
-            <a:endParaRPr lang="en-US" altLang="zh-CN" dirty="0" smtClean="0"/>
+            <a:endParaRPr lang="en-US" altLang="zh-CN" dirty="0"/>
           </a:p>
           <a:p>
             <a:pPr marL="171450" indent="-171450">
@@ -2195,10 +2190,9 @@
               <a:buChar char="•"/>
             </a:pPr>
             <a:r>
-              <a:rPr lang="zh-CN" altLang="en-US" dirty="0" smtClean="0"/>
+              <a:rPr lang="zh-CN" altLang="en-US" dirty="0"/>
               <a:t>另一种形式的数据结构：合格的程序员要关心资源的组织方式</a:t>
             </a:r>
-            <a:endParaRPr lang="zh-CN" altLang="en-US" dirty="0"/>
           </a:p>
         </p:txBody>
       </p:sp>
@@ -2283,26 +2277,25 @@
           <a:lstStyle/>
           <a:p>
             <a:r>
-              <a:rPr lang="zh-CN" altLang="en-US" dirty="0" smtClean="0"/>
+              <a:rPr lang="zh-CN" altLang="en-US" dirty="0"/>
               <a:t>加载：</a:t>
             </a:r>
             <a:r>
-              <a:rPr lang="en-US" altLang="zh-CN" dirty="0" smtClean="0"/>
+              <a:rPr lang="en-US" altLang="zh-CN" dirty="0"/>
               <a:t>IO</a:t>
             </a:r>
             <a:r>
-              <a:rPr lang="zh-CN" altLang="en-US" dirty="0" smtClean="0"/>
+              <a:rPr lang="zh-CN" altLang="en-US" dirty="0"/>
               <a:t>、</a:t>
             </a:r>
             <a:r>
-              <a:rPr lang="en-US" altLang="zh-CN" dirty="0" smtClean="0"/>
+              <a:rPr lang="en-US" altLang="zh-CN" dirty="0"/>
               <a:t>serialization</a:t>
             </a:r>
             <a:r>
-              <a:rPr lang="zh-CN" altLang="en-US" dirty="0" smtClean="0"/>
+              <a:rPr lang="zh-CN" altLang="en-US" dirty="0"/>
               <a:t>、实例化</a:t>
             </a:r>
-            <a:endParaRPr lang="zh-CN" altLang="en-US" dirty="0"/>
           </a:p>
         </p:txBody>
       </p:sp>
@@ -2387,26 +2380,25 @@
           <a:lstStyle/>
           <a:p>
             <a:r>
-              <a:rPr lang="zh-CN" altLang="en-US" dirty="0" smtClean="0"/>
+              <a:rPr lang="zh-CN" altLang="en-US" dirty="0"/>
               <a:t>加载：</a:t>
             </a:r>
             <a:r>
-              <a:rPr lang="en-US" altLang="zh-CN" dirty="0" smtClean="0"/>
+              <a:rPr lang="en-US" altLang="zh-CN" dirty="0"/>
               <a:t>IO</a:t>
             </a:r>
             <a:r>
-              <a:rPr lang="zh-CN" altLang="en-US" dirty="0" smtClean="0"/>
+              <a:rPr lang="zh-CN" altLang="en-US" dirty="0"/>
               <a:t>、</a:t>
             </a:r>
             <a:r>
-              <a:rPr lang="en-US" altLang="zh-CN" dirty="0" smtClean="0"/>
+              <a:rPr lang="en-US" altLang="zh-CN" dirty="0"/>
               <a:t>serialization</a:t>
             </a:r>
             <a:r>
-              <a:rPr lang="zh-CN" altLang="en-US" dirty="0" smtClean="0"/>
+              <a:rPr lang="zh-CN" altLang="en-US" dirty="0"/>
               <a:t>、实例化</a:t>
             </a:r>
-            <a:endParaRPr lang="zh-CN" altLang="en-US" dirty="0"/>
           </a:p>
         </p:txBody>
       </p:sp>
@@ -2491,16 +2483,16 @@
           <a:lstStyle/>
           <a:p>
             <a:r>
-              <a:rPr lang="zh-CN" altLang="en-US" sz="1200" dirty="0" smtClean="0">
+              <a:rPr lang="zh-CN" altLang="en-US" sz="1200" dirty="0">
                 <a:effectLst/>
               </a:rPr>
               <a:t>存储一个或多个资源文件，供引擎索引和序列化的一种归档格式</a:t>
             </a:r>
             <a:r>
-              <a:rPr lang="zh-CN" altLang="en-US" dirty="0" smtClean="0"/>
+              <a:rPr lang="zh-CN" altLang="en-US" dirty="0"/>
               <a:t> </a:t>
             </a:r>
-            <a:endParaRPr lang="en-US" altLang="zh-CN" dirty="0" smtClean="0"/>
+            <a:endParaRPr lang="en-US" altLang="zh-CN" dirty="0"/>
           </a:p>
           <a:p>
             <a:endParaRPr lang="zh-CN" altLang="en-US" dirty="0"/>
@@ -2588,16 +2580,15 @@
           <a:lstStyle/>
           <a:p>
             <a:r>
-              <a:rPr lang="zh-CN" altLang="en-US" sz="1200" dirty="0" smtClean="0">
+              <a:rPr lang="zh-CN" altLang="en-US" sz="1200" dirty="0">
                 <a:effectLst/>
               </a:rPr>
               <a:t>存储一个或多个资源文件，供引擎索引和序列化的一种归档格式</a:t>
             </a:r>
             <a:r>
-              <a:rPr lang="zh-CN" altLang="en-US" dirty="0" smtClean="0"/>
+              <a:rPr lang="zh-CN" altLang="en-US" dirty="0"/>
               <a:t> </a:t>
             </a:r>
-            <a:endParaRPr lang="zh-CN" altLang="en-US" dirty="0"/>
           </a:p>
         </p:txBody>
       </p:sp>
@@ -2682,66 +2673,66 @@
           <a:lstStyle/>
           <a:p>
             <a:r>
-              <a:rPr lang="en-US" altLang="zh-CN" dirty="0" smtClean="0"/>
+              <a:rPr lang="en-US" altLang="zh-CN" dirty="0"/>
               <a:t>FALSE: </a:t>
             </a:r>
             <a:r>
-              <a:rPr lang="zh-CN" altLang="en-US" dirty="0" smtClean="0"/>
+              <a:rPr lang="zh-CN" altLang="en-US" dirty="0"/>
               <a:t>仅卸载</a:t>
             </a:r>
             <a:r>
-              <a:rPr lang="en-US" altLang="zh-CN" dirty="0" smtClean="0"/>
+              <a:rPr lang="en-US" altLang="zh-CN" dirty="0"/>
               <a:t>Bundle</a:t>
             </a:r>
             <a:r>
-              <a:rPr lang="zh-CN" altLang="en-US" dirty="0" smtClean="0"/>
+              <a:rPr lang="zh-CN" altLang="en-US" dirty="0"/>
               <a:t>，从</a:t>
             </a:r>
             <a:r>
-              <a:rPr lang="en-US" altLang="zh-CN" dirty="0" smtClean="0"/>
+              <a:rPr lang="en-US" altLang="zh-CN" dirty="0"/>
               <a:t>Bundle</a:t>
             </a:r>
             <a:r>
-              <a:rPr lang="zh-CN" altLang="en-US" dirty="0" smtClean="0"/>
+              <a:rPr lang="zh-CN" altLang="en-US" dirty="0"/>
               <a:t>中已载入的资源不处理</a:t>
             </a:r>
-            <a:endParaRPr lang="en-US" altLang="zh-CN" dirty="0" smtClean="0"/>
-          </a:p>
-          <a:p>
-            <a:r>
-              <a:rPr lang="en-US" altLang="zh-CN" dirty="0" smtClean="0"/>
+            <a:endParaRPr lang="en-US" altLang="zh-CN" dirty="0"/>
+          </a:p>
+          <a:p>
+            <a:r>
+              <a:rPr lang="en-US" altLang="zh-CN" dirty="0"/>
               <a:t>TRUE: </a:t>
             </a:r>
             <a:r>
-              <a:rPr lang="zh-CN" altLang="en-US" dirty="0" smtClean="0"/>
+              <a:rPr lang="zh-CN" altLang="en-US" dirty="0"/>
               <a:t>卸载</a:t>
             </a:r>
             <a:r>
-              <a:rPr lang="en-US" altLang="zh-CN" dirty="0" smtClean="0"/>
+              <a:rPr lang="en-US" altLang="zh-CN" dirty="0"/>
               <a:t>Bundle</a:t>
             </a:r>
             <a:r>
-              <a:rPr lang="zh-CN" altLang="en-US" dirty="0" smtClean="0"/>
+              <a:rPr lang="zh-CN" altLang="en-US" dirty="0"/>
               <a:t>和从</a:t>
             </a:r>
             <a:r>
-              <a:rPr lang="en-US" altLang="zh-CN" dirty="0" smtClean="0"/>
+              <a:rPr lang="en-US" altLang="zh-CN" dirty="0"/>
               <a:t>Bundle</a:t>
             </a:r>
             <a:r>
-              <a:rPr lang="zh-CN" altLang="en-US" dirty="0" smtClean="0"/>
+              <a:rPr lang="zh-CN" altLang="en-US" dirty="0"/>
               <a:t>已载入的资源，无需</a:t>
             </a:r>
             <a:r>
-              <a:rPr lang="en-US" altLang="zh-CN" dirty="0" smtClean="0"/>
+              <a:rPr lang="en-US" altLang="zh-CN" dirty="0"/>
               <a:t>Resources</a:t>
             </a:r>
             <a:r>
-              <a:rPr lang="zh-CN" altLang="en-US" dirty="0" smtClean="0"/>
+              <a:rPr lang="zh-CN" altLang="en-US" dirty="0"/>
               <a:t>。</a:t>
             </a:r>
             <a:r>
-              <a:rPr lang="en-US" altLang="zh-CN" dirty="0" err="1" smtClean="0"/>
+              <a:rPr lang="en-US" altLang="zh-CN" dirty="0" err="1"/>
               <a:t>UnloadUnusedAssets</a:t>
             </a:r>
             <a:endParaRPr lang="zh-CN" altLang="en-US" dirty="0"/>
@@ -3169,26 +3160,26 @@
               <a:buChar char="•"/>
             </a:pPr>
             <a:r>
-              <a:rPr lang="zh-CN" altLang="en-US" dirty="0" smtClean="0"/>
+              <a:rPr lang="zh-CN" altLang="en-US" dirty="0"/>
               <a:t>减少依赖带来两个好处：加载时长、增加调用</a:t>
             </a:r>
             <a:r>
-              <a:rPr lang="en-US" altLang="zh-CN" dirty="0" smtClean="0"/>
+              <a:rPr lang="en-US" altLang="zh-CN" dirty="0"/>
               <a:t>unload</a:t>
             </a:r>
             <a:r>
-              <a:rPr lang="zh-CN" altLang="en-US" dirty="0" smtClean="0"/>
+              <a:rPr lang="zh-CN" altLang="en-US" dirty="0"/>
               <a:t>（</a:t>
             </a:r>
             <a:r>
-              <a:rPr lang="en-US" altLang="zh-CN" dirty="0" smtClean="0"/>
+              <a:rPr lang="en-US" altLang="zh-CN" dirty="0"/>
               <a:t>true</a:t>
             </a:r>
             <a:r>
-              <a:rPr lang="zh-CN" altLang="en-US" dirty="0" smtClean="0"/>
+              <a:rPr lang="zh-CN" altLang="en-US" dirty="0"/>
               <a:t>）几率更高</a:t>
             </a:r>
-            <a:endParaRPr lang="en-US" altLang="zh-CN" dirty="0" smtClean="0"/>
+            <a:endParaRPr lang="en-US" altLang="zh-CN" dirty="0"/>
           </a:p>
           <a:p>
             <a:pPr marL="171450" indent="-171450">
@@ -3284,10 +3275,10 @@
               <a:buChar char="•"/>
             </a:pPr>
             <a:r>
-              <a:rPr lang="zh-CN" altLang="en-US" dirty="0" smtClean="0"/>
+              <a:rPr lang="zh-CN" altLang="en-US" dirty="0"/>
               <a:t>任何引擎研究的起点建议是资源</a:t>
             </a:r>
-            <a:endParaRPr lang="en-US" altLang="zh-CN" dirty="0" smtClean="0"/>
+            <a:endParaRPr lang="en-US" altLang="zh-CN" dirty="0"/>
           </a:p>
           <a:p>
             <a:pPr marL="171450" indent="-171450">
@@ -3295,10 +3286,10 @@
               <a:buChar char="•"/>
             </a:pPr>
             <a:r>
-              <a:rPr lang="zh-CN" altLang="en-US" dirty="0" smtClean="0"/>
+              <a:rPr lang="zh-CN" altLang="en-US" dirty="0"/>
               <a:t>资源的组织方式，加载方式影响加载时长、用户体验</a:t>
             </a:r>
-            <a:endParaRPr lang="en-US" altLang="zh-CN" dirty="0" smtClean="0"/>
+            <a:endParaRPr lang="en-US" altLang="zh-CN" dirty="0"/>
           </a:p>
           <a:p>
             <a:pPr marL="171450" indent="-171450">
@@ -3306,26 +3297,26 @@
               <a:buChar char="•"/>
             </a:pPr>
             <a:r>
-              <a:rPr lang="zh-CN" altLang="en-US" dirty="0" smtClean="0"/>
+              <a:rPr lang="zh-CN" altLang="en-US" dirty="0"/>
               <a:t>内存控制：资源会占用</a:t>
             </a:r>
             <a:r>
-              <a:rPr lang="en-US" altLang="zh-CN" dirty="0" smtClean="0"/>
+              <a:rPr lang="en-US" altLang="zh-CN" dirty="0"/>
               <a:t>native memory</a:t>
             </a:r>
             <a:r>
-              <a:rPr lang="zh-CN" altLang="en-US" dirty="0" smtClean="0"/>
+              <a:rPr lang="zh-CN" altLang="en-US" dirty="0"/>
               <a:t>，</a:t>
             </a:r>
             <a:r>
-              <a:rPr lang="en-US" altLang="zh-CN" dirty="0" smtClean="0"/>
+              <a:rPr lang="en-US" altLang="zh-CN" dirty="0"/>
               <a:t>managed memory</a:t>
             </a:r>
             <a:r>
-              <a:rPr lang="zh-CN" altLang="en-US" dirty="0" smtClean="0"/>
+              <a:rPr lang="zh-CN" altLang="en-US" dirty="0"/>
               <a:t>，释放控制的不好将造成高内存占用</a:t>
             </a:r>
-            <a:endParaRPr lang="en-US" altLang="zh-CN" dirty="0" smtClean="0"/>
+            <a:endParaRPr lang="en-US" altLang="zh-CN" dirty="0"/>
           </a:p>
           <a:p>
             <a:pPr marL="171450" indent="-171450">
@@ -3333,18 +3324,18 @@
               <a:buChar char="•"/>
             </a:pPr>
             <a:r>
-              <a:rPr lang="zh-CN" altLang="en-US" dirty="0" smtClean="0"/>
+              <a:rPr lang="zh-CN" altLang="en-US" dirty="0"/>
               <a:t>内存控制：</a:t>
             </a:r>
             <a:r>
-              <a:rPr lang="en-US" altLang="zh-CN" dirty="0" smtClean="0"/>
+              <a:rPr lang="en-US" altLang="zh-CN" dirty="0"/>
               <a:t>API</a:t>
             </a:r>
             <a:r>
-              <a:rPr lang="zh-CN" altLang="en-US" dirty="0" smtClean="0"/>
+              <a:rPr lang="zh-CN" altLang="en-US" dirty="0"/>
               <a:t>使用的不好会导致资源出现多份</a:t>
             </a:r>
-            <a:endParaRPr lang="en-US" altLang="zh-CN" dirty="0" smtClean="0"/>
+            <a:endParaRPr lang="en-US" altLang="zh-CN" dirty="0"/>
           </a:p>
           <a:p>
             <a:pPr marL="171450" indent="-171450">
@@ -3352,10 +3343,9 @@
               <a:buChar char="•"/>
             </a:pPr>
             <a:r>
-              <a:rPr lang="zh-CN" altLang="en-US" dirty="0" smtClean="0"/>
+              <a:rPr lang="zh-CN" altLang="en-US" dirty="0"/>
               <a:t>另一种形式的数据结构：合格的程序员要关心资源的组织方式</a:t>
             </a:r>
-            <a:endParaRPr lang="zh-CN" altLang="en-US" dirty="0"/>
           </a:p>
         </p:txBody>
       </p:sp>
@@ -3440,7 +3430,7 @@
           <a:lstStyle/>
           <a:p>
             <a:r>
-              <a:rPr lang="zh-CN" altLang="en-US" sz="1200" kern="1200" dirty="0" smtClean="0">
+              <a:rPr lang="zh-CN" altLang="en-US" sz="1200" kern="1200" dirty="0">
                 <a:solidFill>
                   <a:schemeClr val="tx1"/>
                 </a:solidFill>
@@ -3452,7 +3442,7 @@
               <a:t>加载时会对</a:t>
             </a:r>
             <a:r>
-              <a:rPr lang="en-US" altLang="zh-CN" sz="1200" kern="1200" dirty="0" err="1" smtClean="0">
+              <a:rPr lang="en-US" altLang="zh-CN" sz="1200" kern="1200" dirty="0" err="1">
                 <a:solidFill>
                   <a:schemeClr val="tx1"/>
                 </a:solidFill>
@@ -3464,7 +3454,7 @@
               <a:t>PersistentManager</a:t>
             </a:r>
             <a:r>
-              <a:rPr lang="zh-CN" altLang="en-US" sz="1200" kern="1200" dirty="0" smtClean="0">
+              <a:rPr lang="zh-CN" altLang="en-US" sz="1200" kern="1200" dirty="0">
                 <a:solidFill>
                   <a:schemeClr val="tx1"/>
                 </a:solidFill>
@@ -3476,7 +3466,7 @@
               <a:t>分配</a:t>
             </a:r>
             <a:r>
-              <a:rPr lang="en-US" altLang="zh-CN" sz="1200" kern="1200" dirty="0" err="1" smtClean="0">
+              <a:rPr lang="en-US" altLang="zh-CN" sz="1200" kern="1200" dirty="0" err="1">
                 <a:solidFill>
                   <a:schemeClr val="tx1"/>
                 </a:solidFill>
@@ -3488,7 +3478,7 @@
               <a:t>InstanceID</a:t>
             </a:r>
             <a:r>
-              <a:rPr lang="zh-CN" altLang="en-US" sz="1200" kern="1200" dirty="0" smtClean="0">
+              <a:rPr lang="zh-CN" altLang="en-US" sz="1200" kern="1200" dirty="0">
                 <a:solidFill>
                   <a:schemeClr val="tx1"/>
                 </a:solidFill>
@@ -3500,7 +3490,7 @@
               <a:t>、</a:t>
             </a:r>
             <a:r>
-              <a:rPr lang="en-US" altLang="zh-CN" sz="1200" kern="1200" dirty="0" smtClean="0">
+              <a:rPr lang="en-US" altLang="zh-CN" sz="1200" kern="1200" dirty="0">
                 <a:solidFill>
                   <a:schemeClr val="tx1"/>
                 </a:solidFill>
@@ -3512,7 +3502,7 @@
               <a:t>ID</a:t>
             </a:r>
             <a:r>
-              <a:rPr lang="zh-CN" altLang="en-US" sz="1200" kern="1200" dirty="0" smtClean="0">
+              <a:rPr lang="zh-CN" altLang="en-US" sz="1200" kern="1200" dirty="0">
                 <a:solidFill>
                   <a:schemeClr val="tx1"/>
                 </a:solidFill>
@@ -3524,7 +3514,7 @@
               <a:t>等操作进行</a:t>
             </a:r>
             <a:r>
-              <a:rPr lang="en-US" altLang="zh-CN" sz="1200" kern="1200" dirty="0" smtClean="0">
+              <a:rPr lang="en-US" altLang="zh-CN" sz="1200" kern="1200" dirty="0">
                 <a:solidFill>
                   <a:schemeClr val="tx1"/>
                 </a:solidFill>
@@ -3536,7 +3526,7 @@
               <a:t>lock</a:t>
             </a:r>
             <a:r>
-              <a:rPr lang="zh-CN" altLang="en-US" sz="1200" kern="1200" dirty="0" smtClean="0">
+              <a:rPr lang="zh-CN" altLang="en-US" sz="1200" kern="1200" dirty="0">
                 <a:solidFill>
                   <a:schemeClr val="tx1"/>
                 </a:solidFill>
@@ -3548,7 +3538,7 @@
               <a:t>，对同一个资源同时进行同步、异步操作会出现</a:t>
             </a:r>
             <a:r>
-              <a:rPr lang="en-US" altLang="zh-CN" sz="1200" kern="1200" dirty="0" smtClean="0">
+              <a:rPr lang="en-US" altLang="zh-CN" sz="1200" kern="1200" dirty="0">
                 <a:solidFill>
                   <a:schemeClr val="tx1"/>
                 </a:solidFill>
@@ -3560,16 +3550,16 @@
               <a:t>race condition</a:t>
             </a:r>
             <a:r>
-              <a:rPr lang="en-US" altLang="zh-CN" dirty="0" smtClean="0"/>
+              <a:rPr lang="en-US" altLang="zh-CN" dirty="0"/>
               <a:t> </a:t>
             </a:r>
           </a:p>
           <a:p>
-            <a:endParaRPr lang="en-US" altLang="zh-CN" dirty="0" smtClean="0"/>
-          </a:p>
-          <a:p>
-            <a:r>
-              <a:rPr lang="zh-CN" altLang="en-US" sz="1200" kern="1200" dirty="0" smtClean="0">
+            <a:endParaRPr lang="en-US" altLang="zh-CN" dirty="0"/>
+          </a:p>
+          <a:p>
+            <a:r>
+              <a:rPr lang="zh-CN" altLang="en-US" sz="1200" kern="1200" dirty="0">
                 <a:solidFill>
                   <a:schemeClr val="tx1"/>
                 </a:solidFill>
@@ -3581,7 +3571,7 @@
               <a:t>导致包含资源没有变动情况下</a:t>
             </a:r>
             <a:r>
-              <a:rPr lang="en-US" altLang="zh-CN" sz="1200" kern="1200" dirty="0" smtClean="0">
+              <a:rPr lang="en-US" altLang="zh-CN" sz="1200" kern="1200" dirty="0">
                 <a:solidFill>
                   <a:schemeClr val="tx1"/>
                 </a:solidFill>
@@ -3593,7 +3583,7 @@
               <a:t>Bundle</a:t>
             </a:r>
             <a:r>
-              <a:rPr lang="zh-CN" altLang="en-US" sz="1200" kern="1200" dirty="0" smtClean="0">
+              <a:rPr lang="zh-CN" altLang="en-US" sz="1200" kern="1200" dirty="0">
                 <a:solidFill>
                   <a:schemeClr val="tx1"/>
                 </a:solidFill>
@@ -3605,7 +3595,7 @@
               <a:t>的</a:t>
             </a:r>
             <a:r>
-              <a:rPr lang="en-US" altLang="zh-CN" sz="1200" kern="1200" dirty="0" smtClean="0">
+              <a:rPr lang="en-US" altLang="zh-CN" sz="1200" kern="1200" dirty="0">
                 <a:solidFill>
                   <a:schemeClr val="tx1"/>
                 </a:solidFill>
@@ -3617,7 +3607,7 @@
               <a:t>MD5</a:t>
             </a:r>
             <a:r>
-              <a:rPr lang="zh-CN" altLang="en-US" sz="1200" kern="1200" dirty="0" smtClean="0">
+              <a:rPr lang="zh-CN" altLang="en-US" sz="1200" kern="1200" dirty="0">
                 <a:solidFill>
                   <a:schemeClr val="tx1"/>
                 </a:solidFill>
@@ -3629,7 +3619,7 @@
               <a:t>仍会变化，解决方案是计算资源本身及其</a:t>
             </a:r>
             <a:r>
-              <a:rPr lang="en-US" altLang="zh-CN" sz="1200" kern="1200" dirty="0" smtClean="0">
+              <a:rPr lang="en-US" altLang="zh-CN" sz="1200" kern="1200" dirty="0">
                 <a:solidFill>
                   <a:schemeClr val="tx1"/>
                 </a:solidFill>
@@ -3641,7 +3631,7 @@
               <a:t>meta</a:t>
             </a:r>
             <a:r>
-              <a:rPr lang="zh-CN" altLang="en-US" sz="1200" kern="1200" dirty="0" smtClean="0">
+              <a:rPr lang="zh-CN" altLang="en-US" sz="1200" kern="1200" dirty="0">
                 <a:solidFill>
                   <a:schemeClr val="tx1"/>
                 </a:solidFill>
@@ -3653,7 +3643,7 @@
               <a:t>的</a:t>
             </a:r>
             <a:r>
-              <a:rPr lang="en-US" altLang="zh-CN" sz="1200" kern="1200" dirty="0" smtClean="0">
+              <a:rPr lang="en-US" altLang="zh-CN" sz="1200" kern="1200" dirty="0">
                 <a:solidFill>
                   <a:schemeClr val="tx1"/>
                 </a:solidFill>
@@ -3665,7 +3655,7 @@
               <a:t>MD5</a:t>
             </a:r>
             <a:r>
-              <a:rPr lang="zh-CN" altLang="en-US" sz="1200" kern="1200" dirty="0" smtClean="0">
+              <a:rPr lang="zh-CN" altLang="en-US" sz="1200" kern="1200" dirty="0">
                 <a:solidFill>
                   <a:schemeClr val="tx1"/>
                 </a:solidFill>
@@ -3677,10 +3667,9 @@
               <a:t>是否发生变化</a:t>
             </a:r>
             <a:r>
-              <a:rPr lang="zh-CN" altLang="en-US" dirty="0" smtClean="0"/>
+              <a:rPr lang="zh-CN" altLang="en-US" dirty="0"/>
               <a:t> </a:t>
             </a:r>
-            <a:endParaRPr lang="zh-CN" altLang="en-US" dirty="0"/>
           </a:p>
         </p:txBody>
       </p:sp>
@@ -3769,10 +3758,10 @@
               <a:buChar char="•"/>
             </a:pPr>
             <a:r>
-              <a:rPr lang="zh-CN" altLang="en-US" dirty="0" smtClean="0"/>
+              <a:rPr lang="zh-CN" altLang="en-US" dirty="0"/>
               <a:t>任何引擎研究的起点建议是资源</a:t>
             </a:r>
-            <a:endParaRPr lang="en-US" altLang="zh-CN" dirty="0" smtClean="0"/>
+            <a:endParaRPr lang="en-US" altLang="zh-CN" dirty="0"/>
           </a:p>
           <a:p>
             <a:pPr marL="171450" indent="-171450">
@@ -3780,10 +3769,10 @@
               <a:buChar char="•"/>
             </a:pPr>
             <a:r>
-              <a:rPr lang="zh-CN" altLang="en-US" dirty="0" smtClean="0"/>
+              <a:rPr lang="zh-CN" altLang="en-US" dirty="0"/>
               <a:t>资源的组织方式，加载方式影响加载时长、用户体验</a:t>
             </a:r>
-            <a:endParaRPr lang="en-US" altLang="zh-CN" dirty="0" smtClean="0"/>
+            <a:endParaRPr lang="en-US" altLang="zh-CN" dirty="0"/>
           </a:p>
           <a:p>
             <a:pPr marL="171450" indent="-171450">
@@ -3791,26 +3780,26 @@
               <a:buChar char="•"/>
             </a:pPr>
             <a:r>
-              <a:rPr lang="zh-CN" altLang="en-US" dirty="0" smtClean="0"/>
+              <a:rPr lang="zh-CN" altLang="en-US" dirty="0"/>
               <a:t>内存控制：资源会占用</a:t>
             </a:r>
             <a:r>
-              <a:rPr lang="en-US" altLang="zh-CN" dirty="0" smtClean="0"/>
+              <a:rPr lang="en-US" altLang="zh-CN" dirty="0"/>
               <a:t>native memory</a:t>
             </a:r>
             <a:r>
-              <a:rPr lang="zh-CN" altLang="en-US" dirty="0" smtClean="0"/>
+              <a:rPr lang="zh-CN" altLang="en-US" dirty="0"/>
               <a:t>，</a:t>
             </a:r>
             <a:r>
-              <a:rPr lang="en-US" altLang="zh-CN" dirty="0" smtClean="0"/>
+              <a:rPr lang="en-US" altLang="zh-CN" dirty="0"/>
               <a:t>managed memory</a:t>
             </a:r>
             <a:r>
-              <a:rPr lang="zh-CN" altLang="en-US" dirty="0" smtClean="0"/>
+              <a:rPr lang="zh-CN" altLang="en-US" dirty="0"/>
               <a:t>，释放控制的不好将造成高内存占用</a:t>
             </a:r>
-            <a:endParaRPr lang="en-US" altLang="zh-CN" dirty="0" smtClean="0"/>
+            <a:endParaRPr lang="en-US" altLang="zh-CN" dirty="0"/>
           </a:p>
           <a:p>
             <a:pPr marL="171450" indent="-171450">
@@ -3818,18 +3807,18 @@
               <a:buChar char="•"/>
             </a:pPr>
             <a:r>
-              <a:rPr lang="zh-CN" altLang="en-US" dirty="0" smtClean="0"/>
+              <a:rPr lang="zh-CN" altLang="en-US" dirty="0"/>
               <a:t>内存控制：</a:t>
             </a:r>
             <a:r>
-              <a:rPr lang="en-US" altLang="zh-CN" dirty="0" smtClean="0"/>
+              <a:rPr lang="en-US" altLang="zh-CN" dirty="0"/>
               <a:t>API</a:t>
             </a:r>
             <a:r>
-              <a:rPr lang="zh-CN" altLang="en-US" dirty="0" smtClean="0"/>
+              <a:rPr lang="zh-CN" altLang="en-US" dirty="0"/>
               <a:t>使用的不好会导致资源出现多份</a:t>
             </a:r>
-            <a:endParaRPr lang="en-US" altLang="zh-CN" dirty="0" smtClean="0"/>
+            <a:endParaRPr lang="en-US" altLang="zh-CN" dirty="0"/>
           </a:p>
           <a:p>
             <a:pPr marL="171450" indent="-171450">
@@ -3837,10 +3826,9 @@
               <a:buChar char="•"/>
             </a:pPr>
             <a:r>
-              <a:rPr lang="zh-CN" altLang="en-US" dirty="0" smtClean="0"/>
+              <a:rPr lang="zh-CN" altLang="en-US" dirty="0"/>
               <a:t>另一种形式的数据结构：合格的程序员要关心资源的组织方式</a:t>
             </a:r>
-            <a:endParaRPr lang="zh-CN" altLang="en-US" dirty="0"/>
           </a:p>
         </p:txBody>
       </p:sp>
@@ -3929,10 +3917,10 @@
               <a:buChar char="•"/>
             </a:pPr>
             <a:r>
-              <a:rPr lang="zh-CN" altLang="en-US" dirty="0" smtClean="0"/>
+              <a:rPr lang="zh-CN" altLang="en-US" dirty="0"/>
               <a:t>任何引擎研究的起点建议是资源</a:t>
             </a:r>
-            <a:endParaRPr lang="en-US" altLang="zh-CN" dirty="0" smtClean="0"/>
+            <a:endParaRPr lang="en-US" altLang="zh-CN" dirty="0"/>
           </a:p>
           <a:p>
             <a:pPr marL="171450" indent="-171450">
@@ -3940,10 +3928,10 @@
               <a:buChar char="•"/>
             </a:pPr>
             <a:r>
-              <a:rPr lang="zh-CN" altLang="en-US" dirty="0" smtClean="0"/>
+              <a:rPr lang="zh-CN" altLang="en-US" dirty="0"/>
               <a:t>资源的组织方式，加载方式影响加载时长、用户体验</a:t>
             </a:r>
-            <a:endParaRPr lang="en-US" altLang="zh-CN" dirty="0" smtClean="0"/>
+            <a:endParaRPr lang="en-US" altLang="zh-CN" dirty="0"/>
           </a:p>
           <a:p>
             <a:pPr marL="171450" indent="-171450">
@@ -3951,26 +3939,26 @@
               <a:buChar char="•"/>
             </a:pPr>
             <a:r>
-              <a:rPr lang="zh-CN" altLang="en-US" dirty="0" smtClean="0"/>
+              <a:rPr lang="zh-CN" altLang="en-US" dirty="0"/>
               <a:t>内存控制：资源会占用</a:t>
             </a:r>
             <a:r>
-              <a:rPr lang="en-US" altLang="zh-CN" dirty="0" smtClean="0"/>
+              <a:rPr lang="en-US" altLang="zh-CN" dirty="0"/>
               <a:t>native memory</a:t>
             </a:r>
             <a:r>
-              <a:rPr lang="zh-CN" altLang="en-US" dirty="0" smtClean="0"/>
+              <a:rPr lang="zh-CN" altLang="en-US" dirty="0"/>
               <a:t>，</a:t>
             </a:r>
             <a:r>
-              <a:rPr lang="en-US" altLang="zh-CN" dirty="0" smtClean="0"/>
+              <a:rPr lang="en-US" altLang="zh-CN" dirty="0"/>
               <a:t>managed memory</a:t>
             </a:r>
             <a:r>
-              <a:rPr lang="zh-CN" altLang="en-US" dirty="0" smtClean="0"/>
+              <a:rPr lang="zh-CN" altLang="en-US" dirty="0"/>
               <a:t>，释放控制的不好将造成高内存占用</a:t>
             </a:r>
-            <a:endParaRPr lang="en-US" altLang="zh-CN" dirty="0" smtClean="0"/>
+            <a:endParaRPr lang="en-US" altLang="zh-CN" dirty="0"/>
           </a:p>
           <a:p>
             <a:pPr marL="171450" indent="-171450">
@@ -3978,18 +3966,18 @@
               <a:buChar char="•"/>
             </a:pPr>
             <a:r>
-              <a:rPr lang="zh-CN" altLang="en-US" dirty="0" smtClean="0"/>
+              <a:rPr lang="zh-CN" altLang="en-US" dirty="0"/>
               <a:t>内存控制：</a:t>
             </a:r>
             <a:r>
-              <a:rPr lang="en-US" altLang="zh-CN" dirty="0" smtClean="0"/>
+              <a:rPr lang="en-US" altLang="zh-CN" dirty="0"/>
               <a:t>API</a:t>
             </a:r>
             <a:r>
-              <a:rPr lang="zh-CN" altLang="en-US" dirty="0" smtClean="0"/>
+              <a:rPr lang="zh-CN" altLang="en-US" dirty="0"/>
               <a:t>使用的不好会导致资源出现多份</a:t>
             </a:r>
-            <a:endParaRPr lang="en-US" altLang="zh-CN" dirty="0" smtClean="0"/>
+            <a:endParaRPr lang="en-US" altLang="zh-CN" dirty="0"/>
           </a:p>
           <a:p>
             <a:pPr marL="171450" indent="-171450">
@@ -3997,10 +3985,9 @@
               <a:buChar char="•"/>
             </a:pPr>
             <a:r>
-              <a:rPr lang="zh-CN" altLang="en-US" dirty="0" smtClean="0"/>
+              <a:rPr lang="zh-CN" altLang="en-US" dirty="0"/>
               <a:t>另一种形式的数据结构：合格的程序员要关心资源的组织方式</a:t>
             </a:r>
-            <a:endParaRPr lang="zh-CN" altLang="en-US" dirty="0"/>
           </a:p>
         </p:txBody>
       </p:sp>
@@ -4089,73 +4076,73 @@
               <a:buChar char="•"/>
             </a:pPr>
             <a:r>
-              <a:rPr lang="zh-CN" altLang="en-US" sz="1200" dirty="0" smtClean="0">
+              <a:rPr lang="zh-CN" altLang="en-US" sz="1200" dirty="0">
                 <a:effectLst/>
               </a:rPr>
               <a:t>来源：外部导入（</a:t>
             </a:r>
             <a:r>
-              <a:rPr lang="en-US" altLang="zh-CN" sz="1200" dirty="0" smtClean="0">
+              <a:rPr lang="en-US" altLang="zh-CN" sz="1200" dirty="0">
                 <a:effectLst/>
               </a:rPr>
               <a:t>mesh, </a:t>
             </a:r>
             <a:r>
-              <a:rPr lang="en-US" altLang="zh-CN" sz="1200" dirty="0" err="1" smtClean="0">
+              <a:rPr lang="en-US" altLang="zh-CN" sz="1200" dirty="0" err="1">
                 <a:effectLst/>
               </a:rPr>
               <a:t>tex</a:t>
             </a:r>
             <a:r>
-              <a:rPr lang="en-US" altLang="zh-CN" sz="1200" dirty="0" smtClean="0">
+              <a:rPr lang="en-US" altLang="zh-CN" sz="1200" dirty="0">
                 <a:effectLst/>
               </a:rPr>
               <a:t>, audio, </a:t>
             </a:r>
             <a:r>
-              <a:rPr lang="en-US" altLang="zh-CN" sz="1200" dirty="0" err="1" smtClean="0">
+              <a:rPr lang="en-US" altLang="zh-CN" sz="1200" dirty="0" err="1">
                 <a:effectLst/>
               </a:rPr>
               <a:t>anim</a:t>
             </a:r>
             <a:r>
-              <a:rPr lang="zh-CN" altLang="en-US" sz="1200" dirty="0" smtClean="0">
+              <a:rPr lang="zh-CN" altLang="en-US" sz="1200" dirty="0">
                 <a:effectLst/>
               </a:rPr>
               <a:t>）和内部创建</a:t>
             </a:r>
             <a:r>
-              <a:rPr lang="en-US" altLang="zh-CN" sz="1200" dirty="0" smtClean="0">
+              <a:rPr lang="en-US" altLang="zh-CN" sz="1200" dirty="0">
                 <a:effectLst/>
               </a:rPr>
               <a:t>(</a:t>
             </a:r>
             <a:r>
-              <a:rPr lang="en-US" altLang="zh-CN" sz="1200" dirty="0" err="1" smtClean="0">
+              <a:rPr lang="en-US" altLang="zh-CN" sz="1200" dirty="0" err="1">
                 <a:effectLst/>
               </a:rPr>
               <a:t>shader</a:t>
             </a:r>
             <a:r>
-              <a:rPr lang="zh-CN" altLang="en-US" sz="1200" dirty="0" smtClean="0">
+              <a:rPr lang="zh-CN" altLang="en-US" sz="1200" dirty="0">
                 <a:effectLst/>
               </a:rPr>
               <a:t>，</a:t>
             </a:r>
             <a:r>
-              <a:rPr lang="en-US" altLang="zh-CN" sz="1200" dirty="0" smtClean="0">
+              <a:rPr lang="en-US" altLang="zh-CN" sz="1200" dirty="0">
                 <a:effectLst/>
               </a:rPr>
               <a:t>sprite, material, scriptable, prefab</a:t>
             </a:r>
             <a:r>
-              <a:rPr lang="zh-CN" altLang="en-US" sz="1200" dirty="0" smtClean="0">
+              <a:rPr lang="zh-CN" altLang="en-US" sz="1200" dirty="0">
                 <a:effectLst/>
               </a:rPr>
               <a:t>，</a:t>
             </a:r>
             <a:r>
-              <a:rPr lang="en-US" altLang="zh-CN" sz="1200" dirty="0" smtClean="0">
+              <a:rPr lang="en-US" altLang="zh-CN" sz="1200" dirty="0">
                 <a:effectLst/>
               </a:rPr>
               <a:t>unity)</a:t>
@@ -4167,48 +4154,48 @@
               <a:buChar char="•"/>
             </a:pPr>
             <a:r>
-              <a:rPr lang="zh-CN" altLang="en-US" sz="1200" dirty="0" smtClean="0">
+              <a:rPr lang="zh-CN" altLang="en-US" sz="1200" dirty="0">
                 <a:effectLst/>
               </a:rPr>
               <a:t>来源：除了外部数据（</a:t>
             </a:r>
             <a:r>
-              <a:rPr lang="en-US" altLang="zh-CN" sz="1200" dirty="0" err="1" smtClean="0">
+              <a:rPr lang="en-US" altLang="zh-CN" sz="1200" dirty="0" err="1">
                 <a:effectLst/>
               </a:rPr>
               <a:t>fbx</a:t>
             </a:r>
             <a:r>
-              <a:rPr lang="zh-CN" altLang="en-US" sz="1200" dirty="0" smtClean="0">
+              <a:rPr lang="zh-CN" altLang="en-US" sz="1200" dirty="0">
                 <a:effectLst/>
               </a:rPr>
               <a:t>，</a:t>
             </a:r>
             <a:r>
-              <a:rPr lang="en-US" altLang="zh-CN" sz="1200" dirty="0" err="1" smtClean="0">
+              <a:rPr lang="en-US" altLang="zh-CN" sz="1200" dirty="0" err="1">
                 <a:effectLst/>
               </a:rPr>
               <a:t>tex</a:t>
             </a:r>
             <a:r>
-              <a:rPr lang="zh-CN" altLang="en-US" sz="1200" dirty="0" smtClean="0">
+              <a:rPr lang="zh-CN" altLang="en-US" sz="1200" dirty="0">
                 <a:effectLst/>
               </a:rPr>
               <a:t>，</a:t>
             </a:r>
             <a:r>
-              <a:rPr lang="en-US" altLang="zh-CN" sz="1200" dirty="0" smtClean="0">
+              <a:rPr lang="en-US" altLang="zh-CN" sz="1200" dirty="0">
                 <a:effectLst/>
               </a:rPr>
               <a:t>audio clip</a:t>
             </a:r>
             <a:r>
-              <a:rPr lang="zh-CN" altLang="en-US" sz="1200" dirty="0" smtClean="0">
+              <a:rPr lang="zh-CN" altLang="en-US" sz="1200" dirty="0">
                 <a:effectLst/>
               </a:rPr>
               <a:t>）都是纯文本的</a:t>
             </a:r>
-            <a:endParaRPr lang="en-US" altLang="zh-CN" sz="1200" dirty="0" smtClean="0">
+            <a:endParaRPr lang="en-US" altLang="zh-CN" sz="1200" dirty="0">
               <a:effectLst/>
             </a:endParaRPr>
           </a:p>
@@ -4218,18 +4205,18 @@
               <a:buChar char="•"/>
             </a:pPr>
             <a:r>
-              <a:rPr lang="en-US" altLang="zh-CN" sz="1200" dirty="0" smtClean="0">
+              <a:rPr lang="en-US" altLang="zh-CN" sz="1200" dirty="0">
                 <a:effectLst/>
               </a:rPr>
               <a:t>Library</a:t>
             </a:r>
             <a:r>
-              <a:rPr lang="zh-CN" altLang="en-US" sz="1200" dirty="0" smtClean="0">
+              <a:rPr lang="zh-CN" altLang="en-US" sz="1200" dirty="0">
                 <a:effectLst/>
               </a:rPr>
               <a:t>，导入结果与平台相关</a:t>
             </a:r>
-            <a:endParaRPr lang="en-US" altLang="zh-CN" sz="1200" dirty="0" smtClean="0">
+            <a:endParaRPr lang="en-US" altLang="zh-CN" sz="1200" dirty="0">
               <a:effectLst/>
             </a:endParaRPr>
           </a:p>
@@ -4239,78 +4226,78 @@
               <a:buChar char="•"/>
             </a:pPr>
             <a:r>
-              <a:rPr lang="en-US" altLang="zh-CN" sz="1200" dirty="0" smtClean="0">
+              <a:rPr lang="en-US" altLang="zh-CN" sz="1200" dirty="0">
                 <a:effectLst/>
               </a:rPr>
               <a:t>Import</a:t>
             </a:r>
             <a:r>
-              <a:rPr lang="zh-CN" altLang="en-US" sz="1200" dirty="0" smtClean="0">
+              <a:rPr lang="zh-CN" altLang="en-US" sz="1200" dirty="0">
                 <a:effectLst/>
               </a:rPr>
               <a:t>：资源是如何从初始数据生成</a:t>
             </a:r>
             <a:r>
-              <a:rPr lang="en-US" altLang="zh-CN" sz="1200" dirty="0" smtClean="0">
+              <a:rPr lang="en-US" altLang="zh-CN" sz="1200" dirty="0">
                 <a:effectLst/>
               </a:rPr>
               <a:t>Library</a:t>
             </a:r>
             <a:r>
-              <a:rPr lang="zh-CN" altLang="en-US" sz="1200" dirty="0" smtClean="0">
+              <a:rPr lang="zh-CN" altLang="en-US" sz="1200" dirty="0">
                 <a:effectLst/>
               </a:rPr>
               <a:t>的呢？不会改变</a:t>
             </a:r>
             <a:r>
-              <a:rPr lang="en-US" altLang="zh-CN" sz="1200" dirty="0" smtClean="0">
+              <a:rPr lang="en-US" altLang="zh-CN" sz="1200" dirty="0">
                 <a:effectLst/>
               </a:rPr>
               <a:t>CCD</a:t>
             </a:r>
             <a:r>
-              <a:rPr lang="zh-CN" altLang="en-US" sz="1200" dirty="0" smtClean="0">
+              <a:rPr lang="zh-CN" altLang="en-US" sz="1200" dirty="0">
                 <a:effectLst/>
               </a:rPr>
               <a:t>输出的原始资源文件，改变体现在</a:t>
             </a:r>
             <a:r>
-              <a:rPr lang="en-US" altLang="zh-CN" sz="1200" dirty="0" smtClean="0">
+              <a:rPr lang="en-US" altLang="zh-CN" sz="1200" dirty="0">
                 <a:effectLst/>
               </a:rPr>
               <a:t>Library</a:t>
             </a:r>
             <a:r>
-              <a:rPr lang="zh-CN" altLang="en-US" sz="1200" dirty="0" smtClean="0">
+              <a:rPr lang="zh-CN" altLang="en-US" sz="1200" dirty="0">
                 <a:effectLst/>
               </a:rPr>
               <a:t>中，举例剔除</a:t>
             </a:r>
             <a:r>
-              <a:rPr lang="en-US" altLang="zh-CN" sz="1200" dirty="0" smtClean="0">
+              <a:rPr lang="en-US" altLang="zh-CN" sz="1200" dirty="0">
                 <a:effectLst/>
               </a:rPr>
               <a:t>mesh </a:t>
             </a:r>
             <a:r>
-              <a:rPr lang="zh-CN" altLang="en-US" sz="1200" dirty="0" smtClean="0">
+              <a:rPr lang="zh-CN" altLang="en-US" sz="1200" dirty="0">
                 <a:effectLst/>
               </a:rPr>
               <a:t>的</a:t>
             </a:r>
             <a:r>
-              <a:rPr lang="en-US" altLang="zh-CN" sz="1200" dirty="0" smtClean="0">
+              <a:rPr lang="en-US" altLang="zh-CN" sz="1200" dirty="0">
                 <a:effectLst/>
               </a:rPr>
               <a:t>color</a:t>
             </a:r>
             <a:r>
-              <a:rPr lang="zh-CN" altLang="en-US" sz="1200" dirty="0" smtClean="0">
+              <a:rPr lang="zh-CN" altLang="en-US" sz="1200" dirty="0">
                 <a:effectLst/>
               </a:rPr>
               <a:t>属性</a:t>
             </a:r>
-            <a:endParaRPr lang="en-US" altLang="zh-CN" sz="1200" dirty="0" smtClean="0">
+            <a:endParaRPr lang="en-US" altLang="zh-CN" sz="1200" dirty="0">
               <a:effectLst/>
             </a:endParaRPr>
           </a:p>
@@ -4319,7 +4306,7 @@
               <a:buFont typeface="Arial" panose="020B0604020202020204" pitchFamily="34" charset="0"/>
               <a:buChar char="•"/>
             </a:pPr>
-            <a:endParaRPr lang="zh-CN" altLang="en-US" dirty="0" smtClean="0">
+            <a:endParaRPr lang="zh-CN" altLang="en-US" dirty="0">
               <a:effectLst/>
             </a:endParaRPr>
           </a:p>
@@ -4413,73 +4400,73 @@
               <a:buChar char="•"/>
             </a:pPr>
             <a:r>
-              <a:rPr lang="zh-CN" altLang="en-US" sz="1200" dirty="0" smtClean="0">
+              <a:rPr lang="zh-CN" altLang="en-US" sz="1200" dirty="0">
                 <a:effectLst/>
               </a:rPr>
               <a:t>来源：外部导入（</a:t>
             </a:r>
             <a:r>
-              <a:rPr lang="en-US" altLang="zh-CN" sz="1200" dirty="0" smtClean="0">
+              <a:rPr lang="en-US" altLang="zh-CN" sz="1200" dirty="0">
                 <a:effectLst/>
               </a:rPr>
               <a:t>mesh, </a:t>
             </a:r>
             <a:r>
-              <a:rPr lang="en-US" altLang="zh-CN" sz="1200" dirty="0" err="1" smtClean="0">
+              <a:rPr lang="en-US" altLang="zh-CN" sz="1200" dirty="0" err="1">
                 <a:effectLst/>
               </a:rPr>
               <a:t>tex</a:t>
             </a:r>
             <a:r>
-              <a:rPr lang="en-US" altLang="zh-CN" sz="1200" dirty="0" smtClean="0">
+              <a:rPr lang="en-US" altLang="zh-CN" sz="1200" dirty="0">
                 <a:effectLst/>
               </a:rPr>
               <a:t>, audio, </a:t>
             </a:r>
             <a:r>
-              <a:rPr lang="en-US" altLang="zh-CN" sz="1200" dirty="0" err="1" smtClean="0">
+              <a:rPr lang="en-US" altLang="zh-CN" sz="1200" dirty="0" err="1">
                 <a:effectLst/>
               </a:rPr>
               <a:t>anim</a:t>
             </a:r>
             <a:r>
-              <a:rPr lang="zh-CN" altLang="en-US" sz="1200" dirty="0" smtClean="0">
+              <a:rPr lang="zh-CN" altLang="en-US" sz="1200" dirty="0">
                 <a:effectLst/>
               </a:rPr>
               <a:t>）和内部创建</a:t>
             </a:r>
             <a:r>
-              <a:rPr lang="en-US" altLang="zh-CN" sz="1200" dirty="0" smtClean="0">
+              <a:rPr lang="en-US" altLang="zh-CN" sz="1200" dirty="0">
                 <a:effectLst/>
               </a:rPr>
               <a:t>(</a:t>
             </a:r>
             <a:r>
-              <a:rPr lang="en-US" altLang="zh-CN" sz="1200" dirty="0" err="1" smtClean="0">
+              <a:rPr lang="en-US" altLang="zh-CN" sz="1200" dirty="0" err="1">
                 <a:effectLst/>
               </a:rPr>
               <a:t>shader</a:t>
             </a:r>
             <a:r>
-              <a:rPr lang="zh-CN" altLang="en-US" sz="1200" dirty="0" smtClean="0">
+              <a:rPr lang="zh-CN" altLang="en-US" sz="1200" dirty="0">
                 <a:effectLst/>
               </a:rPr>
               <a:t>，</a:t>
             </a:r>
             <a:r>
-              <a:rPr lang="en-US" altLang="zh-CN" sz="1200" dirty="0" smtClean="0">
+              <a:rPr lang="en-US" altLang="zh-CN" sz="1200" dirty="0">
                 <a:effectLst/>
               </a:rPr>
               <a:t>sprite, material, scriptable, prefab</a:t>
             </a:r>
             <a:r>
-              <a:rPr lang="zh-CN" altLang="en-US" sz="1200" dirty="0" smtClean="0">
+              <a:rPr lang="zh-CN" altLang="en-US" sz="1200" dirty="0">
                 <a:effectLst/>
               </a:rPr>
               <a:t>，</a:t>
             </a:r>
             <a:r>
-              <a:rPr lang="en-US" altLang="zh-CN" sz="1200" dirty="0" smtClean="0">
+              <a:rPr lang="en-US" altLang="zh-CN" sz="1200" dirty="0">
                 <a:effectLst/>
               </a:rPr>
               <a:t>unity)</a:t>
@@ -4491,48 +4478,48 @@
               <a:buChar char="•"/>
             </a:pPr>
             <a:r>
-              <a:rPr lang="zh-CN" altLang="en-US" sz="1200" dirty="0" smtClean="0">
+              <a:rPr lang="zh-CN" altLang="en-US" sz="1200" dirty="0">
                 <a:effectLst/>
               </a:rPr>
               <a:t>来源：除了外部数据（</a:t>
             </a:r>
             <a:r>
-              <a:rPr lang="en-US" altLang="zh-CN" sz="1200" dirty="0" err="1" smtClean="0">
+              <a:rPr lang="en-US" altLang="zh-CN" sz="1200" dirty="0" err="1">
                 <a:effectLst/>
               </a:rPr>
               <a:t>fbx</a:t>
             </a:r>
             <a:r>
-              <a:rPr lang="zh-CN" altLang="en-US" sz="1200" dirty="0" smtClean="0">
+              <a:rPr lang="zh-CN" altLang="en-US" sz="1200" dirty="0">
                 <a:effectLst/>
               </a:rPr>
               <a:t>，</a:t>
             </a:r>
             <a:r>
-              <a:rPr lang="en-US" altLang="zh-CN" sz="1200" dirty="0" err="1" smtClean="0">
+              <a:rPr lang="en-US" altLang="zh-CN" sz="1200" dirty="0" err="1">
                 <a:effectLst/>
               </a:rPr>
               <a:t>tex</a:t>
             </a:r>
             <a:r>
-              <a:rPr lang="zh-CN" altLang="en-US" sz="1200" dirty="0" smtClean="0">
+              <a:rPr lang="zh-CN" altLang="en-US" sz="1200" dirty="0">
                 <a:effectLst/>
               </a:rPr>
               <a:t>，</a:t>
             </a:r>
             <a:r>
-              <a:rPr lang="en-US" altLang="zh-CN" sz="1200" dirty="0" smtClean="0">
+              <a:rPr lang="en-US" altLang="zh-CN" sz="1200" dirty="0">
                 <a:effectLst/>
               </a:rPr>
               <a:t>audio clip</a:t>
             </a:r>
             <a:r>
-              <a:rPr lang="zh-CN" altLang="en-US" sz="1200" dirty="0" smtClean="0">
+              <a:rPr lang="zh-CN" altLang="en-US" sz="1200" dirty="0">
                 <a:effectLst/>
               </a:rPr>
               <a:t>）都是纯文本的</a:t>
             </a:r>
-            <a:endParaRPr lang="en-US" altLang="zh-CN" sz="1200" dirty="0" smtClean="0">
+            <a:endParaRPr lang="en-US" altLang="zh-CN" sz="1200" dirty="0">
               <a:effectLst/>
             </a:endParaRPr>
           </a:p>
@@ -4542,18 +4529,18 @@
               <a:buChar char="•"/>
             </a:pPr>
             <a:r>
-              <a:rPr lang="en-US" altLang="zh-CN" sz="1200" dirty="0" smtClean="0">
+              <a:rPr lang="en-US" altLang="zh-CN" sz="1200" dirty="0">
                 <a:effectLst/>
               </a:rPr>
               <a:t>Library</a:t>
             </a:r>
             <a:r>
-              <a:rPr lang="zh-CN" altLang="en-US" sz="1200" dirty="0" smtClean="0">
+              <a:rPr lang="zh-CN" altLang="en-US" sz="1200" dirty="0">
                 <a:effectLst/>
               </a:rPr>
               <a:t>，导入结果与平台相关</a:t>
             </a:r>
-            <a:endParaRPr lang="en-US" altLang="zh-CN" sz="1200" dirty="0" smtClean="0">
+            <a:endParaRPr lang="en-US" altLang="zh-CN" sz="1200" dirty="0">
               <a:effectLst/>
             </a:endParaRPr>
           </a:p>
@@ -4563,78 +4550,78 @@
               <a:buChar char="•"/>
             </a:pPr>
             <a:r>
-              <a:rPr lang="en-US" altLang="zh-CN" sz="1200" dirty="0" smtClean="0">
+              <a:rPr lang="en-US" altLang="zh-CN" sz="1200" dirty="0">
                 <a:effectLst/>
               </a:rPr>
               <a:t>Import</a:t>
             </a:r>
             <a:r>
-              <a:rPr lang="zh-CN" altLang="en-US" sz="1200" dirty="0" smtClean="0">
+              <a:rPr lang="zh-CN" altLang="en-US" sz="1200" dirty="0">
                 <a:effectLst/>
               </a:rPr>
               <a:t>：资源是如何从初始数据生成</a:t>
             </a:r>
             <a:r>
-              <a:rPr lang="en-US" altLang="zh-CN" sz="1200" dirty="0" smtClean="0">
+              <a:rPr lang="en-US" altLang="zh-CN" sz="1200" dirty="0">
                 <a:effectLst/>
               </a:rPr>
               <a:t>Library</a:t>
             </a:r>
             <a:r>
-              <a:rPr lang="zh-CN" altLang="en-US" sz="1200" dirty="0" smtClean="0">
+              <a:rPr lang="zh-CN" altLang="en-US" sz="1200" dirty="0">
                 <a:effectLst/>
               </a:rPr>
               <a:t>的呢？不会改变</a:t>
             </a:r>
             <a:r>
-              <a:rPr lang="en-US" altLang="zh-CN" sz="1200" dirty="0" smtClean="0">
+              <a:rPr lang="en-US" altLang="zh-CN" sz="1200" dirty="0">
                 <a:effectLst/>
               </a:rPr>
               <a:t>CCD</a:t>
             </a:r>
             <a:r>
-              <a:rPr lang="zh-CN" altLang="en-US" sz="1200" dirty="0" smtClean="0">
+              <a:rPr lang="zh-CN" altLang="en-US" sz="1200" dirty="0">
                 <a:effectLst/>
               </a:rPr>
               <a:t>输出的原始资源文件，改变体现在</a:t>
             </a:r>
             <a:r>
-              <a:rPr lang="en-US" altLang="zh-CN" sz="1200" dirty="0" smtClean="0">
+              <a:rPr lang="en-US" altLang="zh-CN" sz="1200" dirty="0">
                 <a:effectLst/>
               </a:rPr>
               <a:t>Library</a:t>
             </a:r>
             <a:r>
-              <a:rPr lang="zh-CN" altLang="en-US" sz="1200" dirty="0" smtClean="0">
+              <a:rPr lang="zh-CN" altLang="en-US" sz="1200" dirty="0">
                 <a:effectLst/>
               </a:rPr>
               <a:t>中，举例剔除</a:t>
             </a:r>
             <a:r>
-              <a:rPr lang="en-US" altLang="zh-CN" sz="1200" dirty="0" smtClean="0">
+              <a:rPr lang="en-US" altLang="zh-CN" sz="1200" dirty="0">
                 <a:effectLst/>
               </a:rPr>
               <a:t>mesh </a:t>
             </a:r>
             <a:r>
-              <a:rPr lang="zh-CN" altLang="en-US" sz="1200" dirty="0" smtClean="0">
+              <a:rPr lang="zh-CN" altLang="en-US" sz="1200" dirty="0">
                 <a:effectLst/>
               </a:rPr>
               <a:t>的</a:t>
             </a:r>
             <a:r>
-              <a:rPr lang="en-US" altLang="zh-CN" sz="1200" dirty="0" smtClean="0">
+              <a:rPr lang="en-US" altLang="zh-CN" sz="1200" dirty="0">
                 <a:effectLst/>
               </a:rPr>
               <a:t>color</a:t>
             </a:r>
             <a:r>
-              <a:rPr lang="zh-CN" altLang="en-US" sz="1200" dirty="0" smtClean="0">
+              <a:rPr lang="zh-CN" altLang="en-US" sz="1200" dirty="0">
                 <a:effectLst/>
               </a:rPr>
               <a:t>属性</a:t>
             </a:r>
-            <a:endParaRPr lang="en-US" altLang="zh-CN" sz="1200" dirty="0" smtClean="0">
+            <a:endParaRPr lang="en-US" altLang="zh-CN" sz="1200" dirty="0">
               <a:effectLst/>
             </a:endParaRPr>
           </a:p>
@@ -4643,7 +4630,7 @@
               <a:buFont typeface="Arial" panose="020B0604020202020204" pitchFamily="34" charset="0"/>
               <a:buChar char="•"/>
             </a:pPr>
-            <a:endParaRPr lang="zh-CN" altLang="en-US" dirty="0" smtClean="0">
+            <a:endParaRPr lang="zh-CN" altLang="en-US" dirty="0">
               <a:effectLst/>
             </a:endParaRPr>
           </a:p>
@@ -4737,73 +4724,73 @@
               <a:buChar char="•"/>
             </a:pPr>
             <a:r>
-              <a:rPr lang="zh-CN" altLang="en-US" sz="1200" dirty="0" smtClean="0">
+              <a:rPr lang="zh-CN" altLang="en-US" sz="1200" dirty="0">
                 <a:effectLst/>
               </a:rPr>
               <a:t>来源：外部导入（</a:t>
             </a:r>
             <a:r>
-              <a:rPr lang="en-US" altLang="zh-CN" sz="1200" dirty="0" smtClean="0">
+              <a:rPr lang="en-US" altLang="zh-CN" sz="1200" dirty="0">
                 <a:effectLst/>
               </a:rPr>
               <a:t>mesh, </a:t>
             </a:r>
             <a:r>
-              <a:rPr lang="en-US" altLang="zh-CN" sz="1200" dirty="0" err="1" smtClean="0">
+              <a:rPr lang="en-US" altLang="zh-CN" sz="1200" dirty="0" err="1">
                 <a:effectLst/>
               </a:rPr>
               <a:t>tex</a:t>
             </a:r>
             <a:r>
-              <a:rPr lang="en-US" altLang="zh-CN" sz="1200" dirty="0" smtClean="0">
+              <a:rPr lang="en-US" altLang="zh-CN" sz="1200" dirty="0">
                 <a:effectLst/>
               </a:rPr>
               <a:t>, audio, </a:t>
             </a:r>
             <a:r>
-              <a:rPr lang="en-US" altLang="zh-CN" sz="1200" dirty="0" err="1" smtClean="0">
+              <a:rPr lang="en-US" altLang="zh-CN" sz="1200" dirty="0" err="1">
                 <a:effectLst/>
               </a:rPr>
               <a:t>anim</a:t>
             </a:r>
             <a:r>
-              <a:rPr lang="zh-CN" altLang="en-US" sz="1200" dirty="0" smtClean="0">
+              <a:rPr lang="zh-CN" altLang="en-US" sz="1200" dirty="0">
                 <a:effectLst/>
               </a:rPr>
               <a:t>）和内部创建</a:t>
             </a:r>
             <a:r>
-              <a:rPr lang="en-US" altLang="zh-CN" sz="1200" dirty="0" smtClean="0">
+              <a:rPr lang="en-US" altLang="zh-CN" sz="1200" dirty="0">
                 <a:effectLst/>
               </a:rPr>
               <a:t>(</a:t>
             </a:r>
             <a:r>
-              <a:rPr lang="en-US" altLang="zh-CN" sz="1200" dirty="0" err="1" smtClean="0">
+              <a:rPr lang="en-US" altLang="zh-CN" sz="1200" dirty="0" err="1">
                 <a:effectLst/>
               </a:rPr>
               <a:t>shader</a:t>
             </a:r>
             <a:r>
-              <a:rPr lang="zh-CN" altLang="en-US" sz="1200" dirty="0" smtClean="0">
+              <a:rPr lang="zh-CN" altLang="en-US" sz="1200" dirty="0">
                 <a:effectLst/>
               </a:rPr>
               <a:t>，</a:t>
             </a:r>
             <a:r>
-              <a:rPr lang="en-US" altLang="zh-CN" sz="1200" dirty="0" smtClean="0">
+              <a:rPr lang="en-US" altLang="zh-CN" sz="1200" dirty="0">
                 <a:effectLst/>
               </a:rPr>
               <a:t>sprite, material, scriptable, prefab</a:t>
             </a:r>
             <a:r>
-              <a:rPr lang="zh-CN" altLang="en-US" sz="1200" dirty="0" smtClean="0">
+              <a:rPr lang="zh-CN" altLang="en-US" sz="1200" dirty="0">
                 <a:effectLst/>
               </a:rPr>
               <a:t>，</a:t>
             </a:r>
             <a:r>
-              <a:rPr lang="en-US" altLang="zh-CN" sz="1200" dirty="0" smtClean="0">
+              <a:rPr lang="en-US" altLang="zh-CN" sz="1200" dirty="0">
                 <a:effectLst/>
               </a:rPr>
               <a:t>unity)</a:t>
@@ -4815,48 +4802,48 @@
               <a:buChar char="•"/>
             </a:pPr>
             <a:r>
-              <a:rPr lang="zh-CN" altLang="en-US" sz="1200" dirty="0" smtClean="0">
+              <a:rPr lang="zh-CN" altLang="en-US" sz="1200" dirty="0">
                 <a:effectLst/>
               </a:rPr>
               <a:t>来源：除了外部数据（</a:t>
             </a:r>
             <a:r>
-              <a:rPr lang="en-US" altLang="zh-CN" sz="1200" dirty="0" err="1" smtClean="0">
+              <a:rPr lang="en-US" altLang="zh-CN" sz="1200" dirty="0" err="1">
                 <a:effectLst/>
               </a:rPr>
               <a:t>fbx</a:t>
             </a:r>
             <a:r>
-              <a:rPr lang="zh-CN" altLang="en-US" sz="1200" dirty="0" smtClean="0">
+              <a:rPr lang="zh-CN" altLang="en-US" sz="1200" dirty="0">
                 <a:effectLst/>
               </a:rPr>
               <a:t>，</a:t>
             </a:r>
             <a:r>
-              <a:rPr lang="en-US" altLang="zh-CN" sz="1200" dirty="0" err="1" smtClean="0">
+              <a:rPr lang="en-US" altLang="zh-CN" sz="1200" dirty="0" err="1">
                 <a:effectLst/>
               </a:rPr>
               <a:t>tex</a:t>
             </a:r>
             <a:r>
-              <a:rPr lang="zh-CN" altLang="en-US" sz="1200" dirty="0" smtClean="0">
+              <a:rPr lang="zh-CN" altLang="en-US" sz="1200" dirty="0">
                 <a:effectLst/>
               </a:rPr>
               <a:t>，</a:t>
             </a:r>
             <a:r>
-              <a:rPr lang="en-US" altLang="zh-CN" sz="1200" dirty="0" smtClean="0">
+              <a:rPr lang="en-US" altLang="zh-CN" sz="1200" dirty="0">
                 <a:effectLst/>
               </a:rPr>
               <a:t>audio clip</a:t>
             </a:r>
             <a:r>
-              <a:rPr lang="zh-CN" altLang="en-US" sz="1200" dirty="0" smtClean="0">
+              <a:rPr lang="zh-CN" altLang="en-US" sz="1200" dirty="0">
                 <a:effectLst/>
               </a:rPr>
               <a:t>）都是纯文本的</a:t>
             </a:r>
-            <a:endParaRPr lang="en-US" altLang="zh-CN" sz="1200" dirty="0" smtClean="0">
+            <a:endParaRPr lang="en-US" altLang="zh-CN" sz="1200" dirty="0">
               <a:effectLst/>
             </a:endParaRPr>
           </a:p>
@@ -4866,18 +4853,18 @@
               <a:buChar char="•"/>
             </a:pPr>
             <a:r>
-              <a:rPr lang="en-US" altLang="zh-CN" sz="1200" dirty="0" smtClean="0">
+              <a:rPr lang="en-US" altLang="zh-CN" sz="1200" dirty="0">
                 <a:effectLst/>
               </a:rPr>
               <a:t>Library</a:t>
             </a:r>
             <a:r>
-              <a:rPr lang="zh-CN" altLang="en-US" sz="1200" dirty="0" smtClean="0">
+              <a:rPr lang="zh-CN" altLang="en-US" sz="1200" dirty="0">
                 <a:effectLst/>
               </a:rPr>
               <a:t>，导入结果与平台相关</a:t>
             </a:r>
-            <a:endParaRPr lang="en-US" altLang="zh-CN" sz="1200" dirty="0" smtClean="0">
+            <a:endParaRPr lang="en-US" altLang="zh-CN" sz="1200" dirty="0">
               <a:effectLst/>
             </a:endParaRPr>
           </a:p>
@@ -4887,78 +4874,78 @@
               <a:buChar char="•"/>
             </a:pPr>
             <a:r>
-              <a:rPr lang="en-US" altLang="zh-CN" sz="1200" dirty="0" smtClean="0">
+              <a:rPr lang="en-US" altLang="zh-CN" sz="1200" dirty="0">
                 <a:effectLst/>
               </a:rPr>
               <a:t>Import</a:t>
             </a:r>
             <a:r>
-              <a:rPr lang="zh-CN" altLang="en-US" sz="1200" dirty="0" smtClean="0">
+              <a:rPr lang="zh-CN" altLang="en-US" sz="1200" dirty="0">
                 <a:effectLst/>
               </a:rPr>
               <a:t>：资源是如何从初始数据生成</a:t>
             </a:r>
             <a:r>
-              <a:rPr lang="en-US" altLang="zh-CN" sz="1200" dirty="0" smtClean="0">
+              <a:rPr lang="en-US" altLang="zh-CN" sz="1200" dirty="0">
                 <a:effectLst/>
               </a:rPr>
               <a:t>Library</a:t>
             </a:r>
             <a:r>
-              <a:rPr lang="zh-CN" altLang="en-US" sz="1200" dirty="0" smtClean="0">
+              <a:rPr lang="zh-CN" altLang="en-US" sz="1200" dirty="0">
                 <a:effectLst/>
               </a:rPr>
               <a:t>的呢？不会改变</a:t>
             </a:r>
             <a:r>
-              <a:rPr lang="en-US" altLang="zh-CN" sz="1200" dirty="0" smtClean="0">
+              <a:rPr lang="en-US" altLang="zh-CN" sz="1200" dirty="0">
                 <a:effectLst/>
               </a:rPr>
               <a:t>CCD</a:t>
             </a:r>
             <a:r>
-              <a:rPr lang="zh-CN" altLang="en-US" sz="1200" dirty="0" smtClean="0">
+              <a:rPr lang="zh-CN" altLang="en-US" sz="1200" dirty="0">
                 <a:effectLst/>
               </a:rPr>
               <a:t>输出的原始资源文件，改变体现在</a:t>
             </a:r>
             <a:r>
-              <a:rPr lang="en-US" altLang="zh-CN" sz="1200" dirty="0" smtClean="0">
+              <a:rPr lang="en-US" altLang="zh-CN" sz="1200" dirty="0">
                 <a:effectLst/>
               </a:rPr>
               <a:t>Library</a:t>
             </a:r>
             <a:r>
-              <a:rPr lang="zh-CN" altLang="en-US" sz="1200" dirty="0" smtClean="0">
+              <a:rPr lang="zh-CN" altLang="en-US" sz="1200" dirty="0">
                 <a:effectLst/>
               </a:rPr>
               <a:t>中，举例剔除</a:t>
             </a:r>
             <a:r>
-              <a:rPr lang="en-US" altLang="zh-CN" sz="1200" dirty="0" smtClean="0">
+              <a:rPr lang="en-US" altLang="zh-CN" sz="1200" dirty="0">
                 <a:effectLst/>
               </a:rPr>
               <a:t>mesh </a:t>
             </a:r>
             <a:r>
-              <a:rPr lang="zh-CN" altLang="en-US" sz="1200" dirty="0" smtClean="0">
+              <a:rPr lang="zh-CN" altLang="en-US" sz="1200" dirty="0">
                 <a:effectLst/>
               </a:rPr>
               <a:t>的</a:t>
             </a:r>
             <a:r>
-              <a:rPr lang="en-US" altLang="zh-CN" sz="1200" dirty="0" smtClean="0">
+              <a:rPr lang="en-US" altLang="zh-CN" sz="1200" dirty="0">
                 <a:effectLst/>
               </a:rPr>
               <a:t>color</a:t>
             </a:r>
             <a:r>
-              <a:rPr lang="zh-CN" altLang="en-US" sz="1200" dirty="0" smtClean="0">
+              <a:rPr lang="zh-CN" altLang="en-US" sz="1200" dirty="0">
                 <a:effectLst/>
               </a:rPr>
               <a:t>属性</a:t>
             </a:r>
-            <a:endParaRPr lang="en-US" altLang="zh-CN" sz="1200" dirty="0" smtClean="0">
+            <a:endParaRPr lang="en-US" altLang="zh-CN" sz="1200" dirty="0">
               <a:effectLst/>
             </a:endParaRPr>
           </a:p>
@@ -4967,7 +4954,7 @@
               <a:buFont typeface="Arial" panose="020B0604020202020204" pitchFamily="34" charset="0"/>
               <a:buChar char="•"/>
             </a:pPr>
-            <a:endParaRPr lang="zh-CN" altLang="en-US" dirty="0" smtClean="0">
+            <a:endParaRPr lang="zh-CN" altLang="en-US" dirty="0">
               <a:effectLst/>
             </a:endParaRPr>
           </a:p>
@@ -5061,73 +5048,73 @@
               <a:buChar char="•"/>
             </a:pPr>
             <a:r>
-              <a:rPr lang="zh-CN" altLang="en-US" sz="1200" dirty="0" smtClean="0">
+              <a:rPr lang="zh-CN" altLang="en-US" sz="1200" dirty="0">
                 <a:effectLst/>
               </a:rPr>
               <a:t>来源：外部导入（</a:t>
             </a:r>
             <a:r>
-              <a:rPr lang="en-US" altLang="zh-CN" sz="1200" dirty="0" smtClean="0">
+              <a:rPr lang="en-US" altLang="zh-CN" sz="1200" dirty="0">
                 <a:effectLst/>
               </a:rPr>
               <a:t>mesh, </a:t>
             </a:r>
             <a:r>
-              <a:rPr lang="en-US" altLang="zh-CN" sz="1200" dirty="0" err="1" smtClean="0">
+              <a:rPr lang="en-US" altLang="zh-CN" sz="1200" dirty="0" err="1">
                 <a:effectLst/>
               </a:rPr>
               <a:t>tex</a:t>
             </a:r>
             <a:r>
-              <a:rPr lang="en-US" altLang="zh-CN" sz="1200" dirty="0" smtClean="0">
+              <a:rPr lang="en-US" altLang="zh-CN" sz="1200" dirty="0">
                 <a:effectLst/>
               </a:rPr>
               <a:t>, audio, </a:t>
             </a:r>
             <a:r>
-              <a:rPr lang="en-US" altLang="zh-CN" sz="1200" dirty="0" err="1" smtClean="0">
+              <a:rPr lang="en-US" altLang="zh-CN" sz="1200" dirty="0" err="1">
                 <a:effectLst/>
               </a:rPr>
               <a:t>anim</a:t>
             </a:r>
             <a:r>
-              <a:rPr lang="zh-CN" altLang="en-US" sz="1200" dirty="0" smtClean="0">
+              <a:rPr lang="zh-CN" altLang="en-US" sz="1200" dirty="0">
                 <a:effectLst/>
               </a:rPr>
               <a:t>）和内部创建</a:t>
             </a:r>
             <a:r>
-              <a:rPr lang="en-US" altLang="zh-CN" sz="1200" dirty="0" smtClean="0">
+              <a:rPr lang="en-US" altLang="zh-CN" sz="1200" dirty="0">
                 <a:effectLst/>
               </a:rPr>
               <a:t>(</a:t>
             </a:r>
             <a:r>
-              <a:rPr lang="en-US" altLang="zh-CN" sz="1200" dirty="0" err="1" smtClean="0">
+              <a:rPr lang="en-US" altLang="zh-CN" sz="1200" dirty="0" err="1">
                 <a:effectLst/>
               </a:rPr>
               <a:t>shader</a:t>
             </a:r>
             <a:r>
-              <a:rPr lang="zh-CN" altLang="en-US" sz="1200" dirty="0" smtClean="0">
+              <a:rPr lang="zh-CN" altLang="en-US" sz="1200" dirty="0">
                 <a:effectLst/>
               </a:rPr>
               <a:t>，</a:t>
             </a:r>
             <a:r>
-              <a:rPr lang="en-US" altLang="zh-CN" sz="1200" dirty="0" smtClean="0">
+              <a:rPr lang="en-US" altLang="zh-CN" sz="1200" dirty="0">
                 <a:effectLst/>
               </a:rPr>
               <a:t>sprite, material, scriptable, prefab</a:t>
             </a:r>
             <a:r>
-              <a:rPr lang="zh-CN" altLang="en-US" sz="1200" dirty="0" smtClean="0">
+              <a:rPr lang="zh-CN" altLang="en-US" sz="1200" dirty="0">
                 <a:effectLst/>
               </a:rPr>
               <a:t>，</a:t>
             </a:r>
             <a:r>
-              <a:rPr lang="en-US" altLang="zh-CN" sz="1200" dirty="0" smtClean="0">
+              <a:rPr lang="en-US" altLang="zh-CN" sz="1200" dirty="0">
                 <a:effectLst/>
               </a:rPr>
               <a:t>unity)</a:t>
@@ -5139,48 +5126,48 @@
               <a:buChar char="•"/>
             </a:pPr>
             <a:r>
-              <a:rPr lang="zh-CN" altLang="en-US" sz="1200" dirty="0" smtClean="0">
+              <a:rPr lang="zh-CN" altLang="en-US" sz="1200" dirty="0">
                 <a:effectLst/>
               </a:rPr>
               <a:t>来源：除了外部数据（</a:t>
             </a:r>
             <a:r>
-              <a:rPr lang="en-US" altLang="zh-CN" sz="1200" dirty="0" err="1" smtClean="0">
+              <a:rPr lang="en-US" altLang="zh-CN" sz="1200" dirty="0" err="1">
                 <a:effectLst/>
               </a:rPr>
               <a:t>fbx</a:t>
             </a:r>
             <a:r>
-              <a:rPr lang="zh-CN" altLang="en-US" sz="1200" dirty="0" smtClean="0">
+              <a:rPr lang="zh-CN" altLang="en-US" sz="1200" dirty="0">
                 <a:effectLst/>
               </a:rPr>
               <a:t>，</a:t>
             </a:r>
             <a:r>
-              <a:rPr lang="en-US" altLang="zh-CN" sz="1200" dirty="0" err="1" smtClean="0">
+              <a:rPr lang="en-US" altLang="zh-CN" sz="1200" dirty="0" err="1">
                 <a:effectLst/>
               </a:rPr>
               <a:t>tex</a:t>
             </a:r>
             <a:r>
-              <a:rPr lang="zh-CN" altLang="en-US" sz="1200" dirty="0" smtClean="0">
+              <a:rPr lang="zh-CN" altLang="en-US" sz="1200" dirty="0">
                 <a:effectLst/>
               </a:rPr>
               <a:t>，</a:t>
             </a:r>
             <a:r>
-              <a:rPr lang="en-US" altLang="zh-CN" sz="1200" dirty="0" smtClean="0">
+              <a:rPr lang="en-US" altLang="zh-CN" sz="1200" dirty="0">
                 <a:effectLst/>
               </a:rPr>
               <a:t>audio clip</a:t>
             </a:r>
             <a:r>
-              <a:rPr lang="zh-CN" altLang="en-US" sz="1200" dirty="0" smtClean="0">
+              <a:rPr lang="zh-CN" altLang="en-US" sz="1200" dirty="0">
                 <a:effectLst/>
               </a:rPr>
               <a:t>）都是纯文本的</a:t>
             </a:r>
-            <a:endParaRPr lang="en-US" altLang="zh-CN" sz="1200" dirty="0" smtClean="0">
+            <a:endParaRPr lang="en-US" altLang="zh-CN" sz="1200" dirty="0">
               <a:effectLst/>
             </a:endParaRPr>
           </a:p>
@@ -5190,18 +5177,18 @@
               <a:buChar char="•"/>
             </a:pPr>
             <a:r>
-              <a:rPr lang="en-US" altLang="zh-CN" sz="1200" dirty="0" smtClean="0">
+              <a:rPr lang="en-US" altLang="zh-CN" sz="1200" dirty="0">
                 <a:effectLst/>
               </a:rPr>
               <a:t>Library</a:t>
             </a:r>
             <a:r>
-              <a:rPr lang="zh-CN" altLang="en-US" sz="1200" dirty="0" smtClean="0">
+              <a:rPr lang="zh-CN" altLang="en-US" sz="1200" dirty="0">
                 <a:effectLst/>
               </a:rPr>
               <a:t>，导入结果与平台相关</a:t>
             </a:r>
-            <a:endParaRPr lang="en-US" altLang="zh-CN" sz="1200" dirty="0" smtClean="0">
+            <a:endParaRPr lang="en-US" altLang="zh-CN" sz="1200" dirty="0">
               <a:effectLst/>
             </a:endParaRPr>
           </a:p>
@@ -5211,78 +5198,78 @@
               <a:buChar char="•"/>
             </a:pPr>
             <a:r>
-              <a:rPr lang="en-US" altLang="zh-CN" sz="1200" dirty="0" smtClean="0">
+              <a:rPr lang="en-US" altLang="zh-CN" sz="1200" dirty="0">
                 <a:effectLst/>
               </a:rPr>
               <a:t>Import</a:t>
             </a:r>
             <a:r>
-              <a:rPr lang="zh-CN" altLang="en-US" sz="1200" dirty="0" smtClean="0">
+              <a:rPr lang="zh-CN" altLang="en-US" sz="1200" dirty="0">
                 <a:effectLst/>
               </a:rPr>
               <a:t>：资源是如何从初始数据生成</a:t>
             </a:r>
             <a:r>
-              <a:rPr lang="en-US" altLang="zh-CN" sz="1200" dirty="0" smtClean="0">
+              <a:rPr lang="en-US" altLang="zh-CN" sz="1200" dirty="0">
                 <a:effectLst/>
               </a:rPr>
               <a:t>Library</a:t>
             </a:r>
             <a:r>
-              <a:rPr lang="zh-CN" altLang="en-US" sz="1200" dirty="0" smtClean="0">
+              <a:rPr lang="zh-CN" altLang="en-US" sz="1200" dirty="0">
                 <a:effectLst/>
               </a:rPr>
               <a:t>的呢？不会改变</a:t>
             </a:r>
             <a:r>
-              <a:rPr lang="en-US" altLang="zh-CN" sz="1200" dirty="0" smtClean="0">
+              <a:rPr lang="en-US" altLang="zh-CN" sz="1200" dirty="0">
                 <a:effectLst/>
               </a:rPr>
               <a:t>CCD</a:t>
             </a:r>
             <a:r>
-              <a:rPr lang="zh-CN" altLang="en-US" sz="1200" dirty="0" smtClean="0">
+              <a:rPr lang="zh-CN" altLang="en-US" sz="1200" dirty="0">
                 <a:effectLst/>
               </a:rPr>
               <a:t>输出的原始资源文件，改变体现在</a:t>
             </a:r>
             <a:r>
-              <a:rPr lang="en-US" altLang="zh-CN" sz="1200" dirty="0" smtClean="0">
+              <a:rPr lang="en-US" altLang="zh-CN" sz="1200" dirty="0">
                 <a:effectLst/>
               </a:rPr>
               <a:t>Library</a:t>
             </a:r>
             <a:r>
-              <a:rPr lang="zh-CN" altLang="en-US" sz="1200" dirty="0" smtClean="0">
+              <a:rPr lang="zh-CN" altLang="en-US" sz="1200" dirty="0">
                 <a:effectLst/>
               </a:rPr>
               <a:t>中，举例剔除</a:t>
             </a:r>
             <a:r>
-              <a:rPr lang="en-US" altLang="zh-CN" sz="1200" dirty="0" smtClean="0">
+              <a:rPr lang="en-US" altLang="zh-CN" sz="1200" dirty="0">
                 <a:effectLst/>
               </a:rPr>
               <a:t>mesh </a:t>
             </a:r>
             <a:r>
-              <a:rPr lang="zh-CN" altLang="en-US" sz="1200" dirty="0" smtClean="0">
+              <a:rPr lang="zh-CN" altLang="en-US" sz="1200" dirty="0">
                 <a:effectLst/>
               </a:rPr>
               <a:t>的</a:t>
             </a:r>
             <a:r>
-              <a:rPr lang="en-US" altLang="zh-CN" sz="1200" dirty="0" smtClean="0">
+              <a:rPr lang="en-US" altLang="zh-CN" sz="1200" dirty="0">
                 <a:effectLst/>
               </a:rPr>
               <a:t>color</a:t>
             </a:r>
             <a:r>
-              <a:rPr lang="zh-CN" altLang="en-US" sz="1200" dirty="0" smtClean="0">
+              <a:rPr lang="zh-CN" altLang="en-US" sz="1200" dirty="0">
                 <a:effectLst/>
               </a:rPr>
               <a:t>属性</a:t>
             </a:r>
-            <a:endParaRPr lang="en-US" altLang="zh-CN" sz="1200" dirty="0" smtClean="0">
+            <a:endParaRPr lang="en-US" altLang="zh-CN" sz="1200" dirty="0">
               <a:effectLst/>
             </a:endParaRPr>
           </a:p>
@@ -5291,7 +5278,7 @@
               <a:buFont typeface="Arial" panose="020B0604020202020204" pitchFamily="34" charset="0"/>
               <a:buChar char="•"/>
             </a:pPr>
-            <a:endParaRPr lang="zh-CN" altLang="en-US" dirty="0" smtClean="0">
+            <a:endParaRPr lang="zh-CN" altLang="en-US" dirty="0">
               <a:effectLst/>
             </a:endParaRPr>
           </a:p>
@@ -5378,10 +5365,9 @@
           </a:lstStyle>
           <a:p>
             <a:r>
-              <a:rPr lang="zh-CN" altLang="en-US" smtClean="0"/>
+              <a:rPr lang="zh-CN" altLang="en-US"/>
               <a:t>单击此处编辑母版标题样式</a:t>
             </a:r>
-            <a:endParaRPr lang="zh-CN" altLang="en-US"/>
           </a:p>
         </p:txBody>
       </p:sp>
@@ -5443,10 +5429,9 @@
           </a:lstStyle>
           <a:p>
             <a:r>
-              <a:rPr lang="zh-CN" altLang="en-US" smtClean="0"/>
+              <a:rPr lang="zh-CN" altLang="en-US"/>
               <a:t>单击以编辑母版副标题样式</a:t>
             </a:r>
-            <a:endParaRPr lang="zh-CN" altLang="en-US"/>
           </a:p>
         </p:txBody>
       </p:sp>
@@ -5467,7 +5452,7 @@
           <a:p>
             <a:fld id="{64FB0F02-C715-44D9-8321-6E1BF28D17A0}" type="datetimeFigureOut">
               <a:rPr lang="zh-CN" altLang="en-US" smtClean="0"/>
-              <a:t>2020/7/13</a:t>
+              <a:t>2020/7/14</a:t>
             </a:fld>
             <a:endParaRPr lang="zh-CN" altLang="en-US"/>
           </a:p>
@@ -5561,10 +5546,9 @@
           <a:lstStyle/>
           <a:p>
             <a:r>
-              <a:rPr lang="zh-CN" altLang="en-US" smtClean="0"/>
+              <a:rPr lang="zh-CN" altLang="en-US"/>
               <a:t>单击此处编辑母版标题样式</a:t>
             </a:r>
-            <a:endParaRPr lang="zh-CN" altLang="en-US"/>
           </a:p>
         </p:txBody>
       </p:sp>
@@ -5585,38 +5569,37 @@
           <a:p>
             <a:pPr lvl="0"/>
             <a:r>
-              <a:rPr lang="zh-CN" altLang="en-US" smtClean="0"/>
+              <a:rPr lang="zh-CN" altLang="en-US"/>
               <a:t>编辑母版文本样式</a:t>
             </a:r>
           </a:p>
           <a:p>
             <a:pPr lvl="1"/>
             <a:r>
-              <a:rPr lang="zh-CN" altLang="en-US" smtClean="0"/>
+              <a:rPr lang="zh-CN" altLang="en-US"/>
               <a:t>第二级</a:t>
             </a:r>
           </a:p>
           <a:p>
             <a:pPr lvl="2"/>
             <a:r>
-              <a:rPr lang="zh-CN" altLang="en-US" smtClean="0"/>
+              <a:rPr lang="zh-CN" altLang="en-US"/>
               <a:t>第三级</a:t>
             </a:r>
           </a:p>
           <a:p>
             <a:pPr lvl="3"/>
             <a:r>
-              <a:rPr lang="zh-CN" altLang="en-US" smtClean="0"/>
+              <a:rPr lang="zh-CN" altLang="en-US"/>
               <a:t>第四级</a:t>
             </a:r>
           </a:p>
           <a:p>
             <a:pPr lvl="4"/>
             <a:r>
-              <a:rPr lang="zh-CN" altLang="en-US" smtClean="0"/>
+              <a:rPr lang="zh-CN" altLang="en-US"/>
               <a:t>第五级</a:t>
             </a:r>
-            <a:endParaRPr lang="zh-CN" altLang="en-US"/>
           </a:p>
         </p:txBody>
       </p:sp>
@@ -5637,7 +5620,7 @@
           <a:p>
             <a:fld id="{64FB0F02-C715-44D9-8321-6E1BF28D17A0}" type="datetimeFigureOut">
               <a:rPr lang="zh-CN" altLang="en-US" smtClean="0"/>
-              <a:t>2020/7/13</a:t>
+              <a:t>2020/7/14</a:t>
             </a:fld>
             <a:endParaRPr lang="zh-CN" altLang="en-US"/>
           </a:p>
@@ -5736,10 +5719,9 @@
           <a:lstStyle/>
           <a:p>
             <a:r>
-              <a:rPr lang="zh-CN" altLang="en-US" smtClean="0"/>
+              <a:rPr lang="zh-CN" altLang="en-US"/>
               <a:t>单击此处编辑母版标题样式</a:t>
             </a:r>
-            <a:endParaRPr lang="zh-CN" altLang="en-US"/>
           </a:p>
         </p:txBody>
       </p:sp>
@@ -5765,38 +5747,37 @@
           <a:p>
             <a:pPr lvl="0"/>
             <a:r>
-              <a:rPr lang="zh-CN" altLang="en-US" smtClean="0"/>
+              <a:rPr lang="zh-CN" altLang="en-US"/>
               <a:t>编辑母版文本样式</a:t>
             </a:r>
           </a:p>
           <a:p>
             <a:pPr lvl="1"/>
             <a:r>
-              <a:rPr lang="zh-CN" altLang="en-US" smtClean="0"/>
+              <a:rPr lang="zh-CN" altLang="en-US"/>
               <a:t>第二级</a:t>
             </a:r>
           </a:p>
           <a:p>
             <a:pPr lvl="2"/>
             <a:r>
-              <a:rPr lang="zh-CN" altLang="en-US" smtClean="0"/>
+              <a:rPr lang="zh-CN" altLang="en-US"/>
               <a:t>第三级</a:t>
             </a:r>
           </a:p>
           <a:p>
             <a:pPr lvl="3"/>
             <a:r>
-              <a:rPr lang="zh-CN" altLang="en-US" smtClean="0"/>
+              <a:rPr lang="zh-CN" altLang="en-US"/>
               <a:t>第四级</a:t>
             </a:r>
           </a:p>
           <a:p>
             <a:pPr lvl="4"/>
             <a:r>
-              <a:rPr lang="zh-CN" altLang="en-US" smtClean="0"/>
+              <a:rPr lang="zh-CN" altLang="en-US"/>
               <a:t>第五级</a:t>
             </a:r>
-            <a:endParaRPr lang="zh-CN" altLang="en-US"/>
           </a:p>
         </p:txBody>
       </p:sp>
@@ -5817,7 +5798,7 @@
           <a:p>
             <a:fld id="{64FB0F02-C715-44D9-8321-6E1BF28D17A0}" type="datetimeFigureOut">
               <a:rPr lang="zh-CN" altLang="en-US" smtClean="0"/>
-              <a:t>2020/7/13</a:t>
+              <a:t>2020/7/14</a:t>
             </a:fld>
             <a:endParaRPr lang="zh-CN" altLang="en-US"/>
           </a:p>
@@ -5911,10 +5892,9 @@
           <a:lstStyle/>
           <a:p>
             <a:r>
-              <a:rPr lang="zh-CN" altLang="en-US" smtClean="0"/>
+              <a:rPr lang="zh-CN" altLang="en-US"/>
               <a:t>单击此处编辑母版标题样式</a:t>
             </a:r>
-            <a:endParaRPr lang="zh-CN" altLang="en-US"/>
           </a:p>
         </p:txBody>
       </p:sp>
@@ -5935,38 +5915,37 @@
           <a:p>
             <a:pPr lvl="0"/>
             <a:r>
-              <a:rPr lang="zh-CN" altLang="en-US" smtClean="0"/>
+              <a:rPr lang="zh-CN" altLang="en-US"/>
               <a:t>编辑母版文本样式</a:t>
             </a:r>
           </a:p>
           <a:p>
             <a:pPr lvl="1"/>
             <a:r>
-              <a:rPr lang="zh-CN" altLang="en-US" smtClean="0"/>
+              <a:rPr lang="zh-CN" altLang="en-US"/>
               <a:t>第二级</a:t>
             </a:r>
           </a:p>
           <a:p>
             <a:pPr lvl="2"/>
             <a:r>
-              <a:rPr lang="zh-CN" altLang="en-US" smtClean="0"/>
+              <a:rPr lang="zh-CN" altLang="en-US"/>
               <a:t>第三级</a:t>
             </a:r>
           </a:p>
           <a:p>
             <a:pPr lvl="3"/>
             <a:r>
-              <a:rPr lang="zh-CN" altLang="en-US" smtClean="0"/>
+              <a:rPr lang="zh-CN" altLang="en-US"/>
               <a:t>第四级</a:t>
             </a:r>
           </a:p>
           <a:p>
             <a:pPr lvl="4"/>
             <a:r>
-              <a:rPr lang="zh-CN" altLang="en-US" smtClean="0"/>
+              <a:rPr lang="zh-CN" altLang="en-US"/>
               <a:t>第五级</a:t>
             </a:r>
-            <a:endParaRPr lang="zh-CN" altLang="en-US"/>
           </a:p>
         </p:txBody>
       </p:sp>
@@ -5987,7 +5966,7 @@
           <a:p>
             <a:fld id="{64FB0F02-C715-44D9-8321-6E1BF28D17A0}" type="datetimeFigureOut">
               <a:rPr lang="zh-CN" altLang="en-US" smtClean="0"/>
-              <a:t>2020/7/13</a:t>
+              <a:t>2020/7/14</a:t>
             </a:fld>
             <a:endParaRPr lang="zh-CN" altLang="en-US"/>
           </a:p>
@@ -6090,10 +6069,9 @@
           </a:lstStyle>
           <a:p>
             <a:r>
-              <a:rPr lang="zh-CN" altLang="en-US" smtClean="0"/>
+              <a:rPr lang="zh-CN" altLang="en-US"/>
               <a:t>单击此处编辑母版标题样式</a:t>
             </a:r>
-            <a:endParaRPr lang="zh-CN" altLang="en-US"/>
           </a:p>
         </p:txBody>
       </p:sp>
@@ -6210,7 +6188,7 @@
           <a:p>
             <a:pPr lvl="0"/>
             <a:r>
-              <a:rPr lang="zh-CN" altLang="en-US" smtClean="0"/>
+              <a:rPr lang="zh-CN" altLang="en-US"/>
               <a:t>编辑母版文本样式</a:t>
             </a:r>
           </a:p>
@@ -6233,7 +6211,7 @@
           <a:p>
             <a:fld id="{64FB0F02-C715-44D9-8321-6E1BF28D17A0}" type="datetimeFigureOut">
               <a:rPr lang="zh-CN" altLang="en-US" smtClean="0"/>
-              <a:t>2020/7/13</a:t>
+              <a:t>2020/7/14</a:t>
             </a:fld>
             <a:endParaRPr lang="zh-CN" altLang="en-US"/>
           </a:p>
@@ -6327,10 +6305,9 @@
           <a:lstStyle/>
           <a:p>
             <a:r>
-              <a:rPr lang="zh-CN" altLang="en-US" smtClean="0"/>
+              <a:rPr lang="zh-CN" altLang="en-US"/>
               <a:t>单击此处编辑母版标题样式</a:t>
             </a:r>
-            <a:endParaRPr lang="zh-CN" altLang="en-US"/>
           </a:p>
         </p:txBody>
       </p:sp>
@@ -6356,38 +6333,37 @@
           <a:p>
             <a:pPr lvl="0"/>
             <a:r>
-              <a:rPr lang="zh-CN" altLang="en-US" smtClean="0"/>
+              <a:rPr lang="zh-CN" altLang="en-US"/>
               <a:t>编辑母版文本样式</a:t>
             </a:r>
           </a:p>
           <a:p>
             <a:pPr lvl="1"/>
             <a:r>
-              <a:rPr lang="zh-CN" altLang="en-US" smtClean="0"/>
+              <a:rPr lang="zh-CN" altLang="en-US"/>
               <a:t>第二级</a:t>
             </a:r>
           </a:p>
           <a:p>
             <a:pPr lvl="2"/>
             <a:r>
-              <a:rPr lang="zh-CN" altLang="en-US" smtClean="0"/>
+              <a:rPr lang="zh-CN" altLang="en-US"/>
               <a:t>第三级</a:t>
             </a:r>
           </a:p>
           <a:p>
             <a:pPr lvl="3"/>
             <a:r>
-              <a:rPr lang="zh-CN" altLang="en-US" smtClean="0"/>
+              <a:rPr lang="zh-CN" altLang="en-US"/>
               <a:t>第四级</a:t>
             </a:r>
           </a:p>
           <a:p>
             <a:pPr lvl="4"/>
             <a:r>
-              <a:rPr lang="zh-CN" altLang="en-US" smtClean="0"/>
+              <a:rPr lang="zh-CN" altLang="en-US"/>
               <a:t>第五级</a:t>
             </a:r>
-            <a:endParaRPr lang="zh-CN" altLang="en-US"/>
           </a:p>
         </p:txBody>
       </p:sp>
@@ -6413,38 +6389,37 @@
           <a:p>
             <a:pPr lvl="0"/>
             <a:r>
-              <a:rPr lang="zh-CN" altLang="en-US" smtClean="0"/>
+              <a:rPr lang="zh-CN" altLang="en-US"/>
               <a:t>编辑母版文本样式</a:t>
             </a:r>
           </a:p>
           <a:p>
             <a:pPr lvl="1"/>
             <a:r>
-              <a:rPr lang="zh-CN" altLang="en-US" smtClean="0"/>
+              <a:rPr lang="zh-CN" altLang="en-US"/>
               <a:t>第二级</a:t>
             </a:r>
           </a:p>
           <a:p>
             <a:pPr lvl="2"/>
             <a:r>
-              <a:rPr lang="zh-CN" altLang="en-US" smtClean="0"/>
+              <a:rPr lang="zh-CN" altLang="en-US"/>
               <a:t>第三级</a:t>
             </a:r>
           </a:p>
           <a:p>
             <a:pPr lvl="3"/>
             <a:r>
-              <a:rPr lang="zh-CN" altLang="en-US" smtClean="0"/>
+              <a:rPr lang="zh-CN" altLang="en-US"/>
               <a:t>第四级</a:t>
             </a:r>
           </a:p>
           <a:p>
             <a:pPr lvl="4"/>
             <a:r>
-              <a:rPr lang="zh-CN" altLang="en-US" smtClean="0"/>
+              <a:rPr lang="zh-CN" altLang="en-US"/>
               <a:t>第五级</a:t>
             </a:r>
-            <a:endParaRPr lang="zh-CN" altLang="en-US"/>
           </a:p>
         </p:txBody>
       </p:sp>
@@ -6465,7 +6440,7 @@
           <a:p>
             <a:fld id="{64FB0F02-C715-44D9-8321-6E1BF28D17A0}" type="datetimeFigureOut">
               <a:rPr lang="zh-CN" altLang="en-US" smtClean="0"/>
-              <a:t>2020/7/13</a:t>
+              <a:t>2020/7/14</a:t>
             </a:fld>
             <a:endParaRPr lang="zh-CN" altLang="en-US"/>
           </a:p>
@@ -6564,10 +6539,9 @@
           <a:lstStyle/>
           <a:p>
             <a:r>
-              <a:rPr lang="zh-CN" altLang="en-US" smtClean="0"/>
+              <a:rPr lang="zh-CN" altLang="en-US"/>
               <a:t>单击此处编辑母版标题样式</a:t>
             </a:r>
-            <a:endParaRPr lang="zh-CN" altLang="en-US"/>
           </a:p>
         </p:txBody>
       </p:sp>
@@ -6630,7 +6604,7 @@
           <a:p>
             <a:pPr lvl="0"/>
             <a:r>
-              <a:rPr lang="zh-CN" altLang="en-US" smtClean="0"/>
+              <a:rPr lang="zh-CN" altLang="en-US"/>
               <a:t>编辑母版文本样式</a:t>
             </a:r>
           </a:p>
@@ -6658,38 +6632,37 @@
           <a:p>
             <a:pPr lvl="0"/>
             <a:r>
-              <a:rPr lang="zh-CN" altLang="en-US" smtClean="0"/>
+              <a:rPr lang="zh-CN" altLang="en-US"/>
               <a:t>编辑母版文本样式</a:t>
             </a:r>
           </a:p>
           <a:p>
             <a:pPr lvl="1"/>
             <a:r>
-              <a:rPr lang="zh-CN" altLang="en-US" smtClean="0"/>
+              <a:rPr lang="zh-CN" altLang="en-US"/>
               <a:t>第二级</a:t>
             </a:r>
           </a:p>
           <a:p>
             <a:pPr lvl="2"/>
             <a:r>
-              <a:rPr lang="zh-CN" altLang="en-US" smtClean="0"/>
+              <a:rPr lang="zh-CN" altLang="en-US"/>
               <a:t>第三级</a:t>
             </a:r>
           </a:p>
           <a:p>
             <a:pPr lvl="3"/>
             <a:r>
-              <a:rPr lang="zh-CN" altLang="en-US" smtClean="0"/>
+              <a:rPr lang="zh-CN" altLang="en-US"/>
               <a:t>第四级</a:t>
             </a:r>
           </a:p>
           <a:p>
             <a:pPr lvl="4"/>
             <a:r>
-              <a:rPr lang="zh-CN" altLang="en-US" smtClean="0"/>
+              <a:rPr lang="zh-CN" altLang="en-US"/>
               <a:t>第五级</a:t>
             </a:r>
-            <a:endParaRPr lang="zh-CN" altLang="en-US"/>
           </a:p>
         </p:txBody>
       </p:sp>
@@ -6752,7 +6725,7 @@
           <a:p>
             <a:pPr lvl="0"/>
             <a:r>
-              <a:rPr lang="zh-CN" altLang="en-US" smtClean="0"/>
+              <a:rPr lang="zh-CN" altLang="en-US"/>
               <a:t>编辑母版文本样式</a:t>
             </a:r>
           </a:p>
@@ -6780,38 +6753,37 @@
           <a:p>
             <a:pPr lvl="0"/>
             <a:r>
-              <a:rPr lang="zh-CN" altLang="en-US" smtClean="0"/>
+              <a:rPr lang="zh-CN" altLang="en-US"/>
               <a:t>编辑母版文本样式</a:t>
             </a:r>
           </a:p>
           <a:p>
             <a:pPr lvl="1"/>
             <a:r>
-              <a:rPr lang="zh-CN" altLang="en-US" smtClean="0"/>
+              <a:rPr lang="zh-CN" altLang="en-US"/>
               <a:t>第二级</a:t>
             </a:r>
           </a:p>
           <a:p>
             <a:pPr lvl="2"/>
             <a:r>
-              <a:rPr lang="zh-CN" altLang="en-US" smtClean="0"/>
+              <a:rPr lang="zh-CN" altLang="en-US"/>
               <a:t>第三级</a:t>
             </a:r>
           </a:p>
           <a:p>
             <a:pPr lvl="3"/>
             <a:r>
-              <a:rPr lang="zh-CN" altLang="en-US" smtClean="0"/>
+              <a:rPr lang="zh-CN" altLang="en-US"/>
               <a:t>第四级</a:t>
             </a:r>
           </a:p>
           <a:p>
             <a:pPr lvl="4"/>
             <a:r>
-              <a:rPr lang="zh-CN" altLang="en-US" smtClean="0"/>
+              <a:rPr lang="zh-CN" altLang="en-US"/>
               <a:t>第五级</a:t>
             </a:r>
-            <a:endParaRPr lang="zh-CN" altLang="en-US"/>
           </a:p>
         </p:txBody>
       </p:sp>
@@ -6832,7 +6804,7 @@
           <a:p>
             <a:fld id="{64FB0F02-C715-44D9-8321-6E1BF28D17A0}" type="datetimeFigureOut">
               <a:rPr lang="zh-CN" altLang="en-US" smtClean="0"/>
-              <a:t>2020/7/13</a:t>
+              <a:t>2020/7/14</a:t>
             </a:fld>
             <a:endParaRPr lang="zh-CN" altLang="en-US"/>
           </a:p>
@@ -6926,10 +6898,9 @@
           <a:lstStyle/>
           <a:p>
             <a:r>
-              <a:rPr lang="zh-CN" altLang="en-US" smtClean="0"/>
+              <a:rPr lang="zh-CN" altLang="en-US"/>
               <a:t>单击此处编辑母版标题样式</a:t>
             </a:r>
-            <a:endParaRPr lang="zh-CN" altLang="en-US"/>
           </a:p>
         </p:txBody>
       </p:sp>
@@ -6950,7 +6921,7 @@
           <a:p>
             <a:fld id="{64FB0F02-C715-44D9-8321-6E1BF28D17A0}" type="datetimeFigureOut">
               <a:rPr lang="zh-CN" altLang="en-US" smtClean="0"/>
-              <a:t>2020/7/13</a:t>
+              <a:t>2020/7/14</a:t>
             </a:fld>
             <a:endParaRPr lang="zh-CN" altLang="en-US"/>
           </a:p>
@@ -7045,7 +7016,7 @@
           <a:p>
             <a:fld id="{64FB0F02-C715-44D9-8321-6E1BF28D17A0}" type="datetimeFigureOut">
               <a:rPr lang="zh-CN" altLang="en-US" smtClean="0"/>
-              <a:t>2020/7/13</a:t>
+              <a:t>2020/7/14</a:t>
             </a:fld>
             <a:endParaRPr lang="zh-CN" altLang="en-US"/>
           </a:p>
@@ -7148,10 +7119,9 @@
           </a:lstStyle>
           <a:p>
             <a:r>
-              <a:rPr lang="zh-CN" altLang="en-US" smtClean="0"/>
+              <a:rPr lang="zh-CN" altLang="en-US"/>
               <a:t>单击此处编辑母版标题样式</a:t>
             </a:r>
-            <a:endParaRPr lang="zh-CN" altLang="en-US"/>
           </a:p>
         </p:txBody>
       </p:sp>
@@ -7205,38 +7175,37 @@
           <a:p>
             <a:pPr lvl="0"/>
             <a:r>
-              <a:rPr lang="zh-CN" altLang="en-US" smtClean="0"/>
+              <a:rPr lang="zh-CN" altLang="en-US"/>
               <a:t>编辑母版文本样式</a:t>
             </a:r>
           </a:p>
           <a:p>
             <a:pPr lvl="1"/>
             <a:r>
-              <a:rPr lang="zh-CN" altLang="en-US" smtClean="0"/>
+              <a:rPr lang="zh-CN" altLang="en-US"/>
               <a:t>第二级</a:t>
             </a:r>
           </a:p>
           <a:p>
             <a:pPr lvl="2"/>
             <a:r>
-              <a:rPr lang="zh-CN" altLang="en-US" smtClean="0"/>
+              <a:rPr lang="zh-CN" altLang="en-US"/>
               <a:t>第三级</a:t>
             </a:r>
           </a:p>
           <a:p>
             <a:pPr lvl="3"/>
             <a:r>
-              <a:rPr lang="zh-CN" altLang="en-US" smtClean="0"/>
+              <a:rPr lang="zh-CN" altLang="en-US"/>
               <a:t>第四级</a:t>
             </a:r>
           </a:p>
           <a:p>
             <a:pPr lvl="4"/>
             <a:r>
-              <a:rPr lang="zh-CN" altLang="en-US" smtClean="0"/>
+              <a:rPr lang="zh-CN" altLang="en-US"/>
               <a:t>第五级</a:t>
             </a:r>
-            <a:endParaRPr lang="zh-CN" altLang="en-US"/>
           </a:p>
         </p:txBody>
       </p:sp>
@@ -7299,7 +7268,7 @@
           <a:p>
             <a:pPr lvl="0"/>
             <a:r>
-              <a:rPr lang="zh-CN" altLang="en-US" smtClean="0"/>
+              <a:rPr lang="zh-CN" altLang="en-US"/>
               <a:t>编辑母版文本样式</a:t>
             </a:r>
           </a:p>
@@ -7322,7 +7291,7 @@
           <a:p>
             <a:fld id="{64FB0F02-C715-44D9-8321-6E1BF28D17A0}" type="datetimeFigureOut">
               <a:rPr lang="zh-CN" altLang="en-US" smtClean="0"/>
-              <a:t>2020/7/13</a:t>
+              <a:t>2020/7/14</a:t>
             </a:fld>
             <a:endParaRPr lang="zh-CN" altLang="en-US"/>
           </a:p>
@@ -7425,10 +7394,9 @@
           </a:lstStyle>
           <a:p>
             <a:r>
-              <a:rPr lang="zh-CN" altLang="en-US" smtClean="0"/>
+              <a:rPr lang="zh-CN" altLang="en-US"/>
               <a:t>单击此处编辑母版标题样式</a:t>
             </a:r>
-            <a:endParaRPr lang="zh-CN" altLang="en-US"/>
           </a:p>
         </p:txBody>
       </p:sp>
@@ -7552,7 +7520,7 @@
           <a:p>
             <a:pPr lvl="0"/>
             <a:r>
-              <a:rPr lang="zh-CN" altLang="en-US" smtClean="0"/>
+              <a:rPr lang="zh-CN" altLang="en-US"/>
               <a:t>编辑母版文本样式</a:t>
             </a:r>
           </a:p>
@@ -7575,7 +7543,7 @@
           <a:p>
             <a:fld id="{64FB0F02-C715-44D9-8321-6E1BF28D17A0}" type="datetimeFigureOut">
               <a:rPr lang="zh-CN" altLang="en-US" smtClean="0"/>
-              <a:t>2020/7/13</a:t>
+              <a:t>2020/7/14</a:t>
             </a:fld>
             <a:endParaRPr lang="zh-CN" altLang="en-US"/>
           </a:p>
@@ -7684,10 +7652,9 @@
           <a:lstStyle/>
           <a:p>
             <a:r>
-              <a:rPr lang="zh-CN" altLang="en-US" smtClean="0"/>
+              <a:rPr lang="zh-CN" altLang="en-US"/>
               <a:t>单击此处编辑母版标题样式</a:t>
             </a:r>
-            <a:endParaRPr lang="zh-CN" altLang="en-US"/>
           </a:p>
         </p:txBody>
       </p:sp>
@@ -7718,38 +7685,37 @@
           <a:p>
             <a:pPr lvl="0"/>
             <a:r>
-              <a:rPr lang="zh-CN" altLang="en-US" smtClean="0"/>
+              <a:rPr lang="zh-CN" altLang="en-US"/>
               <a:t>编辑母版文本样式</a:t>
             </a:r>
           </a:p>
           <a:p>
             <a:pPr lvl="1"/>
             <a:r>
-              <a:rPr lang="zh-CN" altLang="en-US" smtClean="0"/>
+              <a:rPr lang="zh-CN" altLang="en-US"/>
               <a:t>第二级</a:t>
             </a:r>
           </a:p>
           <a:p>
             <a:pPr lvl="2"/>
             <a:r>
-              <a:rPr lang="zh-CN" altLang="en-US" smtClean="0"/>
+              <a:rPr lang="zh-CN" altLang="en-US"/>
               <a:t>第三级</a:t>
             </a:r>
           </a:p>
           <a:p>
             <a:pPr lvl="3"/>
             <a:r>
-              <a:rPr lang="zh-CN" altLang="en-US" smtClean="0"/>
+              <a:rPr lang="zh-CN" altLang="en-US"/>
               <a:t>第四级</a:t>
             </a:r>
           </a:p>
           <a:p>
             <a:pPr lvl="4"/>
             <a:r>
-              <a:rPr lang="zh-CN" altLang="en-US" smtClean="0"/>
+              <a:rPr lang="zh-CN" altLang="en-US"/>
               <a:t>第五级</a:t>
             </a:r>
-            <a:endParaRPr lang="zh-CN" altLang="en-US"/>
           </a:p>
         </p:txBody>
       </p:sp>
@@ -7788,7 +7754,7 @@
           <a:p>
             <a:fld id="{64FB0F02-C715-44D9-8321-6E1BF28D17A0}" type="datetimeFigureOut">
               <a:rPr lang="zh-CN" altLang="en-US" smtClean="0"/>
-              <a:t>2020/7/13</a:t>
+              <a:t>2020/7/14</a:t>
             </a:fld>
             <a:endParaRPr lang="zh-CN" altLang="en-US"/>
           </a:p>
@@ -8209,23 +8175,23 @@
           <a:lstStyle/>
           <a:p>
             <a:r>
-              <a:rPr lang="en-US" altLang="zh-CN" dirty="0" smtClean="0"/>
+              <a:rPr lang="en-US" altLang="zh-CN" dirty="0"/>
               <a:t>《</a:t>
             </a:r>
             <a:r>
-              <a:rPr lang="zh-CN" altLang="en-US" dirty="0" smtClean="0"/>
+              <a:rPr lang="zh-CN" altLang="en-US" dirty="0"/>
               <a:t>资源管理</a:t>
             </a:r>
             <a:r>
-              <a:rPr lang="en-US" altLang="zh-CN" dirty="0" smtClean="0"/>
+              <a:rPr lang="en-US" altLang="zh-CN" dirty="0"/>
               <a:t>——</a:t>
             </a:r>
             <a:r>
-              <a:rPr lang="zh-CN" altLang="en-US" dirty="0" smtClean="0"/>
+              <a:rPr lang="zh-CN" altLang="en-US" dirty="0"/>
               <a:t>从理论到实践</a:t>
             </a:r>
             <a:r>
-              <a:rPr lang="en-US" altLang="zh-CN" dirty="0" smtClean="0"/>
+              <a:rPr lang="en-US" altLang="zh-CN" dirty="0"/>
               <a:t>》</a:t>
             </a:r>
             <a:endParaRPr lang="zh-CN" altLang="en-US" dirty="0"/>
@@ -8248,22 +8214,21 @@
           <a:lstStyle/>
           <a:p>
             <a:r>
-              <a:rPr lang="en-US" altLang="zh-CN" dirty="0" smtClean="0"/>
+              <a:rPr lang="en-US" altLang="zh-CN" dirty="0"/>
               <a:t>							</a:t>
             </a:r>
             <a:r>
-              <a:rPr lang="en-US" altLang="zh-CN" dirty="0" err="1" smtClean="0"/>
+              <a:rPr lang="en-US" altLang="zh-CN" dirty="0" err="1"/>
               <a:t>WGame</a:t>
             </a:r>
             <a:r>
-              <a:rPr lang="en-US" altLang="zh-CN" dirty="0" smtClean="0"/>
+              <a:rPr lang="en-US" altLang="zh-CN" dirty="0"/>
               <a:t> </a:t>
             </a:r>
             <a:r>
-              <a:rPr lang="zh-CN" altLang="en-US" dirty="0" smtClean="0"/>
+              <a:rPr lang="zh-CN" altLang="en-US" dirty="0"/>
               <a:t>徐琨</a:t>
             </a:r>
-            <a:endParaRPr lang="zh-CN" altLang="en-US" dirty="0"/>
           </a:p>
         </p:txBody>
       </p:sp>
@@ -8277,13 +8242,6 @@
   <p:clrMapOvr>
     <a:masterClrMapping/>
   </p:clrMapOvr>
-  <p:timing>
-    <p:tnLst>
-      <p:par>
-        <p:cTn id="1" dur="indefinite" restart="never" nodeType="tmRoot"/>
-      </p:par>
-    </p:tnLst>
-  </p:timing>
 </p:sld>
 </file>
 
@@ -8320,7 +8278,7 @@
           <a:lstStyle/>
           <a:p>
             <a:r>
-              <a:rPr lang="en-US" altLang="zh-CN" dirty="0" smtClean="0"/>
+              <a:rPr lang="en-US" altLang="zh-CN" dirty="0"/>
               <a:t>Assets</a:t>
             </a:r>
             <a:endParaRPr lang="zh-CN" altLang="en-US" dirty="0"/>
@@ -8344,98 +8302,90 @@
           <a:p>
             <a:r>
               <a:rPr lang="zh-CN" altLang="en-US" dirty="0"/>
-              <a:t>存储于磁盘上的</a:t>
-            </a:r>
-            <a:r>
-              <a:rPr lang="zh-CN" altLang="en-US" dirty="0" smtClean="0"/>
-              <a:t>文件</a:t>
-            </a:r>
-            <a:endParaRPr lang="en-US" altLang="zh-CN" dirty="0" smtClean="0"/>
-          </a:p>
-          <a:p>
-            <a:r>
-              <a:rPr lang="zh-CN" altLang="en-US" dirty="0" smtClean="0"/>
+              <a:t>存储于磁盘上的文件</a:t>
+            </a:r>
+            <a:endParaRPr lang="en-US" altLang="zh-CN" dirty="0"/>
+          </a:p>
+          <a:p>
+            <a:r>
+              <a:rPr lang="zh-CN" altLang="en-US" dirty="0"/>
               <a:t>来源</a:t>
             </a:r>
-            <a:endParaRPr lang="en-US" altLang="zh-CN" dirty="0" smtClean="0"/>
+            <a:endParaRPr lang="en-US" altLang="zh-CN" dirty="0"/>
           </a:p>
           <a:p>
             <a:pPr lvl="1"/>
             <a:r>
-              <a:rPr lang="en-US" altLang="zh-CN" dirty="0" err="1" smtClean="0"/>
+              <a:rPr lang="en-US" altLang="zh-CN" dirty="0" err="1"/>
               <a:t>fbx</a:t>
             </a:r>
             <a:r>
-              <a:rPr lang="zh-CN" altLang="en-US" dirty="0" smtClean="0"/>
+              <a:rPr lang="zh-CN" altLang="en-US" dirty="0"/>
               <a:t>，</a:t>
             </a:r>
             <a:r>
-              <a:rPr lang="en-US" altLang="zh-CN" dirty="0" smtClean="0"/>
+              <a:rPr lang="en-US" altLang="zh-CN" dirty="0"/>
               <a:t>texture</a:t>
             </a:r>
             <a:r>
-              <a:rPr lang="zh-CN" altLang="en-US" dirty="0" smtClean="0"/>
+              <a:rPr lang="zh-CN" altLang="en-US" dirty="0"/>
               <a:t>，</a:t>
             </a:r>
             <a:r>
               <a:rPr lang="en-US" altLang="zh-CN" dirty="0"/>
-              <a:t>a</a:t>
-            </a:r>
-            <a:r>
-              <a:rPr lang="en-US" altLang="zh-CN" dirty="0" smtClean="0"/>
-              <a:t>udio clip</a:t>
+              <a:t>audio clip</a:t>
             </a:r>
           </a:p>
           <a:p>
             <a:pPr lvl="1"/>
             <a:r>
-              <a:rPr lang="en-US" altLang="zh-CN" dirty="0" err="1" smtClean="0"/>
+              <a:rPr lang="en-US" altLang="zh-CN" dirty="0" err="1"/>
               <a:t>shader</a:t>
             </a:r>
             <a:r>
-              <a:rPr lang="zh-CN" altLang="en-US" dirty="0" smtClean="0"/>
+              <a:rPr lang="zh-CN" altLang="en-US" dirty="0"/>
               <a:t>，</a:t>
             </a:r>
             <a:r>
-              <a:rPr lang="en-US" altLang="zh-CN" dirty="0" smtClean="0"/>
+              <a:rPr lang="en-US" altLang="zh-CN" dirty="0"/>
               <a:t>sprite</a:t>
             </a:r>
             <a:r>
-              <a:rPr lang="zh-CN" altLang="en-US" dirty="0" smtClean="0"/>
+              <a:rPr lang="zh-CN" altLang="en-US" dirty="0"/>
               <a:t>，</a:t>
             </a:r>
             <a:r>
-              <a:rPr lang="en-US" altLang="zh-CN" dirty="0" smtClean="0"/>
+              <a:rPr lang="en-US" altLang="zh-CN" dirty="0"/>
               <a:t>material</a:t>
             </a:r>
             <a:r>
-              <a:rPr lang="zh-CN" altLang="en-US" dirty="0" smtClean="0"/>
+              <a:rPr lang="zh-CN" altLang="en-US" dirty="0"/>
               <a:t>，</a:t>
             </a:r>
             <a:r>
-              <a:rPr lang="en-US" altLang="zh-CN" dirty="0" smtClean="0"/>
+              <a:rPr lang="en-US" altLang="zh-CN" dirty="0"/>
               <a:t>scriptable</a:t>
             </a:r>
             <a:r>
-              <a:rPr lang="zh-CN" altLang="en-US" dirty="0" smtClean="0"/>
+              <a:rPr lang="zh-CN" altLang="en-US" dirty="0"/>
               <a:t>，</a:t>
             </a:r>
             <a:r>
-              <a:rPr lang="en-US" altLang="zh-CN" dirty="0" smtClean="0"/>
+              <a:rPr lang="en-US" altLang="zh-CN" dirty="0"/>
               <a:t>unity</a:t>
             </a:r>
             <a:r>
-              <a:rPr lang="zh-CN" altLang="en-US" dirty="0" smtClean="0"/>
+              <a:rPr lang="zh-CN" altLang="en-US" dirty="0"/>
               <a:t>，</a:t>
             </a:r>
             <a:r>
-              <a:rPr lang="en-US" altLang="zh-CN" dirty="0" smtClean="0"/>
+              <a:rPr lang="en-US" altLang="zh-CN" dirty="0"/>
               <a:t>prefab</a:t>
             </a:r>
           </a:p>
           <a:p>
             <a:r>
-              <a:rPr lang="en-US" altLang="zh-CN" dirty="0" smtClean="0"/>
+              <a:rPr lang="en-US" altLang="zh-CN" dirty="0"/>
               <a:t>Library</a:t>
             </a:r>
             <a:endParaRPr lang="zh-CN" altLang="en-US" dirty="0"/>
@@ -8488,7 +8438,7 @@
           <a:lstStyle/>
           <a:p>
             <a:r>
-              <a:rPr lang="en-US" altLang="zh-CN" dirty="0" smtClean="0"/>
+              <a:rPr lang="en-US" altLang="zh-CN" dirty="0"/>
               <a:t>Assets</a:t>
             </a:r>
             <a:endParaRPr lang="zh-CN" altLang="en-US" dirty="0"/>
@@ -8512,104 +8462,96 @@
           <a:p>
             <a:r>
               <a:rPr lang="zh-CN" altLang="en-US" dirty="0"/>
-              <a:t>存储于磁盘上的</a:t>
-            </a:r>
-            <a:r>
-              <a:rPr lang="zh-CN" altLang="en-US" dirty="0" smtClean="0"/>
-              <a:t>文件</a:t>
-            </a:r>
-            <a:endParaRPr lang="en-US" altLang="zh-CN" dirty="0" smtClean="0"/>
-          </a:p>
-          <a:p>
-            <a:r>
-              <a:rPr lang="zh-CN" altLang="en-US" dirty="0" smtClean="0"/>
+              <a:t>存储于磁盘上的文件</a:t>
+            </a:r>
+            <a:endParaRPr lang="en-US" altLang="zh-CN" dirty="0"/>
+          </a:p>
+          <a:p>
+            <a:r>
+              <a:rPr lang="zh-CN" altLang="en-US" dirty="0"/>
               <a:t>来源</a:t>
             </a:r>
-            <a:endParaRPr lang="en-US" altLang="zh-CN" dirty="0" smtClean="0"/>
+            <a:endParaRPr lang="en-US" altLang="zh-CN" dirty="0"/>
           </a:p>
           <a:p>
             <a:pPr lvl="1"/>
             <a:r>
-              <a:rPr lang="en-US" altLang="zh-CN" dirty="0" err="1" smtClean="0"/>
+              <a:rPr lang="en-US" altLang="zh-CN" dirty="0" err="1"/>
               <a:t>fbx</a:t>
             </a:r>
             <a:r>
-              <a:rPr lang="zh-CN" altLang="en-US" dirty="0" smtClean="0"/>
+              <a:rPr lang="zh-CN" altLang="en-US" dirty="0"/>
               <a:t>，</a:t>
             </a:r>
             <a:r>
-              <a:rPr lang="en-US" altLang="zh-CN" dirty="0" smtClean="0"/>
+              <a:rPr lang="en-US" altLang="zh-CN" dirty="0"/>
               <a:t>texture</a:t>
             </a:r>
             <a:r>
-              <a:rPr lang="zh-CN" altLang="en-US" dirty="0" smtClean="0"/>
+              <a:rPr lang="zh-CN" altLang="en-US" dirty="0"/>
               <a:t>，</a:t>
             </a:r>
             <a:r>
               <a:rPr lang="en-US" altLang="zh-CN" dirty="0"/>
-              <a:t>a</a:t>
-            </a:r>
-            <a:r>
-              <a:rPr lang="en-US" altLang="zh-CN" dirty="0" smtClean="0"/>
-              <a:t>udio clip</a:t>
+              <a:t>audio clip</a:t>
             </a:r>
           </a:p>
           <a:p>
             <a:pPr lvl="1"/>
             <a:r>
-              <a:rPr lang="en-US" altLang="zh-CN" dirty="0" err="1" smtClean="0"/>
+              <a:rPr lang="en-US" altLang="zh-CN" dirty="0" err="1"/>
               <a:t>shader</a:t>
             </a:r>
             <a:r>
-              <a:rPr lang="zh-CN" altLang="en-US" dirty="0" smtClean="0"/>
+              <a:rPr lang="zh-CN" altLang="en-US" dirty="0"/>
               <a:t>，</a:t>
             </a:r>
             <a:r>
-              <a:rPr lang="en-US" altLang="zh-CN" dirty="0" smtClean="0"/>
+              <a:rPr lang="en-US" altLang="zh-CN" dirty="0"/>
               <a:t>sprite</a:t>
             </a:r>
             <a:r>
-              <a:rPr lang="zh-CN" altLang="en-US" dirty="0" smtClean="0"/>
+              <a:rPr lang="zh-CN" altLang="en-US" dirty="0"/>
               <a:t>，</a:t>
             </a:r>
             <a:r>
-              <a:rPr lang="en-US" altLang="zh-CN" dirty="0" smtClean="0"/>
+              <a:rPr lang="en-US" altLang="zh-CN" dirty="0"/>
               <a:t>material</a:t>
             </a:r>
             <a:r>
-              <a:rPr lang="zh-CN" altLang="en-US" dirty="0" smtClean="0"/>
+              <a:rPr lang="zh-CN" altLang="en-US" dirty="0"/>
               <a:t>，</a:t>
             </a:r>
             <a:r>
-              <a:rPr lang="en-US" altLang="zh-CN" dirty="0" smtClean="0"/>
+              <a:rPr lang="en-US" altLang="zh-CN" dirty="0"/>
               <a:t>scriptable</a:t>
             </a:r>
             <a:r>
-              <a:rPr lang="zh-CN" altLang="en-US" dirty="0" smtClean="0"/>
+              <a:rPr lang="zh-CN" altLang="en-US" dirty="0"/>
               <a:t>，</a:t>
             </a:r>
             <a:r>
-              <a:rPr lang="en-US" altLang="zh-CN" dirty="0" smtClean="0"/>
+              <a:rPr lang="en-US" altLang="zh-CN" dirty="0"/>
               <a:t>unity</a:t>
             </a:r>
             <a:r>
-              <a:rPr lang="zh-CN" altLang="en-US" dirty="0" smtClean="0"/>
+              <a:rPr lang="zh-CN" altLang="en-US" dirty="0"/>
               <a:t>，</a:t>
             </a:r>
             <a:r>
-              <a:rPr lang="en-US" altLang="zh-CN" dirty="0" smtClean="0"/>
+              <a:rPr lang="en-US" altLang="zh-CN" dirty="0"/>
               <a:t>prefab</a:t>
             </a:r>
           </a:p>
           <a:p>
             <a:r>
-              <a:rPr lang="en-US" altLang="zh-CN" dirty="0" smtClean="0"/>
+              <a:rPr lang="en-US" altLang="zh-CN" dirty="0"/>
               <a:t>Library</a:t>
             </a:r>
           </a:p>
           <a:p>
             <a:r>
-              <a:rPr lang="en-US" altLang="zh-CN" dirty="0" smtClean="0"/>
+              <a:rPr lang="en-US" altLang="zh-CN" dirty="0"/>
               <a:t>Import Setting</a:t>
             </a:r>
             <a:endParaRPr lang="zh-CN" altLang="en-US" dirty="0"/>
@@ -8662,10 +8604,9 @@
           <a:lstStyle/>
           <a:p>
             <a:r>
-              <a:rPr lang="zh-CN" altLang="en-US" dirty="0" smtClean="0"/>
+              <a:rPr lang="zh-CN" altLang="en-US" dirty="0"/>
               <a:t>资源的组织方式</a:t>
             </a:r>
-            <a:endParaRPr lang="zh-CN" altLang="en-US" dirty="0"/>
           </a:p>
         </p:txBody>
       </p:sp>
@@ -8685,28 +8626,28 @@
           <a:lstStyle/>
           <a:p>
             <a:r>
-              <a:rPr lang="en-US" altLang="zh-CN" dirty="0" smtClean="0"/>
+              <a:rPr lang="en-US" altLang="zh-CN" dirty="0"/>
               <a:t>GUID</a:t>
             </a:r>
           </a:p>
           <a:p>
             <a:r>
-              <a:rPr lang="en-US" altLang="zh-CN" dirty="0" err="1" smtClean="0"/>
+              <a:rPr lang="en-US" altLang="zh-CN" dirty="0" err="1"/>
               <a:t>LocalID</a:t>
             </a:r>
             <a:r>
-              <a:rPr lang="zh-CN" altLang="en-US" dirty="0" smtClean="0"/>
+              <a:rPr lang="zh-CN" altLang="en-US" dirty="0"/>
               <a:t>（</a:t>
             </a:r>
             <a:r>
-              <a:rPr lang="en-US" altLang="zh-CN" dirty="0" err="1" smtClean="0"/>
+              <a:rPr lang="en-US" altLang="zh-CN" dirty="0" err="1"/>
               <a:t>fileID</a:t>
             </a:r>
             <a:r>
-              <a:rPr lang="zh-CN" altLang="en-US" dirty="0" smtClean="0"/>
+              <a:rPr lang="zh-CN" altLang="en-US" dirty="0"/>
               <a:t>）</a:t>
             </a:r>
-            <a:endParaRPr lang="en-US" altLang="zh-CN" dirty="0" smtClean="0"/>
+            <a:endParaRPr lang="en-US" altLang="zh-CN" dirty="0"/>
           </a:p>
           <a:p>
             <a:endParaRPr lang="zh-CN" altLang="en-US" dirty="0"/>
@@ -8831,13 +8772,6 @@
   <p:clrMapOvr>
     <a:masterClrMapping/>
   </p:clrMapOvr>
-  <p:timing>
-    <p:tnLst>
-      <p:par>
-        <p:cTn id="1" dur="indefinite" restart="never" nodeType="tmRoot"/>
-      </p:par>
-    </p:tnLst>
-  </p:timing>
 </p:sld>
 </file>
 
@@ -8971,10 +8905,10 @@
           <a:lstStyle/>
           <a:p>
             <a:r>
-              <a:rPr lang="zh-CN" altLang="en-US" dirty="0" smtClean="0"/>
+              <a:rPr lang="zh-CN" altLang="en-US" dirty="0"/>
               <a:t>思考：</a:t>
             </a:r>
-            <a:endParaRPr lang="en-US" altLang="zh-CN" dirty="0" smtClean="0"/>
+            <a:endParaRPr lang="en-US" altLang="zh-CN" dirty="0"/>
           </a:p>
           <a:p>
             <a:endParaRPr lang="zh-CN" altLang="en-US" dirty="0"/>
@@ -9021,13 +8955,6 @@
   <p:clrMapOvr>
     <a:masterClrMapping/>
   </p:clrMapOvr>
-  <p:timing>
-    <p:tnLst>
-      <p:par>
-        <p:cTn id="1" dur="indefinite" restart="never" nodeType="tmRoot"/>
-      </p:par>
-    </p:tnLst>
-  </p:timing>
 </p:sld>
 </file>
 
@@ -9136,13 +9063,6 @@
   <p:clrMapOvr>
     <a:masterClrMapping/>
   </p:clrMapOvr>
-  <p:timing>
-    <p:tnLst>
-      <p:par>
-        <p:cTn id="1" dur="indefinite" restart="never" nodeType="tmRoot"/>
-      </p:par>
-    </p:tnLst>
-  </p:timing>
 </p:sld>
 </file>
 
@@ -9198,11 +9118,11 @@
           <a:lstStyle/>
           <a:p>
             <a:r>
-              <a:rPr lang="zh-CN" altLang="en-US" dirty="0" smtClean="0"/>
+              <a:rPr lang="zh-CN" altLang="en-US" dirty="0"/>
               <a:t>场景中挂载一个</a:t>
             </a:r>
             <a:r>
-              <a:rPr lang="en-US" altLang="zh-CN" dirty="0" smtClean="0"/>
+              <a:rPr lang="en-US" altLang="zh-CN" dirty="0"/>
               <a:t>prefab</a:t>
             </a:r>
             <a:r>
@@ -9336,10 +9256,9 @@
           <a:lstStyle/>
           <a:p>
             <a:r>
-              <a:rPr lang="zh-CN" altLang="en-US" dirty="0" smtClean="0"/>
+              <a:rPr lang="zh-CN" altLang="en-US" dirty="0"/>
               <a:t>资源的组织方式</a:t>
             </a:r>
-            <a:endParaRPr lang="zh-CN" altLang="en-US" dirty="0"/>
           </a:p>
         </p:txBody>
       </p:sp>
@@ -9359,35 +9278,35 @@
           <a:lstStyle/>
           <a:p>
             <a:r>
-              <a:rPr lang="en-US" altLang="zh-CN" dirty="0" smtClean="0"/>
+              <a:rPr lang="en-US" altLang="zh-CN" dirty="0"/>
               <a:t>GUID</a:t>
             </a:r>
           </a:p>
           <a:p>
             <a:r>
-              <a:rPr lang="en-US" altLang="zh-CN" dirty="0" err="1" smtClean="0"/>
+              <a:rPr lang="en-US" altLang="zh-CN" dirty="0" err="1"/>
               <a:t>LocalID</a:t>
             </a:r>
             <a:r>
-              <a:rPr lang="zh-CN" altLang="en-US" dirty="0" smtClean="0"/>
+              <a:rPr lang="zh-CN" altLang="en-US" dirty="0"/>
               <a:t>（</a:t>
             </a:r>
             <a:r>
-              <a:rPr lang="en-US" altLang="zh-CN" dirty="0" err="1" smtClean="0"/>
+              <a:rPr lang="en-US" altLang="zh-CN" dirty="0" err="1"/>
               <a:t>fileID</a:t>
             </a:r>
             <a:r>
-              <a:rPr lang="zh-CN" altLang="en-US" dirty="0" smtClean="0"/>
+              <a:rPr lang="zh-CN" altLang="en-US" dirty="0"/>
               <a:t>）</a:t>
             </a:r>
-            <a:endParaRPr lang="en-US" altLang="zh-CN" dirty="0" smtClean="0"/>
-          </a:p>
-          <a:p>
-            <a:r>
-              <a:rPr lang="en-US" altLang="zh-CN" dirty="0" err="1" smtClean="0"/>
+            <a:endParaRPr lang="en-US" altLang="zh-CN" dirty="0"/>
+          </a:p>
+          <a:p>
+            <a:r>
+              <a:rPr lang="en-US" altLang="zh-CN" dirty="0" err="1"/>
               <a:t>InstanceID</a:t>
             </a:r>
-            <a:endParaRPr lang="en-US" altLang="zh-CN" dirty="0" smtClean="0"/>
+            <a:endParaRPr lang="en-US" altLang="zh-CN" dirty="0"/>
           </a:p>
           <a:p>
             <a:endParaRPr lang="zh-CN" altLang="en-US" dirty="0"/>
@@ -9459,26 +9378,26 @@
           <a:lstStyle/>
           <a:p>
             <a:r>
-              <a:rPr lang="zh-CN" altLang="en-US" dirty="0" smtClean="0"/>
+              <a:rPr lang="zh-CN" altLang="en-US" dirty="0"/>
               <a:t>重要性</a:t>
             </a:r>
-            <a:endParaRPr lang="en-US" altLang="zh-CN" dirty="0" smtClean="0"/>
-          </a:p>
-          <a:p>
-            <a:r>
-              <a:rPr lang="en-US" altLang="zh-CN" dirty="0" smtClean="0"/>
+            <a:endParaRPr lang="en-US" altLang="zh-CN" dirty="0"/>
+          </a:p>
+          <a:p>
+            <a:r>
+              <a:rPr lang="en-US" altLang="zh-CN" dirty="0"/>
               <a:t>Assets</a:t>
             </a:r>
           </a:p>
           <a:p>
             <a:r>
-              <a:rPr lang="en-US" altLang="zh-CN" dirty="0" smtClean="0"/>
+              <a:rPr lang="en-US" altLang="zh-CN" dirty="0"/>
               <a:t>Asset Bundle</a:t>
             </a:r>
           </a:p>
           <a:p>
             <a:r>
-              <a:rPr lang="en-US" altLang="zh-CN" dirty="0" smtClean="0"/>
+              <a:rPr lang="en-US" altLang="zh-CN" dirty="0"/>
               <a:t>Asset Manager</a:t>
             </a:r>
             <a:endParaRPr lang="zh-CN" altLang="en-US" dirty="0"/>
@@ -9495,13 +9414,6 @@
   <p:clrMapOvr>
     <a:masterClrMapping/>
   </p:clrMapOvr>
-  <p:timing>
-    <p:tnLst>
-      <p:par>
-        <p:cTn id="1" dur="indefinite" restart="never" nodeType="tmRoot"/>
-      </p:par>
-    </p:tnLst>
-  </p:timing>
 </p:sld>
 </file>
 
@@ -9538,7 +9450,7 @@
           <a:lstStyle/>
           <a:p>
             <a:r>
-              <a:rPr lang="en-US" altLang="zh-CN" dirty="0" err="1" smtClean="0"/>
+              <a:rPr lang="en-US" altLang="zh-CN" dirty="0" err="1"/>
               <a:t>MonoScripts</a:t>
             </a:r>
             <a:endParaRPr lang="zh-CN" altLang="en-US" dirty="0"/>
@@ -9562,84 +9474,79 @@
           <a:p>
             <a:r>
               <a:rPr lang="en-US" altLang="zh-CN" dirty="0"/>
-              <a:t>Representation of Script </a:t>
-            </a:r>
-            <a:r>
-              <a:rPr lang="en-US" altLang="zh-CN" dirty="0" smtClean="0"/>
-              <a:t>assets</a:t>
-            </a:r>
-          </a:p>
-          <a:p>
-            <a:r>
-              <a:rPr lang="en-US" altLang="zh-CN" dirty="0" err="1" smtClean="0"/>
+              <a:t>Representation of Script assets</a:t>
+            </a:r>
+          </a:p>
+          <a:p>
+            <a:r>
+              <a:rPr lang="en-US" altLang="zh-CN" dirty="0" err="1"/>
               <a:t>Inherite</a:t>
             </a:r>
             <a:r>
-              <a:rPr lang="en-US" altLang="zh-CN" dirty="0" smtClean="0"/>
+              <a:rPr lang="en-US" altLang="zh-CN" dirty="0"/>
               <a:t> from </a:t>
             </a:r>
             <a:r>
-              <a:rPr lang="en-US" altLang="zh-CN" dirty="0" err="1" smtClean="0"/>
+              <a:rPr lang="en-US" altLang="zh-CN" dirty="0" err="1"/>
               <a:t>TextAsset</a:t>
             </a:r>
-            <a:endParaRPr lang="en-US" altLang="zh-CN" dirty="0" smtClean="0"/>
-          </a:p>
-          <a:p>
-            <a:r>
-              <a:rPr lang="en-US" altLang="zh-CN" dirty="0" err="1" smtClean="0"/>
+            <a:endParaRPr lang="en-US" altLang="zh-CN" dirty="0"/>
+          </a:p>
+          <a:p>
+            <a:r>
+              <a:rPr lang="en-US" altLang="zh-CN" dirty="0" err="1"/>
               <a:t>m_ClassName</a:t>
             </a:r>
             <a:r>
-              <a:rPr lang="zh-CN" altLang="en-US" dirty="0" smtClean="0"/>
+              <a:rPr lang="zh-CN" altLang="en-US" dirty="0"/>
               <a:t>、</a:t>
             </a:r>
             <a:r>
-              <a:rPr lang="en-US" altLang="zh-CN" dirty="0" smtClean="0"/>
+              <a:rPr lang="en-US" altLang="zh-CN" dirty="0"/>
               <a:t> </a:t>
             </a:r>
             <a:r>
-              <a:rPr lang="en-US" altLang="zh-CN" dirty="0" err="1" smtClean="0"/>
+              <a:rPr lang="en-US" altLang="zh-CN" dirty="0" err="1"/>
               <a:t>m_Namespace</a:t>
             </a:r>
             <a:r>
-              <a:rPr lang="zh-CN" altLang="en-US" dirty="0" smtClean="0"/>
+              <a:rPr lang="zh-CN" altLang="en-US" dirty="0"/>
               <a:t>、</a:t>
             </a:r>
             <a:r>
-              <a:rPr lang="en-US" altLang="zh-CN" dirty="0" smtClean="0"/>
+              <a:rPr lang="en-US" altLang="zh-CN" dirty="0"/>
               <a:t> </a:t>
             </a:r>
             <a:r>
-              <a:rPr lang="en-US" altLang="zh-CN" dirty="0" err="1" smtClean="0"/>
+              <a:rPr lang="en-US" altLang="zh-CN" dirty="0" err="1"/>
               <a:t>m_AssemblyName</a:t>
             </a:r>
-            <a:endParaRPr lang="en-US" altLang="zh-CN" dirty="0" smtClean="0"/>
-          </a:p>
-          <a:p>
-            <a:r>
-              <a:rPr lang="en-US" altLang="zh-CN" dirty="0" err="1" smtClean="0"/>
+            <a:endParaRPr lang="en-US" altLang="zh-CN" dirty="0"/>
+          </a:p>
+          <a:p>
+            <a:r>
+              <a:rPr lang="en-US" altLang="zh-CN" dirty="0" err="1"/>
               <a:t>m_ExecutionOrder</a:t>
             </a:r>
-            <a:endParaRPr lang="en-US" altLang="zh-CN" dirty="0" smtClean="0"/>
-          </a:p>
-          <a:p>
-            <a:r>
-              <a:rPr lang="en-US" altLang="zh-CN" dirty="0" err="1" smtClean="0"/>
+            <a:endParaRPr lang="en-US" altLang="zh-CN" dirty="0"/>
+          </a:p>
+          <a:p>
+            <a:r>
+              <a:rPr lang="en-US" altLang="zh-CN" dirty="0" err="1"/>
               <a:t>MonoBehaviour</a:t>
             </a:r>
             <a:r>
-              <a:rPr lang="zh-CN" altLang="en-US" dirty="0" smtClean="0"/>
+              <a:rPr lang="zh-CN" altLang="en-US" dirty="0"/>
               <a:t>持有</a:t>
             </a:r>
             <a:r>
-              <a:rPr lang="en-US" altLang="zh-CN" dirty="0" err="1" smtClean="0"/>
+              <a:rPr lang="en-US" altLang="zh-CN" dirty="0" err="1"/>
               <a:t>MonoScripts</a:t>
             </a:r>
             <a:r>
-              <a:rPr lang="zh-CN" altLang="en-US" dirty="0" smtClean="0"/>
+              <a:rPr lang="zh-CN" altLang="en-US" dirty="0"/>
               <a:t>的引用</a:t>
             </a:r>
-            <a:endParaRPr lang="zh-CN" altLang="en-US" dirty="0"/>
           </a:p>
         </p:txBody>
       </p:sp>
@@ -9689,7 +9596,7 @@
           <a:lstStyle/>
           <a:p>
             <a:r>
-              <a:rPr lang="en-US" altLang="zh-CN" dirty="0" smtClean="0"/>
+              <a:rPr lang="en-US" altLang="zh-CN" dirty="0"/>
               <a:t>serialization/deserialization</a:t>
             </a:r>
             <a:endParaRPr lang="zh-CN" altLang="en-US" dirty="0"/>
@@ -9713,13 +9620,8 @@
           <a:p>
             <a:r>
               <a:rPr lang="zh-CN" altLang="en-US" dirty="0"/>
-              <a:t>对加载的</a:t>
-            </a:r>
-            <a:r>
-              <a:rPr lang="zh-CN" altLang="en-US" dirty="0" smtClean="0"/>
-              <a:t>影响</a:t>
-            </a:r>
-            <a:endParaRPr lang="zh-CN" altLang="en-US" dirty="0"/>
+              <a:t>对加载的影响</a:t>
+            </a:r>
           </a:p>
         </p:txBody>
       </p:sp>
@@ -9769,7 +9671,7 @@
           <a:lstStyle/>
           <a:p>
             <a:r>
-              <a:rPr lang="en-US" altLang="zh-CN" dirty="0" smtClean="0"/>
+              <a:rPr lang="en-US" altLang="zh-CN" dirty="0"/>
               <a:t>serialization/deserialization</a:t>
             </a:r>
             <a:endParaRPr lang="zh-CN" altLang="en-US" dirty="0"/>
@@ -9793,22 +9695,17 @@
           <a:p>
             <a:r>
               <a:rPr lang="zh-CN" altLang="en-US" dirty="0"/>
-              <a:t>对加载的</a:t>
-            </a:r>
-            <a:r>
-              <a:rPr lang="zh-CN" altLang="en-US" dirty="0" smtClean="0"/>
-              <a:t>影响</a:t>
-            </a:r>
-            <a:endParaRPr lang="zh-CN" altLang="en-US" dirty="0" smtClean="0">
+              <a:t>对加载的影响</a:t>
+            </a:r>
+            <a:endParaRPr lang="zh-CN" altLang="en-US" dirty="0">
               <a:effectLst/>
             </a:endParaRPr>
           </a:p>
           <a:p>
             <a:r>
-              <a:rPr lang="zh-CN" altLang="en-US" dirty="0" smtClean="0"/>
+              <a:rPr lang="zh-CN" altLang="en-US" dirty="0"/>
               <a:t>如何做才最优呢</a:t>
             </a:r>
-            <a:endParaRPr lang="zh-CN" altLang="en-US" dirty="0"/>
           </a:p>
         </p:txBody>
       </p:sp>
@@ -9877,10 +9774,10 @@
           <a:lstStyle/>
           <a:p>
             <a:r>
-              <a:rPr lang="zh-CN" altLang="en-US" dirty="0" smtClean="0"/>
+              <a:rPr lang="zh-CN" altLang="en-US" dirty="0"/>
               <a:t>思考</a:t>
             </a:r>
-            <a:endParaRPr lang="en-US" altLang="zh-CN" dirty="0" smtClean="0"/>
+            <a:endParaRPr lang="en-US" altLang="zh-CN" dirty="0"/>
           </a:p>
         </p:txBody>
       </p:sp>
@@ -10023,7 +9920,7 @@
             <a:pPr marL="0" indent="0">
               <a:buNone/>
             </a:pPr>
-            <a:endParaRPr lang="en-US" altLang="zh-CN" dirty="0" smtClean="0"/>
+            <a:endParaRPr lang="en-US" altLang="zh-CN" dirty="0"/>
           </a:p>
         </p:txBody>
       </p:sp>
@@ -10233,7 +10130,7 @@
           <a:lstStyle/>
           <a:p>
             <a:r>
-              <a:rPr lang="en-US" altLang="zh-CN" dirty="0" smtClean="0"/>
+              <a:rPr lang="en-US" altLang="zh-CN" dirty="0"/>
               <a:t>Best practices</a:t>
             </a:r>
             <a:endParaRPr lang="zh-CN" altLang="en-US" dirty="0"/>
@@ -10256,14 +10153,10 @@
           <a:lstStyle/>
           <a:p>
             <a:r>
-              <a:rPr lang="zh-CN" altLang="en-US" dirty="0" smtClean="0"/>
-              <a:t>模板</a:t>
-            </a:r>
-            <a:r>
-              <a:rPr lang="zh-CN" altLang="en-US" dirty="0"/>
-              <a:t>化</a:t>
-            </a:r>
-            <a:endParaRPr lang="zh-CN" altLang="en-US" dirty="0" smtClean="0">
+              <a:rPr lang="zh-CN" altLang="en-US" dirty="0"/>
+              <a:t>模板化</a:t>
+            </a:r>
+            <a:endParaRPr lang="zh-CN" altLang="en-US" dirty="0">
               <a:effectLst/>
             </a:endParaRPr>
           </a:p>
@@ -10272,7 +10165,7 @@
               <a:rPr lang="zh-CN" altLang="en-US" dirty="0"/>
               <a:t>运行时实例化，再拼接</a:t>
             </a:r>
-            <a:endParaRPr lang="zh-CN" altLang="en-US" dirty="0" smtClean="0">
+            <a:endParaRPr lang="zh-CN" altLang="en-US" dirty="0">
               <a:effectLst/>
             </a:endParaRPr>
           </a:p>
@@ -10487,7 +10380,7 @@
           <a:lstStyle/>
           <a:p>
             <a:r>
-              <a:rPr lang="en-US" altLang="zh-CN" dirty="0" smtClean="0"/>
+              <a:rPr lang="en-US" altLang="zh-CN" dirty="0"/>
               <a:t>Best practices</a:t>
             </a:r>
             <a:endParaRPr lang="zh-CN" altLang="en-US" dirty="0"/>
@@ -10510,14 +10403,10 @@
           <a:lstStyle/>
           <a:p>
             <a:r>
-              <a:rPr lang="zh-CN" altLang="en-US" dirty="0" smtClean="0"/>
-              <a:t>模板</a:t>
-            </a:r>
-            <a:r>
-              <a:rPr lang="zh-CN" altLang="en-US" dirty="0"/>
-              <a:t>化</a:t>
-            </a:r>
-            <a:endParaRPr lang="zh-CN" altLang="en-US" dirty="0" smtClean="0">
+              <a:rPr lang="zh-CN" altLang="en-US" dirty="0"/>
+              <a:t>模板化</a:t>
+            </a:r>
+            <a:endParaRPr lang="zh-CN" altLang="en-US" dirty="0">
               <a:effectLst/>
             </a:endParaRPr>
           </a:p>
@@ -10526,7 +10415,7 @@
               <a:rPr lang="zh-CN" altLang="en-US" dirty="0"/>
               <a:t>运行时实例化，再拼接</a:t>
             </a:r>
-            <a:endParaRPr lang="zh-CN" altLang="en-US" dirty="0" smtClean="0">
+            <a:endParaRPr lang="zh-CN" altLang="en-US" dirty="0">
               <a:effectLst/>
             </a:endParaRPr>
           </a:p>
@@ -10741,7 +10630,7 @@
           <a:lstStyle/>
           <a:p>
             <a:r>
-              <a:rPr lang="en-US" altLang="zh-CN" dirty="0" smtClean="0"/>
+              <a:rPr lang="en-US" altLang="zh-CN" dirty="0"/>
               <a:t>Asset Bundle</a:t>
             </a:r>
             <a:endParaRPr lang="zh-CN" altLang="en-US" dirty="0"/>
@@ -10764,50 +10653,49 @@
           <a:lstStyle/>
           <a:p>
             <a:r>
-              <a:rPr lang="zh-CN" altLang="en-US" dirty="0" smtClean="0"/>
+              <a:rPr lang="zh-CN" altLang="en-US" dirty="0"/>
               <a:t>槽点</a:t>
             </a:r>
-            <a:endParaRPr lang="en-US" altLang="zh-CN" dirty="0" smtClean="0"/>
+            <a:endParaRPr lang="en-US" altLang="zh-CN" dirty="0"/>
           </a:p>
           <a:p>
             <a:pPr lvl="1"/>
             <a:r>
-              <a:rPr lang="en-US" altLang="zh-CN" dirty="0" smtClean="0"/>
+              <a:rPr lang="en-US" altLang="zh-CN" dirty="0"/>
               <a:t>API</a:t>
             </a:r>
+          </a:p>
+          <a:p>
+            <a:pPr lvl="1"/>
+            <a:r>
+              <a:rPr lang="zh-CN" altLang="en-US" dirty="0"/>
+              <a:t>打包颗粒度</a:t>
+            </a:r>
             <a:endParaRPr lang="en-US" altLang="zh-CN" dirty="0"/>
           </a:p>
           <a:p>
             <a:pPr lvl="1"/>
             <a:r>
-              <a:rPr lang="zh-CN" altLang="en-US" dirty="0" smtClean="0"/>
-              <a:t>打包颗粒度</a:t>
-            </a:r>
-            <a:endParaRPr lang="en-US" altLang="zh-CN" dirty="0" smtClean="0"/>
+              <a:rPr lang="zh-CN" altLang="en-US" dirty="0"/>
+              <a:t>依赖</a:t>
+            </a:r>
+            <a:endParaRPr lang="en-US" altLang="zh-CN" dirty="0"/>
           </a:p>
           <a:p>
             <a:pPr lvl="1"/>
             <a:r>
-              <a:rPr lang="zh-CN" altLang="en-US" dirty="0" smtClean="0"/>
-              <a:t>依赖</a:t>
-            </a:r>
-            <a:endParaRPr lang="en-US" altLang="zh-CN" dirty="0" smtClean="0"/>
+              <a:rPr lang="zh-CN" altLang="en-US" dirty="0"/>
+              <a:t>释放</a:t>
+            </a:r>
+            <a:endParaRPr lang="en-US" altLang="zh-CN" dirty="0"/>
           </a:p>
           <a:p>
             <a:pPr lvl="1"/>
             <a:r>
-              <a:rPr lang="zh-CN" altLang="en-US" dirty="0" smtClean="0"/>
-              <a:t>释放</a:t>
-            </a:r>
-            <a:endParaRPr lang="en-US" altLang="zh-CN" dirty="0" smtClean="0"/>
-          </a:p>
-          <a:p>
-            <a:pPr lvl="1"/>
-            <a:r>
-              <a:rPr lang="zh-CN" altLang="en-US" dirty="0" smtClean="0"/>
+              <a:rPr lang="zh-CN" altLang="en-US" dirty="0"/>
               <a:t>占用内存</a:t>
             </a:r>
-            <a:endParaRPr lang="en-US" altLang="zh-CN" dirty="0" smtClean="0"/>
+            <a:endParaRPr lang="en-US" altLang="zh-CN" dirty="0"/>
           </a:p>
           <a:p>
             <a:pPr lvl="1"/>
@@ -10849,13 +10737,6 @@
   <p:clrMapOvr>
     <a:masterClrMapping/>
   </p:clrMapOvr>
-  <p:timing>
-    <p:tnLst>
-      <p:par>
-        <p:cTn id="1" dur="indefinite" restart="never" nodeType="tmRoot"/>
-      </p:par>
-    </p:tnLst>
-  </p:timing>
 </p:sld>
 </file>
 
@@ -10912,13 +10793,9 @@
           <a:p>
             <a:r>
               <a:rPr lang="zh-CN" altLang="en-US" dirty="0"/>
-              <a:t>存储一个或多个资源文件，供引擎索引和序列化的一种归档格式</a:t>
-            </a:r>
-            <a:r>
-              <a:rPr lang="zh-CN" altLang="en-US" dirty="0" smtClean="0"/>
-              <a:t> </a:t>
-            </a:r>
-            <a:endParaRPr lang="en-US" altLang="zh-CN" dirty="0" smtClean="0"/>
+              <a:t>存储一个或多个资源文件，供引擎索引和序列化的一种归档格式 </a:t>
+            </a:r>
+            <a:endParaRPr lang="en-US" altLang="zh-CN" dirty="0"/>
           </a:p>
           <a:p>
             <a:endParaRPr lang="zh-CN" altLang="en-US" dirty="0"/>
@@ -10959,13 +10836,6 @@
   <p:clrMapOvr>
     <a:masterClrMapping/>
   </p:clrMapOvr>
-  <p:timing>
-    <p:tnLst>
-      <p:par>
-        <p:cTn id="1" dur="indefinite" restart="never" nodeType="tmRoot"/>
-      </p:par>
-    </p:tnLst>
-  </p:timing>
 </p:sld>
 </file>
 
@@ -11002,7 +10872,7 @@
           <a:lstStyle/>
           <a:p>
             <a:r>
-              <a:rPr lang="en-US" altLang="zh-CN" dirty="0" smtClean="0"/>
+              <a:rPr lang="en-US" altLang="zh-CN" dirty="0"/>
               <a:t>Layout</a:t>
             </a:r>
             <a:endParaRPr lang="zh-CN" altLang="en-US" dirty="0"/>
@@ -11030,7 +10900,7 @@
               </a:spcBef>
             </a:pPr>
             <a:r>
-              <a:rPr lang="en-US" altLang="zh-CN" dirty="0" smtClean="0"/>
+              <a:rPr lang="en-US" altLang="zh-CN" dirty="0"/>
               <a:t>serialized files:  identifier, compression type, and a manifest</a:t>
             </a:r>
           </a:p>
@@ -11041,7 +10911,7 @@
               </a:spcBef>
             </a:pPr>
             <a:r>
-              <a:rPr lang="en-US" altLang="zh-CN" dirty="0" smtClean="0"/>
+              <a:rPr lang="en-US" altLang="zh-CN" dirty="0"/>
               <a:t>14KB File Read Cache</a:t>
             </a:r>
           </a:p>
@@ -11052,10 +10922,10 @@
               </a:spcBef>
             </a:pPr>
             <a:r>
-              <a:rPr lang="en-US" altLang="zh-CN" dirty="0" err="1" smtClean="0"/>
+              <a:rPr lang="en-US" altLang="zh-CN" dirty="0" err="1"/>
               <a:t>TypeTree</a:t>
             </a:r>
-            <a:endParaRPr lang="en-US" altLang="zh-CN" dirty="0" smtClean="0"/>
+            <a:endParaRPr lang="en-US" altLang="zh-CN" dirty="0"/>
           </a:p>
           <a:p>
             <a:pPr marL="685800" lvl="2">
@@ -11064,7 +10934,7 @@
               </a:spcBef>
             </a:pPr>
             <a:r>
-              <a:rPr lang="en-US" altLang="zh-CN" dirty="0" smtClean="0"/>
+              <a:rPr lang="en-US" altLang="zh-CN" dirty="0"/>
               <a:t>72K+/External References</a:t>
             </a:r>
           </a:p>
@@ -11075,34 +10945,34 @@
               </a:spcBef>
             </a:pPr>
             <a:r>
-              <a:rPr lang="en-US" altLang="zh-CN" dirty="0" smtClean="0"/>
+              <a:rPr lang="en-US" altLang="zh-CN" dirty="0"/>
               <a:t>Object map &amp; </a:t>
             </a:r>
             <a:r>
-              <a:rPr lang="en-US" altLang="zh-CN" dirty="0" err="1" smtClean="0"/>
+              <a:rPr lang="en-US" altLang="zh-CN" dirty="0" err="1"/>
               <a:t>infos</a:t>
             </a:r>
             <a:r>
-              <a:rPr lang="en-US" altLang="zh-CN" dirty="0" smtClean="0"/>
+              <a:rPr lang="en-US" altLang="zh-CN" dirty="0"/>
               <a:t>, </a:t>
             </a:r>
             <a:r>
-              <a:rPr lang="zh-CN" altLang="en-US" dirty="0" smtClean="0"/>
+              <a:rPr lang="zh-CN" altLang="en-US" dirty="0"/>
               <a:t>较小，但与</a:t>
             </a:r>
             <a:r>
-              <a:rPr lang="en-US" altLang="zh-CN" dirty="0" smtClean="0"/>
+              <a:rPr lang="en-US" altLang="zh-CN" dirty="0"/>
               <a:t>object</a:t>
             </a:r>
             <a:r>
-              <a:rPr lang="zh-CN" altLang="en-US" dirty="0" smtClean="0"/>
+              <a:rPr lang="zh-CN" altLang="en-US" dirty="0"/>
               <a:t>数量相关</a:t>
             </a:r>
-            <a:endParaRPr lang="en-US" altLang="zh-CN" dirty="0" smtClean="0"/>
-          </a:p>
-          <a:p>
-            <a:r>
-              <a:rPr lang="en-US" altLang="zh-CN" dirty="0" smtClean="0"/>
+            <a:endParaRPr lang="en-US" altLang="zh-CN" dirty="0"/>
+          </a:p>
+          <a:p>
+            <a:r>
+              <a:rPr lang="en-US" altLang="zh-CN" dirty="0"/>
               <a:t>resource files</a:t>
             </a:r>
             <a:endParaRPr lang="zh-CN" altLang="en-US" dirty="0"/>
@@ -11119,13 +10989,6 @@
   <p:clrMapOvr>
     <a:masterClrMapping/>
   </p:clrMapOvr>
-  <p:timing>
-    <p:tnLst>
-      <p:par>
-        <p:cTn id="1" dur="indefinite" restart="never" nodeType="tmRoot"/>
-      </p:par>
-    </p:tnLst>
-  </p:timing>
 </p:sld>
 </file>
 
@@ -11162,10 +11025,9 @@
           <a:lstStyle/>
           <a:p>
             <a:r>
-              <a:rPr lang="zh-CN" altLang="en-US" dirty="0" smtClean="0"/>
+              <a:rPr lang="zh-CN" altLang="en-US" dirty="0"/>
               <a:t>资源管理的重要性</a:t>
             </a:r>
-            <a:endParaRPr lang="zh-CN" altLang="en-US" dirty="0"/>
           </a:p>
         </p:txBody>
       </p:sp>
@@ -11187,7 +11049,7 @@
             <a:pPr marL="0" indent="0">
               <a:buNone/>
             </a:pPr>
-            <a:endParaRPr lang="en-US" altLang="zh-CN" dirty="0" smtClean="0"/>
+            <a:endParaRPr lang="en-US" altLang="zh-CN" dirty="0"/>
           </a:p>
         </p:txBody>
       </p:sp>
@@ -11201,13 +11063,6 @@
   <p:clrMapOvr>
     <a:masterClrMapping/>
   </p:clrMapOvr>
-  <p:timing>
-    <p:tnLst>
-      <p:par>
-        <p:cTn id="1" dur="indefinite" restart="never" nodeType="tmRoot"/>
-      </p:par>
-    </p:tnLst>
-  </p:timing>
 </p:sld>
 </file>
 
@@ -11244,11 +11099,11 @@
           <a:lstStyle/>
           <a:p>
             <a:r>
-              <a:rPr lang="en-US" altLang="zh-CN" dirty="0" smtClean="0"/>
+              <a:rPr lang="en-US" altLang="zh-CN" dirty="0"/>
               <a:t>Loading </a:t>
             </a:r>
             <a:r>
-              <a:rPr lang="en-US" altLang="zh-CN" dirty="0" err="1" smtClean="0"/>
+              <a:rPr lang="en-US" altLang="zh-CN" dirty="0" err="1"/>
               <a:t>AssetBundle</a:t>
             </a:r>
             <a:endParaRPr lang="zh-CN" altLang="en-US" dirty="0"/>
@@ -11280,22 +11135,14 @@
             </a:r>
             <a:r>
               <a:rPr lang="zh-CN" altLang="en-US" dirty="0"/>
-              <a:t>在内存中只能存在一</a:t>
-            </a:r>
-            <a:r>
-              <a:rPr lang="zh-CN" altLang="en-US" dirty="0" smtClean="0"/>
-              <a:t>份</a:t>
-            </a:r>
-            <a:endParaRPr lang="en-US" altLang="zh-CN" dirty="0" smtClean="0"/>
-          </a:p>
-          <a:p>
-            <a:r>
-              <a:rPr lang="zh-CN" altLang="en-US" dirty="0" smtClean="0"/>
-              <a:t>仅</a:t>
-            </a:r>
-            <a:r>
-              <a:rPr lang="zh-CN" altLang="en-US" dirty="0"/>
-              <a:t>加载</a:t>
+              <a:t>在内存中只能存在一份</a:t>
+            </a:r>
+            <a:endParaRPr lang="en-US" altLang="zh-CN" dirty="0"/>
+          </a:p>
+          <a:p>
+            <a:r>
+              <a:rPr lang="zh-CN" altLang="en-US" dirty="0"/>
+              <a:t>仅加载</a:t>
             </a:r>
             <a:r>
               <a:rPr lang="en-US" altLang="zh-CN" dirty="0"/>
@@ -11303,31 +11150,23 @@
             </a:r>
             <a:r>
               <a:rPr lang="zh-CN" altLang="en-US" dirty="0"/>
-              <a:t>，资源数据按需</a:t>
-            </a:r>
-            <a:r>
-              <a:rPr lang="zh-CN" altLang="en-US" dirty="0" smtClean="0"/>
-              <a:t>加载</a:t>
-            </a:r>
-            <a:endParaRPr lang="en-US" altLang="zh-CN" dirty="0" smtClean="0"/>
-          </a:p>
-          <a:p>
-            <a:r>
-              <a:rPr lang="zh-CN" altLang="en-US" dirty="0" smtClean="0"/>
-              <a:t>加载</a:t>
-            </a:r>
-            <a:r>
-              <a:rPr lang="zh-CN" altLang="en-US" dirty="0"/>
-              <a:t>对象本身之前需要加载好所有依赖的</a:t>
-            </a:r>
-            <a:r>
-              <a:rPr lang="en-US" altLang="zh-CN" dirty="0" smtClean="0"/>
+              <a:t>，资源数据按需加载</a:t>
+            </a:r>
+            <a:endParaRPr lang="en-US" altLang="zh-CN" dirty="0"/>
+          </a:p>
+          <a:p>
+            <a:r>
+              <a:rPr lang="zh-CN" altLang="en-US" dirty="0"/>
+              <a:t>加载对象本身之前需要加载好所有依赖的</a:t>
+            </a:r>
+            <a:r>
+              <a:rPr lang="en-US" altLang="zh-CN" dirty="0"/>
               <a:t>bundle</a:t>
             </a:r>
           </a:p>
           <a:p>
             <a:r>
-              <a:rPr lang="zh-CN" altLang="en-US" dirty="0" smtClean="0"/>
+              <a:rPr lang="zh-CN" altLang="en-US" dirty="0"/>
               <a:t>依赖</a:t>
             </a:r>
             <a:r>
@@ -11338,7 +11177,7 @@
               <a:rPr lang="zh-CN" altLang="en-US" dirty="0"/>
               <a:t>的加载顺序不重要，可以并发加载</a:t>
             </a:r>
-            <a:endParaRPr lang="zh-CN" altLang="en-US" dirty="0" smtClean="0">
+            <a:endParaRPr lang="zh-CN" altLang="en-US" dirty="0">
               <a:effectLst/>
             </a:endParaRPr>
           </a:p>
@@ -11357,13 +11196,6 @@
   <p:clrMapOvr>
     <a:masterClrMapping/>
   </p:clrMapOvr>
-  <p:timing>
-    <p:tnLst>
-      <p:par>
-        <p:cTn id="1" dur="indefinite" restart="never" nodeType="tmRoot"/>
-      </p:par>
-    </p:tnLst>
-  </p:timing>
 </p:sld>
 </file>
 
@@ -11400,11 +11232,11 @@
           <a:lstStyle/>
           <a:p>
             <a:r>
-              <a:rPr lang="en-US" altLang="zh-CN" dirty="0" smtClean="0"/>
+              <a:rPr lang="en-US" altLang="zh-CN" dirty="0"/>
               <a:t>Unload </a:t>
             </a:r>
             <a:r>
-              <a:rPr lang="en-US" altLang="zh-CN" dirty="0" err="1" smtClean="0"/>
+              <a:rPr lang="en-US" altLang="zh-CN" dirty="0" err="1"/>
               <a:t>AssetBundle</a:t>
             </a:r>
             <a:endParaRPr lang="zh-CN" altLang="en-US" dirty="0"/>
@@ -11427,19 +11259,19 @@
           <a:lstStyle/>
           <a:p>
             <a:r>
-              <a:rPr lang="en-US" altLang="zh-CN" dirty="0" smtClean="0"/>
+              <a:rPr lang="en-US" altLang="zh-CN" dirty="0"/>
               <a:t>Unload(false)</a:t>
             </a:r>
             <a:r>
-              <a:rPr lang="zh-CN" altLang="en-US" dirty="0" smtClean="0"/>
+              <a:rPr lang="zh-CN" altLang="en-US" dirty="0"/>
               <a:t>  </a:t>
             </a:r>
             <a:r>
-              <a:rPr lang="en-US" altLang="zh-CN" b="1" dirty="0" smtClean="0"/>
+              <a:rPr lang="en-US" altLang="zh-CN" b="1" dirty="0"/>
               <a:t>OR</a:t>
             </a:r>
             <a:r>
-              <a:rPr lang="en-US" altLang="zh-CN" dirty="0" smtClean="0"/>
+              <a:rPr lang="en-US" altLang="zh-CN" dirty="0"/>
               <a:t>  Unload(true)</a:t>
             </a:r>
           </a:p>
@@ -11793,23 +11625,23 @@
           <a:lstStyle/>
           <a:p>
             <a:r>
-              <a:rPr lang="en-US" altLang="zh-CN" dirty="0" err="1" smtClean="0"/>
+              <a:rPr lang="en-US" altLang="zh-CN" dirty="0" err="1"/>
               <a:t>Resources.UnloadunusedAssets</a:t>
             </a:r>
-            <a:endParaRPr lang="en-US" altLang="zh-CN" dirty="0" smtClean="0"/>
+            <a:endParaRPr lang="en-US" altLang="zh-CN" dirty="0"/>
           </a:p>
           <a:p>
             <a:pPr lvl="1"/>
             <a:r>
-              <a:rPr lang="en-US" altLang="zh-CN" dirty="0" smtClean="0"/>
+              <a:rPr lang="en-US" altLang="zh-CN" dirty="0"/>
               <a:t>Unloads assets that are </a:t>
             </a:r>
             <a:r>
-              <a:rPr lang="en-US" altLang="zh-CN" b="1" dirty="0" smtClean="0"/>
+              <a:rPr lang="en-US" altLang="zh-CN" b="1" dirty="0"/>
               <a:t>not used</a:t>
             </a:r>
             <a:r>
-              <a:rPr lang="en-US" altLang="zh-CN" dirty="0" smtClean="0"/>
+              <a:rPr lang="en-US" altLang="zh-CN" dirty="0"/>
               <a:t>.</a:t>
             </a:r>
           </a:p>
@@ -11880,36 +11712,36 @@
           <a:lstStyle/>
           <a:p>
             <a:r>
-              <a:rPr lang="en-US" altLang="zh-CN" dirty="0" err="1" smtClean="0"/>
+              <a:rPr lang="en-US" altLang="zh-CN" dirty="0" err="1"/>
               <a:t>Resources.UnloadunusedAssets</a:t>
             </a:r>
-            <a:endParaRPr lang="en-US" altLang="zh-CN" dirty="0" smtClean="0"/>
+            <a:endParaRPr lang="en-US" altLang="zh-CN" dirty="0"/>
           </a:p>
           <a:p>
             <a:pPr lvl="1"/>
             <a:r>
-              <a:rPr lang="en-US" altLang="zh-CN" dirty="0" smtClean="0"/>
+              <a:rPr lang="en-US" altLang="zh-CN" dirty="0"/>
               <a:t>Unloads assets that are </a:t>
             </a:r>
             <a:r>
-              <a:rPr lang="en-US" altLang="zh-CN" b="1" dirty="0" smtClean="0"/>
+              <a:rPr lang="en-US" altLang="zh-CN" b="1" dirty="0"/>
               <a:t>not used</a:t>
             </a:r>
             <a:r>
-              <a:rPr lang="en-US" altLang="zh-CN" dirty="0" smtClean="0"/>
+              <a:rPr lang="en-US" altLang="zh-CN" dirty="0"/>
               <a:t>.</a:t>
             </a:r>
           </a:p>
           <a:p>
             <a:pPr lvl="1"/>
-            <a:endParaRPr lang="en-US" altLang="zh-CN" dirty="0" smtClean="0"/>
-          </a:p>
-          <a:p>
-            <a:r>
-              <a:rPr lang="en-US" altLang="zh-CN" dirty="0" err="1" smtClean="0"/>
+            <a:endParaRPr lang="en-US" altLang="zh-CN" dirty="0"/>
+          </a:p>
+          <a:p>
+            <a:r>
+              <a:rPr lang="en-US" altLang="zh-CN" dirty="0" err="1"/>
               <a:t>Resources.UnloadAsset</a:t>
             </a:r>
-            <a:endParaRPr lang="en-US" altLang="zh-CN" dirty="0" smtClean="0"/>
+            <a:endParaRPr lang="en-US" altLang="zh-CN" dirty="0"/>
           </a:p>
         </p:txBody>
       </p:sp>
@@ -11978,44 +11810,44 @@
           <a:lstStyle/>
           <a:p>
             <a:r>
-              <a:rPr lang="en-US" altLang="zh-CN" dirty="0" err="1" smtClean="0"/>
+              <a:rPr lang="en-US" altLang="zh-CN" dirty="0" err="1"/>
               <a:t>Resources.UnloadunusedAssets</a:t>
             </a:r>
-            <a:endParaRPr lang="en-US" altLang="zh-CN" dirty="0" smtClean="0"/>
+            <a:endParaRPr lang="en-US" altLang="zh-CN" dirty="0"/>
           </a:p>
           <a:p>
             <a:pPr lvl="1"/>
             <a:r>
-              <a:rPr lang="en-US" altLang="zh-CN" dirty="0" smtClean="0"/>
+              <a:rPr lang="en-US" altLang="zh-CN" dirty="0"/>
               <a:t>Unloads assets that are </a:t>
             </a:r>
             <a:r>
-              <a:rPr lang="en-US" altLang="zh-CN" b="1" dirty="0" smtClean="0"/>
+              <a:rPr lang="en-US" altLang="zh-CN" b="1" dirty="0"/>
               <a:t>not used</a:t>
             </a:r>
             <a:r>
-              <a:rPr lang="en-US" altLang="zh-CN" dirty="0" smtClean="0"/>
+              <a:rPr lang="en-US" altLang="zh-CN" dirty="0"/>
               <a:t>.</a:t>
             </a:r>
           </a:p>
           <a:p>
             <a:pPr lvl="1"/>
-            <a:endParaRPr lang="en-US" altLang="zh-CN" dirty="0" smtClean="0"/>
-          </a:p>
-          <a:p>
-            <a:r>
-              <a:rPr lang="en-US" altLang="zh-CN" dirty="0" err="1" smtClean="0"/>
+            <a:endParaRPr lang="en-US" altLang="zh-CN" dirty="0"/>
+          </a:p>
+          <a:p>
+            <a:r>
+              <a:rPr lang="en-US" altLang="zh-CN" dirty="0" err="1"/>
               <a:t>Resources.UnloadAsset</a:t>
             </a:r>
-            <a:endParaRPr lang="en-US" altLang="zh-CN" dirty="0" smtClean="0"/>
+            <a:endParaRPr lang="en-US" altLang="zh-CN" dirty="0"/>
           </a:p>
           <a:p>
             <a:pPr lvl="1"/>
             <a:r>
-              <a:rPr lang="zh-CN" altLang="en-US" dirty="0" smtClean="0"/>
+              <a:rPr lang="zh-CN" altLang="en-US" dirty="0"/>
               <a:t>很管用</a:t>
             </a:r>
-            <a:endParaRPr lang="en-US" altLang="zh-CN" dirty="0" smtClean="0"/>
+            <a:endParaRPr lang="en-US" altLang="zh-CN" dirty="0"/>
           </a:p>
         </p:txBody>
       </p:sp>
@@ -12084,52 +11916,52 @@
           <a:lstStyle/>
           <a:p>
             <a:r>
-              <a:rPr lang="en-US" altLang="zh-CN" dirty="0" err="1" smtClean="0"/>
+              <a:rPr lang="en-US" altLang="zh-CN" dirty="0" err="1"/>
               <a:t>Resources.UnloadunusedAssets</a:t>
             </a:r>
-            <a:endParaRPr lang="en-US" altLang="zh-CN" dirty="0" smtClean="0"/>
+            <a:endParaRPr lang="en-US" altLang="zh-CN" dirty="0"/>
           </a:p>
           <a:p>
             <a:pPr lvl="1"/>
             <a:r>
-              <a:rPr lang="en-US" altLang="zh-CN" dirty="0" smtClean="0"/>
+              <a:rPr lang="en-US" altLang="zh-CN" dirty="0"/>
               <a:t>Unloads assets that are </a:t>
             </a:r>
             <a:r>
-              <a:rPr lang="en-US" altLang="zh-CN" b="1" dirty="0" smtClean="0"/>
+              <a:rPr lang="en-US" altLang="zh-CN" b="1" dirty="0"/>
               <a:t>not used</a:t>
             </a:r>
             <a:r>
-              <a:rPr lang="en-US" altLang="zh-CN" dirty="0" smtClean="0"/>
+              <a:rPr lang="en-US" altLang="zh-CN" dirty="0"/>
               <a:t>.</a:t>
             </a:r>
           </a:p>
           <a:p>
             <a:pPr lvl="1"/>
-            <a:endParaRPr lang="en-US" altLang="zh-CN" dirty="0" smtClean="0"/>
-          </a:p>
-          <a:p>
-            <a:r>
-              <a:rPr lang="en-US" altLang="zh-CN" dirty="0" err="1" smtClean="0"/>
+            <a:endParaRPr lang="en-US" altLang="zh-CN" dirty="0"/>
+          </a:p>
+          <a:p>
+            <a:r>
+              <a:rPr lang="en-US" altLang="zh-CN" dirty="0" err="1"/>
               <a:t>Resources.UnloadAsset</a:t>
             </a:r>
-            <a:endParaRPr lang="en-US" altLang="zh-CN" dirty="0" smtClean="0"/>
+            <a:endParaRPr lang="en-US" altLang="zh-CN" dirty="0"/>
           </a:p>
           <a:p>
             <a:pPr lvl="1"/>
             <a:r>
-              <a:rPr lang="zh-CN" altLang="en-US" dirty="0" smtClean="0"/>
+              <a:rPr lang="zh-CN" altLang="en-US" dirty="0"/>
               <a:t>很管用</a:t>
             </a:r>
-            <a:endParaRPr lang="en-US" altLang="zh-CN" dirty="0" smtClean="0"/>
+            <a:endParaRPr lang="en-US" altLang="zh-CN" dirty="0"/>
           </a:p>
           <a:p>
             <a:pPr lvl="1"/>
             <a:r>
-              <a:rPr lang="zh-CN" altLang="en-US" dirty="0" smtClean="0"/>
+              <a:rPr lang="zh-CN" altLang="en-US" dirty="0"/>
               <a:t>但不好用</a:t>
             </a:r>
-            <a:endParaRPr lang="en-US" altLang="zh-CN" dirty="0" smtClean="0"/>
+            <a:endParaRPr lang="en-US" altLang="zh-CN" dirty="0"/>
           </a:p>
         </p:txBody>
       </p:sp>
@@ -12198,25 +12030,25 @@
           <a:lstStyle/>
           <a:p>
             <a:r>
-              <a:rPr lang="en-US" altLang="zh-CN" dirty="0" smtClean="0"/>
+              <a:rPr lang="en-US" altLang="zh-CN" dirty="0"/>
               <a:t>Best Practices</a:t>
             </a:r>
           </a:p>
           <a:p>
             <a:pPr lvl="1"/>
             <a:r>
-              <a:rPr lang="zh-CN" altLang="en-US" dirty="0" smtClean="0"/>
+              <a:rPr lang="zh-CN" altLang="en-US" dirty="0"/>
               <a:t>减少</a:t>
             </a:r>
             <a:r>
-              <a:rPr lang="en-US" altLang="zh-CN" dirty="0" smtClean="0"/>
+              <a:rPr lang="en-US" altLang="zh-CN" dirty="0"/>
               <a:t>bundle</a:t>
             </a:r>
             <a:r>
-              <a:rPr lang="zh-CN" altLang="en-US" dirty="0" smtClean="0"/>
+              <a:rPr lang="zh-CN" altLang="en-US" dirty="0"/>
               <a:t>依赖</a:t>
             </a:r>
-            <a:endParaRPr lang="en-US" altLang="zh-CN" dirty="0" smtClean="0"/>
+            <a:endParaRPr lang="en-US" altLang="zh-CN" dirty="0"/>
           </a:p>
           <a:p>
             <a:pPr lvl="1"/>
@@ -12226,37 +12058,33 @@
             </a:r>
             <a:r>
               <a:rPr lang="zh-CN" altLang="en-US" dirty="0"/>
-              <a:t>性能敏感，做好缓存</a:t>
-            </a:r>
-            <a:r>
-              <a:rPr lang="zh-CN" altLang="en-US" dirty="0" smtClean="0"/>
-              <a:t> </a:t>
-            </a:r>
-            <a:endParaRPr lang="en-US" altLang="zh-CN" dirty="0" smtClean="0"/>
+              <a:t>性能敏感，做好缓存 </a:t>
+            </a:r>
+            <a:endParaRPr lang="en-US" altLang="zh-CN" dirty="0"/>
           </a:p>
           <a:p>
             <a:pPr lvl="1"/>
             <a:r>
-              <a:rPr lang="en-US" altLang="zh-CN" dirty="0" smtClean="0"/>
+              <a:rPr lang="en-US" altLang="zh-CN" dirty="0"/>
               <a:t>Bundle</a:t>
             </a:r>
             <a:r>
-              <a:rPr lang="zh-CN" altLang="en-US" dirty="0" smtClean="0"/>
+              <a:rPr lang="zh-CN" altLang="en-US" dirty="0"/>
               <a:t>包大小（</a:t>
             </a:r>
             <a:r>
-              <a:rPr lang="en-US" altLang="zh-CN" dirty="0" smtClean="0"/>
+              <a:rPr lang="en-US" altLang="zh-CN" dirty="0"/>
               <a:t>5~10M</a:t>
             </a:r>
             <a:r>
-              <a:rPr lang="zh-CN" altLang="en-US" dirty="0" smtClean="0"/>
+              <a:rPr lang="zh-CN" altLang="en-US" dirty="0"/>
               <a:t>）</a:t>
             </a:r>
-            <a:endParaRPr lang="en-US" altLang="zh-CN" dirty="0" smtClean="0"/>
+            <a:endParaRPr lang="en-US" altLang="zh-CN" dirty="0"/>
           </a:p>
           <a:p>
             <a:pPr lvl="1"/>
-            <a:endParaRPr lang="en-US" altLang="zh-CN" dirty="0" smtClean="0"/>
+            <a:endParaRPr lang="en-US" altLang="zh-CN" dirty="0"/>
           </a:p>
           <a:p>
             <a:pPr lvl="1"/>
@@ -12310,10 +12138,9 @@
           <a:lstStyle/>
           <a:p>
             <a:r>
-              <a:rPr lang="zh-CN" altLang="en-US" dirty="0" smtClean="0"/>
+              <a:rPr lang="zh-CN" altLang="en-US" dirty="0"/>
               <a:t>资源管理的重要性</a:t>
             </a:r>
-            <a:endParaRPr lang="zh-CN" altLang="en-US" dirty="0"/>
           </a:p>
         </p:txBody>
       </p:sp>
@@ -12333,10 +12160,9 @@
           <a:lstStyle/>
           <a:p>
             <a:r>
-              <a:rPr lang="zh-CN" altLang="en-US" dirty="0" smtClean="0"/>
+              <a:rPr lang="zh-CN" altLang="en-US" dirty="0"/>
               <a:t>加载时长</a:t>
             </a:r>
-            <a:endParaRPr lang="zh-CN" altLang="en-US" dirty="0"/>
           </a:p>
         </p:txBody>
       </p:sp>
@@ -12350,13 +12176,6 @@
   <p:clrMapOvr>
     <a:masterClrMapping/>
   </p:clrMapOvr>
-  <p:timing>
-    <p:tnLst>
-      <p:par>
-        <p:cTn id="1" dur="indefinite" restart="never" nodeType="tmRoot"/>
-      </p:par>
-    </p:tnLst>
-  </p:timing>
 </p:sld>
 </file>
 
@@ -12412,7 +12231,7 @@
           <a:lstStyle/>
           <a:p>
             <a:r>
-              <a:rPr lang="en-US" altLang="zh-CN" dirty="0" smtClean="0"/>
+              <a:rPr lang="en-US" altLang="zh-CN" dirty="0"/>
               <a:t>Serialized files Optimization</a:t>
             </a:r>
           </a:p>
@@ -12543,33 +12362,33 @@
           <a:lstStyle/>
           <a:p>
             <a:r>
-              <a:rPr lang="en-US" altLang="zh-CN" dirty="0" smtClean="0"/>
+              <a:rPr lang="en-US" altLang="zh-CN" dirty="0"/>
               <a:t>Serialized files Optimization</a:t>
             </a:r>
           </a:p>
           <a:p>
             <a:pPr lvl="1"/>
             <a:r>
-              <a:rPr lang="en-US" altLang="zh-CN" dirty="0" err="1" smtClean="0"/>
+              <a:rPr lang="en-US" altLang="zh-CN" dirty="0" err="1"/>
               <a:t>DisableWriteTypeTree</a:t>
             </a:r>
-            <a:endParaRPr lang="en-US" altLang="zh-CN" dirty="0" smtClean="0"/>
+            <a:endParaRPr lang="en-US" altLang="zh-CN" dirty="0"/>
           </a:p>
           <a:p>
             <a:pPr lvl="1"/>
             <a:r>
-              <a:rPr lang="en-US" altLang="zh-CN" dirty="0" err="1" smtClean="0"/>
+              <a:rPr lang="en-US" altLang="zh-CN" dirty="0" err="1"/>
               <a:t>DisableLoadAssetByFileName</a:t>
             </a:r>
             <a:r>
-              <a:rPr lang="en-US" altLang="zh-CN" dirty="0" smtClean="0"/>
+              <a:rPr lang="en-US" altLang="zh-CN" dirty="0"/>
               <a:t> </a:t>
             </a:r>
           </a:p>
           <a:p>
             <a:pPr lvl="1"/>
             <a:r>
-              <a:rPr lang="en-US" altLang="zh-CN" dirty="0" smtClean="0"/>
+              <a:rPr lang="en-US" altLang="zh-CN" dirty="0"/>
               <a:t>Minimize Dependencies</a:t>
             </a:r>
             <a:endParaRPr lang="zh-CN" altLang="en-US" dirty="0"/>
@@ -12622,10 +12441,9 @@
           <a:lstStyle/>
           <a:p>
             <a:r>
-              <a:rPr lang="zh-CN" altLang="en-US" dirty="0" smtClean="0"/>
+              <a:rPr lang="zh-CN" altLang="en-US" dirty="0"/>
               <a:t>需要注意的点</a:t>
             </a:r>
-            <a:endParaRPr lang="zh-CN" altLang="en-US" dirty="0"/>
           </a:p>
         </p:txBody>
       </p:sp>
@@ -12646,46 +12464,38 @@
           <a:p>
             <a:r>
               <a:rPr lang="zh-CN" altLang="en-US" dirty="0"/>
-              <a:t>同步至少比异步快一帧</a:t>
-            </a:r>
-            <a:r>
-              <a:rPr lang="zh-CN" altLang="en-US" dirty="0" smtClean="0"/>
-              <a:t> </a:t>
-            </a:r>
-            <a:endParaRPr lang="en-US" altLang="zh-CN" dirty="0" smtClean="0"/>
-          </a:p>
-          <a:p>
-            <a:r>
-              <a:rPr lang="zh-CN" altLang="en-US" dirty="0"/>
-              <a:t>同步、异步</a:t>
-            </a:r>
-            <a:r>
-              <a:rPr lang="zh-CN" altLang="en-US" dirty="0" smtClean="0"/>
-              <a:t>同时使用会造成</a:t>
-            </a:r>
-            <a:r>
-              <a:rPr lang="en-US" altLang="zh-CN" dirty="0" err="1" smtClean="0"/>
+              <a:t>同步至少比异步快一帧 </a:t>
+            </a:r>
+            <a:endParaRPr lang="en-US" altLang="zh-CN" dirty="0"/>
+          </a:p>
+          <a:p>
+            <a:r>
+              <a:rPr lang="zh-CN" altLang="en-US" dirty="0"/>
+              <a:t>同步、异步同时使用会造成</a:t>
+            </a:r>
+            <a:r>
+              <a:rPr lang="en-US" altLang="zh-CN" dirty="0" err="1"/>
               <a:t>PersistentManager</a:t>
             </a:r>
             <a:r>
-              <a:rPr lang="zh-CN" altLang="en-US" dirty="0" smtClean="0"/>
+              <a:rPr lang="zh-CN" altLang="en-US" dirty="0"/>
               <a:t>的</a:t>
             </a:r>
             <a:r>
-              <a:rPr lang="en-US" altLang="zh-CN" dirty="0" smtClean="0"/>
+              <a:rPr lang="en-US" altLang="zh-CN" dirty="0"/>
               <a:t>lock</a:t>
             </a:r>
           </a:p>
           <a:p>
             <a:r>
-              <a:rPr lang="en-US" altLang="zh-CN" dirty="0" smtClean="0"/>
+              <a:rPr lang="en-US" altLang="zh-CN" dirty="0"/>
               <a:t>Bundle</a:t>
             </a:r>
             <a:r>
-              <a:rPr lang="zh-CN" altLang="en-US" dirty="0" smtClean="0"/>
+              <a:rPr lang="zh-CN" altLang="en-US" dirty="0"/>
               <a:t>打包的不稳定性 </a:t>
             </a:r>
-            <a:endParaRPr lang="en-US" altLang="zh-CN" dirty="0" smtClean="0"/>
+            <a:endParaRPr lang="en-US" altLang="zh-CN" dirty="0"/>
           </a:p>
           <a:p>
             <a:pPr lvl="1"/>
@@ -12707,13 +12517,8 @@
             </a:r>
             <a:r>
               <a:rPr lang="zh-CN" altLang="en-US" dirty="0"/>
-              <a:t>是否发生</a:t>
-            </a:r>
-            <a:r>
-              <a:rPr lang="zh-CN" altLang="en-US" dirty="0" smtClean="0"/>
-              <a:t>变化</a:t>
-            </a:r>
-            <a:endParaRPr lang="zh-CN" altLang="en-US" dirty="0"/>
+              <a:t>是否发生变化</a:t>
+            </a:r>
           </a:p>
         </p:txBody>
       </p:sp>
@@ -12763,7 +12568,7 @@
           <a:lstStyle/>
           <a:p>
             <a:r>
-              <a:rPr lang="en-US" altLang="zh-CN" dirty="0" smtClean="0"/>
+              <a:rPr lang="en-US" altLang="zh-CN" dirty="0"/>
               <a:t>Tools</a:t>
             </a:r>
             <a:endParaRPr lang="zh-CN" altLang="en-US" dirty="0"/>
@@ -12786,11 +12591,11 @@
           <a:lstStyle/>
           <a:p>
             <a:r>
-              <a:rPr lang="en-US" altLang="zh-CN" dirty="0" err="1" smtClean="0"/>
+              <a:rPr lang="en-US" altLang="zh-CN" dirty="0" err="1"/>
               <a:t>AssetBundle</a:t>
             </a:r>
             <a:r>
-              <a:rPr lang="en-US" altLang="zh-CN" dirty="0" smtClean="0"/>
+              <a:rPr lang="en-US" altLang="zh-CN" dirty="0"/>
               <a:t> Browser</a:t>
             </a:r>
           </a:p>
@@ -12800,13 +12605,13 @@
               <a:t>WebExtract</a:t>
             </a:r>
             <a:r>
-              <a:rPr lang="en-US" altLang="zh-CN" dirty="0" smtClean="0"/>
+              <a:rPr lang="en-US" altLang="zh-CN" dirty="0"/>
               <a:t> </a:t>
             </a:r>
           </a:p>
           <a:p>
             <a:r>
-              <a:rPr lang="en-US" altLang="zh-CN" dirty="0" smtClean="0"/>
+              <a:rPr lang="en-US" altLang="zh-CN" dirty="0"/>
               <a:t>Binary2Text</a:t>
             </a:r>
             <a:endParaRPr lang="zh-CN" altLang="en-US" dirty="0"/>
@@ -12823,13 +12628,6 @@
   <p:clrMapOvr>
     <a:masterClrMapping/>
   </p:clrMapOvr>
-  <p:timing>
-    <p:tnLst>
-      <p:par>
-        <p:cTn id="1" dur="indefinite" restart="never" nodeType="tmRoot"/>
-      </p:par>
-    </p:tnLst>
-  </p:timing>
 </p:sld>
 </file>
 
@@ -12866,11 +12664,11 @@
           <a:lstStyle/>
           <a:p>
             <a:r>
-              <a:rPr lang="en-US" altLang="zh-CN" dirty="0" smtClean="0"/>
+              <a:rPr lang="en-US" altLang="zh-CN" dirty="0"/>
               <a:t>Loading </a:t>
             </a:r>
             <a:r>
-              <a:rPr lang="en-US" altLang="zh-CN" dirty="0" err="1" smtClean="0"/>
+              <a:rPr lang="en-US" altLang="zh-CN" dirty="0" err="1"/>
               <a:t>Male.prefab</a:t>
             </a:r>
             <a:endParaRPr lang="zh-CN" altLang="en-US" dirty="0"/>
@@ -12930,13 +12728,6 @@
   <p:clrMapOvr>
     <a:masterClrMapping/>
   </p:clrMapOvr>
-  <p:timing>
-    <p:tnLst>
-      <p:par>
-        <p:cTn id="1" dur="indefinite" restart="never" nodeType="tmRoot"/>
-      </p:par>
-    </p:tnLst>
-  </p:timing>
 </p:sld>
 </file>
 
@@ -13036,13 +12827,6 @@
   <p:clrMapOvr>
     <a:masterClrMapping/>
   </p:clrMapOvr>
-  <p:timing>
-    <p:tnLst>
-      <p:par>
-        <p:cTn id="1" dur="indefinite" restart="never" nodeType="tmRoot"/>
-      </p:par>
-    </p:tnLst>
-  </p:timing>
 </p:sld>
 </file>
 
@@ -13079,10 +12863,9 @@
           <a:lstStyle/>
           <a:p>
             <a:r>
-              <a:rPr lang="zh-CN" altLang="en-US" dirty="0" smtClean="0"/>
+              <a:rPr lang="zh-CN" altLang="en-US" dirty="0"/>
               <a:t>设计目标</a:t>
             </a:r>
-            <a:endParaRPr lang="zh-CN" altLang="en-US" dirty="0"/>
           </a:p>
         </p:txBody>
       </p:sp>
@@ -13102,42 +12885,67 @@
           <a:lstStyle/>
           <a:p>
             <a:r>
-              <a:rPr lang="zh-CN" altLang="en-US" dirty="0" smtClean="0"/>
+              <a:rPr lang="zh-CN" altLang="en-US" dirty="0"/>
               <a:t>易用性</a:t>
             </a:r>
-            <a:endParaRPr lang="en-US" altLang="zh-CN" dirty="0" smtClean="0"/>
-          </a:p>
-          <a:p>
-            <a:r>
-              <a:rPr lang="zh-CN" altLang="en-US" dirty="0" smtClean="0"/>
+            <a:endParaRPr lang="en-US" altLang="zh-CN" dirty="0"/>
+          </a:p>
+          <a:p>
+            <a:r>
+              <a:rPr lang="zh-CN" altLang="en-US" dirty="0"/>
               <a:t>支持同步、异步</a:t>
             </a:r>
-            <a:endParaRPr lang="en-US" altLang="zh-CN" dirty="0" smtClean="0"/>
-          </a:p>
-          <a:p>
-            <a:r>
-              <a:rPr lang="zh-CN" altLang="en-US" dirty="0" smtClean="0"/>
+            <a:endParaRPr lang="en-US" altLang="zh-CN" dirty="0"/>
+          </a:p>
+          <a:p>
+            <a:r>
+              <a:rPr lang="zh-CN" altLang="en-US" dirty="0"/>
               <a:t>避免回调地狱</a:t>
             </a:r>
-            <a:endParaRPr lang="en-US" altLang="zh-CN" dirty="0" smtClean="0"/>
-          </a:p>
-          <a:p>
-            <a:r>
-              <a:rPr lang="zh-CN" altLang="en-US" dirty="0" smtClean="0"/>
+            <a:endParaRPr lang="en-US" altLang="zh-CN" dirty="0"/>
+          </a:p>
+          <a:p>
+            <a:r>
+              <a:rPr lang="en-US" altLang="zh-CN" dirty="0"/>
+              <a:t>Runtime</a:t>
+            </a:r>
+            <a:r>
+              <a:rPr lang="zh-CN" altLang="en-US" dirty="0"/>
+              <a:t>、</a:t>
+            </a:r>
+            <a:r>
+              <a:rPr lang="en-US" altLang="zh-CN" dirty="0"/>
+              <a:t>Editor</a:t>
+            </a:r>
+            <a:r>
+              <a:rPr lang="zh-CN" altLang="en-US" dirty="0"/>
+              <a:t>时接口一致性</a:t>
+            </a:r>
+            <a:endParaRPr lang="en-US" altLang="zh-CN" dirty="0"/>
+          </a:p>
+          <a:p>
+            <a:r>
+              <a:rPr lang="zh-CN" altLang="en-US" dirty="0"/>
               <a:t>不依赖协程</a:t>
             </a:r>
-            <a:endParaRPr lang="en-US" altLang="zh-CN" dirty="0" smtClean="0"/>
+            <a:endParaRPr lang="en-US" altLang="zh-CN" dirty="0"/>
           </a:p>
           <a:p>
             <a:pPr lvl="1"/>
             <a:r>
-              <a:rPr lang="zh-CN" altLang="en-US" dirty="0" smtClean="0"/>
+              <a:rPr lang="zh-CN" altLang="en-US" dirty="0"/>
               <a:t>无</a:t>
             </a:r>
             <a:r>
-              <a:rPr lang="en-US" altLang="zh-CN" dirty="0" err="1" smtClean="0"/>
+              <a:rPr lang="en-US" altLang="zh-CN" dirty="0" err="1"/>
               <a:t>StartCoroutinie</a:t>
             </a:r>
+            <a:endParaRPr lang="en-US" altLang="zh-CN" dirty="0"/>
+          </a:p>
+          <a:p>
+            <a:pPr marL="457200" lvl="1" indent="0">
+              <a:buNone/>
+            </a:pPr>
             <a:endParaRPr lang="zh-CN" altLang="en-US" dirty="0"/>
           </a:p>
         </p:txBody>
@@ -13152,13 +12960,6 @@
   <p:clrMapOvr>
     <a:masterClrMapping/>
   </p:clrMapOvr>
-  <p:timing>
-    <p:tnLst>
-      <p:par>
-        <p:cTn id="1" dur="indefinite" restart="never" nodeType="tmRoot"/>
-      </p:par>
-    </p:tnLst>
-  </p:timing>
 </p:sld>
 </file>
 
@@ -13195,7 +12996,7 @@
           <a:lstStyle/>
           <a:p>
             <a:r>
-              <a:rPr lang="en-US" altLang="zh-CN" dirty="0" err="1" smtClean="0"/>
+              <a:rPr lang="en-US" altLang="zh-CN" dirty="0" err="1"/>
               <a:t>AssetBundleManager</a:t>
             </a:r>
             <a:endParaRPr lang="zh-CN" altLang="en-US" dirty="0"/>
@@ -13218,7 +13019,7 @@
           <a:lstStyle/>
           <a:p>
             <a:r>
-              <a:rPr lang="en-US" altLang="zh-CN" dirty="0" smtClean="0"/>
+              <a:rPr lang="en-US" altLang="zh-CN" dirty="0"/>
               <a:t>internal class</a:t>
             </a:r>
           </a:p>
@@ -13273,10 +13074,9 @@
           <a:lstStyle/>
           <a:p>
             <a:r>
-              <a:rPr lang="zh-CN" altLang="en-US" dirty="0" smtClean="0"/>
+              <a:rPr lang="zh-CN" altLang="en-US" dirty="0"/>
               <a:t>资源管理的重要性</a:t>
             </a:r>
-            <a:endParaRPr lang="zh-CN" altLang="en-US" dirty="0"/>
           </a:p>
         </p:txBody>
       </p:sp>
@@ -13296,17 +13096,16 @@
           <a:lstStyle/>
           <a:p>
             <a:r>
-              <a:rPr lang="zh-CN" altLang="en-US" dirty="0" smtClean="0"/>
+              <a:rPr lang="zh-CN" altLang="en-US" dirty="0"/>
               <a:t>加载时长</a:t>
             </a:r>
-            <a:endParaRPr lang="en-US" altLang="zh-CN" dirty="0" smtClean="0"/>
-          </a:p>
-          <a:p>
-            <a:r>
-              <a:rPr lang="zh-CN" altLang="en-US" dirty="0" smtClean="0"/>
+            <a:endParaRPr lang="en-US" altLang="zh-CN" dirty="0"/>
+          </a:p>
+          <a:p>
+            <a:r>
+              <a:rPr lang="zh-CN" altLang="en-US" dirty="0"/>
               <a:t>内存控制</a:t>
             </a:r>
-            <a:endParaRPr lang="zh-CN" altLang="en-US" dirty="0"/>
           </a:p>
         </p:txBody>
       </p:sp>
@@ -13320,13 +13119,6 @@
   <p:clrMapOvr>
     <a:masterClrMapping/>
   </p:clrMapOvr>
-  <p:timing>
-    <p:tnLst>
-      <p:par>
-        <p:cTn id="1" dur="indefinite" restart="never" nodeType="tmRoot"/>
-      </p:par>
-    </p:tnLst>
-  </p:timing>
 </p:sld>
 </file>
 
@@ -13363,10 +13155,9 @@
           <a:lstStyle/>
           <a:p>
             <a:r>
-              <a:rPr lang="zh-CN" altLang="en-US" dirty="0" smtClean="0"/>
+              <a:rPr lang="zh-CN" altLang="en-US" dirty="0"/>
               <a:t>资源管理的重要性</a:t>
             </a:r>
-            <a:endParaRPr lang="zh-CN" altLang="en-US" dirty="0"/>
           </a:p>
         </p:txBody>
       </p:sp>
@@ -13386,24 +13177,23 @@
           <a:lstStyle/>
           <a:p>
             <a:r>
-              <a:rPr lang="zh-CN" altLang="en-US" dirty="0" smtClean="0"/>
+              <a:rPr lang="zh-CN" altLang="en-US" dirty="0"/>
               <a:t>加载时长</a:t>
             </a:r>
-            <a:endParaRPr lang="en-US" altLang="zh-CN" dirty="0" smtClean="0"/>
-          </a:p>
-          <a:p>
-            <a:r>
-              <a:rPr lang="zh-CN" altLang="en-US" dirty="0" smtClean="0"/>
+            <a:endParaRPr lang="en-US" altLang="zh-CN" dirty="0"/>
+          </a:p>
+          <a:p>
+            <a:r>
+              <a:rPr lang="zh-CN" altLang="en-US" dirty="0"/>
               <a:t>内存控制</a:t>
             </a:r>
-            <a:endParaRPr lang="en-US" altLang="zh-CN" dirty="0" smtClean="0"/>
-          </a:p>
-          <a:p>
-            <a:r>
-              <a:rPr lang="zh-CN" altLang="en-US" dirty="0" smtClean="0"/>
+            <a:endParaRPr lang="en-US" altLang="zh-CN" dirty="0"/>
+          </a:p>
+          <a:p>
+            <a:r>
+              <a:rPr lang="zh-CN" altLang="en-US" dirty="0"/>
               <a:t>资源是另一种形式的数据结构</a:t>
             </a:r>
-            <a:endParaRPr lang="zh-CN" altLang="en-US" dirty="0"/>
           </a:p>
         </p:txBody>
       </p:sp>
@@ -13417,13 +13207,6 @@
   <p:clrMapOvr>
     <a:masterClrMapping/>
   </p:clrMapOvr>
-  <p:timing>
-    <p:tnLst>
-      <p:par>
-        <p:cTn id="1" dur="indefinite" restart="never" nodeType="tmRoot"/>
-      </p:par>
-    </p:tnLst>
-  </p:timing>
 </p:sld>
 </file>
 
@@ -13460,7 +13243,7 @@
           <a:lstStyle/>
           <a:p>
             <a:r>
-              <a:rPr lang="en-US" altLang="zh-CN" dirty="0" smtClean="0"/>
+              <a:rPr lang="en-US" altLang="zh-CN" dirty="0"/>
               <a:t>Assets</a:t>
             </a:r>
             <a:endParaRPr lang="zh-CN" altLang="en-US" dirty="0"/>
@@ -13532,7 +13315,7 @@
           <a:lstStyle/>
           <a:p>
             <a:r>
-              <a:rPr lang="en-US" altLang="zh-CN" dirty="0" smtClean="0"/>
+              <a:rPr lang="en-US" altLang="zh-CN" dirty="0"/>
               <a:t>Assets</a:t>
             </a:r>
             <a:endParaRPr lang="zh-CN" altLang="en-US" dirty="0"/>
@@ -13556,16 +13339,12 @@
           <a:p>
             <a:r>
               <a:rPr lang="zh-CN" altLang="en-US" dirty="0"/>
-              <a:t>存储于磁盘上的</a:t>
-            </a:r>
-            <a:r>
-              <a:rPr lang="zh-CN" altLang="en-US" dirty="0" smtClean="0"/>
-              <a:t>文件</a:t>
-            </a:r>
-            <a:endParaRPr lang="en-US" altLang="zh-CN" dirty="0" smtClean="0"/>
-          </a:p>
-          <a:p>
-            <a:endParaRPr lang="en-US" altLang="zh-CN" dirty="0" smtClean="0"/>
+              <a:t>存储于磁盘上的文件</a:t>
+            </a:r>
+            <a:endParaRPr lang="en-US" altLang="zh-CN" dirty="0"/>
+          </a:p>
+          <a:p>
+            <a:endParaRPr lang="en-US" altLang="zh-CN" dirty="0"/>
           </a:p>
         </p:txBody>
       </p:sp>
@@ -13615,7 +13394,7 @@
           <a:lstStyle/>
           <a:p>
             <a:r>
-              <a:rPr lang="en-US" altLang="zh-CN" dirty="0" smtClean="0"/>
+              <a:rPr lang="en-US" altLang="zh-CN" dirty="0"/>
               <a:t>Assets</a:t>
             </a:r>
             <a:endParaRPr lang="zh-CN" altLang="en-US" dirty="0"/>
@@ -13639,98 +13418,90 @@
           <a:p>
             <a:r>
               <a:rPr lang="zh-CN" altLang="en-US" dirty="0"/>
-              <a:t>存储于磁盘上的</a:t>
-            </a:r>
-            <a:r>
-              <a:rPr lang="zh-CN" altLang="en-US" dirty="0" smtClean="0"/>
-              <a:t>文件</a:t>
-            </a:r>
-            <a:endParaRPr lang="en-US" altLang="zh-CN" dirty="0" smtClean="0"/>
-          </a:p>
-          <a:p>
-            <a:r>
-              <a:rPr lang="zh-CN" altLang="en-US" dirty="0" smtClean="0"/>
+              <a:t>存储于磁盘上的文件</a:t>
+            </a:r>
+            <a:endParaRPr lang="en-US" altLang="zh-CN" dirty="0"/>
+          </a:p>
+          <a:p>
+            <a:r>
+              <a:rPr lang="zh-CN" altLang="en-US" dirty="0"/>
               <a:t>来源</a:t>
             </a:r>
-            <a:endParaRPr lang="en-US" altLang="zh-CN" dirty="0" smtClean="0"/>
+            <a:endParaRPr lang="en-US" altLang="zh-CN" dirty="0"/>
           </a:p>
           <a:p>
             <a:pPr lvl="1"/>
             <a:r>
-              <a:rPr lang="en-US" altLang="zh-CN" dirty="0" err="1" smtClean="0"/>
+              <a:rPr lang="en-US" altLang="zh-CN" dirty="0" err="1"/>
               <a:t>fbx</a:t>
             </a:r>
             <a:r>
-              <a:rPr lang="zh-CN" altLang="en-US" dirty="0" smtClean="0"/>
+              <a:rPr lang="zh-CN" altLang="en-US" dirty="0"/>
               <a:t>，</a:t>
             </a:r>
             <a:r>
-              <a:rPr lang="en-US" altLang="zh-CN" dirty="0" smtClean="0"/>
+              <a:rPr lang="en-US" altLang="zh-CN" dirty="0"/>
               <a:t>texture</a:t>
             </a:r>
             <a:r>
-              <a:rPr lang="zh-CN" altLang="en-US" dirty="0" smtClean="0"/>
+              <a:rPr lang="zh-CN" altLang="en-US" dirty="0"/>
               <a:t>，</a:t>
             </a:r>
             <a:r>
               <a:rPr lang="en-US" altLang="zh-CN" dirty="0"/>
-              <a:t>a</a:t>
-            </a:r>
-            <a:r>
-              <a:rPr lang="en-US" altLang="zh-CN" dirty="0" smtClean="0"/>
-              <a:t>udio clip</a:t>
+              <a:t>audio clip</a:t>
             </a:r>
           </a:p>
           <a:p>
             <a:pPr lvl="1"/>
             <a:r>
-              <a:rPr lang="en-US" altLang="zh-CN" dirty="0" err="1" smtClean="0"/>
+              <a:rPr lang="en-US" altLang="zh-CN" dirty="0" err="1"/>
               <a:t>shader</a:t>
             </a:r>
             <a:r>
-              <a:rPr lang="zh-CN" altLang="en-US" dirty="0" smtClean="0"/>
+              <a:rPr lang="zh-CN" altLang="en-US" dirty="0"/>
               <a:t>，</a:t>
             </a:r>
             <a:r>
-              <a:rPr lang="en-US" altLang="zh-CN" dirty="0" smtClean="0"/>
+              <a:rPr lang="en-US" altLang="zh-CN" dirty="0"/>
               <a:t>sprite</a:t>
             </a:r>
             <a:r>
-              <a:rPr lang="zh-CN" altLang="en-US" dirty="0" smtClean="0"/>
+              <a:rPr lang="zh-CN" altLang="en-US" dirty="0"/>
               <a:t>，</a:t>
             </a:r>
             <a:r>
-              <a:rPr lang="en-US" altLang="zh-CN" dirty="0" smtClean="0"/>
+              <a:rPr lang="en-US" altLang="zh-CN" dirty="0"/>
               <a:t>material</a:t>
             </a:r>
             <a:r>
-              <a:rPr lang="zh-CN" altLang="en-US" dirty="0" smtClean="0"/>
+              <a:rPr lang="zh-CN" altLang="en-US" dirty="0"/>
               <a:t>，</a:t>
             </a:r>
             <a:r>
-              <a:rPr lang="en-US" altLang="zh-CN" dirty="0" smtClean="0"/>
+              <a:rPr lang="en-US" altLang="zh-CN" dirty="0"/>
               <a:t>scriptable</a:t>
             </a:r>
             <a:r>
-              <a:rPr lang="zh-CN" altLang="en-US" dirty="0" smtClean="0"/>
+              <a:rPr lang="zh-CN" altLang="en-US" dirty="0"/>
               <a:t>，</a:t>
             </a:r>
             <a:r>
-              <a:rPr lang="en-US" altLang="zh-CN" dirty="0" smtClean="0"/>
+              <a:rPr lang="en-US" altLang="zh-CN" dirty="0"/>
               <a:t>unity</a:t>
             </a:r>
             <a:r>
-              <a:rPr lang="zh-CN" altLang="en-US" dirty="0" smtClean="0"/>
+              <a:rPr lang="zh-CN" altLang="en-US" dirty="0"/>
               <a:t>，</a:t>
             </a:r>
             <a:r>
-              <a:rPr lang="en-US" altLang="zh-CN" dirty="0" smtClean="0"/>
+              <a:rPr lang="en-US" altLang="zh-CN" dirty="0"/>
               <a:t>prefab</a:t>
             </a:r>
           </a:p>
           <a:p>
             <a:pPr lvl="1"/>
-            <a:endParaRPr lang="en-US" altLang="zh-CN" dirty="0" smtClean="0"/>
+            <a:endParaRPr lang="en-US" altLang="zh-CN" dirty="0"/>
           </a:p>
         </p:txBody>
       </p:sp>

--- a/Assets/Slice/《资源管理——从理论到实践》.pptx
+++ b/Assets/Slice/《资源管理——从理论到实践》.pptx
@@ -5,7 +5,7 @@
     <p:sldMasterId id="2147483648" r:id="rId1"/>
   </p:sldMasterIdLst>
   <p:notesMasterIdLst>
-    <p:notesMasterId r:id="rId49"/>
+    <p:notesMasterId r:id="rId61"/>
   </p:notesMasterIdLst>
   <p:sldIdLst>
     <p:sldId id="256" r:id="rId2"/>
@@ -55,6 +55,18 @@
     <p:sldId id="306" r:id="rId46"/>
     <p:sldId id="307" r:id="rId47"/>
     <p:sldId id="308" r:id="rId48"/>
+    <p:sldId id="309" r:id="rId49"/>
+    <p:sldId id="310" r:id="rId50"/>
+    <p:sldId id="312" r:id="rId51"/>
+    <p:sldId id="313" r:id="rId52"/>
+    <p:sldId id="314" r:id="rId53"/>
+    <p:sldId id="315" r:id="rId54"/>
+    <p:sldId id="316" r:id="rId55"/>
+    <p:sldId id="317" r:id="rId56"/>
+    <p:sldId id="319" r:id="rId57"/>
+    <p:sldId id="320" r:id="rId58"/>
+    <p:sldId id="321" r:id="rId59"/>
+    <p:sldId id="322" r:id="rId60"/>
   </p:sldIdLst>
   <p:sldSz cx="12192000" cy="6858000"/>
   <p:notesSz cx="6858000" cy="9144000"/>
@@ -205,6 +217,18 @@
             <p14:sldId id="306"/>
             <p14:sldId id="307"/>
             <p14:sldId id="308"/>
+            <p14:sldId id="309"/>
+            <p14:sldId id="310"/>
+            <p14:sldId id="312"/>
+            <p14:sldId id="313"/>
+            <p14:sldId id="314"/>
+            <p14:sldId id="315"/>
+            <p14:sldId id="316"/>
+            <p14:sldId id="317"/>
+            <p14:sldId id="319"/>
+            <p14:sldId id="320"/>
+            <p14:sldId id="321"/>
+            <p14:sldId id="322"/>
           </p14:sldIdLst>
         </p14:section>
       </p14:sectionLst>
@@ -3700,6 +3724,366 @@
     <p:extLst>
       <p:ext uri="{BB962C8B-B14F-4D97-AF65-F5344CB8AC3E}">
         <p14:creationId xmlns:p14="http://schemas.microsoft.com/office/powerpoint/2010/main" val="1265533847"/>
+      </p:ext>
+    </p:extLst>
+  </p:cSld>
+  <p:clrMapOvr>
+    <a:masterClrMapping/>
+  </p:clrMapOvr>
+</p:notes>
+</file>
+
+<file path=ppt/notesSlides/notesSlide31.xml><?xml version="1.0" encoding="utf-8"?>
+<p:notes xmlns:a="http://schemas.openxmlformats.org/drawingml/2006/main" xmlns:r="http://schemas.openxmlformats.org/officeDocument/2006/relationships" xmlns:p="http://schemas.openxmlformats.org/presentationml/2006/main">
+  <p:cSld>
+    <p:spTree>
+      <p:nvGrpSpPr>
+        <p:cNvPr id="1" name=""/>
+        <p:cNvGrpSpPr/>
+        <p:nvPr/>
+      </p:nvGrpSpPr>
+      <p:grpSpPr>
+        <a:xfrm>
+          <a:off x="0" y="0"/>
+          <a:ext cx="0" cy="0"/>
+          <a:chOff x="0" y="0"/>
+          <a:chExt cx="0" cy="0"/>
+        </a:xfrm>
+      </p:grpSpPr>
+      <p:sp>
+        <p:nvSpPr>
+          <p:cNvPr id="2" name="幻灯片图像占位符 1"/>
+          <p:cNvSpPr>
+            <a:spLocks noGrp="1" noRot="1" noChangeAspect="1"/>
+          </p:cNvSpPr>
+          <p:nvPr>
+            <p:ph type="sldImg"/>
+          </p:nvPr>
+        </p:nvSpPr>
+        <p:spPr/>
+      </p:sp>
+      <p:sp>
+        <p:nvSpPr>
+          <p:cNvPr id="3" name="备注占位符 2"/>
+          <p:cNvSpPr>
+            <a:spLocks noGrp="1"/>
+          </p:cNvSpPr>
+          <p:nvPr>
+            <p:ph type="body" idx="1"/>
+          </p:nvPr>
+        </p:nvSpPr>
+        <p:spPr/>
+        <p:txBody>
+          <a:bodyPr/>
+          <a:lstStyle/>
+          <a:p>
+            <a:r>
+              <a:rPr lang="zh-CN" altLang="en-US" dirty="0" smtClean="0"/>
+              <a:t>记录单个</a:t>
+            </a:r>
+            <a:r>
+              <a:rPr lang="en-US" altLang="zh-CN" dirty="0" smtClean="0"/>
+              <a:t>Bundle</a:t>
+            </a:r>
+            <a:r>
+              <a:rPr lang="zh-CN" altLang="en-US" dirty="0" smtClean="0"/>
+              <a:t>的加载信息</a:t>
+            </a:r>
+            <a:endParaRPr lang="zh-CN" altLang="en-US" dirty="0"/>
+          </a:p>
+        </p:txBody>
+      </p:sp>
+      <p:sp>
+        <p:nvSpPr>
+          <p:cNvPr id="4" name="灯片编号占位符 3"/>
+          <p:cNvSpPr>
+            <a:spLocks noGrp="1"/>
+          </p:cNvSpPr>
+          <p:nvPr>
+            <p:ph type="sldNum" sz="quarter" idx="10"/>
+          </p:nvPr>
+        </p:nvSpPr>
+        <p:spPr/>
+        <p:txBody>
+          <a:bodyPr/>
+          <a:lstStyle/>
+          <a:p>
+            <a:fld id="{091BFCDC-EFCB-4F7C-8BF4-A62D16CC57D4}" type="slidenum">
+              <a:rPr lang="zh-CN" altLang="en-US" smtClean="0"/>
+              <a:t>47</a:t>
+            </a:fld>
+            <a:endParaRPr lang="zh-CN" altLang="en-US"/>
+          </a:p>
+        </p:txBody>
+      </p:sp>
+    </p:spTree>
+    <p:extLst>
+      <p:ext uri="{BB962C8B-B14F-4D97-AF65-F5344CB8AC3E}">
+        <p14:creationId xmlns:p14="http://schemas.microsoft.com/office/powerpoint/2010/main" val="1304283756"/>
+      </p:ext>
+    </p:extLst>
+  </p:cSld>
+  <p:clrMapOvr>
+    <a:masterClrMapping/>
+  </p:clrMapOvr>
+</p:notes>
+</file>
+
+<file path=ppt/notesSlides/notesSlide32.xml><?xml version="1.0" encoding="utf-8"?>
+<p:notes xmlns:a="http://schemas.openxmlformats.org/drawingml/2006/main" xmlns:r="http://schemas.openxmlformats.org/officeDocument/2006/relationships" xmlns:p="http://schemas.openxmlformats.org/presentationml/2006/main">
+  <p:cSld>
+    <p:spTree>
+      <p:nvGrpSpPr>
+        <p:cNvPr id="1" name=""/>
+        <p:cNvGrpSpPr/>
+        <p:nvPr/>
+      </p:nvGrpSpPr>
+      <p:grpSpPr>
+        <a:xfrm>
+          <a:off x="0" y="0"/>
+          <a:ext cx="0" cy="0"/>
+          <a:chOff x="0" y="0"/>
+          <a:chExt cx="0" cy="0"/>
+        </a:xfrm>
+      </p:grpSpPr>
+      <p:sp>
+        <p:nvSpPr>
+          <p:cNvPr id="2" name="幻灯片图像占位符 1"/>
+          <p:cNvSpPr>
+            <a:spLocks noGrp="1" noRot="1" noChangeAspect="1"/>
+          </p:cNvSpPr>
+          <p:nvPr>
+            <p:ph type="sldImg"/>
+          </p:nvPr>
+        </p:nvSpPr>
+        <p:spPr/>
+      </p:sp>
+      <p:sp>
+        <p:nvSpPr>
+          <p:cNvPr id="3" name="备注占位符 2"/>
+          <p:cNvSpPr>
+            <a:spLocks noGrp="1"/>
+          </p:cNvSpPr>
+          <p:nvPr>
+            <p:ph type="body" idx="1"/>
+          </p:nvPr>
+        </p:nvSpPr>
+        <p:spPr/>
+        <p:txBody>
+          <a:bodyPr/>
+          <a:lstStyle/>
+          <a:p>
+            <a:endParaRPr lang="zh-CN" altLang="en-US" dirty="0"/>
+          </a:p>
+        </p:txBody>
+      </p:sp>
+      <p:sp>
+        <p:nvSpPr>
+          <p:cNvPr id="4" name="灯片编号占位符 3"/>
+          <p:cNvSpPr>
+            <a:spLocks noGrp="1"/>
+          </p:cNvSpPr>
+          <p:nvPr>
+            <p:ph type="sldNum" sz="quarter" idx="10"/>
+          </p:nvPr>
+        </p:nvSpPr>
+        <p:spPr/>
+        <p:txBody>
+          <a:bodyPr/>
+          <a:lstStyle/>
+          <a:p>
+            <a:fld id="{091BFCDC-EFCB-4F7C-8BF4-A62D16CC57D4}" type="slidenum">
+              <a:rPr lang="zh-CN" altLang="en-US" smtClean="0"/>
+              <a:t>48</a:t>
+            </a:fld>
+            <a:endParaRPr lang="zh-CN" altLang="en-US"/>
+          </a:p>
+        </p:txBody>
+      </p:sp>
+    </p:spTree>
+    <p:extLst>
+      <p:ext uri="{BB962C8B-B14F-4D97-AF65-F5344CB8AC3E}">
+        <p14:creationId xmlns:p14="http://schemas.microsoft.com/office/powerpoint/2010/main" val="1268348552"/>
+      </p:ext>
+    </p:extLst>
+  </p:cSld>
+  <p:clrMapOvr>
+    <a:masterClrMapping/>
+  </p:clrMapOvr>
+</p:notes>
+</file>
+
+<file path=ppt/notesSlides/notesSlide33.xml><?xml version="1.0" encoding="utf-8"?>
+<p:notes xmlns:a="http://schemas.openxmlformats.org/drawingml/2006/main" xmlns:r="http://schemas.openxmlformats.org/officeDocument/2006/relationships" xmlns:p="http://schemas.openxmlformats.org/presentationml/2006/main">
+  <p:cSld>
+    <p:spTree>
+      <p:nvGrpSpPr>
+        <p:cNvPr id="1" name=""/>
+        <p:cNvGrpSpPr/>
+        <p:nvPr/>
+      </p:nvGrpSpPr>
+      <p:grpSpPr>
+        <a:xfrm>
+          <a:off x="0" y="0"/>
+          <a:ext cx="0" cy="0"/>
+          <a:chOff x="0" y="0"/>
+          <a:chExt cx="0" cy="0"/>
+        </a:xfrm>
+      </p:grpSpPr>
+      <p:sp>
+        <p:nvSpPr>
+          <p:cNvPr id="2" name="幻灯片图像占位符 1"/>
+          <p:cNvSpPr>
+            <a:spLocks noGrp="1" noRot="1" noChangeAspect="1"/>
+          </p:cNvSpPr>
+          <p:nvPr>
+            <p:ph type="sldImg"/>
+          </p:nvPr>
+        </p:nvSpPr>
+        <p:spPr/>
+      </p:sp>
+      <p:sp>
+        <p:nvSpPr>
+          <p:cNvPr id="3" name="备注占位符 2"/>
+          <p:cNvSpPr>
+            <a:spLocks noGrp="1"/>
+          </p:cNvSpPr>
+          <p:nvPr>
+            <p:ph type="body" idx="1"/>
+          </p:nvPr>
+        </p:nvSpPr>
+        <p:spPr/>
+        <p:txBody>
+          <a:bodyPr/>
+          <a:lstStyle/>
+          <a:p>
+            <a:r>
+              <a:rPr lang="zh-CN" altLang="en-US" dirty="0" smtClean="0"/>
+              <a:t>处理所有依赖</a:t>
+            </a:r>
+            <a:r>
+              <a:rPr lang="en-US" altLang="zh-CN" dirty="0" smtClean="0"/>
+              <a:t>Bundle</a:t>
+            </a:r>
+            <a:r>
+              <a:rPr lang="zh-CN" altLang="en-US" dirty="0" smtClean="0"/>
+              <a:t>的加载</a:t>
+            </a:r>
+            <a:endParaRPr lang="zh-CN" altLang="en-US" dirty="0"/>
+          </a:p>
+        </p:txBody>
+      </p:sp>
+      <p:sp>
+        <p:nvSpPr>
+          <p:cNvPr id="4" name="灯片编号占位符 3"/>
+          <p:cNvSpPr>
+            <a:spLocks noGrp="1"/>
+          </p:cNvSpPr>
+          <p:nvPr>
+            <p:ph type="sldNum" sz="quarter" idx="10"/>
+          </p:nvPr>
+        </p:nvSpPr>
+        <p:spPr/>
+        <p:txBody>
+          <a:bodyPr/>
+          <a:lstStyle/>
+          <a:p>
+            <a:fld id="{091BFCDC-EFCB-4F7C-8BF4-A62D16CC57D4}" type="slidenum">
+              <a:rPr lang="zh-CN" altLang="en-US" smtClean="0"/>
+              <a:t>49</a:t>
+            </a:fld>
+            <a:endParaRPr lang="zh-CN" altLang="en-US"/>
+          </a:p>
+        </p:txBody>
+      </p:sp>
+    </p:spTree>
+    <p:extLst>
+      <p:ext uri="{BB962C8B-B14F-4D97-AF65-F5344CB8AC3E}">
+        <p14:creationId xmlns:p14="http://schemas.microsoft.com/office/powerpoint/2010/main" val="2413183423"/>
+      </p:ext>
+    </p:extLst>
+  </p:cSld>
+  <p:clrMapOvr>
+    <a:masterClrMapping/>
+  </p:clrMapOvr>
+</p:notes>
+</file>
+
+<file path=ppt/notesSlides/notesSlide34.xml><?xml version="1.0" encoding="utf-8"?>
+<p:notes xmlns:a="http://schemas.openxmlformats.org/drawingml/2006/main" xmlns:r="http://schemas.openxmlformats.org/officeDocument/2006/relationships" xmlns:p="http://schemas.openxmlformats.org/presentationml/2006/main">
+  <p:cSld>
+    <p:spTree>
+      <p:nvGrpSpPr>
+        <p:cNvPr id="1" name=""/>
+        <p:cNvGrpSpPr/>
+        <p:nvPr/>
+      </p:nvGrpSpPr>
+      <p:grpSpPr>
+        <a:xfrm>
+          <a:off x="0" y="0"/>
+          <a:ext cx="0" cy="0"/>
+          <a:chOff x="0" y="0"/>
+          <a:chExt cx="0" cy="0"/>
+        </a:xfrm>
+      </p:grpSpPr>
+      <p:sp>
+        <p:nvSpPr>
+          <p:cNvPr id="2" name="幻灯片图像占位符 1"/>
+          <p:cNvSpPr>
+            <a:spLocks noGrp="1" noRot="1" noChangeAspect="1"/>
+          </p:cNvSpPr>
+          <p:nvPr>
+            <p:ph type="sldImg"/>
+          </p:nvPr>
+        </p:nvSpPr>
+        <p:spPr/>
+      </p:sp>
+      <p:sp>
+        <p:nvSpPr>
+          <p:cNvPr id="3" name="备注占位符 2"/>
+          <p:cNvSpPr>
+            <a:spLocks noGrp="1"/>
+          </p:cNvSpPr>
+          <p:nvPr>
+            <p:ph type="body" idx="1"/>
+          </p:nvPr>
+        </p:nvSpPr>
+        <p:spPr/>
+        <p:txBody>
+          <a:bodyPr/>
+          <a:lstStyle/>
+          <a:p>
+            <a:endParaRPr lang="zh-CN" altLang="en-US" dirty="0"/>
+          </a:p>
+        </p:txBody>
+      </p:sp>
+      <p:sp>
+        <p:nvSpPr>
+          <p:cNvPr id="4" name="灯片编号占位符 3"/>
+          <p:cNvSpPr>
+            <a:spLocks noGrp="1"/>
+          </p:cNvSpPr>
+          <p:nvPr>
+            <p:ph type="sldNum" sz="quarter" idx="10"/>
+          </p:nvPr>
+        </p:nvSpPr>
+        <p:spPr/>
+        <p:txBody>
+          <a:bodyPr/>
+          <a:lstStyle/>
+          <a:p>
+            <a:fld id="{091BFCDC-EFCB-4F7C-8BF4-A62D16CC57D4}" type="slidenum">
+              <a:rPr lang="zh-CN" altLang="en-US" smtClean="0"/>
+              <a:t>57</a:t>
+            </a:fld>
+            <a:endParaRPr lang="zh-CN" altLang="en-US"/>
+          </a:p>
+        </p:txBody>
+      </p:sp>
+    </p:spTree>
+    <p:extLst>
+      <p:ext uri="{BB962C8B-B14F-4D97-AF65-F5344CB8AC3E}">
+        <p14:creationId xmlns:p14="http://schemas.microsoft.com/office/powerpoint/2010/main" val="1510007816"/>
       </p:ext>
     </p:extLst>
   </p:cSld>
@@ -12919,25 +13303,45 @@
             </a:r>
             <a:r>
               <a:rPr lang="zh-CN" altLang="en-US" dirty="0"/>
-              <a:t>时接口一致性</a:t>
+              <a:t>时接口</a:t>
+            </a:r>
+            <a:r>
+              <a:rPr lang="zh-CN" altLang="en-US" dirty="0" smtClean="0"/>
+              <a:t>一致性</a:t>
+            </a:r>
+            <a:endParaRPr lang="en-US" altLang="zh-CN" dirty="0" smtClean="0"/>
+          </a:p>
+          <a:p>
+            <a:r>
+              <a:rPr lang="en-US" altLang="zh-CN" dirty="0" smtClean="0"/>
+              <a:t>Profiling Viewer</a:t>
+            </a:r>
+          </a:p>
+          <a:p>
+            <a:r>
+              <a:rPr lang="en-US" altLang="zh-CN" dirty="0" smtClean="0"/>
+              <a:t>No Update</a:t>
+            </a:r>
+          </a:p>
+          <a:p>
+            <a:r>
+              <a:rPr lang="zh-CN" altLang="en-US" dirty="0" smtClean="0"/>
+              <a:t>不</a:t>
+            </a:r>
+            <a:r>
+              <a:rPr lang="zh-CN" altLang="en-US" dirty="0"/>
+              <a:t>依赖协程</a:t>
             </a:r>
             <a:endParaRPr lang="en-US" altLang="zh-CN" dirty="0"/>
           </a:p>
           <a:p>
-            <a:r>
-              <a:rPr lang="zh-CN" altLang="en-US" dirty="0"/>
-              <a:t>不依赖协程</a:t>
-            </a:r>
-            <a:endParaRPr lang="en-US" altLang="zh-CN" dirty="0"/>
-          </a:p>
-          <a:p>
             <a:pPr lvl="1"/>
             <a:r>
               <a:rPr lang="zh-CN" altLang="en-US" dirty="0"/>
               <a:t>无</a:t>
             </a:r>
             <a:r>
-              <a:rPr lang="en-US" altLang="zh-CN" dirty="0" err="1"/>
+              <a:rPr lang="en-US" altLang="zh-CN" dirty="0" err="1" smtClean="0"/>
               <a:t>StartCoroutinie</a:t>
             </a:r>
             <a:endParaRPr lang="en-US" altLang="zh-CN" dirty="0"/>
@@ -13019,15 +13423,73 @@
           <a:lstStyle/>
           <a:p>
             <a:r>
+              <a:rPr lang="en-US" altLang="zh-CN" b="1" dirty="0"/>
+              <a:t>internal</a:t>
+            </a:r>
+            <a:r>
               <a:rPr lang="en-US" altLang="zh-CN" dirty="0"/>
-              <a:t>internal class</a:t>
-            </a:r>
+              <a:t> </a:t>
+            </a:r>
+            <a:r>
+              <a:rPr lang="en-US" altLang="zh-CN" dirty="0" smtClean="0"/>
+              <a:t>class</a:t>
+            </a:r>
+          </a:p>
+          <a:p>
+            <a:r>
+              <a:rPr lang="en-US" altLang="zh-CN" dirty="0" err="1"/>
+              <a:t>AssetBundleManifest</a:t>
+            </a:r>
+            <a:endParaRPr lang="en-US" altLang="zh-CN" dirty="0"/>
+          </a:p>
+          <a:p>
+            <a:r>
+              <a:rPr lang="en-US" altLang="zh-CN" dirty="0" smtClean="0"/>
+              <a:t>Cache all dependencies</a:t>
+            </a:r>
+          </a:p>
+          <a:p>
+            <a:r>
+              <a:rPr lang="en-US" altLang="zh-CN" dirty="0" smtClean="0"/>
+              <a:t>Load &amp; Unload Bundle</a:t>
+            </a:r>
+            <a:endParaRPr lang="en-US" altLang="zh-CN" dirty="0" smtClean="0"/>
+          </a:p>
+          <a:p>
+            <a:endParaRPr lang="en-US" altLang="zh-CN" dirty="0" smtClean="0"/>
+          </a:p>
+          <a:p>
+            <a:endParaRPr lang="en-US" altLang="zh-CN" dirty="0" smtClean="0"/>
           </a:p>
           <a:p>
             <a:endParaRPr lang="zh-CN" altLang="en-US" dirty="0"/>
           </a:p>
         </p:txBody>
       </p:sp>
+      <p:pic>
+        <p:nvPicPr>
+          <p:cNvPr id="4" name="图片 3"/>
+          <p:cNvPicPr>
+            <a:picLocks noChangeAspect="1"/>
+          </p:cNvPicPr>
+          <p:nvPr/>
+        </p:nvPicPr>
+        <p:blipFill>
+          <a:blip r:embed="rId3"/>
+          <a:stretch>
+            <a:fillRect/>
+          </a:stretch>
+        </p:blipFill>
+        <p:spPr>
+          <a:xfrm>
+            <a:off x="838200" y="4001294"/>
+            <a:ext cx="11008263" cy="1777453"/>
+          </a:xfrm>
+          <a:prstGeom prst="rect">
+            <a:avLst/>
+          </a:prstGeom>
+        </p:spPr>
+      </p:pic>
     </p:spTree>
     <p:extLst>
       <p:ext uri="{BB962C8B-B14F-4D97-AF65-F5344CB8AC3E}">
@@ -13038,6 +13500,253 @@
   <p:clrMapOvr>
     <a:masterClrMapping/>
   </p:clrMapOvr>
+</p:sld>
+</file>
+
+<file path=ppt/slides/slide48.xml><?xml version="1.0" encoding="utf-8"?>
+<p:sld xmlns:a="http://schemas.openxmlformats.org/drawingml/2006/main" xmlns:r="http://schemas.openxmlformats.org/officeDocument/2006/relationships" xmlns:p="http://schemas.openxmlformats.org/presentationml/2006/main">
+  <p:cSld>
+    <p:spTree>
+      <p:nvGrpSpPr>
+        <p:cNvPr id="1" name=""/>
+        <p:cNvGrpSpPr/>
+        <p:nvPr/>
+      </p:nvGrpSpPr>
+      <p:grpSpPr>
+        <a:xfrm>
+          <a:off x="0" y="0"/>
+          <a:ext cx="0" cy="0"/>
+          <a:chOff x="0" y="0"/>
+          <a:chExt cx="0" cy="0"/>
+        </a:xfrm>
+      </p:grpSpPr>
+      <p:sp>
+        <p:nvSpPr>
+          <p:cNvPr id="2" name="标题 1"/>
+          <p:cNvSpPr>
+            <a:spLocks noGrp="1"/>
+          </p:cNvSpPr>
+          <p:nvPr>
+            <p:ph type="title"/>
+          </p:nvPr>
+        </p:nvSpPr>
+        <p:spPr/>
+        <p:txBody>
+          <a:bodyPr/>
+          <a:lstStyle/>
+          <a:p>
+            <a:r>
+              <a:rPr lang="en-US" altLang="zh-CN" dirty="0" err="1" smtClean="0"/>
+              <a:t>AssetBundleRef</a:t>
+            </a:r>
+            <a:endParaRPr lang="zh-CN" altLang="en-US" dirty="0"/>
+          </a:p>
+        </p:txBody>
+      </p:sp>
+      <p:sp>
+        <p:nvSpPr>
+          <p:cNvPr id="3" name="内容占位符 2"/>
+          <p:cNvSpPr>
+            <a:spLocks noGrp="1"/>
+          </p:cNvSpPr>
+          <p:nvPr>
+            <p:ph idx="1"/>
+          </p:nvPr>
+        </p:nvSpPr>
+        <p:spPr/>
+        <p:txBody>
+          <a:bodyPr/>
+          <a:lstStyle/>
+          <a:p>
+            <a:endParaRPr lang="zh-CN" altLang="en-US"/>
+          </a:p>
+        </p:txBody>
+      </p:sp>
+      <p:pic>
+        <p:nvPicPr>
+          <p:cNvPr id="4" name="图片 3"/>
+          <p:cNvPicPr>
+            <a:picLocks noChangeAspect="1"/>
+          </p:cNvPicPr>
+          <p:nvPr/>
+        </p:nvPicPr>
+        <p:blipFill>
+          <a:blip r:embed="rId3"/>
+          <a:stretch>
+            <a:fillRect/>
+          </a:stretch>
+        </p:blipFill>
+        <p:spPr>
+          <a:xfrm>
+            <a:off x="1198643" y="1825625"/>
+            <a:ext cx="8848263" cy="4027941"/>
+          </a:xfrm>
+          <a:prstGeom prst="rect">
+            <a:avLst/>
+          </a:prstGeom>
+        </p:spPr>
+      </p:pic>
+    </p:spTree>
+    <p:extLst>
+      <p:ext uri="{BB962C8B-B14F-4D97-AF65-F5344CB8AC3E}">
+        <p14:creationId xmlns:p14="http://schemas.microsoft.com/office/powerpoint/2010/main" val="2266724"/>
+      </p:ext>
+    </p:extLst>
+  </p:cSld>
+  <p:clrMapOvr>
+    <a:masterClrMapping/>
+  </p:clrMapOvr>
+</p:sld>
+</file>
+
+<file path=ppt/slides/slide49.xml><?xml version="1.0" encoding="utf-8"?>
+<p:sld xmlns:a="http://schemas.openxmlformats.org/drawingml/2006/main" xmlns:r="http://schemas.openxmlformats.org/officeDocument/2006/relationships" xmlns:p="http://schemas.openxmlformats.org/presentationml/2006/main">
+  <p:cSld>
+    <p:spTree>
+      <p:nvGrpSpPr>
+        <p:cNvPr id="1" name=""/>
+        <p:cNvGrpSpPr/>
+        <p:nvPr/>
+      </p:nvGrpSpPr>
+      <p:grpSpPr>
+        <a:xfrm>
+          <a:off x="0" y="0"/>
+          <a:ext cx="0" cy="0"/>
+          <a:chOff x="0" y="0"/>
+          <a:chExt cx="0" cy="0"/>
+        </a:xfrm>
+      </p:grpSpPr>
+      <p:sp>
+        <p:nvSpPr>
+          <p:cNvPr id="2" name="标题 1"/>
+          <p:cNvSpPr>
+            <a:spLocks noGrp="1"/>
+          </p:cNvSpPr>
+          <p:nvPr>
+            <p:ph type="title"/>
+          </p:nvPr>
+        </p:nvSpPr>
+        <p:spPr/>
+        <p:txBody>
+          <a:bodyPr/>
+          <a:lstStyle/>
+          <a:p>
+            <a:r>
+              <a:rPr lang="en-US" altLang="zh-CN" dirty="0" err="1" smtClean="0"/>
+              <a:t>AssetBundleLoader</a:t>
+            </a:r>
+            <a:endParaRPr lang="zh-CN" altLang="en-US" dirty="0"/>
+          </a:p>
+        </p:txBody>
+      </p:sp>
+      <p:pic>
+        <p:nvPicPr>
+          <p:cNvPr id="4" name="图片 3"/>
+          <p:cNvPicPr>
+            <a:picLocks noChangeAspect="1"/>
+          </p:cNvPicPr>
+          <p:nvPr/>
+        </p:nvPicPr>
+        <p:blipFill>
+          <a:blip r:embed="rId3"/>
+          <a:stretch>
+            <a:fillRect/>
+          </a:stretch>
+        </p:blipFill>
+        <p:spPr>
+          <a:xfrm>
+            <a:off x="914529" y="1911847"/>
+            <a:ext cx="10151029" cy="2757403"/>
+          </a:xfrm>
+          <a:prstGeom prst="rect">
+            <a:avLst/>
+          </a:prstGeom>
+        </p:spPr>
+      </p:pic>
+      <p:pic>
+        <p:nvPicPr>
+          <p:cNvPr id="5" name="图片 4"/>
+          <p:cNvPicPr>
+            <a:picLocks noChangeAspect="1"/>
+          </p:cNvPicPr>
+          <p:nvPr/>
+        </p:nvPicPr>
+        <p:blipFill>
+          <a:blip r:embed="rId4"/>
+          <a:stretch>
+            <a:fillRect/>
+          </a:stretch>
+        </p:blipFill>
+        <p:spPr>
+          <a:xfrm>
+            <a:off x="914529" y="4909733"/>
+            <a:ext cx="4857143" cy="380952"/>
+          </a:xfrm>
+          <a:prstGeom prst="rect">
+            <a:avLst/>
+          </a:prstGeom>
+        </p:spPr>
+      </p:pic>
+      <p:pic>
+        <p:nvPicPr>
+          <p:cNvPr id="7" name="图片 6"/>
+          <p:cNvPicPr>
+            <a:picLocks noChangeAspect="1"/>
+          </p:cNvPicPr>
+          <p:nvPr/>
+        </p:nvPicPr>
+        <p:blipFill>
+          <a:blip r:embed="rId5"/>
+          <a:stretch>
+            <a:fillRect/>
+          </a:stretch>
+        </p:blipFill>
+        <p:spPr>
+          <a:xfrm>
+            <a:off x="914529" y="5418116"/>
+            <a:ext cx="4923809" cy="314286"/>
+          </a:xfrm>
+          <a:prstGeom prst="rect">
+            <a:avLst/>
+          </a:prstGeom>
+        </p:spPr>
+      </p:pic>
+      <p:sp>
+        <p:nvSpPr>
+          <p:cNvPr id="8" name="内容占位符 7"/>
+          <p:cNvSpPr>
+            <a:spLocks noGrp="1"/>
+          </p:cNvSpPr>
+          <p:nvPr>
+            <p:ph idx="1"/>
+          </p:nvPr>
+        </p:nvSpPr>
+        <p:spPr/>
+        <p:txBody>
+          <a:bodyPr/>
+          <a:lstStyle/>
+          <a:p>
+            <a:endParaRPr lang="zh-CN" altLang="en-US" dirty="0"/>
+          </a:p>
+        </p:txBody>
+      </p:sp>
+    </p:spTree>
+    <p:extLst>
+      <p:ext uri="{BB962C8B-B14F-4D97-AF65-F5344CB8AC3E}">
+        <p14:creationId xmlns:p14="http://schemas.microsoft.com/office/powerpoint/2010/main" val="840313692"/>
+      </p:ext>
+    </p:extLst>
+  </p:cSld>
+  <p:clrMapOvr>
+    <a:masterClrMapping/>
+  </p:clrMapOvr>
+  <p:timing>
+    <p:tnLst>
+      <p:par>
+        <p:cTn id="1" dur="indefinite" restart="never" nodeType="tmRoot"/>
+      </p:par>
+    </p:tnLst>
+  </p:timing>
 </p:sld>
 </file>
 
@@ -13113,6 +13822,1247 @@
     <p:extLst>
       <p:ext uri="{BB962C8B-B14F-4D97-AF65-F5344CB8AC3E}">
         <p14:creationId xmlns:p14="http://schemas.microsoft.com/office/powerpoint/2010/main" val="3424115965"/>
+      </p:ext>
+    </p:extLst>
+  </p:cSld>
+  <p:clrMapOvr>
+    <a:masterClrMapping/>
+  </p:clrMapOvr>
+</p:sld>
+</file>
+
+<file path=ppt/slides/slide50.xml><?xml version="1.0" encoding="utf-8"?>
+<p:sld xmlns:a="http://schemas.openxmlformats.org/drawingml/2006/main" xmlns:r="http://schemas.openxmlformats.org/officeDocument/2006/relationships" xmlns:p="http://schemas.openxmlformats.org/presentationml/2006/main">
+  <p:cSld>
+    <p:spTree>
+      <p:nvGrpSpPr>
+        <p:cNvPr id="1" name=""/>
+        <p:cNvGrpSpPr/>
+        <p:nvPr/>
+      </p:nvGrpSpPr>
+      <p:grpSpPr>
+        <a:xfrm>
+          <a:off x="0" y="0"/>
+          <a:ext cx="0" cy="0"/>
+          <a:chOff x="0" y="0"/>
+          <a:chExt cx="0" cy="0"/>
+        </a:xfrm>
+      </p:grpSpPr>
+      <p:sp>
+        <p:nvSpPr>
+          <p:cNvPr id="2" name="标题 1"/>
+          <p:cNvSpPr>
+            <a:spLocks noGrp="1"/>
+          </p:cNvSpPr>
+          <p:nvPr>
+            <p:ph type="title"/>
+          </p:nvPr>
+        </p:nvSpPr>
+        <p:spPr/>
+        <p:txBody>
+          <a:bodyPr/>
+          <a:lstStyle/>
+          <a:p>
+            <a:r>
+              <a:rPr lang="en-US" altLang="zh-CN" dirty="0" err="1" smtClean="0"/>
+              <a:t>AssetLoader</a:t>
+            </a:r>
+            <a:endParaRPr lang="zh-CN" altLang="en-US" dirty="0"/>
+          </a:p>
+        </p:txBody>
+      </p:sp>
+      <p:pic>
+        <p:nvPicPr>
+          <p:cNvPr id="4" name="内容占位符 3"/>
+          <p:cNvPicPr>
+            <a:picLocks noGrp="1" noChangeAspect="1"/>
+          </p:cNvPicPr>
+          <p:nvPr>
+            <p:ph idx="1"/>
+          </p:nvPr>
+        </p:nvPicPr>
+        <p:blipFill>
+          <a:blip r:embed="rId2"/>
+          <a:stretch>
+            <a:fillRect/>
+          </a:stretch>
+        </p:blipFill>
+        <p:spPr>
+          <a:xfrm>
+            <a:off x="838200" y="1791252"/>
+            <a:ext cx="7568130" cy="1530498"/>
+          </a:xfrm>
+          <a:prstGeom prst="rect">
+            <a:avLst/>
+          </a:prstGeom>
+        </p:spPr>
+      </p:pic>
+      <p:pic>
+        <p:nvPicPr>
+          <p:cNvPr id="5" name="图片 4"/>
+          <p:cNvPicPr>
+            <a:picLocks noChangeAspect="1"/>
+          </p:cNvPicPr>
+          <p:nvPr/>
+        </p:nvPicPr>
+        <p:blipFill>
+          <a:blip r:embed="rId3"/>
+          <a:stretch>
+            <a:fillRect/>
+          </a:stretch>
+        </p:blipFill>
+        <p:spPr>
+          <a:xfrm>
+            <a:off x="838200" y="3645560"/>
+            <a:ext cx="6643512" cy="591160"/>
+          </a:xfrm>
+          <a:prstGeom prst="rect">
+            <a:avLst/>
+          </a:prstGeom>
+        </p:spPr>
+      </p:pic>
+      <p:pic>
+        <p:nvPicPr>
+          <p:cNvPr id="7" name="图片 6"/>
+          <p:cNvPicPr>
+            <a:picLocks noChangeAspect="1"/>
+          </p:cNvPicPr>
+          <p:nvPr/>
+        </p:nvPicPr>
+        <p:blipFill>
+          <a:blip r:embed="rId4"/>
+          <a:stretch>
+            <a:fillRect/>
+          </a:stretch>
+        </p:blipFill>
+        <p:spPr>
+          <a:xfrm>
+            <a:off x="838200" y="4462120"/>
+            <a:ext cx="6630972" cy="475640"/>
+          </a:xfrm>
+          <a:prstGeom prst="rect">
+            <a:avLst/>
+          </a:prstGeom>
+        </p:spPr>
+      </p:pic>
+    </p:spTree>
+    <p:extLst>
+      <p:ext uri="{BB962C8B-B14F-4D97-AF65-F5344CB8AC3E}">
+        <p14:creationId xmlns:p14="http://schemas.microsoft.com/office/powerpoint/2010/main" val="391162295"/>
+      </p:ext>
+    </p:extLst>
+  </p:cSld>
+  <p:clrMapOvr>
+    <a:masterClrMapping/>
+  </p:clrMapOvr>
+  <p:timing>
+    <p:tnLst>
+      <p:par>
+        <p:cTn id="1" dur="indefinite" restart="never" nodeType="tmRoot"/>
+      </p:par>
+    </p:tnLst>
+  </p:timing>
+</p:sld>
+</file>
+
+<file path=ppt/slides/slide51.xml><?xml version="1.0" encoding="utf-8"?>
+<p:sld xmlns:a="http://schemas.openxmlformats.org/drawingml/2006/main" xmlns:r="http://schemas.openxmlformats.org/officeDocument/2006/relationships" xmlns:p="http://schemas.openxmlformats.org/presentationml/2006/main">
+  <p:cSld>
+    <p:spTree>
+      <p:nvGrpSpPr>
+        <p:cNvPr id="1" name=""/>
+        <p:cNvGrpSpPr/>
+        <p:nvPr/>
+      </p:nvGrpSpPr>
+      <p:grpSpPr>
+        <a:xfrm>
+          <a:off x="0" y="0"/>
+          <a:ext cx="0" cy="0"/>
+          <a:chOff x="0" y="0"/>
+          <a:chExt cx="0" cy="0"/>
+        </a:xfrm>
+      </p:grpSpPr>
+      <p:sp>
+        <p:nvSpPr>
+          <p:cNvPr id="2" name="标题 1"/>
+          <p:cNvSpPr>
+            <a:spLocks noGrp="1"/>
+          </p:cNvSpPr>
+          <p:nvPr>
+            <p:ph type="title"/>
+          </p:nvPr>
+        </p:nvSpPr>
+        <p:spPr/>
+        <p:txBody>
+          <a:bodyPr/>
+          <a:lstStyle/>
+          <a:p>
+            <a:r>
+              <a:rPr lang="en-US" altLang="zh-CN" dirty="0" err="1" smtClean="0"/>
+              <a:t>AssetLoaderAsync</a:t>
+            </a:r>
+            <a:endParaRPr lang="zh-CN" altLang="en-US" dirty="0"/>
+          </a:p>
+        </p:txBody>
+      </p:sp>
+      <p:pic>
+        <p:nvPicPr>
+          <p:cNvPr id="4" name="内容占位符 3"/>
+          <p:cNvPicPr>
+            <a:picLocks noGrp="1" noChangeAspect="1"/>
+          </p:cNvPicPr>
+          <p:nvPr>
+            <p:ph idx="1"/>
+          </p:nvPr>
+        </p:nvPicPr>
+        <p:blipFill>
+          <a:blip r:embed="rId2"/>
+          <a:stretch>
+            <a:fillRect/>
+          </a:stretch>
+        </p:blipFill>
+        <p:spPr>
+          <a:xfrm>
+            <a:off x="1665638" y="1464665"/>
+            <a:ext cx="8636602" cy="4838843"/>
+          </a:xfrm>
+          <a:prstGeom prst="rect">
+            <a:avLst/>
+          </a:prstGeom>
+        </p:spPr>
+      </p:pic>
+    </p:spTree>
+    <p:extLst>
+      <p:ext uri="{BB962C8B-B14F-4D97-AF65-F5344CB8AC3E}">
+        <p14:creationId xmlns:p14="http://schemas.microsoft.com/office/powerpoint/2010/main" val="2904513438"/>
+      </p:ext>
+    </p:extLst>
+  </p:cSld>
+  <p:clrMapOvr>
+    <a:masterClrMapping/>
+  </p:clrMapOvr>
+</p:sld>
+</file>
+
+<file path=ppt/slides/slide52.xml><?xml version="1.0" encoding="utf-8"?>
+<p:sld xmlns:a="http://schemas.openxmlformats.org/drawingml/2006/main" xmlns:r="http://schemas.openxmlformats.org/officeDocument/2006/relationships" xmlns:p="http://schemas.openxmlformats.org/presentationml/2006/main">
+  <p:cSld>
+    <p:spTree>
+      <p:nvGrpSpPr>
+        <p:cNvPr id="1" name=""/>
+        <p:cNvGrpSpPr/>
+        <p:nvPr/>
+      </p:nvGrpSpPr>
+      <p:grpSpPr>
+        <a:xfrm>
+          <a:off x="0" y="0"/>
+          <a:ext cx="0" cy="0"/>
+          <a:chOff x="0" y="0"/>
+          <a:chExt cx="0" cy="0"/>
+        </a:xfrm>
+      </p:grpSpPr>
+      <p:sp>
+        <p:nvSpPr>
+          <p:cNvPr id="2" name="标题 1"/>
+          <p:cNvSpPr>
+            <a:spLocks noGrp="1"/>
+          </p:cNvSpPr>
+          <p:nvPr>
+            <p:ph type="title"/>
+          </p:nvPr>
+        </p:nvSpPr>
+        <p:spPr/>
+        <p:txBody>
+          <a:bodyPr/>
+          <a:lstStyle/>
+          <a:p>
+            <a:endParaRPr lang="zh-CN" altLang="en-US" dirty="0"/>
+          </a:p>
+        </p:txBody>
+      </p:sp>
+      <p:pic>
+        <p:nvPicPr>
+          <p:cNvPr id="6" name="内容占位符 5"/>
+          <p:cNvPicPr>
+            <a:picLocks noGrp="1" noChangeAspect="1"/>
+          </p:cNvPicPr>
+          <p:nvPr>
+            <p:ph idx="1"/>
+          </p:nvPr>
+        </p:nvPicPr>
+        <p:blipFill>
+          <a:blip r:embed="rId2"/>
+          <a:stretch>
+            <a:fillRect/>
+          </a:stretch>
+        </p:blipFill>
+        <p:spPr>
+          <a:xfrm>
+            <a:off x="838200" y="1857171"/>
+            <a:ext cx="4743547" cy="4858621"/>
+          </a:xfrm>
+          <a:prstGeom prst="rect">
+            <a:avLst/>
+          </a:prstGeom>
+        </p:spPr>
+      </p:pic>
+      <p:pic>
+        <p:nvPicPr>
+          <p:cNvPr id="4" name="图片 3"/>
+          <p:cNvPicPr>
+            <a:picLocks noChangeAspect="1"/>
+          </p:cNvPicPr>
+          <p:nvPr/>
+        </p:nvPicPr>
+        <p:blipFill>
+          <a:blip r:embed="rId3"/>
+          <a:stretch>
+            <a:fillRect/>
+          </a:stretch>
+        </p:blipFill>
+        <p:spPr>
+          <a:xfrm>
+            <a:off x="838200" y="495661"/>
+            <a:ext cx="7091804" cy="532245"/>
+          </a:xfrm>
+          <a:prstGeom prst="rect">
+            <a:avLst/>
+          </a:prstGeom>
+        </p:spPr>
+      </p:pic>
+      <p:pic>
+        <p:nvPicPr>
+          <p:cNvPr id="5" name="图片 4"/>
+          <p:cNvPicPr>
+            <a:picLocks noChangeAspect="1"/>
+          </p:cNvPicPr>
+          <p:nvPr/>
+        </p:nvPicPr>
+        <p:blipFill>
+          <a:blip r:embed="rId4"/>
+          <a:stretch>
+            <a:fillRect/>
+          </a:stretch>
+        </p:blipFill>
+        <p:spPr>
+          <a:xfrm>
+            <a:off x="838200" y="1194389"/>
+            <a:ext cx="6999054" cy="551793"/>
+          </a:xfrm>
+          <a:prstGeom prst="rect">
+            <a:avLst/>
+          </a:prstGeom>
+        </p:spPr>
+      </p:pic>
+    </p:spTree>
+    <p:extLst>
+      <p:ext uri="{BB962C8B-B14F-4D97-AF65-F5344CB8AC3E}">
+        <p14:creationId xmlns:p14="http://schemas.microsoft.com/office/powerpoint/2010/main" val="4094691165"/>
+      </p:ext>
+    </p:extLst>
+  </p:cSld>
+  <p:clrMapOvr>
+    <a:masterClrMapping/>
+  </p:clrMapOvr>
+  <p:timing>
+    <p:tnLst>
+      <p:par>
+        <p:cTn id="1" dur="indefinite" restart="never" nodeType="tmRoot"/>
+      </p:par>
+    </p:tnLst>
+  </p:timing>
+</p:sld>
+</file>
+
+<file path=ppt/slides/slide53.xml><?xml version="1.0" encoding="utf-8"?>
+<p:sld xmlns:a="http://schemas.openxmlformats.org/drawingml/2006/main" xmlns:r="http://schemas.openxmlformats.org/officeDocument/2006/relationships" xmlns:p="http://schemas.openxmlformats.org/presentationml/2006/main">
+  <p:cSld>
+    <p:spTree>
+      <p:nvGrpSpPr>
+        <p:cNvPr id="1" name=""/>
+        <p:cNvGrpSpPr/>
+        <p:nvPr/>
+      </p:nvGrpSpPr>
+      <p:grpSpPr>
+        <a:xfrm>
+          <a:off x="0" y="0"/>
+          <a:ext cx="0" cy="0"/>
+          <a:chOff x="0" y="0"/>
+          <a:chExt cx="0" cy="0"/>
+        </a:xfrm>
+      </p:grpSpPr>
+      <p:sp>
+        <p:nvSpPr>
+          <p:cNvPr id="2" name="标题 1"/>
+          <p:cNvSpPr>
+            <a:spLocks noGrp="1"/>
+          </p:cNvSpPr>
+          <p:nvPr>
+            <p:ph type="title"/>
+          </p:nvPr>
+        </p:nvSpPr>
+        <p:spPr/>
+        <p:txBody>
+          <a:bodyPr/>
+          <a:lstStyle/>
+          <a:p>
+            <a:r>
+              <a:rPr lang="en-US" altLang="zh-CN" dirty="0" err="1" smtClean="0"/>
+              <a:t>GameObjectLoader</a:t>
+            </a:r>
+            <a:r>
+              <a:rPr lang="en-US" altLang="zh-CN" dirty="0" smtClean="0"/>
+              <a:t> &amp; </a:t>
+            </a:r>
+            <a:r>
+              <a:rPr lang="en-US" altLang="zh-CN" dirty="0" err="1" smtClean="0"/>
+              <a:t>GameObjectLoaderAsync</a:t>
+            </a:r>
+            <a:endParaRPr lang="zh-CN" altLang="en-US" dirty="0"/>
+          </a:p>
+        </p:txBody>
+      </p:sp>
+      <p:pic>
+        <p:nvPicPr>
+          <p:cNvPr id="4" name="内容占位符 3"/>
+          <p:cNvPicPr>
+            <a:picLocks noGrp="1" noChangeAspect="1"/>
+          </p:cNvPicPr>
+          <p:nvPr>
+            <p:ph idx="1"/>
+          </p:nvPr>
+        </p:nvPicPr>
+        <p:blipFill>
+          <a:blip r:embed="rId2"/>
+          <a:stretch>
+            <a:fillRect/>
+          </a:stretch>
+        </p:blipFill>
+        <p:spPr>
+          <a:xfrm>
+            <a:off x="838200" y="1916603"/>
+            <a:ext cx="6788170" cy="1296352"/>
+          </a:xfrm>
+          <a:prstGeom prst="rect">
+            <a:avLst/>
+          </a:prstGeom>
+        </p:spPr>
+      </p:pic>
+      <p:pic>
+        <p:nvPicPr>
+          <p:cNvPr id="5" name="图片 4"/>
+          <p:cNvPicPr>
+            <a:picLocks noChangeAspect="1"/>
+          </p:cNvPicPr>
+          <p:nvPr/>
+        </p:nvPicPr>
+        <p:blipFill>
+          <a:blip r:embed="rId3"/>
+          <a:stretch>
+            <a:fillRect/>
+          </a:stretch>
+        </p:blipFill>
+        <p:spPr>
+          <a:xfrm>
+            <a:off x="838200" y="3438870"/>
+            <a:ext cx="6084278" cy="614970"/>
+          </a:xfrm>
+          <a:prstGeom prst="rect">
+            <a:avLst/>
+          </a:prstGeom>
+        </p:spPr>
+      </p:pic>
+      <p:pic>
+        <p:nvPicPr>
+          <p:cNvPr id="6" name="图片 5"/>
+          <p:cNvPicPr>
+            <a:picLocks noChangeAspect="1"/>
+          </p:cNvPicPr>
+          <p:nvPr/>
+        </p:nvPicPr>
+        <p:blipFill>
+          <a:blip r:embed="rId4"/>
+          <a:stretch>
+            <a:fillRect/>
+          </a:stretch>
+        </p:blipFill>
+        <p:spPr>
+          <a:xfrm>
+            <a:off x="838200" y="4181348"/>
+            <a:ext cx="6084278" cy="648643"/>
+          </a:xfrm>
+          <a:prstGeom prst="rect">
+            <a:avLst/>
+          </a:prstGeom>
+        </p:spPr>
+      </p:pic>
+    </p:spTree>
+    <p:extLst>
+      <p:ext uri="{BB962C8B-B14F-4D97-AF65-F5344CB8AC3E}">
+        <p14:creationId xmlns:p14="http://schemas.microsoft.com/office/powerpoint/2010/main" val="549569501"/>
+      </p:ext>
+    </p:extLst>
+  </p:cSld>
+  <p:clrMapOvr>
+    <a:masterClrMapping/>
+  </p:clrMapOvr>
+</p:sld>
+</file>
+
+<file path=ppt/slides/slide54.xml><?xml version="1.0" encoding="utf-8"?>
+<p:sld xmlns:a="http://schemas.openxmlformats.org/drawingml/2006/main" xmlns:r="http://schemas.openxmlformats.org/officeDocument/2006/relationships" xmlns:p="http://schemas.openxmlformats.org/presentationml/2006/main">
+  <p:cSld>
+    <p:spTree>
+      <p:nvGrpSpPr>
+        <p:cNvPr id="1" name=""/>
+        <p:cNvGrpSpPr/>
+        <p:nvPr/>
+      </p:nvGrpSpPr>
+      <p:grpSpPr>
+        <a:xfrm>
+          <a:off x="0" y="0"/>
+          <a:ext cx="0" cy="0"/>
+          <a:chOff x="0" y="0"/>
+          <a:chExt cx="0" cy="0"/>
+        </a:xfrm>
+      </p:grpSpPr>
+      <p:sp>
+        <p:nvSpPr>
+          <p:cNvPr id="2" name="标题 1"/>
+          <p:cNvSpPr>
+            <a:spLocks noGrp="1"/>
+          </p:cNvSpPr>
+          <p:nvPr>
+            <p:ph type="title"/>
+          </p:nvPr>
+        </p:nvSpPr>
+        <p:spPr/>
+        <p:txBody>
+          <a:bodyPr/>
+          <a:lstStyle/>
+          <a:p>
+            <a:r>
+              <a:rPr lang="en-US" altLang="zh-CN" dirty="0" err="1" smtClean="0"/>
+              <a:t>SceneLoader</a:t>
+            </a:r>
+            <a:r>
+              <a:rPr lang="en-US" altLang="zh-CN" dirty="0" smtClean="0"/>
+              <a:t> &amp; </a:t>
+            </a:r>
+            <a:r>
+              <a:rPr lang="en-US" altLang="zh-CN" dirty="0" err="1" smtClean="0"/>
+              <a:t>SceneLoaderAsync</a:t>
+            </a:r>
+            <a:endParaRPr lang="zh-CN" altLang="en-US" dirty="0"/>
+          </a:p>
+        </p:txBody>
+      </p:sp>
+      <p:sp>
+        <p:nvSpPr>
+          <p:cNvPr id="3" name="内容占位符 2"/>
+          <p:cNvSpPr>
+            <a:spLocks noGrp="1"/>
+          </p:cNvSpPr>
+          <p:nvPr>
+            <p:ph idx="1"/>
+          </p:nvPr>
+        </p:nvSpPr>
+        <p:spPr/>
+        <p:txBody>
+          <a:bodyPr/>
+          <a:lstStyle/>
+          <a:p>
+            <a:r>
+              <a:rPr lang="zh-CN" altLang="en-US" dirty="0" smtClean="0"/>
+              <a:t>“静态场景”</a:t>
+            </a:r>
+            <a:endParaRPr lang="zh-CN" altLang="en-US" dirty="0"/>
+          </a:p>
+          <a:p>
+            <a:pPr lvl="1"/>
+            <a:r>
+              <a:rPr lang="zh-CN" altLang="en-US" dirty="0"/>
+              <a:t>必须添加至</a:t>
+            </a:r>
+            <a:r>
+              <a:rPr lang="en-US" altLang="zh-CN" dirty="0"/>
+              <a:t>Build Settings</a:t>
+            </a:r>
+          </a:p>
+          <a:p>
+            <a:pPr lvl="1"/>
+            <a:r>
+              <a:rPr lang="zh-CN" altLang="en-US" dirty="0"/>
+              <a:t>调用方式：</a:t>
+            </a:r>
+            <a:r>
+              <a:rPr lang="en-US" altLang="zh-CN" dirty="0" err="1"/>
+              <a:t>LoadScene</a:t>
+            </a:r>
+            <a:r>
+              <a:rPr lang="en-US" altLang="zh-CN" dirty="0"/>
+              <a:t>(</a:t>
+            </a:r>
+            <a:r>
+              <a:rPr lang="en-US" altLang="zh-CN" dirty="0" err="1"/>
+              <a:t>sceneName</a:t>
+            </a:r>
+            <a:r>
+              <a:rPr lang="en-US" altLang="zh-CN" dirty="0"/>
+              <a:t>) OR </a:t>
+            </a:r>
+            <a:r>
+              <a:rPr lang="en-US" altLang="zh-CN" dirty="0" err="1"/>
+              <a:t>LoadScene</a:t>
+            </a:r>
+            <a:r>
+              <a:rPr lang="en-US" altLang="zh-CN" dirty="0"/>
+              <a:t>(</a:t>
+            </a:r>
+            <a:r>
+              <a:rPr lang="en-US" altLang="zh-CN" dirty="0" err="1"/>
+              <a:t>scenePath</a:t>
+            </a:r>
+            <a:r>
+              <a:rPr lang="en-US" altLang="zh-CN" dirty="0"/>
+              <a:t>)</a:t>
+            </a:r>
+            <a:r>
+              <a:rPr lang="zh-CN" altLang="en-US" dirty="0"/>
+              <a:t>，前者不带后缀名，</a:t>
+            </a:r>
+            <a:r>
+              <a:rPr lang="zh-CN" altLang="en-US" dirty="0" smtClean="0"/>
+              <a:t>后者</a:t>
+            </a:r>
+            <a:r>
+              <a:rPr lang="zh-CN" altLang="en-US" dirty="0"/>
+              <a:t>必须</a:t>
+            </a:r>
+            <a:r>
+              <a:rPr lang="zh-CN" altLang="en-US" dirty="0" smtClean="0"/>
+              <a:t>带</a:t>
+            </a:r>
+            <a:r>
+              <a:rPr lang="zh-CN" altLang="en-US" dirty="0"/>
+              <a:t>后缀名</a:t>
+            </a:r>
+          </a:p>
+          <a:p>
+            <a:pPr lvl="1"/>
+            <a:r>
+              <a:rPr lang="en-US" altLang="zh-CN" dirty="0" err="1"/>
+              <a:t>sceneName</a:t>
+            </a:r>
+            <a:r>
+              <a:rPr lang="en-US" altLang="zh-CN" dirty="0"/>
+              <a:t> or </a:t>
+            </a:r>
+            <a:r>
+              <a:rPr lang="en-US" altLang="zh-CN" dirty="0" err="1"/>
+              <a:t>scenePath</a:t>
+            </a:r>
+            <a:r>
+              <a:rPr lang="zh-CN" altLang="en-US" dirty="0"/>
+              <a:t>大小写均</a:t>
+            </a:r>
+            <a:r>
+              <a:rPr lang="zh-CN" altLang="en-US" dirty="0">
+                <a:solidFill>
+                  <a:srgbClr val="FF0000"/>
+                </a:solidFill>
+              </a:rPr>
+              <a:t>不敏感</a:t>
+            </a:r>
+          </a:p>
+          <a:p>
+            <a:pPr lvl="1"/>
+            <a:r>
+              <a:rPr lang="zh-CN" altLang="en-US" dirty="0"/>
+              <a:t>不可热</a:t>
+            </a:r>
+            <a:r>
+              <a:rPr lang="zh-CN" altLang="en-US" dirty="0" smtClean="0"/>
+              <a:t>更</a:t>
+            </a:r>
+            <a:br>
+              <a:rPr lang="zh-CN" altLang="en-US" dirty="0" smtClean="0"/>
+            </a:br>
+            <a:endParaRPr lang="zh-CN" altLang="en-US" dirty="0"/>
+          </a:p>
+        </p:txBody>
+      </p:sp>
+    </p:spTree>
+    <p:extLst>
+      <p:ext uri="{BB962C8B-B14F-4D97-AF65-F5344CB8AC3E}">
+        <p14:creationId xmlns:p14="http://schemas.microsoft.com/office/powerpoint/2010/main" val="2342363084"/>
+      </p:ext>
+    </p:extLst>
+  </p:cSld>
+  <p:clrMapOvr>
+    <a:masterClrMapping/>
+  </p:clrMapOvr>
+</p:sld>
+</file>
+
+<file path=ppt/slides/slide55.xml><?xml version="1.0" encoding="utf-8"?>
+<p:sld xmlns:a="http://schemas.openxmlformats.org/drawingml/2006/main" xmlns:r="http://schemas.openxmlformats.org/officeDocument/2006/relationships" xmlns:p="http://schemas.openxmlformats.org/presentationml/2006/main">
+  <p:cSld>
+    <p:spTree>
+      <p:nvGrpSpPr>
+        <p:cNvPr id="1" name=""/>
+        <p:cNvGrpSpPr/>
+        <p:nvPr/>
+      </p:nvGrpSpPr>
+      <p:grpSpPr>
+        <a:xfrm>
+          <a:off x="0" y="0"/>
+          <a:ext cx="0" cy="0"/>
+          <a:chOff x="0" y="0"/>
+          <a:chExt cx="0" cy="0"/>
+        </a:xfrm>
+      </p:grpSpPr>
+      <p:sp>
+        <p:nvSpPr>
+          <p:cNvPr id="2" name="标题 1"/>
+          <p:cNvSpPr>
+            <a:spLocks noGrp="1"/>
+          </p:cNvSpPr>
+          <p:nvPr>
+            <p:ph type="title"/>
+          </p:nvPr>
+        </p:nvSpPr>
+        <p:spPr/>
+        <p:txBody>
+          <a:bodyPr/>
+          <a:lstStyle/>
+          <a:p>
+            <a:endParaRPr lang="zh-CN" altLang="en-US"/>
+          </a:p>
+        </p:txBody>
+      </p:sp>
+      <p:sp>
+        <p:nvSpPr>
+          <p:cNvPr id="3" name="内容占位符 2"/>
+          <p:cNvSpPr>
+            <a:spLocks noGrp="1"/>
+          </p:cNvSpPr>
+          <p:nvPr>
+            <p:ph idx="1"/>
+          </p:nvPr>
+        </p:nvSpPr>
+        <p:spPr/>
+        <p:txBody>
+          <a:bodyPr/>
+          <a:lstStyle/>
+          <a:p>
+            <a:r>
+              <a:rPr lang="zh-CN" altLang="en-US" dirty="0" smtClean="0"/>
+              <a:t>“动态场景”</a:t>
+            </a:r>
+            <a:endParaRPr lang="en-US" altLang="zh-CN" dirty="0" smtClean="0"/>
+          </a:p>
+          <a:p>
+            <a:pPr lvl="1"/>
+            <a:r>
+              <a:rPr lang="zh-CN" altLang="en-US" dirty="0"/>
+              <a:t>无需加入</a:t>
+            </a:r>
+            <a:r>
+              <a:rPr lang="en-US" altLang="zh-CN" dirty="0"/>
+              <a:t>Build Settings</a:t>
+            </a:r>
+          </a:p>
+          <a:p>
+            <a:pPr lvl="1"/>
+            <a:r>
+              <a:rPr lang="zh-CN" altLang="en-US" dirty="0"/>
+              <a:t>调用</a:t>
+            </a:r>
+            <a:r>
+              <a:rPr lang="en-US" altLang="zh-CN" dirty="0" err="1"/>
+              <a:t>LoadScene</a:t>
+            </a:r>
+            <a:r>
+              <a:rPr lang="zh-CN" altLang="en-US" dirty="0"/>
+              <a:t>之前必须把场景所在</a:t>
+            </a:r>
+            <a:r>
+              <a:rPr lang="en-US" altLang="zh-CN" dirty="0"/>
+              <a:t>AB</a:t>
+            </a:r>
+            <a:r>
+              <a:rPr lang="zh-CN" altLang="en-US" dirty="0"/>
+              <a:t>及依赖</a:t>
+            </a:r>
+            <a:r>
+              <a:rPr lang="en-US" altLang="zh-CN" dirty="0"/>
+              <a:t>AB</a:t>
+            </a:r>
+            <a:r>
+              <a:rPr lang="zh-CN" altLang="en-US" dirty="0"/>
+              <a:t>先载入</a:t>
+            </a:r>
+          </a:p>
+          <a:p>
+            <a:pPr lvl="1"/>
+            <a:r>
+              <a:rPr lang="zh-CN" altLang="en-US" dirty="0"/>
+              <a:t>调用方式：</a:t>
+            </a:r>
+            <a:r>
+              <a:rPr lang="en-US" altLang="zh-CN" dirty="0" err="1"/>
+              <a:t>LoadScene</a:t>
+            </a:r>
+            <a:r>
+              <a:rPr lang="en-US" altLang="zh-CN" dirty="0"/>
+              <a:t>(</a:t>
+            </a:r>
+            <a:r>
+              <a:rPr lang="en-US" altLang="zh-CN" dirty="0" err="1"/>
+              <a:t>sceneName</a:t>
+            </a:r>
+            <a:r>
+              <a:rPr lang="en-US" altLang="zh-CN" dirty="0"/>
+              <a:t>) OR </a:t>
+            </a:r>
+            <a:r>
+              <a:rPr lang="en-US" altLang="zh-CN" dirty="0" err="1"/>
+              <a:t>LoadScene</a:t>
+            </a:r>
+            <a:r>
+              <a:rPr lang="en-US" altLang="zh-CN" dirty="0"/>
+              <a:t>(</a:t>
+            </a:r>
+            <a:r>
+              <a:rPr lang="en-US" altLang="zh-CN" dirty="0" err="1"/>
+              <a:t>scenePath</a:t>
+            </a:r>
+            <a:r>
+              <a:rPr lang="en-US" altLang="zh-CN" dirty="0"/>
+              <a:t>)</a:t>
+            </a:r>
+            <a:r>
+              <a:rPr lang="zh-CN" altLang="en-US" dirty="0"/>
+              <a:t>，前者不带后缀名，</a:t>
+            </a:r>
+            <a:r>
+              <a:rPr lang="zh-CN" altLang="en-US" dirty="0" smtClean="0"/>
+              <a:t>后者可带可不带后缀</a:t>
+            </a:r>
+            <a:r>
+              <a:rPr lang="zh-CN" altLang="en-US" dirty="0"/>
+              <a:t>名</a:t>
+            </a:r>
+          </a:p>
+          <a:p>
+            <a:pPr lvl="1"/>
+            <a:r>
+              <a:rPr lang="en-US" altLang="zh-CN" dirty="0" err="1"/>
+              <a:t>sceneName</a:t>
+            </a:r>
+            <a:r>
+              <a:rPr lang="en-US" altLang="zh-CN" dirty="0"/>
+              <a:t> or </a:t>
+            </a:r>
+            <a:r>
+              <a:rPr lang="en-US" altLang="zh-CN" dirty="0" err="1"/>
+              <a:t>scenePath</a:t>
+            </a:r>
+            <a:r>
+              <a:rPr lang="zh-CN" altLang="en-US" dirty="0"/>
+              <a:t>大小写均</a:t>
+            </a:r>
+            <a:r>
+              <a:rPr lang="zh-CN" altLang="en-US" dirty="0">
+                <a:solidFill>
+                  <a:srgbClr val="FF0000"/>
+                </a:solidFill>
+              </a:rPr>
+              <a:t>敏感</a:t>
+            </a:r>
+          </a:p>
+          <a:p>
+            <a:pPr lvl="1"/>
+            <a:r>
+              <a:rPr lang="zh-CN" altLang="en-US" dirty="0"/>
+              <a:t>可热更</a:t>
+            </a:r>
+          </a:p>
+          <a:p>
+            <a:pPr lvl="1"/>
+            <a:endParaRPr lang="zh-CN" altLang="en-US" dirty="0"/>
+          </a:p>
+        </p:txBody>
+      </p:sp>
+    </p:spTree>
+    <p:extLst>
+      <p:ext uri="{BB962C8B-B14F-4D97-AF65-F5344CB8AC3E}">
+        <p14:creationId xmlns:p14="http://schemas.microsoft.com/office/powerpoint/2010/main" val="819282293"/>
+      </p:ext>
+    </p:extLst>
+  </p:cSld>
+  <p:clrMapOvr>
+    <a:masterClrMapping/>
+  </p:clrMapOvr>
+</p:sld>
+</file>
+
+<file path=ppt/slides/slide56.xml><?xml version="1.0" encoding="utf-8"?>
+<p:sld xmlns:a="http://schemas.openxmlformats.org/drawingml/2006/main" xmlns:r="http://schemas.openxmlformats.org/officeDocument/2006/relationships" xmlns:p="http://schemas.openxmlformats.org/presentationml/2006/main">
+  <p:cSld>
+    <p:spTree>
+      <p:nvGrpSpPr>
+        <p:cNvPr id="1" name=""/>
+        <p:cNvGrpSpPr/>
+        <p:nvPr/>
+      </p:nvGrpSpPr>
+      <p:grpSpPr>
+        <a:xfrm>
+          <a:off x="0" y="0"/>
+          <a:ext cx="0" cy="0"/>
+          <a:chOff x="0" y="0"/>
+          <a:chExt cx="0" cy="0"/>
+        </a:xfrm>
+      </p:grpSpPr>
+      <p:sp>
+        <p:nvSpPr>
+          <p:cNvPr id="2" name="标题 1"/>
+          <p:cNvSpPr>
+            <a:spLocks noGrp="1"/>
+          </p:cNvSpPr>
+          <p:nvPr>
+            <p:ph type="title"/>
+          </p:nvPr>
+        </p:nvSpPr>
+        <p:spPr/>
+        <p:txBody>
+          <a:bodyPr/>
+          <a:lstStyle/>
+          <a:p>
+            <a:endParaRPr lang="zh-CN" altLang="en-US"/>
+          </a:p>
+        </p:txBody>
+      </p:sp>
+      <p:sp>
+        <p:nvSpPr>
+          <p:cNvPr id="3" name="内容占位符 2"/>
+          <p:cNvSpPr>
+            <a:spLocks noGrp="1"/>
+          </p:cNvSpPr>
+          <p:nvPr>
+            <p:ph idx="1"/>
+          </p:nvPr>
+        </p:nvSpPr>
+        <p:spPr/>
+        <p:txBody>
+          <a:bodyPr/>
+          <a:lstStyle/>
+          <a:p>
+            <a:endParaRPr lang="zh-CN" altLang="en-US" dirty="0"/>
+          </a:p>
+        </p:txBody>
+      </p:sp>
+      <p:pic>
+        <p:nvPicPr>
+          <p:cNvPr id="4" name="图片 3"/>
+          <p:cNvPicPr>
+            <a:picLocks noChangeAspect="1"/>
+          </p:cNvPicPr>
+          <p:nvPr/>
+        </p:nvPicPr>
+        <p:blipFill>
+          <a:blip r:embed="rId2"/>
+          <a:stretch>
+            <a:fillRect/>
+          </a:stretch>
+        </p:blipFill>
+        <p:spPr>
+          <a:xfrm>
+            <a:off x="462280" y="1825625"/>
+            <a:ext cx="11978010" cy="2563495"/>
+          </a:xfrm>
+          <a:prstGeom prst="rect">
+            <a:avLst/>
+          </a:prstGeom>
+        </p:spPr>
+      </p:pic>
+    </p:spTree>
+    <p:extLst>
+      <p:ext uri="{BB962C8B-B14F-4D97-AF65-F5344CB8AC3E}">
+        <p14:creationId xmlns:p14="http://schemas.microsoft.com/office/powerpoint/2010/main" val="2163307624"/>
+      </p:ext>
+    </p:extLst>
+  </p:cSld>
+  <p:clrMapOvr>
+    <a:masterClrMapping/>
+  </p:clrMapOvr>
+  <p:timing>
+    <p:tnLst>
+      <p:par>
+        <p:cTn id="1" dur="indefinite" restart="never" nodeType="tmRoot"/>
+      </p:par>
+    </p:tnLst>
+  </p:timing>
+</p:sld>
+</file>
+
+<file path=ppt/slides/slide57.xml><?xml version="1.0" encoding="utf-8"?>
+<p:sld xmlns:a="http://schemas.openxmlformats.org/drawingml/2006/main" xmlns:r="http://schemas.openxmlformats.org/officeDocument/2006/relationships" xmlns:p="http://schemas.openxmlformats.org/presentationml/2006/main">
+  <p:cSld>
+    <p:spTree>
+      <p:nvGrpSpPr>
+        <p:cNvPr id="1" name=""/>
+        <p:cNvGrpSpPr/>
+        <p:nvPr/>
+      </p:nvGrpSpPr>
+      <p:grpSpPr>
+        <a:xfrm>
+          <a:off x="0" y="0"/>
+          <a:ext cx="0" cy="0"/>
+          <a:chOff x="0" y="0"/>
+          <a:chExt cx="0" cy="0"/>
+        </a:xfrm>
+      </p:grpSpPr>
+      <p:sp>
+        <p:nvSpPr>
+          <p:cNvPr id="2" name="标题 1"/>
+          <p:cNvSpPr>
+            <a:spLocks noGrp="1"/>
+          </p:cNvSpPr>
+          <p:nvPr>
+            <p:ph type="title"/>
+          </p:nvPr>
+        </p:nvSpPr>
+        <p:spPr/>
+        <p:txBody>
+          <a:bodyPr/>
+          <a:lstStyle/>
+          <a:p>
+            <a:r>
+              <a:rPr lang="en-US" altLang="zh-CN" dirty="0" err="1" smtClean="0"/>
+              <a:t>AssetManager</a:t>
+            </a:r>
+            <a:endParaRPr lang="zh-CN" altLang="en-US" dirty="0"/>
+          </a:p>
+        </p:txBody>
+      </p:sp>
+      <p:sp>
+        <p:nvSpPr>
+          <p:cNvPr id="3" name="内容占位符 2"/>
+          <p:cNvSpPr>
+            <a:spLocks noGrp="1"/>
+          </p:cNvSpPr>
+          <p:nvPr>
+            <p:ph idx="1"/>
+          </p:nvPr>
+        </p:nvSpPr>
+        <p:spPr/>
+        <p:txBody>
+          <a:bodyPr/>
+          <a:lstStyle/>
+          <a:p>
+            <a:r>
+              <a:rPr lang="en-US" altLang="zh-CN" dirty="0" smtClean="0"/>
+              <a:t>Façade Pattern</a:t>
+            </a:r>
+            <a:endParaRPr lang="zh-CN" altLang="en-US" dirty="0"/>
+          </a:p>
+        </p:txBody>
+      </p:sp>
+      <p:pic>
+        <p:nvPicPr>
+          <p:cNvPr id="4" name="图片 3"/>
+          <p:cNvPicPr>
+            <a:picLocks noChangeAspect="1"/>
+          </p:cNvPicPr>
+          <p:nvPr/>
+        </p:nvPicPr>
+        <p:blipFill>
+          <a:blip r:embed="rId3"/>
+          <a:stretch>
+            <a:fillRect/>
+          </a:stretch>
+        </p:blipFill>
+        <p:spPr>
+          <a:xfrm>
+            <a:off x="1206625" y="2356665"/>
+            <a:ext cx="9969376" cy="4052155"/>
+          </a:xfrm>
+          <a:prstGeom prst="rect">
+            <a:avLst/>
+          </a:prstGeom>
+        </p:spPr>
+      </p:pic>
+    </p:spTree>
+    <p:extLst>
+      <p:ext uri="{BB962C8B-B14F-4D97-AF65-F5344CB8AC3E}">
+        <p14:creationId xmlns:p14="http://schemas.microsoft.com/office/powerpoint/2010/main" val="1956995533"/>
+      </p:ext>
+    </p:extLst>
+  </p:cSld>
+  <p:clrMapOvr>
+    <a:masterClrMapping/>
+  </p:clrMapOvr>
+  <p:timing>
+    <p:tnLst>
+      <p:par>
+        <p:cTn id="1" dur="indefinite" restart="never" nodeType="tmRoot"/>
+      </p:par>
+    </p:tnLst>
+  </p:timing>
+</p:sld>
+</file>
+
+<file path=ppt/slides/slide58.xml><?xml version="1.0" encoding="utf-8"?>
+<p:sld xmlns:a="http://schemas.openxmlformats.org/drawingml/2006/main" xmlns:r="http://schemas.openxmlformats.org/officeDocument/2006/relationships" xmlns:p="http://schemas.openxmlformats.org/presentationml/2006/main">
+  <p:cSld>
+    <p:spTree>
+      <p:nvGrpSpPr>
+        <p:cNvPr id="1" name=""/>
+        <p:cNvGrpSpPr/>
+        <p:nvPr/>
+      </p:nvGrpSpPr>
+      <p:grpSpPr>
+        <a:xfrm>
+          <a:off x="0" y="0"/>
+          <a:ext cx="0" cy="0"/>
+          <a:chOff x="0" y="0"/>
+          <a:chExt cx="0" cy="0"/>
+        </a:xfrm>
+      </p:grpSpPr>
+      <p:sp>
+        <p:nvSpPr>
+          <p:cNvPr id="2" name="标题 1"/>
+          <p:cNvSpPr>
+            <a:spLocks noGrp="1"/>
+          </p:cNvSpPr>
+          <p:nvPr>
+            <p:ph type="title"/>
+          </p:nvPr>
+        </p:nvSpPr>
+        <p:spPr/>
+        <p:txBody>
+          <a:bodyPr/>
+          <a:lstStyle/>
+          <a:p>
+            <a:r>
+              <a:rPr lang="en-US" altLang="zh-CN" dirty="0" err="1" smtClean="0"/>
+              <a:t>AssetManagerEditor</a:t>
+            </a:r>
+            <a:endParaRPr lang="zh-CN" altLang="en-US" dirty="0"/>
+          </a:p>
+        </p:txBody>
+      </p:sp>
+      <p:pic>
+        <p:nvPicPr>
+          <p:cNvPr id="4" name="内容占位符 3"/>
+          <p:cNvPicPr>
+            <a:picLocks noGrp="1" noChangeAspect="1"/>
+          </p:cNvPicPr>
+          <p:nvPr>
+            <p:ph idx="1"/>
+          </p:nvPr>
+        </p:nvPicPr>
+        <p:blipFill>
+          <a:blip r:embed="rId2"/>
+          <a:stretch>
+            <a:fillRect/>
+          </a:stretch>
+        </p:blipFill>
+        <p:spPr>
+          <a:xfrm>
+            <a:off x="5989320" y="108584"/>
+            <a:ext cx="5979160" cy="6671143"/>
+          </a:xfrm>
+          <a:prstGeom prst="rect">
+            <a:avLst/>
+          </a:prstGeom>
+        </p:spPr>
+      </p:pic>
+    </p:spTree>
+    <p:extLst>
+      <p:ext uri="{BB962C8B-B14F-4D97-AF65-F5344CB8AC3E}">
+        <p14:creationId xmlns:p14="http://schemas.microsoft.com/office/powerpoint/2010/main" val="571189909"/>
+      </p:ext>
+    </p:extLst>
+  </p:cSld>
+  <p:clrMapOvr>
+    <a:masterClrMapping/>
+  </p:clrMapOvr>
+  <p:timing>
+    <p:tnLst>
+      <p:par>
+        <p:cTn id="1" dur="indefinite" restart="never" nodeType="tmRoot"/>
+      </p:par>
+    </p:tnLst>
+  </p:timing>
+</p:sld>
+</file>
+
+<file path=ppt/slides/slide59.xml><?xml version="1.0" encoding="utf-8"?>
+<p:sld xmlns:a="http://schemas.openxmlformats.org/drawingml/2006/main" xmlns:r="http://schemas.openxmlformats.org/officeDocument/2006/relationships" xmlns:p="http://schemas.openxmlformats.org/presentationml/2006/main">
+  <p:cSld>
+    <p:spTree>
+      <p:nvGrpSpPr>
+        <p:cNvPr id="1" name=""/>
+        <p:cNvGrpSpPr/>
+        <p:nvPr/>
+      </p:nvGrpSpPr>
+      <p:grpSpPr>
+        <a:xfrm>
+          <a:off x="0" y="0"/>
+          <a:ext cx="0" cy="0"/>
+          <a:chOff x="0" y="0"/>
+          <a:chExt cx="0" cy="0"/>
+        </a:xfrm>
+      </p:grpSpPr>
+      <p:sp>
+        <p:nvSpPr>
+          <p:cNvPr id="2" name="标题 1"/>
+          <p:cNvSpPr>
+            <a:spLocks noGrp="1"/>
+          </p:cNvSpPr>
+          <p:nvPr>
+            <p:ph type="title"/>
+          </p:nvPr>
+        </p:nvSpPr>
+        <p:spPr/>
+        <p:txBody>
+          <a:bodyPr/>
+          <a:lstStyle/>
+          <a:p>
+            <a:r>
+              <a:rPr lang="en-US" altLang="zh-CN" dirty="0" err="1" smtClean="0"/>
+              <a:t>ResourceManager</a:t>
+            </a:r>
+            <a:endParaRPr lang="zh-CN" altLang="en-US" dirty="0"/>
+          </a:p>
+        </p:txBody>
+      </p:sp>
+      <p:sp>
+        <p:nvSpPr>
+          <p:cNvPr id="3" name="内容占位符 2"/>
+          <p:cNvSpPr>
+            <a:spLocks noGrp="1"/>
+          </p:cNvSpPr>
+          <p:nvPr>
+            <p:ph idx="1"/>
+          </p:nvPr>
+        </p:nvSpPr>
+        <p:spPr/>
+        <p:txBody>
+          <a:bodyPr/>
+          <a:lstStyle/>
+          <a:p>
+            <a:endParaRPr lang="zh-CN" altLang="en-US" dirty="0"/>
+          </a:p>
+        </p:txBody>
+      </p:sp>
+    </p:spTree>
+    <p:extLst>
+      <p:ext uri="{BB962C8B-B14F-4D97-AF65-F5344CB8AC3E}">
+        <p14:creationId xmlns:p14="http://schemas.microsoft.com/office/powerpoint/2010/main" val="1111466243"/>
       </p:ext>
     </p:extLst>
   </p:cSld>

--- a/Assets/Slice/《资源管理——从理论到实践》.pptx
+++ b/Assets/Slice/《资源管理——从理论到实践》.pptx
@@ -5,7 +5,7 @@
     <p:sldMasterId id="2147483648" r:id="rId1"/>
   </p:sldMasterIdLst>
   <p:notesMasterIdLst>
-    <p:notesMasterId r:id="rId61"/>
+    <p:notesMasterId r:id="rId63"/>
   </p:notesMasterIdLst>
   <p:sldIdLst>
     <p:sldId id="256" r:id="rId2"/>
@@ -65,8 +65,10 @@
     <p:sldId id="317" r:id="rId56"/>
     <p:sldId id="319" r:id="rId57"/>
     <p:sldId id="320" r:id="rId58"/>
-    <p:sldId id="321" r:id="rId59"/>
-    <p:sldId id="322" r:id="rId60"/>
+    <p:sldId id="323" r:id="rId59"/>
+    <p:sldId id="321" r:id="rId60"/>
+    <p:sldId id="324" r:id="rId61"/>
+    <p:sldId id="325" r:id="rId62"/>
   </p:sldIdLst>
   <p:sldSz cx="12192000" cy="6858000"/>
   <p:notesSz cx="6858000" cy="9144000"/>
@@ -227,8 +229,10 @@
             <p14:sldId id="317"/>
             <p14:sldId id="319"/>
             <p14:sldId id="320"/>
+            <p14:sldId id="323"/>
             <p14:sldId id="321"/>
-            <p14:sldId id="322"/>
+            <p14:sldId id="324"/>
+            <p14:sldId id="325"/>
           </p14:sldIdLst>
         </p14:section>
       </p14:sectionLst>
@@ -13453,7 +13457,6 @@
               <a:rPr lang="en-US" altLang="zh-CN" dirty="0" smtClean="0"/>
               <a:t>Load &amp; Unload Bundle</a:t>
             </a:r>
-            <a:endParaRPr lang="en-US" altLang="zh-CN" dirty="0" smtClean="0"/>
           </a:p>
           <a:p>
             <a:endParaRPr lang="en-US" altLang="zh-CN" dirty="0" smtClean="0"/>
@@ -14947,6 +14950,133 @@
           <a:lstStyle/>
           <a:p>
             <a:r>
+              <a:rPr lang="en-US" altLang="zh-CN" dirty="0" smtClean="0"/>
+              <a:t>Usage</a:t>
+            </a:r>
+            <a:endParaRPr lang="zh-CN" altLang="en-US" dirty="0"/>
+          </a:p>
+        </p:txBody>
+      </p:sp>
+      <p:sp>
+        <p:nvSpPr>
+          <p:cNvPr id="6" name="内容占位符 5"/>
+          <p:cNvSpPr>
+            <a:spLocks noGrp="1"/>
+          </p:cNvSpPr>
+          <p:nvPr>
+            <p:ph idx="1"/>
+          </p:nvPr>
+        </p:nvSpPr>
+        <p:spPr/>
+        <p:txBody>
+          <a:bodyPr/>
+          <a:lstStyle/>
+          <a:p>
+            <a:endParaRPr lang="zh-CN" altLang="en-US" dirty="0"/>
+          </a:p>
+        </p:txBody>
+      </p:sp>
+      <p:pic>
+        <p:nvPicPr>
+          <p:cNvPr id="7" name="图片 6"/>
+          <p:cNvPicPr>
+            <a:picLocks noChangeAspect="1"/>
+          </p:cNvPicPr>
+          <p:nvPr/>
+        </p:nvPicPr>
+        <p:blipFill>
+          <a:blip r:embed="rId2"/>
+          <a:stretch>
+            <a:fillRect/>
+          </a:stretch>
+        </p:blipFill>
+        <p:spPr>
+          <a:xfrm>
+            <a:off x="838200" y="1544345"/>
+            <a:ext cx="5104762" cy="3247619"/>
+          </a:xfrm>
+          <a:prstGeom prst="rect">
+            <a:avLst/>
+          </a:prstGeom>
+        </p:spPr>
+      </p:pic>
+      <p:pic>
+        <p:nvPicPr>
+          <p:cNvPr id="8" name="图片 7"/>
+          <p:cNvPicPr>
+            <a:picLocks noChangeAspect="1"/>
+          </p:cNvPicPr>
+          <p:nvPr/>
+        </p:nvPicPr>
+        <p:blipFill>
+          <a:blip r:embed="rId3"/>
+          <a:stretch>
+            <a:fillRect/>
+          </a:stretch>
+        </p:blipFill>
+        <p:spPr>
+          <a:xfrm>
+            <a:off x="6049038" y="1544345"/>
+            <a:ext cx="5304762" cy="3295238"/>
+          </a:xfrm>
+          <a:prstGeom prst="rect">
+            <a:avLst/>
+          </a:prstGeom>
+        </p:spPr>
+      </p:pic>
+    </p:spTree>
+    <p:extLst>
+      <p:ext uri="{BB962C8B-B14F-4D97-AF65-F5344CB8AC3E}">
+        <p14:creationId xmlns:p14="http://schemas.microsoft.com/office/powerpoint/2010/main" val="2960422916"/>
+      </p:ext>
+    </p:extLst>
+  </p:cSld>
+  <p:clrMapOvr>
+    <a:masterClrMapping/>
+  </p:clrMapOvr>
+  <p:timing>
+    <p:tnLst>
+      <p:par>
+        <p:cTn id="1" dur="indefinite" restart="never" nodeType="tmRoot"/>
+      </p:par>
+    </p:tnLst>
+  </p:timing>
+</p:sld>
+</file>
+
+<file path=ppt/slides/slide59.xml><?xml version="1.0" encoding="utf-8"?>
+<p:sld xmlns:a="http://schemas.openxmlformats.org/drawingml/2006/main" xmlns:r="http://schemas.openxmlformats.org/officeDocument/2006/relationships" xmlns:p="http://schemas.openxmlformats.org/presentationml/2006/main">
+  <p:cSld>
+    <p:spTree>
+      <p:nvGrpSpPr>
+        <p:cNvPr id="1" name=""/>
+        <p:cNvGrpSpPr/>
+        <p:nvPr/>
+      </p:nvGrpSpPr>
+      <p:grpSpPr>
+        <a:xfrm>
+          <a:off x="0" y="0"/>
+          <a:ext cx="0" cy="0"/>
+          <a:chOff x="0" y="0"/>
+          <a:chExt cx="0" cy="0"/>
+        </a:xfrm>
+      </p:grpSpPr>
+      <p:sp>
+        <p:nvSpPr>
+          <p:cNvPr id="2" name="标题 1"/>
+          <p:cNvSpPr>
+            <a:spLocks noGrp="1"/>
+          </p:cNvSpPr>
+          <p:nvPr>
+            <p:ph type="title"/>
+          </p:nvPr>
+        </p:nvSpPr>
+        <p:spPr/>
+        <p:txBody>
+          <a:bodyPr/>
+          <a:lstStyle/>
+          <a:p>
+            <a:r>
               <a:rPr lang="en-US" altLang="zh-CN" dirty="0" err="1" smtClean="0"/>
               <a:t>AssetManagerEditor</a:t>
             </a:r>
@@ -15000,78 +15130,6 @@
 </p:sld>
 </file>
 
-<file path=ppt/slides/slide59.xml><?xml version="1.0" encoding="utf-8"?>
-<p:sld xmlns:a="http://schemas.openxmlformats.org/drawingml/2006/main" xmlns:r="http://schemas.openxmlformats.org/officeDocument/2006/relationships" xmlns:p="http://schemas.openxmlformats.org/presentationml/2006/main">
-  <p:cSld>
-    <p:spTree>
-      <p:nvGrpSpPr>
-        <p:cNvPr id="1" name=""/>
-        <p:cNvGrpSpPr/>
-        <p:nvPr/>
-      </p:nvGrpSpPr>
-      <p:grpSpPr>
-        <a:xfrm>
-          <a:off x="0" y="0"/>
-          <a:ext cx="0" cy="0"/>
-          <a:chOff x="0" y="0"/>
-          <a:chExt cx="0" cy="0"/>
-        </a:xfrm>
-      </p:grpSpPr>
-      <p:sp>
-        <p:nvSpPr>
-          <p:cNvPr id="2" name="标题 1"/>
-          <p:cNvSpPr>
-            <a:spLocks noGrp="1"/>
-          </p:cNvSpPr>
-          <p:nvPr>
-            <p:ph type="title"/>
-          </p:nvPr>
-        </p:nvSpPr>
-        <p:spPr/>
-        <p:txBody>
-          <a:bodyPr/>
-          <a:lstStyle/>
-          <a:p>
-            <a:r>
-              <a:rPr lang="en-US" altLang="zh-CN" dirty="0" err="1" smtClean="0"/>
-              <a:t>ResourceManager</a:t>
-            </a:r>
-            <a:endParaRPr lang="zh-CN" altLang="en-US" dirty="0"/>
-          </a:p>
-        </p:txBody>
-      </p:sp>
-      <p:sp>
-        <p:nvSpPr>
-          <p:cNvPr id="3" name="内容占位符 2"/>
-          <p:cNvSpPr>
-            <a:spLocks noGrp="1"/>
-          </p:cNvSpPr>
-          <p:nvPr>
-            <p:ph idx="1"/>
-          </p:nvPr>
-        </p:nvSpPr>
-        <p:spPr/>
-        <p:txBody>
-          <a:bodyPr/>
-          <a:lstStyle/>
-          <a:p>
-            <a:endParaRPr lang="zh-CN" altLang="en-US" dirty="0"/>
-          </a:p>
-        </p:txBody>
-      </p:sp>
-    </p:spTree>
-    <p:extLst>
-      <p:ext uri="{BB962C8B-B14F-4D97-AF65-F5344CB8AC3E}">
-        <p14:creationId xmlns:p14="http://schemas.microsoft.com/office/powerpoint/2010/main" val="1111466243"/>
-      </p:ext>
-    </p:extLst>
-  </p:cSld>
-  <p:clrMapOvr>
-    <a:masterClrMapping/>
-  </p:clrMapOvr>
-</p:sld>
-</file>
-
 <file path=ppt/slides/slide6.xml><?xml version="1.0" encoding="utf-8"?>
 <p:sld xmlns:a="http://schemas.openxmlformats.org/drawingml/2006/main" xmlns:r="http://schemas.openxmlformats.org/officeDocument/2006/relationships" xmlns:p="http://schemas.openxmlformats.org/presentationml/2006/main">
   <p:cSld>
@@ -15151,6 +15209,199 @@
     <p:extLst>
       <p:ext uri="{BB962C8B-B14F-4D97-AF65-F5344CB8AC3E}">
         <p14:creationId xmlns:p14="http://schemas.microsoft.com/office/powerpoint/2010/main" val="498585390"/>
+      </p:ext>
+    </p:extLst>
+  </p:cSld>
+  <p:clrMapOvr>
+    <a:masterClrMapping/>
+  </p:clrMapOvr>
+</p:sld>
+</file>
+
+<file path=ppt/slides/slide60.xml><?xml version="1.0" encoding="utf-8"?>
+<p:sld xmlns:a="http://schemas.openxmlformats.org/drawingml/2006/main" xmlns:r="http://schemas.openxmlformats.org/officeDocument/2006/relationships" xmlns:p="http://schemas.openxmlformats.org/presentationml/2006/main">
+  <p:cSld>
+    <p:spTree>
+      <p:nvGrpSpPr>
+        <p:cNvPr id="1" name=""/>
+        <p:cNvGrpSpPr/>
+        <p:nvPr/>
+      </p:nvGrpSpPr>
+      <p:grpSpPr>
+        <a:xfrm>
+          <a:off x="0" y="0"/>
+          <a:ext cx="0" cy="0"/>
+          <a:chOff x="0" y="0"/>
+          <a:chExt cx="0" cy="0"/>
+        </a:xfrm>
+      </p:grpSpPr>
+      <p:sp>
+        <p:nvSpPr>
+          <p:cNvPr id="2" name="标题 1"/>
+          <p:cNvSpPr>
+            <a:spLocks noGrp="1"/>
+          </p:cNvSpPr>
+          <p:nvPr>
+            <p:ph type="title"/>
+          </p:nvPr>
+        </p:nvSpPr>
+        <p:spPr/>
+        <p:txBody>
+          <a:bodyPr/>
+          <a:lstStyle/>
+          <a:p>
+            <a:endParaRPr lang="zh-CN" altLang="en-US" dirty="0"/>
+          </a:p>
+        </p:txBody>
+      </p:sp>
+      <p:sp>
+        <p:nvSpPr>
+          <p:cNvPr id="3" name="内容占位符 2"/>
+          <p:cNvSpPr>
+            <a:spLocks noGrp="1"/>
+          </p:cNvSpPr>
+          <p:nvPr>
+            <p:ph idx="1"/>
+          </p:nvPr>
+        </p:nvSpPr>
+        <p:spPr/>
+        <p:txBody>
+          <a:bodyPr>
+            <a:normAutofit/>
+          </a:bodyPr>
+          <a:lstStyle/>
+          <a:p>
+            <a:pPr marL="0" indent="0" algn="ctr">
+              <a:buNone/>
+            </a:pPr>
+            <a:endParaRPr lang="en-US" altLang="zh-CN" sz="4000" dirty="0" smtClean="0"/>
+          </a:p>
+          <a:p>
+            <a:pPr marL="0" indent="0" algn="ctr">
+              <a:buNone/>
+            </a:pPr>
+            <a:endParaRPr lang="en-US" altLang="zh-CN" sz="4000" dirty="0"/>
+          </a:p>
+          <a:p>
+            <a:pPr marL="0" indent="0" algn="ctr">
+              <a:buNone/>
+            </a:pPr>
+            <a:r>
+              <a:rPr lang="zh-CN" altLang="en-US" sz="4000" dirty="0" smtClean="0"/>
+              <a:t>易</a:t>
+            </a:r>
+            <a:r>
+              <a:rPr lang="zh-CN" altLang="en-US" sz="4000" dirty="0"/>
+              <a:t>用？</a:t>
+            </a:r>
+          </a:p>
+        </p:txBody>
+      </p:sp>
+    </p:spTree>
+    <p:extLst>
+      <p:ext uri="{BB962C8B-B14F-4D97-AF65-F5344CB8AC3E}">
+        <p14:creationId xmlns:p14="http://schemas.microsoft.com/office/powerpoint/2010/main" val="137852740"/>
+      </p:ext>
+    </p:extLst>
+  </p:cSld>
+  <p:clrMapOvr>
+    <a:masterClrMapping/>
+  </p:clrMapOvr>
+  <p:timing>
+    <p:tnLst>
+      <p:par>
+        <p:cTn id="1" dur="indefinite" restart="never" nodeType="tmRoot"/>
+      </p:par>
+    </p:tnLst>
+  </p:timing>
+</p:sld>
+</file>
+
+<file path=ppt/slides/slide61.xml><?xml version="1.0" encoding="utf-8"?>
+<p:sld xmlns:a="http://schemas.openxmlformats.org/drawingml/2006/main" xmlns:r="http://schemas.openxmlformats.org/officeDocument/2006/relationships" xmlns:p="http://schemas.openxmlformats.org/presentationml/2006/main">
+  <p:cSld>
+    <p:spTree>
+      <p:nvGrpSpPr>
+        <p:cNvPr id="1" name=""/>
+        <p:cNvGrpSpPr/>
+        <p:nvPr/>
+      </p:nvGrpSpPr>
+      <p:grpSpPr>
+        <a:xfrm>
+          <a:off x="0" y="0"/>
+          <a:ext cx="0" cy="0"/>
+          <a:chOff x="0" y="0"/>
+          <a:chExt cx="0" cy="0"/>
+        </a:xfrm>
+      </p:grpSpPr>
+      <p:sp>
+        <p:nvSpPr>
+          <p:cNvPr id="2" name="标题 1"/>
+          <p:cNvSpPr>
+            <a:spLocks noGrp="1"/>
+          </p:cNvSpPr>
+          <p:nvPr>
+            <p:ph type="title"/>
+          </p:nvPr>
+        </p:nvSpPr>
+        <p:spPr/>
+        <p:txBody>
+          <a:bodyPr/>
+          <a:lstStyle/>
+          <a:p>
+            <a:r>
+              <a:rPr lang="en-US" altLang="zh-CN" dirty="0" err="1" smtClean="0"/>
+              <a:t>SoftObject</a:t>
+            </a:r>
+            <a:endParaRPr lang="zh-CN" altLang="en-US" dirty="0"/>
+          </a:p>
+        </p:txBody>
+      </p:sp>
+      <p:sp>
+        <p:nvSpPr>
+          <p:cNvPr id="3" name="内容占位符 2"/>
+          <p:cNvSpPr>
+            <a:spLocks noGrp="1"/>
+          </p:cNvSpPr>
+          <p:nvPr>
+            <p:ph idx="1"/>
+          </p:nvPr>
+        </p:nvSpPr>
+        <p:spPr/>
+        <p:txBody>
+          <a:bodyPr/>
+          <a:lstStyle/>
+          <a:p>
+            <a:r>
+              <a:rPr lang="zh-CN" altLang="en-US" dirty="0" smtClean="0"/>
+              <a:t>序列化</a:t>
+            </a:r>
+            <a:r>
+              <a:rPr lang="en-US" altLang="zh-CN" dirty="0" err="1" smtClean="0"/>
+              <a:t>m_AssetPath</a:t>
+            </a:r>
+            <a:r>
+              <a:rPr lang="en-US" altLang="zh-CN" dirty="0" smtClean="0"/>
+              <a:t> &amp; </a:t>
+            </a:r>
+            <a:r>
+              <a:rPr lang="en-US" altLang="zh-CN" dirty="0" err="1" smtClean="0"/>
+              <a:t>m_GUID</a:t>
+            </a:r>
+            <a:r>
+              <a:rPr lang="en-US" altLang="zh-CN" dirty="0" smtClean="0"/>
+              <a:t>(editor only)</a:t>
+            </a:r>
+          </a:p>
+          <a:p>
+            <a:endParaRPr lang="zh-CN" altLang="en-US" dirty="0"/>
+          </a:p>
+        </p:txBody>
+      </p:sp>
+    </p:spTree>
+    <p:extLst>
+      <p:ext uri="{BB962C8B-B14F-4D97-AF65-F5344CB8AC3E}">
+        <p14:creationId xmlns:p14="http://schemas.microsoft.com/office/powerpoint/2010/main" val="31285130"/>
       </p:ext>
     </p:extLst>
   </p:cSld>

--- a/Assets/Slice/《资源管理——从理论到实践》.pptx
+++ b/Assets/Slice/《资源管理——从理论到实践》.pptx
@@ -5,7 +5,7 @@
     <p:sldMasterId id="2147483648" r:id="rId1"/>
   </p:sldMasterIdLst>
   <p:notesMasterIdLst>
-    <p:notesMasterId r:id="rId63"/>
+    <p:notesMasterId r:id="rId66"/>
   </p:notesMasterIdLst>
   <p:sldIdLst>
     <p:sldId id="256" r:id="rId2"/>
@@ -69,6 +69,9 @@
     <p:sldId id="321" r:id="rId60"/>
     <p:sldId id="324" r:id="rId61"/>
     <p:sldId id="325" r:id="rId62"/>
+    <p:sldId id="326" r:id="rId63"/>
+    <p:sldId id="327" r:id="rId64"/>
+    <p:sldId id="328" r:id="rId65"/>
   </p:sldIdLst>
   <p:sldSz cx="12192000" cy="6858000"/>
   <p:notesSz cx="6858000" cy="9144000"/>
@@ -233,6 +236,9 @@
             <p14:sldId id="321"/>
             <p14:sldId id="324"/>
             <p14:sldId id="325"/>
+            <p14:sldId id="326"/>
+            <p14:sldId id="327"/>
+            <p14:sldId id="328"/>
           </p14:sldIdLst>
         </p14:section>
       </p14:sectionLst>
@@ -338,7 +344,7 @@
           <a:p>
             <a:fld id="{7B0657A4-61F4-49FE-9C30-08E1F108921E}" type="datetimeFigureOut">
               <a:rPr lang="zh-CN" altLang="en-US" smtClean="0"/>
-              <a:t>2020/7/14</a:t>
+              <a:t>2020/7/17</a:t>
             </a:fld>
             <a:endParaRPr lang="zh-CN" altLang="en-US"/>
           </a:p>
@@ -4097,6 +4103,278 @@
 </p:notes>
 </file>
 
+<file path=ppt/notesSlides/notesSlide35.xml><?xml version="1.0" encoding="utf-8"?>
+<p:notes xmlns:a="http://schemas.openxmlformats.org/drawingml/2006/main" xmlns:r="http://schemas.openxmlformats.org/officeDocument/2006/relationships" xmlns:p="http://schemas.openxmlformats.org/presentationml/2006/main">
+  <p:cSld>
+    <p:spTree>
+      <p:nvGrpSpPr>
+        <p:cNvPr id="1" name=""/>
+        <p:cNvGrpSpPr/>
+        <p:nvPr/>
+      </p:nvGrpSpPr>
+      <p:grpSpPr>
+        <a:xfrm>
+          <a:off x="0" y="0"/>
+          <a:ext cx="0" cy="0"/>
+          <a:chOff x="0" y="0"/>
+          <a:chExt cx="0" cy="0"/>
+        </a:xfrm>
+      </p:grpSpPr>
+      <p:sp>
+        <p:nvSpPr>
+          <p:cNvPr id="2" name="幻灯片图像占位符 1"/>
+          <p:cNvSpPr>
+            <a:spLocks noGrp="1" noRot="1" noChangeAspect="1"/>
+          </p:cNvSpPr>
+          <p:nvPr>
+            <p:ph type="sldImg"/>
+          </p:nvPr>
+        </p:nvSpPr>
+        <p:spPr/>
+      </p:sp>
+      <p:sp>
+        <p:nvSpPr>
+          <p:cNvPr id="3" name="备注占位符 2"/>
+          <p:cNvSpPr>
+            <a:spLocks noGrp="1"/>
+          </p:cNvSpPr>
+          <p:nvPr>
+            <p:ph type="body" idx="1"/>
+          </p:nvPr>
+        </p:nvSpPr>
+        <p:spPr/>
+        <p:txBody>
+          <a:bodyPr/>
+          <a:lstStyle/>
+          <a:p>
+            <a:r>
+              <a:rPr lang="zh-CN" altLang="en-US" dirty="0" smtClean="0"/>
+              <a:t>展示</a:t>
+            </a:r>
+            <a:r>
+              <a:rPr lang="en-US" altLang="zh-CN" dirty="0" err="1" smtClean="0"/>
+              <a:t>LoadPrefab</a:t>
+            </a:r>
+            <a:r>
+              <a:rPr lang="zh-CN" altLang="en-US" dirty="0" smtClean="0"/>
+              <a:t>的使用</a:t>
+            </a:r>
+            <a:endParaRPr lang="zh-CN" altLang="en-US" dirty="0"/>
+          </a:p>
+        </p:txBody>
+      </p:sp>
+      <p:sp>
+        <p:nvSpPr>
+          <p:cNvPr id="4" name="灯片编号占位符 3"/>
+          <p:cNvSpPr>
+            <a:spLocks noGrp="1"/>
+          </p:cNvSpPr>
+          <p:nvPr>
+            <p:ph type="sldNum" sz="quarter" idx="10"/>
+          </p:nvPr>
+        </p:nvSpPr>
+        <p:spPr/>
+        <p:txBody>
+          <a:bodyPr/>
+          <a:lstStyle/>
+          <a:p>
+            <a:fld id="{091BFCDC-EFCB-4F7C-8BF4-A62D16CC57D4}" type="slidenum">
+              <a:rPr lang="zh-CN" altLang="en-US" smtClean="0"/>
+              <a:t>60</a:t>
+            </a:fld>
+            <a:endParaRPr lang="zh-CN" altLang="en-US"/>
+          </a:p>
+        </p:txBody>
+      </p:sp>
+    </p:spTree>
+    <p:extLst>
+      <p:ext uri="{BB962C8B-B14F-4D97-AF65-F5344CB8AC3E}">
+        <p14:creationId xmlns:p14="http://schemas.microsoft.com/office/powerpoint/2010/main" val="3483294350"/>
+      </p:ext>
+    </p:extLst>
+  </p:cSld>
+  <p:clrMapOvr>
+    <a:masterClrMapping/>
+  </p:clrMapOvr>
+</p:notes>
+</file>
+
+<file path=ppt/notesSlides/notesSlide36.xml><?xml version="1.0" encoding="utf-8"?>
+<p:notes xmlns:a="http://schemas.openxmlformats.org/drawingml/2006/main" xmlns:r="http://schemas.openxmlformats.org/officeDocument/2006/relationships" xmlns:p="http://schemas.openxmlformats.org/presentationml/2006/main">
+  <p:cSld>
+    <p:spTree>
+      <p:nvGrpSpPr>
+        <p:cNvPr id="1" name=""/>
+        <p:cNvGrpSpPr/>
+        <p:nvPr/>
+      </p:nvGrpSpPr>
+      <p:grpSpPr>
+        <a:xfrm>
+          <a:off x="0" y="0"/>
+          <a:ext cx="0" cy="0"/>
+          <a:chOff x="0" y="0"/>
+          <a:chExt cx="0" cy="0"/>
+        </a:xfrm>
+      </p:grpSpPr>
+      <p:sp>
+        <p:nvSpPr>
+          <p:cNvPr id="2" name="幻灯片图像占位符 1"/>
+          <p:cNvSpPr>
+            <a:spLocks noGrp="1" noRot="1" noChangeAspect="1"/>
+          </p:cNvSpPr>
+          <p:nvPr>
+            <p:ph type="sldImg"/>
+          </p:nvPr>
+        </p:nvSpPr>
+        <p:spPr/>
+      </p:sp>
+      <p:sp>
+        <p:nvSpPr>
+          <p:cNvPr id="3" name="备注占位符 2"/>
+          <p:cNvSpPr>
+            <a:spLocks noGrp="1"/>
+          </p:cNvSpPr>
+          <p:nvPr>
+            <p:ph type="body" idx="1"/>
+          </p:nvPr>
+        </p:nvSpPr>
+        <p:spPr/>
+        <p:txBody>
+          <a:bodyPr/>
+          <a:lstStyle/>
+          <a:p>
+            <a:r>
+              <a:rPr lang="zh-CN" altLang="en-US" dirty="0" smtClean="0"/>
+              <a:t>展示</a:t>
+            </a:r>
+            <a:r>
+              <a:rPr lang="en-US" altLang="zh-CN" dirty="0" err="1" smtClean="0"/>
+              <a:t>TestSoftObject</a:t>
+            </a:r>
+            <a:endParaRPr lang="zh-CN" altLang="en-US" dirty="0"/>
+          </a:p>
+        </p:txBody>
+      </p:sp>
+      <p:sp>
+        <p:nvSpPr>
+          <p:cNvPr id="4" name="灯片编号占位符 3"/>
+          <p:cNvSpPr>
+            <a:spLocks noGrp="1"/>
+          </p:cNvSpPr>
+          <p:nvPr>
+            <p:ph type="sldNum" sz="quarter" idx="10"/>
+          </p:nvPr>
+        </p:nvSpPr>
+        <p:spPr/>
+        <p:txBody>
+          <a:bodyPr/>
+          <a:lstStyle/>
+          <a:p>
+            <a:fld id="{091BFCDC-EFCB-4F7C-8BF4-A62D16CC57D4}" type="slidenum">
+              <a:rPr lang="zh-CN" altLang="en-US" smtClean="0"/>
+              <a:t>61</a:t>
+            </a:fld>
+            <a:endParaRPr lang="zh-CN" altLang="en-US"/>
+          </a:p>
+        </p:txBody>
+      </p:sp>
+    </p:spTree>
+    <p:extLst>
+      <p:ext uri="{BB962C8B-B14F-4D97-AF65-F5344CB8AC3E}">
+        <p14:creationId xmlns:p14="http://schemas.microsoft.com/office/powerpoint/2010/main" val="1089289107"/>
+      </p:ext>
+    </p:extLst>
+  </p:cSld>
+  <p:clrMapOvr>
+    <a:masterClrMapping/>
+  </p:clrMapOvr>
+</p:notes>
+</file>
+
+<file path=ppt/notesSlides/notesSlide37.xml><?xml version="1.0" encoding="utf-8"?>
+<p:notes xmlns:a="http://schemas.openxmlformats.org/drawingml/2006/main" xmlns:r="http://schemas.openxmlformats.org/officeDocument/2006/relationships" xmlns:p="http://schemas.openxmlformats.org/presentationml/2006/main">
+  <p:cSld>
+    <p:spTree>
+      <p:nvGrpSpPr>
+        <p:cNvPr id="1" name=""/>
+        <p:cNvGrpSpPr/>
+        <p:nvPr/>
+      </p:nvGrpSpPr>
+      <p:grpSpPr>
+        <a:xfrm>
+          <a:off x="0" y="0"/>
+          <a:ext cx="0" cy="0"/>
+          <a:chOff x="0" y="0"/>
+          <a:chExt cx="0" cy="0"/>
+        </a:xfrm>
+      </p:grpSpPr>
+      <p:sp>
+        <p:nvSpPr>
+          <p:cNvPr id="2" name="幻灯片图像占位符 1"/>
+          <p:cNvSpPr>
+            <a:spLocks noGrp="1" noRot="1" noChangeAspect="1"/>
+          </p:cNvSpPr>
+          <p:nvPr>
+            <p:ph type="sldImg"/>
+          </p:nvPr>
+        </p:nvSpPr>
+        <p:spPr/>
+      </p:sp>
+      <p:sp>
+        <p:nvSpPr>
+          <p:cNvPr id="3" name="备注占位符 2"/>
+          <p:cNvSpPr>
+            <a:spLocks noGrp="1"/>
+          </p:cNvSpPr>
+          <p:nvPr>
+            <p:ph type="body" idx="1"/>
+          </p:nvPr>
+        </p:nvSpPr>
+        <p:spPr/>
+        <p:txBody>
+          <a:bodyPr/>
+          <a:lstStyle/>
+          <a:p>
+            <a:endParaRPr lang="zh-CN" altLang="en-US" dirty="0"/>
+          </a:p>
+        </p:txBody>
+      </p:sp>
+      <p:sp>
+        <p:nvSpPr>
+          <p:cNvPr id="4" name="灯片编号占位符 3"/>
+          <p:cNvSpPr>
+            <a:spLocks noGrp="1"/>
+          </p:cNvSpPr>
+          <p:nvPr>
+            <p:ph type="sldNum" sz="quarter" idx="10"/>
+          </p:nvPr>
+        </p:nvSpPr>
+        <p:spPr/>
+        <p:txBody>
+          <a:bodyPr/>
+          <a:lstStyle/>
+          <a:p>
+            <a:fld id="{091BFCDC-EFCB-4F7C-8BF4-A62D16CC57D4}" type="slidenum">
+              <a:rPr lang="zh-CN" altLang="en-US" smtClean="0"/>
+              <a:t>63</a:t>
+            </a:fld>
+            <a:endParaRPr lang="zh-CN" altLang="en-US"/>
+          </a:p>
+        </p:txBody>
+      </p:sp>
+    </p:spTree>
+    <p:extLst>
+      <p:ext uri="{BB962C8B-B14F-4D97-AF65-F5344CB8AC3E}">
+        <p14:creationId xmlns:p14="http://schemas.microsoft.com/office/powerpoint/2010/main" val="2360223222"/>
+      </p:ext>
+    </p:extLst>
+  </p:cSld>
+  <p:clrMapOvr>
+    <a:masterClrMapping/>
+  </p:clrMapOvr>
+</p:notes>
+</file>
+
 <file path=ppt/notesSlides/notesSlide4.xml><?xml version="1.0" encoding="utf-8"?>
 <p:notes xmlns:a="http://schemas.openxmlformats.org/drawingml/2006/main" xmlns:r="http://schemas.openxmlformats.org/officeDocument/2006/relationships" xmlns:p="http://schemas.openxmlformats.org/presentationml/2006/main">
   <p:cSld>
@@ -5840,7 +6118,7 @@
           <a:p>
             <a:fld id="{64FB0F02-C715-44D9-8321-6E1BF28D17A0}" type="datetimeFigureOut">
               <a:rPr lang="zh-CN" altLang="en-US" smtClean="0"/>
-              <a:t>2020/7/14</a:t>
+              <a:t>2020/7/17</a:t>
             </a:fld>
             <a:endParaRPr lang="zh-CN" altLang="en-US"/>
           </a:p>
@@ -6008,7 +6286,7 @@
           <a:p>
             <a:fld id="{64FB0F02-C715-44D9-8321-6E1BF28D17A0}" type="datetimeFigureOut">
               <a:rPr lang="zh-CN" altLang="en-US" smtClean="0"/>
-              <a:t>2020/7/14</a:t>
+              <a:t>2020/7/17</a:t>
             </a:fld>
             <a:endParaRPr lang="zh-CN" altLang="en-US"/>
           </a:p>
@@ -6186,7 +6464,7 @@
           <a:p>
             <a:fld id="{64FB0F02-C715-44D9-8321-6E1BF28D17A0}" type="datetimeFigureOut">
               <a:rPr lang="zh-CN" altLang="en-US" smtClean="0"/>
-              <a:t>2020/7/14</a:t>
+              <a:t>2020/7/17</a:t>
             </a:fld>
             <a:endParaRPr lang="zh-CN" altLang="en-US"/>
           </a:p>
@@ -6354,7 +6632,7 @@
           <a:p>
             <a:fld id="{64FB0F02-C715-44D9-8321-6E1BF28D17A0}" type="datetimeFigureOut">
               <a:rPr lang="zh-CN" altLang="en-US" smtClean="0"/>
-              <a:t>2020/7/14</a:t>
+              <a:t>2020/7/17</a:t>
             </a:fld>
             <a:endParaRPr lang="zh-CN" altLang="en-US"/>
           </a:p>
@@ -6599,7 +6877,7 @@
           <a:p>
             <a:fld id="{64FB0F02-C715-44D9-8321-6E1BF28D17A0}" type="datetimeFigureOut">
               <a:rPr lang="zh-CN" altLang="en-US" smtClean="0"/>
-              <a:t>2020/7/14</a:t>
+              <a:t>2020/7/17</a:t>
             </a:fld>
             <a:endParaRPr lang="zh-CN" altLang="en-US"/>
           </a:p>
@@ -6828,7 +7106,7 @@
           <a:p>
             <a:fld id="{64FB0F02-C715-44D9-8321-6E1BF28D17A0}" type="datetimeFigureOut">
               <a:rPr lang="zh-CN" altLang="en-US" smtClean="0"/>
-              <a:t>2020/7/14</a:t>
+              <a:t>2020/7/17</a:t>
             </a:fld>
             <a:endParaRPr lang="zh-CN" altLang="en-US"/>
           </a:p>
@@ -7192,7 +7470,7 @@
           <a:p>
             <a:fld id="{64FB0F02-C715-44D9-8321-6E1BF28D17A0}" type="datetimeFigureOut">
               <a:rPr lang="zh-CN" altLang="en-US" smtClean="0"/>
-              <a:t>2020/7/14</a:t>
+              <a:t>2020/7/17</a:t>
             </a:fld>
             <a:endParaRPr lang="zh-CN" altLang="en-US"/>
           </a:p>
@@ -7309,7 +7587,7 @@
           <a:p>
             <a:fld id="{64FB0F02-C715-44D9-8321-6E1BF28D17A0}" type="datetimeFigureOut">
               <a:rPr lang="zh-CN" altLang="en-US" smtClean="0"/>
-              <a:t>2020/7/14</a:t>
+              <a:t>2020/7/17</a:t>
             </a:fld>
             <a:endParaRPr lang="zh-CN" altLang="en-US"/>
           </a:p>
@@ -7404,7 +7682,7 @@
           <a:p>
             <a:fld id="{64FB0F02-C715-44D9-8321-6E1BF28D17A0}" type="datetimeFigureOut">
               <a:rPr lang="zh-CN" altLang="en-US" smtClean="0"/>
-              <a:t>2020/7/14</a:t>
+              <a:t>2020/7/17</a:t>
             </a:fld>
             <a:endParaRPr lang="zh-CN" altLang="en-US"/>
           </a:p>
@@ -7679,7 +7957,7 @@
           <a:p>
             <a:fld id="{64FB0F02-C715-44D9-8321-6E1BF28D17A0}" type="datetimeFigureOut">
               <a:rPr lang="zh-CN" altLang="en-US" smtClean="0"/>
-              <a:t>2020/7/14</a:t>
+              <a:t>2020/7/17</a:t>
             </a:fld>
             <a:endParaRPr lang="zh-CN" altLang="en-US"/>
           </a:p>
@@ -7931,7 +8209,7 @@
           <a:p>
             <a:fld id="{64FB0F02-C715-44D9-8321-6E1BF28D17A0}" type="datetimeFigureOut">
               <a:rPr lang="zh-CN" altLang="en-US" smtClean="0"/>
-              <a:t>2020/7/14</a:t>
+              <a:t>2020/7/17</a:t>
             </a:fld>
             <a:endParaRPr lang="zh-CN" altLang="en-US"/>
           </a:p>
@@ -8142,7 +8420,7 @@
           <a:p>
             <a:fld id="{64FB0F02-C715-44D9-8321-6E1BF28D17A0}" type="datetimeFigureOut">
               <a:rPr lang="zh-CN" altLang="en-US" smtClean="0"/>
-              <a:t>2020/7/14</a:t>
+              <a:t>2020/7/17</a:t>
             </a:fld>
             <a:endParaRPr lang="zh-CN" altLang="en-US"/>
           </a:p>
@@ -13269,19 +13547,18 @@
         </p:nvSpPr>
         <p:spPr/>
         <p:txBody>
-          <a:bodyPr/>
-          <a:lstStyle/>
-          <a:p>
-            <a:r>
-              <a:rPr lang="zh-CN" altLang="en-US" dirty="0"/>
-              <a:t>易用性</a:t>
-            </a:r>
-            <a:endParaRPr lang="en-US" altLang="zh-CN" dirty="0"/>
-          </a:p>
-          <a:p>
-            <a:r>
-              <a:rPr lang="zh-CN" altLang="en-US" dirty="0"/>
-              <a:t>支持同步、异步</a:t>
+          <a:bodyPr>
+            <a:normAutofit/>
+          </a:bodyPr>
+          <a:lstStyle/>
+          <a:p>
+            <a:r>
+              <a:rPr lang="zh-CN" altLang="en-US" dirty="0" smtClean="0"/>
+              <a:t>支持</a:t>
+            </a:r>
+            <a:r>
+              <a:rPr lang="zh-CN" altLang="en-US" dirty="0"/>
+              <a:t>同步、异步</a:t>
             </a:r>
             <a:endParaRPr lang="en-US" altLang="zh-CN" dirty="0"/>
           </a:p>
@@ -13324,22 +13601,22 @@
           <a:p>
             <a:r>
               <a:rPr lang="en-US" altLang="zh-CN" dirty="0" smtClean="0"/>
-              <a:t>No Update</a:t>
-            </a:r>
-          </a:p>
-          <a:p>
+              <a:t>No </a:t>
+            </a:r>
+            <a:r>
+              <a:rPr lang="en-US" altLang="zh-CN" dirty="0" smtClean="0"/>
+              <a:t>Update</a:t>
+            </a:r>
+          </a:p>
+          <a:p>
+            <a:r>
+              <a:rPr lang="zh-CN" altLang="en-US" dirty="0"/>
+              <a:t>不依赖协</a:t>
+            </a:r>
             <a:r>
               <a:rPr lang="zh-CN" altLang="en-US" dirty="0" smtClean="0"/>
-              <a:t>不</a:t>
-            </a:r>
-            <a:r>
-              <a:rPr lang="zh-CN" altLang="en-US" dirty="0"/>
-              <a:t>依赖协程</a:t>
-            </a:r>
-            <a:endParaRPr lang="en-US" altLang="zh-CN" dirty="0"/>
-          </a:p>
-          <a:p>
-            <a:pPr lvl="1"/>
+              <a:t>程（</a:t>
+            </a:r>
             <a:r>
               <a:rPr lang="zh-CN" altLang="en-US" dirty="0"/>
               <a:t>无</a:t>
@@ -13348,7 +13625,21 @@
               <a:rPr lang="en-US" altLang="zh-CN" dirty="0" err="1" smtClean="0"/>
               <a:t>StartCoroutinie</a:t>
             </a:r>
+            <a:r>
+              <a:rPr lang="zh-CN" altLang="en-US" dirty="0" smtClean="0"/>
+              <a:t>）</a:t>
+            </a:r>
+            <a:endParaRPr lang="en-US" altLang="zh-CN" dirty="0" smtClean="0"/>
+          </a:p>
+          <a:p>
+            <a:r>
+              <a:rPr lang="zh-CN" altLang="en-US" dirty="0"/>
+              <a:t>易用性</a:t>
+            </a:r>
             <a:endParaRPr lang="en-US" altLang="zh-CN" dirty="0"/>
+          </a:p>
+          <a:p>
+            <a:endParaRPr lang="en-US" altLang="zh-CN" dirty="0" smtClean="0"/>
           </a:p>
           <a:p>
             <a:pPr marL="457200" lvl="1" indent="0">
@@ -15373,28 +15664,46 @@
           <a:lstStyle/>
           <a:p>
             <a:r>
+              <a:rPr lang="zh-CN" altLang="en-US" dirty="0"/>
+              <a:t>以序列化资源地址的方式记录对象之间的关联</a:t>
+            </a:r>
+          </a:p>
+          <a:p>
+            <a:r>
+              <a:rPr lang="en-US" altLang="zh-CN" dirty="0" err="1" smtClean="0"/>
+              <a:t>SoftObject</a:t>
+            </a:r>
+            <a:r>
+              <a:rPr lang="en-US" altLang="zh-CN" dirty="0" smtClean="0"/>
+              <a:t> == </a:t>
+            </a:r>
+            <a:r>
+              <a:rPr lang="en-US" altLang="zh-CN" dirty="0" err="1" smtClean="0"/>
+              <a:t>AssetPath</a:t>
+            </a:r>
+            <a:endParaRPr lang="en-US" altLang="zh-CN" dirty="0" smtClean="0"/>
+          </a:p>
+          <a:p>
+            <a:pPr lvl="1"/>
+            <a:r>
               <a:rPr lang="zh-CN" altLang="en-US" dirty="0" smtClean="0"/>
-              <a:t>序列化</a:t>
-            </a:r>
-            <a:r>
-              <a:rPr lang="en-US" altLang="zh-CN" dirty="0" err="1" smtClean="0"/>
-              <a:t>m_AssetPath</a:t>
-            </a:r>
-            <a:r>
-              <a:rPr lang="en-US" altLang="zh-CN" dirty="0" smtClean="0"/>
-              <a:t> &amp; </a:t>
-            </a:r>
-            <a:r>
-              <a:rPr lang="en-US" altLang="zh-CN" dirty="0" err="1" smtClean="0"/>
-              <a:t>m_GUID</a:t>
-            </a:r>
-            <a:r>
-              <a:rPr lang="en-US" altLang="zh-CN" dirty="0" smtClean="0"/>
-              <a:t>(editor only)</a:t>
-            </a:r>
-          </a:p>
-          <a:p>
-            <a:endParaRPr lang="zh-CN" altLang="en-US" dirty="0"/>
+              <a:t>资源的删除、移动会自动记录</a:t>
+            </a:r>
+            <a:endParaRPr lang="en-US" altLang="zh-CN" dirty="0" smtClean="0"/>
+          </a:p>
+          <a:p>
+            <a:pPr lvl="1"/>
+            <a:r>
+              <a:rPr lang="zh-CN" altLang="en-US" dirty="0" smtClean="0"/>
+              <a:t>实现机制</a:t>
+            </a:r>
+            <a:endParaRPr lang="en-US" altLang="zh-CN" dirty="0" smtClean="0"/>
+          </a:p>
+          <a:p>
+            <a:pPr marL="457200" lvl="1" indent="0">
+              <a:buNone/>
+            </a:pPr>
+            <a:endParaRPr lang="en-US" altLang="zh-CN" dirty="0"/>
           </a:p>
         </p:txBody>
       </p:sp>
@@ -15402,6 +15711,303 @@
     <p:extLst>
       <p:ext uri="{BB962C8B-B14F-4D97-AF65-F5344CB8AC3E}">
         <p14:creationId xmlns:p14="http://schemas.microsoft.com/office/powerpoint/2010/main" val="31285130"/>
+      </p:ext>
+    </p:extLst>
+  </p:cSld>
+  <p:clrMapOvr>
+    <a:masterClrMapping/>
+  </p:clrMapOvr>
+</p:sld>
+</file>
+
+<file path=ppt/slides/slide62.xml><?xml version="1.0" encoding="utf-8"?>
+<p:sld xmlns:a="http://schemas.openxmlformats.org/drawingml/2006/main" xmlns:r="http://schemas.openxmlformats.org/officeDocument/2006/relationships" xmlns:p="http://schemas.openxmlformats.org/presentationml/2006/main">
+  <p:cSld>
+    <p:spTree>
+      <p:nvGrpSpPr>
+        <p:cNvPr id="1" name=""/>
+        <p:cNvGrpSpPr/>
+        <p:nvPr/>
+      </p:nvGrpSpPr>
+      <p:grpSpPr>
+        <a:xfrm>
+          <a:off x="0" y="0"/>
+          <a:ext cx="0" cy="0"/>
+          <a:chOff x="0" y="0"/>
+          <a:chExt cx="0" cy="0"/>
+        </a:xfrm>
+      </p:grpSpPr>
+      <p:sp>
+        <p:nvSpPr>
+          <p:cNvPr id="2" name="标题 1"/>
+          <p:cNvSpPr>
+            <a:spLocks noGrp="1"/>
+          </p:cNvSpPr>
+          <p:nvPr>
+            <p:ph type="title"/>
+          </p:nvPr>
+        </p:nvSpPr>
+        <p:spPr/>
+        <p:txBody>
+          <a:bodyPr/>
+          <a:lstStyle/>
+          <a:p>
+            <a:r>
+              <a:rPr lang="zh-CN" altLang="en-US" dirty="0" smtClean="0"/>
+              <a:t>使用方式的变化</a:t>
+            </a:r>
+            <a:endParaRPr lang="zh-CN" altLang="en-US" dirty="0"/>
+          </a:p>
+        </p:txBody>
+      </p:sp>
+      <p:pic>
+        <p:nvPicPr>
+          <p:cNvPr id="7" name="内容占位符 6"/>
+          <p:cNvPicPr>
+            <a:picLocks noGrp="1" noChangeAspect="1"/>
+          </p:cNvPicPr>
+          <p:nvPr>
+            <p:ph idx="1"/>
+          </p:nvPr>
+        </p:nvPicPr>
+        <p:blipFill>
+          <a:blip r:embed="rId2"/>
+          <a:stretch>
+            <a:fillRect/>
+          </a:stretch>
+        </p:blipFill>
+        <p:spPr>
+          <a:xfrm>
+            <a:off x="6772717" y="2282668"/>
+            <a:ext cx="5272972" cy="2949732"/>
+          </a:xfrm>
+          <a:prstGeom prst="rect">
+            <a:avLst/>
+          </a:prstGeom>
+        </p:spPr>
+      </p:pic>
+      <p:pic>
+        <p:nvPicPr>
+          <p:cNvPr id="6" name="图片 5"/>
+          <p:cNvPicPr>
+            <a:picLocks noChangeAspect="1"/>
+          </p:cNvPicPr>
+          <p:nvPr/>
+        </p:nvPicPr>
+        <p:blipFill>
+          <a:blip r:embed="rId3"/>
+          <a:stretch>
+            <a:fillRect/>
+          </a:stretch>
+        </p:blipFill>
+        <p:spPr>
+          <a:xfrm>
+            <a:off x="87892" y="2282668"/>
+            <a:ext cx="5493057" cy="2949732"/>
+          </a:xfrm>
+          <a:prstGeom prst="rect">
+            <a:avLst/>
+          </a:prstGeom>
+        </p:spPr>
+      </p:pic>
+      <p:sp>
+        <p:nvSpPr>
+          <p:cNvPr id="8" name="右箭头 7"/>
+          <p:cNvSpPr/>
+          <p:nvPr/>
+        </p:nvSpPr>
+        <p:spPr>
+          <a:xfrm>
+            <a:off x="5838474" y="3613403"/>
+            <a:ext cx="676717" cy="484632"/>
+          </a:xfrm>
+          <a:prstGeom prst="rightArrow">
+            <a:avLst/>
+          </a:prstGeom>
+        </p:spPr>
+        <p:style>
+          <a:lnRef idx="2">
+            <a:schemeClr val="accent1">
+              <a:shade val="50000"/>
+            </a:schemeClr>
+          </a:lnRef>
+          <a:fillRef idx="1">
+            <a:schemeClr val="accent1"/>
+          </a:fillRef>
+          <a:effectRef idx="0">
+            <a:schemeClr val="accent1"/>
+          </a:effectRef>
+          <a:fontRef idx="minor">
+            <a:schemeClr val="lt1"/>
+          </a:fontRef>
+        </p:style>
+        <p:txBody>
+          <a:bodyPr rtlCol="0" anchor="ctr"/>
+          <a:lstStyle/>
+          <a:p>
+            <a:pPr algn="ctr"/>
+            <a:endParaRPr lang="zh-CN" altLang="en-US"/>
+          </a:p>
+        </p:txBody>
+      </p:sp>
+    </p:spTree>
+    <p:extLst>
+      <p:ext uri="{BB962C8B-B14F-4D97-AF65-F5344CB8AC3E}">
+        <p14:creationId xmlns:p14="http://schemas.microsoft.com/office/powerpoint/2010/main" val="3583135150"/>
+      </p:ext>
+    </p:extLst>
+  </p:cSld>
+  <p:clrMapOvr>
+    <a:masterClrMapping/>
+  </p:clrMapOvr>
+  <p:timing>
+    <p:tnLst>
+      <p:par>
+        <p:cTn id="1" dur="indefinite" restart="never" nodeType="tmRoot"/>
+      </p:par>
+    </p:tnLst>
+  </p:timing>
+</p:sld>
+</file>
+
+<file path=ppt/slides/slide63.xml><?xml version="1.0" encoding="utf-8"?>
+<p:sld xmlns:a="http://schemas.openxmlformats.org/drawingml/2006/main" xmlns:r="http://schemas.openxmlformats.org/officeDocument/2006/relationships" xmlns:p="http://schemas.openxmlformats.org/presentationml/2006/main">
+  <p:cSld>
+    <p:spTree>
+      <p:nvGrpSpPr>
+        <p:cNvPr id="1" name=""/>
+        <p:cNvGrpSpPr/>
+        <p:nvPr/>
+      </p:nvGrpSpPr>
+      <p:grpSpPr>
+        <a:xfrm>
+          <a:off x="0" y="0"/>
+          <a:ext cx="0" cy="0"/>
+          <a:chOff x="0" y="0"/>
+          <a:chExt cx="0" cy="0"/>
+        </a:xfrm>
+      </p:grpSpPr>
+      <p:sp>
+        <p:nvSpPr>
+          <p:cNvPr id="2" name="标题 1"/>
+          <p:cNvSpPr>
+            <a:spLocks noGrp="1"/>
+          </p:cNvSpPr>
+          <p:nvPr>
+            <p:ph type="title"/>
+          </p:nvPr>
+        </p:nvSpPr>
+        <p:spPr/>
+        <p:txBody>
+          <a:bodyPr/>
+          <a:lstStyle/>
+          <a:p>
+            <a:endParaRPr lang="zh-CN" altLang="en-US"/>
+          </a:p>
+        </p:txBody>
+      </p:sp>
+      <p:pic>
+        <p:nvPicPr>
+          <p:cNvPr id="4" name="内容占位符 3"/>
+          <p:cNvPicPr>
+            <a:picLocks noGrp="1" noChangeAspect="1"/>
+          </p:cNvPicPr>
+          <p:nvPr>
+            <p:ph idx="1"/>
+          </p:nvPr>
+        </p:nvPicPr>
+        <p:blipFill>
+          <a:blip r:embed="rId3"/>
+          <a:stretch>
+            <a:fillRect/>
+          </a:stretch>
+        </p:blipFill>
+        <p:spPr>
+          <a:xfrm>
+            <a:off x="1578462" y="487472"/>
+            <a:ext cx="9035075" cy="5893007"/>
+          </a:xfrm>
+          <a:prstGeom prst="rect">
+            <a:avLst/>
+          </a:prstGeom>
+        </p:spPr>
+      </p:pic>
+    </p:spTree>
+    <p:extLst>
+      <p:ext uri="{BB962C8B-B14F-4D97-AF65-F5344CB8AC3E}">
+        <p14:creationId xmlns:p14="http://schemas.microsoft.com/office/powerpoint/2010/main" val="2038884655"/>
+      </p:ext>
+    </p:extLst>
+  </p:cSld>
+  <p:clrMapOvr>
+    <a:masterClrMapping/>
+  </p:clrMapOvr>
+</p:sld>
+</file>
+
+<file path=ppt/slides/slide64.xml><?xml version="1.0" encoding="utf-8"?>
+<p:sld xmlns:a="http://schemas.openxmlformats.org/drawingml/2006/main" xmlns:r="http://schemas.openxmlformats.org/officeDocument/2006/relationships" xmlns:p="http://schemas.openxmlformats.org/presentationml/2006/main">
+  <p:cSld>
+    <p:spTree>
+      <p:nvGrpSpPr>
+        <p:cNvPr id="1" name=""/>
+        <p:cNvGrpSpPr/>
+        <p:nvPr/>
+      </p:nvGrpSpPr>
+      <p:grpSpPr>
+        <a:xfrm>
+          <a:off x="0" y="0"/>
+          <a:ext cx="0" cy="0"/>
+          <a:chOff x="0" y="0"/>
+          <a:chExt cx="0" cy="0"/>
+        </a:xfrm>
+      </p:grpSpPr>
+      <p:sp>
+        <p:nvSpPr>
+          <p:cNvPr id="2" name="标题 1"/>
+          <p:cNvSpPr>
+            <a:spLocks noGrp="1"/>
+          </p:cNvSpPr>
+          <p:nvPr>
+            <p:ph type="title"/>
+          </p:nvPr>
+        </p:nvSpPr>
+        <p:spPr/>
+        <p:txBody>
+          <a:bodyPr/>
+          <a:lstStyle/>
+          <a:p>
+            <a:r>
+              <a:rPr lang="en-US" altLang="zh-CN" dirty="0" smtClean="0"/>
+              <a:t>Q&amp;A</a:t>
+            </a:r>
+            <a:endParaRPr lang="zh-CN" altLang="en-US" dirty="0"/>
+          </a:p>
+        </p:txBody>
+      </p:sp>
+      <p:sp>
+        <p:nvSpPr>
+          <p:cNvPr id="3" name="内容占位符 2"/>
+          <p:cNvSpPr>
+            <a:spLocks noGrp="1"/>
+          </p:cNvSpPr>
+          <p:nvPr>
+            <p:ph idx="1"/>
+          </p:nvPr>
+        </p:nvSpPr>
+        <p:spPr/>
+        <p:txBody>
+          <a:bodyPr/>
+          <a:lstStyle/>
+          <a:p>
+            <a:endParaRPr lang="zh-CN" altLang="en-US" dirty="0"/>
+          </a:p>
+        </p:txBody>
+      </p:sp>
+    </p:spTree>
+    <p:extLst>
+      <p:ext uri="{BB962C8B-B14F-4D97-AF65-F5344CB8AC3E}">
+        <p14:creationId xmlns:p14="http://schemas.microsoft.com/office/powerpoint/2010/main" val="2432421567"/>
       </p:ext>
     </p:extLst>
   </p:cSld>

--- a/Assets/Slice/《资源管理——从理论到实践》.pptx
+++ b/Assets/Slice/《资源管理——从理论到实践》.pptx
@@ -5,7 +5,7 @@
     <p:sldMasterId id="2147483648" r:id="rId1"/>
   </p:sldMasterIdLst>
   <p:notesMasterIdLst>
-    <p:notesMasterId r:id="rId66"/>
+    <p:notesMasterId r:id="rId67"/>
   </p:notesMasterIdLst>
   <p:sldIdLst>
     <p:sldId id="256" r:id="rId2"/>
@@ -71,7 +71,8 @@
     <p:sldId id="325" r:id="rId62"/>
     <p:sldId id="326" r:id="rId63"/>
     <p:sldId id="327" r:id="rId64"/>
-    <p:sldId id="328" r:id="rId65"/>
+    <p:sldId id="329" r:id="rId65"/>
+    <p:sldId id="328" r:id="rId66"/>
   </p:sldIdLst>
   <p:sldSz cx="12192000" cy="6858000"/>
   <p:notesSz cx="6858000" cy="9144000"/>
@@ -238,6 +239,7 @@
             <p14:sldId id="325"/>
             <p14:sldId id="326"/>
             <p14:sldId id="327"/>
+            <p14:sldId id="329"/>
             <p14:sldId id="328"/>
           </p14:sldIdLst>
         </p14:section>
@@ -344,7 +346,7 @@
           <a:p>
             <a:fld id="{7B0657A4-61F4-49FE-9C30-08E1F108921E}" type="datetimeFigureOut">
               <a:rPr lang="zh-CN" altLang="en-US" smtClean="0"/>
-              <a:t>2020/7/17</a:t>
+              <a:t>2020/7/20</a:t>
             </a:fld>
             <a:endParaRPr lang="zh-CN" altLang="en-US"/>
           </a:p>
@@ -6118,7 +6120,7 @@
           <a:p>
             <a:fld id="{64FB0F02-C715-44D9-8321-6E1BF28D17A0}" type="datetimeFigureOut">
               <a:rPr lang="zh-CN" altLang="en-US" smtClean="0"/>
-              <a:t>2020/7/17</a:t>
+              <a:t>2020/7/20</a:t>
             </a:fld>
             <a:endParaRPr lang="zh-CN" altLang="en-US"/>
           </a:p>
@@ -6286,7 +6288,7 @@
           <a:p>
             <a:fld id="{64FB0F02-C715-44D9-8321-6E1BF28D17A0}" type="datetimeFigureOut">
               <a:rPr lang="zh-CN" altLang="en-US" smtClean="0"/>
-              <a:t>2020/7/17</a:t>
+              <a:t>2020/7/20</a:t>
             </a:fld>
             <a:endParaRPr lang="zh-CN" altLang="en-US"/>
           </a:p>
@@ -6464,7 +6466,7 @@
           <a:p>
             <a:fld id="{64FB0F02-C715-44D9-8321-6E1BF28D17A0}" type="datetimeFigureOut">
               <a:rPr lang="zh-CN" altLang="en-US" smtClean="0"/>
-              <a:t>2020/7/17</a:t>
+              <a:t>2020/7/20</a:t>
             </a:fld>
             <a:endParaRPr lang="zh-CN" altLang="en-US"/>
           </a:p>
@@ -6632,7 +6634,7 @@
           <a:p>
             <a:fld id="{64FB0F02-C715-44D9-8321-6E1BF28D17A0}" type="datetimeFigureOut">
               <a:rPr lang="zh-CN" altLang="en-US" smtClean="0"/>
-              <a:t>2020/7/17</a:t>
+              <a:t>2020/7/20</a:t>
             </a:fld>
             <a:endParaRPr lang="zh-CN" altLang="en-US"/>
           </a:p>
@@ -6877,7 +6879,7 @@
           <a:p>
             <a:fld id="{64FB0F02-C715-44D9-8321-6E1BF28D17A0}" type="datetimeFigureOut">
               <a:rPr lang="zh-CN" altLang="en-US" smtClean="0"/>
-              <a:t>2020/7/17</a:t>
+              <a:t>2020/7/20</a:t>
             </a:fld>
             <a:endParaRPr lang="zh-CN" altLang="en-US"/>
           </a:p>
@@ -7106,7 +7108,7 @@
           <a:p>
             <a:fld id="{64FB0F02-C715-44D9-8321-6E1BF28D17A0}" type="datetimeFigureOut">
               <a:rPr lang="zh-CN" altLang="en-US" smtClean="0"/>
-              <a:t>2020/7/17</a:t>
+              <a:t>2020/7/20</a:t>
             </a:fld>
             <a:endParaRPr lang="zh-CN" altLang="en-US"/>
           </a:p>
@@ -7470,7 +7472,7 @@
           <a:p>
             <a:fld id="{64FB0F02-C715-44D9-8321-6E1BF28D17A0}" type="datetimeFigureOut">
               <a:rPr lang="zh-CN" altLang="en-US" smtClean="0"/>
-              <a:t>2020/7/17</a:t>
+              <a:t>2020/7/20</a:t>
             </a:fld>
             <a:endParaRPr lang="zh-CN" altLang="en-US"/>
           </a:p>
@@ -7587,7 +7589,7 @@
           <a:p>
             <a:fld id="{64FB0F02-C715-44D9-8321-6E1BF28D17A0}" type="datetimeFigureOut">
               <a:rPr lang="zh-CN" altLang="en-US" smtClean="0"/>
-              <a:t>2020/7/17</a:t>
+              <a:t>2020/7/20</a:t>
             </a:fld>
             <a:endParaRPr lang="zh-CN" altLang="en-US"/>
           </a:p>
@@ -7682,7 +7684,7 @@
           <a:p>
             <a:fld id="{64FB0F02-C715-44D9-8321-6E1BF28D17A0}" type="datetimeFigureOut">
               <a:rPr lang="zh-CN" altLang="en-US" smtClean="0"/>
-              <a:t>2020/7/17</a:t>
+              <a:t>2020/7/20</a:t>
             </a:fld>
             <a:endParaRPr lang="zh-CN" altLang="en-US"/>
           </a:p>
@@ -7957,7 +7959,7 @@
           <a:p>
             <a:fld id="{64FB0F02-C715-44D9-8321-6E1BF28D17A0}" type="datetimeFigureOut">
               <a:rPr lang="zh-CN" altLang="en-US" smtClean="0"/>
-              <a:t>2020/7/17</a:t>
+              <a:t>2020/7/20</a:t>
             </a:fld>
             <a:endParaRPr lang="zh-CN" altLang="en-US"/>
           </a:p>
@@ -8209,7 +8211,7 @@
           <a:p>
             <a:fld id="{64FB0F02-C715-44D9-8321-6E1BF28D17A0}" type="datetimeFigureOut">
               <a:rPr lang="zh-CN" altLang="en-US" smtClean="0"/>
-              <a:t>2020/7/17</a:t>
+              <a:t>2020/7/20</a:t>
             </a:fld>
             <a:endParaRPr lang="zh-CN" altLang="en-US"/>
           </a:p>
@@ -8420,7 +8422,7 @@
           <a:p>
             <a:fld id="{64FB0F02-C715-44D9-8321-6E1BF28D17A0}" type="datetimeFigureOut">
               <a:rPr lang="zh-CN" altLang="en-US" smtClean="0"/>
-              <a:t>2020/7/17</a:t>
+              <a:t>2020/7/20</a:t>
             </a:fld>
             <a:endParaRPr lang="zh-CN" altLang="en-US"/>
           </a:p>
@@ -13601,11 +13603,7 @@
           <a:p>
             <a:r>
               <a:rPr lang="en-US" altLang="zh-CN" dirty="0" smtClean="0"/>
-              <a:t>No </a:t>
-            </a:r>
-            <a:r>
-              <a:rPr lang="en-US" altLang="zh-CN" dirty="0" smtClean="0"/>
-              <a:t>Update</a:t>
+              <a:t>No Update</a:t>
             </a:r>
           </a:p>
           <a:p>
@@ -15946,6 +15944,169 @@
 </file>
 
 <file path=ppt/slides/slide64.xml><?xml version="1.0" encoding="utf-8"?>
+<p:sld xmlns:a="http://schemas.openxmlformats.org/drawingml/2006/main" xmlns:r="http://schemas.openxmlformats.org/officeDocument/2006/relationships" xmlns:p="http://schemas.openxmlformats.org/presentationml/2006/main">
+  <p:cSld>
+    <p:spTree>
+      <p:nvGrpSpPr>
+        <p:cNvPr id="1" name=""/>
+        <p:cNvGrpSpPr/>
+        <p:nvPr/>
+      </p:nvGrpSpPr>
+      <p:grpSpPr>
+        <a:xfrm>
+          <a:off x="0" y="0"/>
+          <a:ext cx="0" cy="0"/>
+          <a:chOff x="0" y="0"/>
+          <a:chExt cx="0" cy="0"/>
+        </a:xfrm>
+      </p:grpSpPr>
+      <p:sp>
+        <p:nvSpPr>
+          <p:cNvPr id="2" name="标题 1"/>
+          <p:cNvSpPr>
+            <a:spLocks noGrp="1"/>
+          </p:cNvSpPr>
+          <p:nvPr>
+            <p:ph type="title"/>
+          </p:nvPr>
+        </p:nvSpPr>
+        <p:spPr/>
+        <p:txBody>
+          <a:bodyPr/>
+          <a:lstStyle/>
+          <a:p>
+            <a:r>
+              <a:rPr lang="zh-CN" altLang="en-US" dirty="0" smtClean="0"/>
+              <a:t>推荐阅读</a:t>
+            </a:r>
+            <a:endParaRPr lang="zh-CN" altLang="en-US" dirty="0"/>
+          </a:p>
+        </p:txBody>
+      </p:sp>
+      <p:sp>
+        <p:nvSpPr>
+          <p:cNvPr id="3" name="内容占位符 2"/>
+          <p:cNvSpPr>
+            <a:spLocks noGrp="1"/>
+          </p:cNvSpPr>
+          <p:nvPr>
+            <p:ph idx="1"/>
+          </p:nvPr>
+        </p:nvSpPr>
+        <p:spPr/>
+        <p:txBody>
+          <a:bodyPr>
+            <a:normAutofit/>
+          </a:bodyPr>
+          <a:lstStyle/>
+          <a:p>
+            <a:r>
+              <a:rPr lang="en-US" altLang="zh-CN" dirty="0">
+                <a:hlinkClick r:id="rId2"/>
+              </a:rPr>
+              <a:t>https://</a:t>
+            </a:r>
+            <a:r>
+              <a:rPr lang="en-US" altLang="zh-CN" dirty="0" smtClean="0">
+                <a:hlinkClick r:id="rId2"/>
+              </a:rPr>
+              <a:t>learn.unity.com/tutorial/assets-resources-and-assetbundles</a:t>
+            </a:r>
+            <a:r>
+              <a:rPr lang="en-US" altLang="zh-CN" dirty="0" smtClean="0"/>
+              <a:t>  </a:t>
+            </a:r>
+            <a:r>
+              <a:rPr lang="en-US" altLang="zh-CN" b="1" dirty="0"/>
+              <a:t>Assets, Resources and </a:t>
+            </a:r>
+            <a:r>
+              <a:rPr lang="en-US" altLang="zh-CN" b="1" dirty="0" err="1"/>
+              <a:t>AssetBundles</a:t>
+            </a:r>
+            <a:endParaRPr lang="en-US" altLang="zh-CN" b="1" dirty="0"/>
+          </a:p>
+          <a:p>
+            <a:endParaRPr lang="en-US" altLang="zh-CN" dirty="0" smtClean="0">
+              <a:hlinkClick r:id="rId3"/>
+            </a:endParaRPr>
+          </a:p>
+          <a:p>
+            <a:r>
+              <a:rPr lang="en-US" altLang="zh-CN" dirty="0" smtClean="0">
+                <a:hlinkClick r:id="rId3"/>
+              </a:rPr>
+              <a:t>https</a:t>
+            </a:r>
+            <a:r>
+              <a:rPr lang="en-US" altLang="zh-CN" dirty="0">
+                <a:hlinkClick r:id="rId3"/>
+              </a:rPr>
+              <a:t>://</a:t>
+            </a:r>
+            <a:r>
+              <a:rPr lang="en-US" altLang="zh-CN" dirty="0" smtClean="0">
+                <a:hlinkClick r:id="rId3"/>
+              </a:rPr>
+              <a:t>www.youtube.com/watch?v=YCh0PaVwagY&amp;list=WL&amp;index=3&amp;t=173s</a:t>
+            </a:r>
+            <a:r>
+              <a:rPr lang="en-US" altLang="zh-CN" dirty="0" smtClean="0"/>
+              <a:t>  </a:t>
+            </a:r>
+            <a:r>
+              <a:rPr lang="en-US" altLang="zh-CN" b="1" dirty="0"/>
+              <a:t>Asset Management Details That You Won't Find in the Manual</a:t>
+            </a:r>
+          </a:p>
+          <a:p>
+            <a:endParaRPr lang="en-US" altLang="zh-CN" dirty="0"/>
+          </a:p>
+          <a:p>
+            <a:r>
+              <a:rPr lang="en-US" altLang="zh-CN" dirty="0">
+                <a:hlinkClick r:id="rId4"/>
+              </a:rPr>
+              <a:t>https://</a:t>
+            </a:r>
+            <a:r>
+              <a:rPr lang="en-US" altLang="zh-CN" dirty="0" smtClean="0">
+                <a:hlinkClick r:id="rId4"/>
+              </a:rPr>
+              <a:t>www.bilibili.com/video/BV1Wv41167i2?from=search&amp;seid=15730066325884489804</a:t>
+            </a:r>
+            <a:r>
+              <a:rPr lang="zh-CN" altLang="en-US" dirty="0"/>
+              <a:t>详解</a:t>
+            </a:r>
+            <a:r>
+              <a:rPr lang="en-US" altLang="zh-CN" dirty="0"/>
+              <a:t>Unity Asset</a:t>
+            </a:r>
+            <a:r>
+              <a:rPr lang="zh-CN" altLang="en-US" dirty="0"/>
+              <a:t>的一生</a:t>
+            </a:r>
+          </a:p>
+          <a:p>
+            <a:endParaRPr lang="zh-CN" altLang="en-US" dirty="0"/>
+          </a:p>
+        </p:txBody>
+      </p:sp>
+    </p:spTree>
+    <p:extLst>
+      <p:ext uri="{BB962C8B-B14F-4D97-AF65-F5344CB8AC3E}">
+        <p14:creationId xmlns:p14="http://schemas.microsoft.com/office/powerpoint/2010/main" val="4030467655"/>
+      </p:ext>
+    </p:extLst>
+  </p:cSld>
+  <p:clrMapOvr>
+    <a:masterClrMapping/>
+  </p:clrMapOvr>
+</p:sld>
+</file>
+
+<file path=ppt/slides/slide65.xml><?xml version="1.0" encoding="utf-8"?>
 <p:sld xmlns:a="http://schemas.openxmlformats.org/drawingml/2006/main" xmlns:r="http://schemas.openxmlformats.org/officeDocument/2006/relationships" xmlns:p="http://schemas.openxmlformats.org/presentationml/2006/main">
   <p:cSld>
     <p:spTree>

--- a/Assets/Slice/《资源管理——从理论到实践》.pptx
+++ b/Assets/Slice/《资源管理——从理论到实践》.pptx
@@ -5,7 +5,7 @@
     <p:sldMasterId id="2147483648" r:id="rId1"/>
   </p:sldMasterIdLst>
   <p:notesMasterIdLst>
-    <p:notesMasterId r:id="rId67"/>
+    <p:notesMasterId r:id="rId68"/>
   </p:notesMasterIdLst>
   <p:sldIdLst>
     <p:sldId id="256" r:id="rId2"/>
@@ -72,7 +72,8 @@
     <p:sldId id="326" r:id="rId63"/>
     <p:sldId id="327" r:id="rId64"/>
     <p:sldId id="329" r:id="rId65"/>
-    <p:sldId id="328" r:id="rId66"/>
+    <p:sldId id="330" r:id="rId66"/>
+    <p:sldId id="328" r:id="rId67"/>
   </p:sldIdLst>
   <p:sldSz cx="12192000" cy="6858000"/>
   <p:notesSz cx="6858000" cy="9144000"/>
@@ -240,6 +241,7 @@
             <p14:sldId id="326"/>
             <p14:sldId id="327"/>
             <p14:sldId id="329"/>
+            <p14:sldId id="330"/>
             <p14:sldId id="328"/>
           </p14:sldIdLst>
         </p14:section>
@@ -16139,6 +16141,91 @@
           <a:lstStyle/>
           <a:p>
             <a:r>
+              <a:rPr lang="en-US" altLang="zh-CN" smtClean="0"/>
+              <a:t>Source Code</a:t>
+            </a:r>
+            <a:endParaRPr lang="zh-CN" altLang="en-US" dirty="0"/>
+          </a:p>
+        </p:txBody>
+      </p:sp>
+      <p:sp>
+        <p:nvSpPr>
+          <p:cNvPr id="3" name="内容占位符 2"/>
+          <p:cNvSpPr>
+            <a:spLocks noGrp="1"/>
+          </p:cNvSpPr>
+          <p:nvPr>
+            <p:ph idx="1"/>
+          </p:nvPr>
+        </p:nvSpPr>
+        <p:spPr/>
+        <p:txBody>
+          <a:bodyPr/>
+          <a:lstStyle/>
+          <a:p>
+            <a:r>
+              <a:rPr lang="en-US" altLang="zh-CN" dirty="0">
+                <a:hlinkClick r:id="rId2"/>
+              </a:rPr>
+              <a:t>https://github.com/xukunn1226/AssetManager</a:t>
+            </a:r>
+            <a:endParaRPr lang="zh-CN" altLang="en-US" dirty="0"/>
+          </a:p>
+        </p:txBody>
+      </p:sp>
+    </p:spTree>
+    <p:extLst>
+      <p:ext uri="{BB962C8B-B14F-4D97-AF65-F5344CB8AC3E}">
+        <p14:creationId xmlns:p14="http://schemas.microsoft.com/office/powerpoint/2010/main" val="2818326082"/>
+      </p:ext>
+    </p:extLst>
+  </p:cSld>
+  <p:clrMapOvr>
+    <a:masterClrMapping/>
+  </p:clrMapOvr>
+  <p:timing>
+    <p:tnLst>
+      <p:par>
+        <p:cTn id="1" dur="indefinite" restart="never" nodeType="tmRoot"/>
+      </p:par>
+    </p:tnLst>
+  </p:timing>
+</p:sld>
+</file>
+
+<file path=ppt/slides/slide66.xml><?xml version="1.0" encoding="utf-8"?>
+<p:sld xmlns:a="http://schemas.openxmlformats.org/drawingml/2006/main" xmlns:r="http://schemas.openxmlformats.org/officeDocument/2006/relationships" xmlns:p="http://schemas.openxmlformats.org/presentationml/2006/main">
+  <p:cSld>
+    <p:spTree>
+      <p:nvGrpSpPr>
+        <p:cNvPr id="1" name=""/>
+        <p:cNvGrpSpPr/>
+        <p:nvPr/>
+      </p:nvGrpSpPr>
+      <p:grpSpPr>
+        <a:xfrm>
+          <a:off x="0" y="0"/>
+          <a:ext cx="0" cy="0"/>
+          <a:chOff x="0" y="0"/>
+          <a:chExt cx="0" cy="0"/>
+        </a:xfrm>
+      </p:grpSpPr>
+      <p:sp>
+        <p:nvSpPr>
+          <p:cNvPr id="2" name="标题 1"/>
+          <p:cNvSpPr>
+            <a:spLocks noGrp="1"/>
+          </p:cNvSpPr>
+          <p:nvPr>
+            <p:ph type="title"/>
+          </p:nvPr>
+        </p:nvSpPr>
+        <p:spPr/>
+        <p:txBody>
+          <a:bodyPr/>
+          <a:lstStyle/>
+          <a:p>
+            <a:r>
               <a:rPr lang="en-US" altLang="zh-CN" dirty="0" smtClean="0"/>
               <a:t>Q&amp;A</a:t>
             </a:r>
@@ -16175,6 +16262,13 @@
   <p:clrMapOvr>
     <a:masterClrMapping/>
   </p:clrMapOvr>
+  <p:timing>
+    <p:tnLst>
+      <p:par>
+        <p:cTn id="1" dur="indefinite" restart="never" nodeType="tmRoot"/>
+      </p:par>
+    </p:tnLst>
+  </p:timing>
 </p:sld>
 </file>
 

--- a/Assets/Slice/《资源管理——从理论到实践》.pptx
+++ b/Assets/Slice/《资源管理——从理论到实践》.pptx
@@ -348,7 +348,7 @@
           <a:p>
             <a:fld id="{7B0657A4-61F4-49FE-9C30-08E1F108921E}" type="datetimeFigureOut">
               <a:rPr lang="zh-CN" altLang="en-US" smtClean="0"/>
-              <a:t>2020/7/20</a:t>
+              <a:t>2020/7/21</a:t>
             </a:fld>
             <a:endParaRPr lang="zh-CN" altLang="en-US"/>
           </a:p>
@@ -6122,7 +6122,7 @@
           <a:p>
             <a:fld id="{64FB0F02-C715-44D9-8321-6E1BF28D17A0}" type="datetimeFigureOut">
               <a:rPr lang="zh-CN" altLang="en-US" smtClean="0"/>
-              <a:t>2020/7/20</a:t>
+              <a:t>2020/7/21</a:t>
             </a:fld>
             <a:endParaRPr lang="zh-CN" altLang="en-US"/>
           </a:p>
@@ -6290,7 +6290,7 @@
           <a:p>
             <a:fld id="{64FB0F02-C715-44D9-8321-6E1BF28D17A0}" type="datetimeFigureOut">
               <a:rPr lang="zh-CN" altLang="en-US" smtClean="0"/>
-              <a:t>2020/7/20</a:t>
+              <a:t>2020/7/21</a:t>
             </a:fld>
             <a:endParaRPr lang="zh-CN" altLang="en-US"/>
           </a:p>
@@ -6468,7 +6468,7 @@
           <a:p>
             <a:fld id="{64FB0F02-C715-44D9-8321-6E1BF28D17A0}" type="datetimeFigureOut">
               <a:rPr lang="zh-CN" altLang="en-US" smtClean="0"/>
-              <a:t>2020/7/20</a:t>
+              <a:t>2020/7/21</a:t>
             </a:fld>
             <a:endParaRPr lang="zh-CN" altLang="en-US"/>
           </a:p>
@@ -6636,7 +6636,7 @@
           <a:p>
             <a:fld id="{64FB0F02-C715-44D9-8321-6E1BF28D17A0}" type="datetimeFigureOut">
               <a:rPr lang="zh-CN" altLang="en-US" smtClean="0"/>
-              <a:t>2020/7/20</a:t>
+              <a:t>2020/7/21</a:t>
             </a:fld>
             <a:endParaRPr lang="zh-CN" altLang="en-US"/>
           </a:p>
@@ -6881,7 +6881,7 @@
           <a:p>
             <a:fld id="{64FB0F02-C715-44D9-8321-6E1BF28D17A0}" type="datetimeFigureOut">
               <a:rPr lang="zh-CN" altLang="en-US" smtClean="0"/>
-              <a:t>2020/7/20</a:t>
+              <a:t>2020/7/21</a:t>
             </a:fld>
             <a:endParaRPr lang="zh-CN" altLang="en-US"/>
           </a:p>
@@ -7110,7 +7110,7 @@
           <a:p>
             <a:fld id="{64FB0F02-C715-44D9-8321-6E1BF28D17A0}" type="datetimeFigureOut">
               <a:rPr lang="zh-CN" altLang="en-US" smtClean="0"/>
-              <a:t>2020/7/20</a:t>
+              <a:t>2020/7/21</a:t>
             </a:fld>
             <a:endParaRPr lang="zh-CN" altLang="en-US"/>
           </a:p>
@@ -7474,7 +7474,7 @@
           <a:p>
             <a:fld id="{64FB0F02-C715-44D9-8321-6E1BF28D17A0}" type="datetimeFigureOut">
               <a:rPr lang="zh-CN" altLang="en-US" smtClean="0"/>
-              <a:t>2020/7/20</a:t>
+              <a:t>2020/7/21</a:t>
             </a:fld>
             <a:endParaRPr lang="zh-CN" altLang="en-US"/>
           </a:p>
@@ -7591,7 +7591,7 @@
           <a:p>
             <a:fld id="{64FB0F02-C715-44D9-8321-6E1BF28D17A0}" type="datetimeFigureOut">
               <a:rPr lang="zh-CN" altLang="en-US" smtClean="0"/>
-              <a:t>2020/7/20</a:t>
+              <a:t>2020/7/21</a:t>
             </a:fld>
             <a:endParaRPr lang="zh-CN" altLang="en-US"/>
           </a:p>
@@ -7686,7 +7686,7 @@
           <a:p>
             <a:fld id="{64FB0F02-C715-44D9-8321-6E1BF28D17A0}" type="datetimeFigureOut">
               <a:rPr lang="zh-CN" altLang="en-US" smtClean="0"/>
-              <a:t>2020/7/20</a:t>
+              <a:t>2020/7/21</a:t>
             </a:fld>
             <a:endParaRPr lang="zh-CN" altLang="en-US"/>
           </a:p>
@@ -7961,7 +7961,7 @@
           <a:p>
             <a:fld id="{64FB0F02-C715-44D9-8321-6E1BF28D17A0}" type="datetimeFigureOut">
               <a:rPr lang="zh-CN" altLang="en-US" smtClean="0"/>
-              <a:t>2020/7/20</a:t>
+              <a:t>2020/7/21</a:t>
             </a:fld>
             <a:endParaRPr lang="zh-CN" altLang="en-US"/>
           </a:p>
@@ -8213,7 +8213,7 @@
           <a:p>
             <a:fld id="{64FB0F02-C715-44D9-8321-6E1BF28D17A0}" type="datetimeFigureOut">
               <a:rPr lang="zh-CN" altLang="en-US" smtClean="0"/>
-              <a:t>2020/7/20</a:t>
+              <a:t>2020/7/21</a:t>
             </a:fld>
             <a:endParaRPr lang="zh-CN" altLang="en-US"/>
           </a:p>
@@ -8424,7 +8424,7 @@
           <a:p>
             <a:fld id="{64FB0F02-C715-44D9-8321-6E1BF28D17A0}" type="datetimeFigureOut">
               <a:rPr lang="zh-CN" altLang="en-US" smtClean="0"/>
-              <a:t>2020/7/20</a:t>
+              <a:t>2020/7/21</a:t>
             </a:fld>
             <a:endParaRPr lang="zh-CN" altLang="en-US"/>
           </a:p>
@@ -8912,6 +8912,13 @@
   <p:clrMapOvr>
     <a:masterClrMapping/>
   </p:clrMapOvr>
+  <p:timing>
+    <p:tnLst>
+      <p:par>
+        <p:cTn id="1" dur="indefinite" restart="never" nodeType="tmRoot"/>
+      </p:par>
+    </p:tnLst>
+  </p:timing>
 </p:sld>
 </file>
 
@@ -10084,6 +10091,13 @@
   <p:clrMapOvr>
     <a:masterClrMapping/>
   </p:clrMapOvr>
+  <p:timing>
+    <p:tnLst>
+      <p:par>
+        <p:cTn id="1" dur="indefinite" restart="never" nodeType="tmRoot"/>
+      </p:par>
+    </p:tnLst>
+  </p:timing>
 </p:sld>
 </file>
 
